--- a/John Nelson - DF15 - PowerPoint Presentation - Draft.pptx
+++ b/John Nelson - DF15 - PowerPoint Presentation - Draft.pptx
@@ -5,7 +5,7 @@
     <p:sldMasterId id="2147483681" r:id="rId1"/>
   </p:sldMasterIdLst>
   <p:notesMasterIdLst>
-    <p:notesMasterId r:id="rId22"/>
+    <p:notesMasterId r:id="rId23"/>
   </p:notesMasterIdLst>
   <p:sldIdLst>
     <p:sldId id="351" r:id="rId2"/>
@@ -19,15 +19,16 @@
     <p:sldId id="358" r:id="rId10"/>
     <p:sldId id="376" r:id="rId11"/>
     <p:sldId id="360" r:id="rId12"/>
-    <p:sldId id="377" r:id="rId13"/>
-    <p:sldId id="357" r:id="rId14"/>
-    <p:sldId id="378" r:id="rId15"/>
-    <p:sldId id="361" r:id="rId16"/>
+    <p:sldId id="357" r:id="rId13"/>
+    <p:sldId id="378" r:id="rId14"/>
+    <p:sldId id="361" r:id="rId15"/>
+    <p:sldId id="383" r:id="rId16"/>
     <p:sldId id="380" r:id="rId17"/>
-    <p:sldId id="379" r:id="rId18"/>
+    <p:sldId id="384" r:id="rId18"/>
     <p:sldId id="362" r:id="rId19"/>
-    <p:sldId id="369" r:id="rId20"/>
-    <p:sldId id="283" r:id="rId21"/>
+    <p:sldId id="385" r:id="rId20"/>
+    <p:sldId id="369" r:id="rId21"/>
+    <p:sldId id="386" r:id="rId22"/>
   </p:sldIdLst>
   <p:sldSz cx="12188825" cy="6858000"/>
   <p:notesSz cx="7010400" cy="9296400"/>
@@ -246,6 +247,9 @@
     <p:ext uri="{EFAFB233-063F-42B5-8137-9DF3F51BA10A}">
       <p15:sldGuideLst xmlns:p15="http://schemas.microsoft.com/office/powerpoint/2012/main"/>
     </p:ext>
+    <p:ext uri="{2D200454-40CA-4A62-9FC3-DE9A4176ACB9}">
+      <p15:notesGuideLst xmlns:p15="http://schemas.microsoft.com/office/powerpoint/2012/main"/>
+    </p:ext>
   </p:extLst>
 </p:presentation>
 </file>
@@ -2995,6 +2999,295 @@
 </file>
 
 <file path=ppt/notesSlides/notesSlide10.xml><?xml version="1.0" encoding="utf-8"?>
+<p:notes xmlns:a="http://schemas.openxmlformats.org/drawingml/2006/main" xmlns:r="http://schemas.openxmlformats.org/officeDocument/2006/relationships" xmlns:p="http://schemas.openxmlformats.org/presentationml/2006/main">
+  <p:cSld>
+    <p:spTree>
+      <p:nvGrpSpPr>
+        <p:cNvPr id="1" name=""/>
+        <p:cNvGrpSpPr/>
+        <p:nvPr/>
+      </p:nvGrpSpPr>
+      <p:grpSpPr>
+        <a:xfrm>
+          <a:off x="0" y="0"/>
+          <a:ext cx="0" cy="0"/>
+          <a:chOff x="0" y="0"/>
+          <a:chExt cx="0" cy="0"/>
+        </a:xfrm>
+      </p:grpSpPr>
+      <p:sp>
+        <p:nvSpPr>
+          <p:cNvPr id="2" name="Slide Image Placeholder 1"/>
+          <p:cNvSpPr>
+            <a:spLocks noGrp="1" noRot="1" noChangeAspect="1"/>
+          </p:cNvSpPr>
+          <p:nvPr>
+            <p:ph type="sldImg"/>
+          </p:nvPr>
+        </p:nvSpPr>
+        <p:spPr>
+          <a:xfrm>
+            <a:off x="407988" y="696913"/>
+            <a:ext cx="6194425" cy="3486150"/>
+          </a:xfrm>
+        </p:spPr>
+      </p:sp>
+      <p:sp>
+        <p:nvSpPr>
+          <p:cNvPr id="3" name="Notes Placeholder 2"/>
+          <p:cNvSpPr>
+            <a:spLocks noGrp="1"/>
+          </p:cNvSpPr>
+          <p:nvPr>
+            <p:ph type="body" idx="1"/>
+          </p:nvPr>
+        </p:nvSpPr>
+        <p:spPr/>
+        <p:txBody>
+          <a:bodyPr/>
+          <a:lstStyle/>
+          <a:p>
+            <a:r>
+              <a:rPr lang="en-US" dirty="0" smtClean="0"/>
+              <a:t>0) L</a:t>
+            </a:r>
+            <a:r>
+              <a:rPr lang="en-US" baseline="0" dirty="0" smtClean="0"/>
+              <a:t>ets examine some of the features of an editor vs an IDE to give Visual Studio Code some better context.</a:t>
+            </a:r>
+          </a:p>
+          <a:p>
+            <a:pPr marL="228600" indent="-228600">
+              <a:buAutoNum type="arabicParenR"/>
+            </a:pPr>
+            <a:r>
+              <a:rPr lang="en-US" baseline="0" dirty="0" smtClean="0"/>
+              <a:t>Starting off, a Text editor is supposed to be </a:t>
+            </a:r>
+            <a:r>
+              <a:rPr lang="en-US" baseline="0" dirty="0" err="1" smtClean="0"/>
+              <a:t>lighweight</a:t>
+            </a:r>
+            <a:r>
+              <a:rPr lang="en-US" baseline="0" dirty="0" smtClean="0"/>
+              <a:t> and fast.  Apps such as Notepad or Sublime Text are relatively small applications that open fast and attempt to get out of your way as much as possible. On the other hand, an IDE, like Eclipse or Visual Studio Professional, has a lot of menus, buttons, and features.</a:t>
+            </a:r>
+          </a:p>
+          <a:p>
+            <a:pPr marL="228600" indent="-228600">
+              <a:buAutoNum type="arabicParenR"/>
+            </a:pPr>
+            <a:r>
+              <a:rPr lang="en-US" baseline="0" dirty="0" smtClean="0"/>
+              <a:t>An editor has no idea of project structure and the only organization is done with folders.  An IDE has project and solution files.</a:t>
+            </a:r>
+          </a:p>
+          <a:p>
+            <a:pPr marL="228600" indent="-228600">
+              <a:buAutoNum type="arabicParenR"/>
+            </a:pPr>
+            <a:r>
+              <a:rPr lang="en-US" baseline="0" dirty="0" smtClean="0"/>
+              <a:t>An editor can work with any language that is text, but provides nothing else.  An IDE inspects every bit of your code and provides intelligent code completion, refactoring suggestions, and method signatures.</a:t>
+            </a:r>
+          </a:p>
+          <a:p>
+            <a:pPr marL="228600" indent="-228600">
+              <a:buAutoNum type="arabicParenR"/>
+            </a:pPr>
+            <a:r>
+              <a:rPr lang="en-US" baseline="0" dirty="0" smtClean="0"/>
+              <a:t>An IDE has an integrated build system, where you can do things like press F5 or click a “Play” button to start a project</a:t>
+            </a:r>
+          </a:p>
+          <a:p>
+            <a:pPr marL="228600" indent="-228600">
+              <a:buAutoNum type="arabicParenR"/>
+            </a:pPr>
+            <a:r>
+              <a:rPr lang="en-US" baseline="0" dirty="0" smtClean="0"/>
+              <a:t>An IDE has “File &gt; New” wizards, code design surfaces, and code generation.  </a:t>
+            </a:r>
+          </a:p>
+          <a:p>
+            <a:pPr marL="228600" indent="-228600">
+              <a:buAutoNum type="arabicParenR"/>
+            </a:pPr>
+            <a:r>
+              <a:rPr lang="en-US" baseline="0" dirty="0" smtClean="0"/>
+              <a:t>It also has the ability to debug and provides platform specific tooling</a:t>
+            </a:r>
+          </a:p>
+          <a:p>
+            <a:pPr marL="228600" indent="-228600">
+              <a:buAutoNum type="arabicParenR"/>
+            </a:pPr>
+            <a:r>
+              <a:rPr lang="en-US" dirty="0" smtClean="0"/>
+              <a:t>And</a:t>
+            </a:r>
+            <a:r>
+              <a:rPr lang="en-US" baseline="0" dirty="0" smtClean="0"/>
+              <a:t> t</a:t>
+            </a:r>
+            <a:r>
+              <a:rPr lang="en-US" dirty="0" smtClean="0"/>
+              <a:t>his is about where</a:t>
+            </a:r>
+            <a:r>
+              <a:rPr lang="en-US" baseline="0" dirty="0" smtClean="0"/>
+              <a:t> Visual Studio Code fits on the continuum.</a:t>
+            </a:r>
+          </a:p>
+          <a:p>
+            <a:pPr marL="228600" indent="-228600">
+              <a:buAutoNum type="arabicParenR"/>
+            </a:pPr>
+            <a:r>
+              <a:rPr lang="en-US" baseline="0" dirty="0" smtClean="0"/>
+              <a:t>It’s small, coming in under 70mb on a Mac.  </a:t>
+            </a:r>
+            <a:br>
+              <a:rPr lang="en-US" baseline="0" dirty="0" smtClean="0"/>
+            </a:br>
+            <a:r>
+              <a:rPr lang="en-US" baseline="0" dirty="0" smtClean="0"/>
+              <a:t>It’s fast: typically launching in less than 3 seconds to a blinking cursor.  </a:t>
+            </a:r>
+            <a:br>
+              <a:rPr lang="en-US" baseline="0" dirty="0" smtClean="0"/>
+            </a:br>
+            <a:r>
+              <a:rPr lang="en-US" baseline="0" dirty="0" smtClean="0"/>
+              <a:t>And it has a keyboard centric design with an extensive list of customizable shortcuts.</a:t>
+            </a:r>
+          </a:p>
+          <a:p>
+            <a:pPr marL="228600" indent="-228600">
+              <a:buAutoNum type="arabicParenR"/>
+            </a:pPr>
+            <a:r>
+              <a:rPr lang="en-US" baseline="0" dirty="0" smtClean="0"/>
+              <a:t>But it also has some features that typically belong to an IDE.  It has a project settings folder for project level customizations, but the editor favors convention over configuration, so project files are not required.  It has syntax highlighting 35+ languages and growing.  It has a built in Task runner.  It has incredible </a:t>
+            </a:r>
+            <a:r>
+              <a:rPr lang="en-US" baseline="0" dirty="0" err="1" smtClean="0"/>
+              <a:t>Git</a:t>
+            </a:r>
+            <a:r>
+              <a:rPr lang="en-US" baseline="0" dirty="0" smtClean="0"/>
+              <a:t> support baked in. </a:t>
+            </a:r>
+            <a:br>
+              <a:rPr lang="en-US" baseline="0" dirty="0" smtClean="0"/>
+            </a:br>
+            <a:r>
+              <a:rPr lang="en-US" baseline="0" dirty="0" smtClean="0"/>
+              <a:t/>
+            </a:r>
+            <a:br>
+              <a:rPr lang="en-US" baseline="0" dirty="0" smtClean="0"/>
+            </a:br>
+            <a:r>
+              <a:rPr lang="en-US" baseline="0" dirty="0" smtClean="0"/>
+              <a:t>It has a </a:t>
+            </a:r>
+            <a:r>
+              <a:rPr lang="en-US" baseline="0" dirty="0" err="1" smtClean="0"/>
+              <a:t>launch.json</a:t>
+            </a:r>
+            <a:r>
+              <a:rPr lang="en-US" baseline="0" dirty="0" smtClean="0"/>
+              <a:t> file which controls a </a:t>
+            </a:r>
+            <a:r>
+              <a:rPr lang="en-US" baseline="0" dirty="0" err="1" smtClean="0"/>
+              <a:t>Node.js</a:t>
+            </a:r>
+            <a:r>
+              <a:rPr lang="en-US" baseline="0" dirty="0" smtClean="0"/>
+              <a:t> debugger that can be started with a Play button!  This editor has a really great </a:t>
+            </a:r>
+            <a:r>
+              <a:rPr lang="en-US" baseline="0" dirty="0" err="1" smtClean="0"/>
+              <a:t>Node.js</a:t>
+            </a:r>
+            <a:r>
+              <a:rPr lang="en-US" baseline="0" dirty="0" smtClean="0"/>
+              <a:t> debugger. </a:t>
+            </a:r>
+            <a:br>
+              <a:rPr lang="en-US" baseline="0" dirty="0" smtClean="0"/>
+            </a:br>
+            <a:r>
+              <a:rPr lang="en-US" baseline="0" dirty="0" smtClean="0"/>
+              <a:t/>
+            </a:r>
+            <a:br>
+              <a:rPr lang="en-US" baseline="0" dirty="0" smtClean="0"/>
+            </a:br>
+            <a:r>
+              <a:rPr lang="en-US" baseline="0" dirty="0" smtClean="0"/>
+              <a:t>But the biggest win, in my opinion, is </a:t>
+            </a:r>
+            <a:r>
+              <a:rPr lang="en-US" baseline="0" dirty="0" err="1" smtClean="0"/>
+              <a:t>VSCode</a:t>
+            </a:r>
+            <a:r>
+              <a:rPr lang="en-US" baseline="0" dirty="0" smtClean="0"/>
+              <a:t> has </a:t>
+            </a:r>
+            <a:r>
+              <a:rPr lang="en-US" baseline="0" dirty="0" err="1" smtClean="0"/>
+              <a:t>Intellisense</a:t>
+            </a:r>
+            <a:r>
+              <a:rPr lang="en-US" baseline="0" dirty="0" smtClean="0"/>
+              <a:t> for JavaScript! It’s a feature that really sets this editor apart from any other, real </a:t>
+            </a:r>
+            <a:r>
+              <a:rPr lang="en-US" baseline="0" dirty="0" err="1" smtClean="0"/>
+              <a:t>Javascript</a:t>
+            </a:r>
+            <a:r>
+              <a:rPr lang="en-US" baseline="0" dirty="0" smtClean="0"/>
+              <a:t> </a:t>
+            </a:r>
+            <a:r>
+              <a:rPr lang="en-US" baseline="0" dirty="0" err="1" smtClean="0"/>
+              <a:t>Intellisense</a:t>
+            </a:r>
+            <a:r>
+              <a:rPr lang="en-US" baseline="0" dirty="0" smtClean="0"/>
+              <a:t>, supported with </a:t>
+            </a:r>
+            <a:r>
+              <a:rPr lang="en-US" baseline="0" dirty="0" err="1" smtClean="0"/>
+              <a:t>TypeScript</a:t>
+            </a:r>
+            <a:r>
+              <a:rPr lang="en-US" baseline="0" dirty="0" smtClean="0"/>
+              <a:t> definition files that are as easy to install as right-clicking on a supported library in your code.</a:t>
+            </a:r>
+            <a:endParaRPr lang="en-US" dirty="0"/>
+          </a:p>
+        </p:txBody>
+      </p:sp>
+    </p:spTree>
+    <p:extLst>
+      <p:ext uri="{BB962C8B-B14F-4D97-AF65-F5344CB8AC3E}">
+        <p14:creationId xmlns:p14="http://schemas.microsoft.com/office/powerpoint/2010/main" val="261597643"/>
+      </p:ext>
+    </p:extLst>
+  </p:cSld>
+  <p:clrMapOvr>
+    <a:masterClrMapping/>
+  </p:clrMapOvr>
+</p:notes>
+</file>
+
+<file path=ppt/notesSlides/notesSlide11.xml><?xml version="1.0" encoding="utf-8"?>
 <p:notes xmlns:a="http://schemas.openxmlformats.org/drawingml/2006/main" xmlns:r="http://schemas.openxmlformats.org/officeDocument/2006/relationships" xmlns:p="http://schemas.openxmlformats.org/presentationml/2006/main" showMasterSp="0" showMasterPhAnim="0">
   <p:cSld>
     <p:spTree>
@@ -3042,7 +3335,11 @@
               </a:spcBef>
               <a:buNone/>
             </a:pPr>
-            <a:endParaRPr/>
+            <a:r>
+              <a:rPr lang="en-US" dirty="0" smtClean="0"/>
+              <a:t>So how </a:t>
+            </a:r>
+            <a:endParaRPr dirty="0"/>
           </a:p>
         </p:txBody>
       </p:sp>
@@ -3100,7 +3397,7 @@
     </p:spTree>
     <p:extLst>
       <p:ext uri="{BB962C8B-B14F-4D97-AF65-F5344CB8AC3E}">
-        <p14:creationId xmlns:p14="http://schemas.microsoft.com/office/powerpoint/2010/main" val="1687283904"/>
+        <p14:creationId xmlns:p14="http://schemas.microsoft.com/office/powerpoint/2010/main" val="1354748288"/>
       </p:ext>
     </p:extLst>
   </p:cSld>
@@ -3110,7 +3407,363 @@
 </p:notes>
 </file>
 
-<file path=ppt/notesSlides/notesSlide11.xml><?xml version="1.0" encoding="utf-8"?>
+<file path=ppt/notesSlides/notesSlide12.xml><?xml version="1.0" encoding="utf-8"?>
+<p:notes xmlns:a="http://schemas.openxmlformats.org/drawingml/2006/main" xmlns:r="http://schemas.openxmlformats.org/officeDocument/2006/relationships" xmlns:p="http://schemas.openxmlformats.org/presentationml/2006/main" showMasterSp="0" showMasterPhAnim="0">
+  <p:cSld>
+    <p:spTree>
+      <p:nvGrpSpPr>
+        <p:cNvPr id="1" name="Shape 460"/>
+        <p:cNvGrpSpPr/>
+        <p:nvPr/>
+      </p:nvGrpSpPr>
+      <p:grpSpPr>
+        <a:xfrm>
+          <a:off x="0" y="0"/>
+          <a:ext cx="0" cy="0"/>
+          <a:chOff x="0" y="0"/>
+          <a:chExt cx="0" cy="0"/>
+        </a:xfrm>
+      </p:grpSpPr>
+      <p:sp>
+        <p:nvSpPr>
+          <p:cNvPr id="461" name="Shape 461"/>
+          <p:cNvSpPr txBox="1">
+            <a:spLocks noGrp="1"/>
+          </p:cNvSpPr>
+          <p:nvPr>
+            <p:ph type="body" idx="1"/>
+          </p:nvPr>
+        </p:nvSpPr>
+        <p:spPr>
+          <a:xfrm>
+            <a:off x="407987" y="4415789"/>
+            <a:ext cx="6194425" cy="4183379"/>
+          </a:xfrm>
+          <a:prstGeom prst="rect">
+            <a:avLst/>
+          </a:prstGeom>
+        </p:spPr>
+        <p:txBody>
+          <a:bodyPr lIns="91425" tIns="91425" rIns="91425" bIns="91425" anchor="t" anchorCtr="0">
+            <a:noAutofit/>
+          </a:bodyPr>
+          <a:lstStyle/>
+          <a:p>
+            <a:pPr>
+              <a:spcBef>
+                <a:spcPts val="0"/>
+              </a:spcBef>
+              <a:buNone/>
+            </a:pPr>
+            <a:r>
+              <a:rPr lang="en-US" dirty="0" smtClean="0"/>
+              <a:t>I mentioned earlier that </a:t>
+            </a:r>
+            <a:r>
+              <a:rPr lang="en-US" dirty="0" err="1" smtClean="0"/>
+              <a:t>VSCode</a:t>
+            </a:r>
+            <a:r>
+              <a:rPr lang="en-US" dirty="0" smtClean="0"/>
+              <a:t> has great language support for 35+ languages.</a:t>
+            </a:r>
+          </a:p>
+          <a:p>
+            <a:pPr>
+              <a:spcBef>
+                <a:spcPts val="0"/>
+              </a:spcBef>
+              <a:buNone/>
+            </a:pPr>
+            <a:endParaRPr lang="en-US" dirty="0" smtClean="0"/>
+          </a:p>
+          <a:p>
+            <a:pPr>
+              <a:spcBef>
+                <a:spcPts val="0"/>
+              </a:spcBef>
+              <a:buNone/>
+            </a:pPr>
+            <a:r>
+              <a:rPr lang="en-US" dirty="0" smtClean="0"/>
+              <a:t>Well you can add</a:t>
+            </a:r>
+            <a:r>
+              <a:rPr lang="en-US" baseline="0" dirty="0" smtClean="0"/>
+              <a:t> Apex and </a:t>
+            </a:r>
+            <a:r>
+              <a:rPr lang="en-US" baseline="0" dirty="0" err="1" smtClean="0"/>
+              <a:t>Visualforce</a:t>
+            </a:r>
+            <a:r>
+              <a:rPr lang="en-US" baseline="0" dirty="0" smtClean="0"/>
+              <a:t> to the list.</a:t>
+            </a:r>
+          </a:p>
+          <a:p>
+            <a:pPr>
+              <a:spcBef>
+                <a:spcPts val="0"/>
+              </a:spcBef>
+              <a:buNone/>
+            </a:pPr>
+            <a:endParaRPr lang="en-US" baseline="0" dirty="0" smtClean="0"/>
+          </a:p>
+          <a:p>
+            <a:pPr>
+              <a:spcBef>
+                <a:spcPts val="0"/>
+              </a:spcBef>
+              <a:buNone/>
+            </a:pPr>
+            <a:r>
+              <a:rPr lang="en-US" baseline="0" dirty="0" smtClean="0"/>
+              <a:t>With the magic of Open Source, we can import the appropriate Syntaxes and Snippets for Salesforce language support in Visual Studio Code.</a:t>
+            </a:r>
+          </a:p>
+          <a:p>
+            <a:pPr>
+              <a:spcBef>
+                <a:spcPts val="0"/>
+              </a:spcBef>
+              <a:buNone/>
+            </a:pPr>
+            <a:endParaRPr lang="en-US" dirty="0" smtClean="0"/>
+          </a:p>
+          <a:p>
+            <a:pPr>
+              <a:spcBef>
+                <a:spcPts val="0"/>
+              </a:spcBef>
+              <a:buNone/>
+            </a:pPr>
+            <a:r>
+              <a:rPr lang="en-US" dirty="0" smtClean="0"/>
+              <a:t>Wow!</a:t>
+            </a:r>
+            <a:r>
+              <a:rPr lang="en-US" baseline="0" dirty="0" smtClean="0"/>
+              <a:t>  So we can edit any Salesforce file in </a:t>
+            </a:r>
+            <a:r>
+              <a:rPr lang="en-US" baseline="0" dirty="0" err="1" smtClean="0"/>
+              <a:t>VSCode</a:t>
+            </a:r>
+            <a:r>
+              <a:rPr lang="en-US" baseline="0" dirty="0" smtClean="0"/>
+              <a:t>, with Colored Syntax highlighting, bracket matching, and indentation.</a:t>
+            </a:r>
+          </a:p>
+          <a:p>
+            <a:pPr>
+              <a:spcBef>
+                <a:spcPts val="0"/>
+              </a:spcBef>
+              <a:buNone/>
+            </a:pPr>
+            <a:endParaRPr lang="en-US" dirty="0" smtClean="0"/>
+          </a:p>
+          <a:p>
+            <a:pPr>
+              <a:spcBef>
+                <a:spcPts val="0"/>
+              </a:spcBef>
+              <a:buNone/>
+            </a:pPr>
+            <a:r>
+              <a:rPr lang="en-US" dirty="0" smtClean="0"/>
+              <a:t>That’s cool.  But what about that</a:t>
+            </a:r>
+            <a:r>
+              <a:rPr lang="en-US" baseline="0" dirty="0" smtClean="0"/>
+              <a:t> workflow we were supposed to be talking about?</a:t>
+            </a:r>
+            <a:endParaRPr dirty="0"/>
+          </a:p>
+        </p:txBody>
+      </p:sp>
+      <p:sp>
+        <p:nvSpPr>
+          <p:cNvPr id="462" name="Shape 462"/>
+          <p:cNvSpPr>
+            <a:spLocks noGrp="1" noRot="1" noChangeAspect="1"/>
+          </p:cNvSpPr>
+          <p:nvPr>
+            <p:ph type="sldImg" idx="2"/>
+          </p:nvPr>
+        </p:nvSpPr>
+        <p:spPr>
+          <a:xfrm>
+            <a:off x="407988" y="696913"/>
+            <a:ext cx="6194425" cy="3486150"/>
+          </a:xfrm>
+          <a:custGeom>
+            <a:avLst/>
+            <a:gdLst/>
+            <a:ahLst/>
+            <a:cxnLst/>
+            <a:rect l="0" t="0" r="0" b="0"/>
+            <a:pathLst>
+              <a:path w="120000" h="120000" extrusionOk="0">
+                <a:moveTo>
+                  <a:pt x="0" y="0"/>
+                </a:moveTo>
+                <a:lnTo>
+                  <a:pt x="120000" y="0"/>
+                </a:lnTo>
+                <a:lnTo>
+                  <a:pt x="120000" y="120000"/>
+                </a:lnTo>
+                <a:lnTo>
+                  <a:pt x="0" y="120000"/>
+                </a:lnTo>
+                <a:close/>
+              </a:path>
+            </a:pathLst>
+          </a:custGeom>
+          <a:noFill/>
+          <a:ln w="9525" cap="flat" cmpd="sng">
+            <a:solidFill>
+              <a:srgbClr val="000000"/>
+            </a:solidFill>
+            <a:prstDash val="solid"/>
+            <a:round/>
+            <a:headEnd type="none" w="med" len="med"/>
+            <a:tailEnd type="none" w="med" len="med"/>
+          </a:ln>
+        </p:spPr>
+      </p:sp>
+    </p:spTree>
+    <p:extLst>
+      <p:ext uri="{BB962C8B-B14F-4D97-AF65-F5344CB8AC3E}">
+        <p14:creationId xmlns:p14="http://schemas.microsoft.com/office/powerpoint/2010/main" val="1896249656"/>
+      </p:ext>
+    </p:extLst>
+  </p:cSld>
+  <p:clrMapOvr>
+    <a:masterClrMapping/>
+  </p:clrMapOvr>
+</p:notes>
+</file>
+
+<file path=ppt/notesSlides/notesSlide13.xml><?xml version="1.0" encoding="utf-8"?>
+<p:notes xmlns:a="http://schemas.openxmlformats.org/drawingml/2006/main" xmlns:r="http://schemas.openxmlformats.org/officeDocument/2006/relationships" xmlns:p="http://schemas.openxmlformats.org/presentationml/2006/main" showMasterSp="0" showMasterPhAnim="0">
+  <p:cSld>
+    <p:spTree>
+      <p:nvGrpSpPr>
+        <p:cNvPr id="1" name="Shape 841"/>
+        <p:cNvGrpSpPr/>
+        <p:nvPr/>
+      </p:nvGrpSpPr>
+      <p:grpSpPr>
+        <a:xfrm>
+          <a:off x="0" y="0"/>
+          <a:ext cx="0" cy="0"/>
+          <a:chOff x="0" y="0"/>
+          <a:chExt cx="0" cy="0"/>
+        </a:xfrm>
+      </p:grpSpPr>
+      <p:sp>
+        <p:nvSpPr>
+          <p:cNvPr id="842" name="Shape 842"/>
+          <p:cNvSpPr txBox="1">
+            <a:spLocks noGrp="1"/>
+          </p:cNvSpPr>
+          <p:nvPr>
+            <p:ph type="body" idx="1"/>
+          </p:nvPr>
+        </p:nvSpPr>
+        <p:spPr>
+          <a:xfrm>
+            <a:off x="407987" y="4415789"/>
+            <a:ext cx="6194425" cy="4183379"/>
+          </a:xfrm>
+          <a:prstGeom prst="rect">
+            <a:avLst/>
+          </a:prstGeom>
+        </p:spPr>
+        <p:txBody>
+          <a:bodyPr lIns="91425" tIns="91425" rIns="91425" bIns="91425" anchor="t" anchorCtr="0">
+            <a:noAutofit/>
+          </a:bodyPr>
+          <a:lstStyle/>
+          <a:p>
+            <a:pPr>
+              <a:spcBef>
+                <a:spcPts val="0"/>
+              </a:spcBef>
+              <a:buNone/>
+            </a:pPr>
+            <a:endParaRPr dirty="0"/>
+          </a:p>
+        </p:txBody>
+      </p:sp>
+      <p:sp>
+        <p:nvSpPr>
+          <p:cNvPr id="843" name="Shape 843"/>
+          <p:cNvSpPr>
+            <a:spLocks noGrp="1" noRot="1" noChangeAspect="1"/>
+          </p:cNvSpPr>
+          <p:nvPr>
+            <p:ph type="sldImg" idx="2"/>
+          </p:nvPr>
+        </p:nvSpPr>
+        <p:spPr>
+          <a:xfrm>
+            <a:off x="407988" y="696913"/>
+            <a:ext cx="6194425" cy="3486150"/>
+          </a:xfrm>
+          <a:custGeom>
+            <a:avLst/>
+            <a:gdLst/>
+            <a:ahLst/>
+            <a:cxnLst/>
+            <a:rect l="0" t="0" r="0" b="0"/>
+            <a:pathLst>
+              <a:path w="120000" h="120000" extrusionOk="0">
+                <a:moveTo>
+                  <a:pt x="0" y="0"/>
+                </a:moveTo>
+                <a:lnTo>
+                  <a:pt x="120000" y="0"/>
+                </a:lnTo>
+                <a:lnTo>
+                  <a:pt x="120000" y="120000"/>
+                </a:lnTo>
+                <a:lnTo>
+                  <a:pt x="0" y="120000"/>
+                </a:lnTo>
+                <a:close/>
+              </a:path>
+            </a:pathLst>
+          </a:custGeom>
+          <a:noFill/>
+          <a:ln w="9525" cap="flat" cmpd="sng">
+            <a:solidFill>
+              <a:srgbClr val="000000"/>
+            </a:solidFill>
+            <a:prstDash val="solid"/>
+            <a:round/>
+            <a:headEnd type="none" w="med" len="med"/>
+            <a:tailEnd type="none" w="med" len="med"/>
+          </a:ln>
+        </p:spPr>
+      </p:sp>
+    </p:spTree>
+    <p:extLst>
+      <p:ext uri="{BB962C8B-B14F-4D97-AF65-F5344CB8AC3E}">
+        <p14:creationId xmlns:p14="http://schemas.microsoft.com/office/powerpoint/2010/main" val="977614352"/>
+      </p:ext>
+    </p:extLst>
+  </p:cSld>
+  <p:clrMapOvr>
+    <a:masterClrMapping/>
+  </p:clrMapOvr>
+</p:notes>
+</file>
+
+<file path=ppt/notesSlides/notesSlide14.xml><?xml version="1.0" encoding="utf-8"?>
 <p:notes xmlns:a="http://schemas.openxmlformats.org/drawingml/2006/main" xmlns:r="http://schemas.openxmlformats.org/officeDocument/2006/relationships" xmlns:p="http://schemas.openxmlformats.org/presentationml/2006/main">
   <p:cSld>
     <p:spTree>
@@ -3180,15 +3833,363 @@
             </a:pPr>
             <a:r>
               <a:rPr lang="en-US" dirty="0" smtClean="0"/>
-              <a:t>Build a Salesforce </a:t>
-            </a:r>
-            <a:r>
-              <a:rPr lang="en-US" dirty="0" err="1" smtClean="0"/>
-              <a:t>Javascript</a:t>
-            </a:r>
-            <a:r>
-              <a:rPr lang="en-US" dirty="0" smtClean="0"/>
-              <a:t> SPA</a:t>
+              <a:t>0) Great!  So we can edit Salesforce files</a:t>
+            </a:r>
+            <a:r>
+              <a:rPr lang="en-US" baseline="0" dirty="0" smtClean="0"/>
+              <a:t> in Visual Studio Code.  But, how to we get them from Visual Studio Code</a:t>
+            </a:r>
+          </a:p>
+          <a:p>
+            <a:pPr marL="228600" marR="0" indent="-228600" algn="l" defTabSz="914400" rtl="0" eaLnBrk="1" fontAlgn="auto" latinLnBrk="0" hangingPunct="1">
+              <a:lnSpc>
+                <a:spcPct val="100000"/>
+              </a:lnSpc>
+              <a:spcBef>
+                <a:spcPts val="0"/>
+              </a:spcBef>
+              <a:spcAft>
+                <a:spcPts val="0"/>
+              </a:spcAft>
+              <a:buClr>
+                <a:schemeClr val="dk1"/>
+              </a:buClr>
+              <a:buSzTx/>
+              <a:buFont typeface="Arial"/>
+              <a:buAutoNum type="arabicParenR"/>
+              <a:tabLst/>
+              <a:defRPr/>
+            </a:pPr>
+            <a:r>
+              <a:rPr lang="en-US" baseline="0" dirty="0" smtClean="0"/>
+              <a:t>And up to Salesforce?</a:t>
+            </a:r>
+          </a:p>
+          <a:p>
+            <a:pPr marL="228600" marR="0" indent="-228600" algn="l" defTabSz="914400" rtl="0" eaLnBrk="1" fontAlgn="auto" latinLnBrk="0" hangingPunct="1">
+              <a:lnSpc>
+                <a:spcPct val="100000"/>
+              </a:lnSpc>
+              <a:spcBef>
+                <a:spcPts val="0"/>
+              </a:spcBef>
+              <a:spcAft>
+                <a:spcPts val="0"/>
+              </a:spcAft>
+              <a:buClr>
+                <a:schemeClr val="dk1"/>
+              </a:buClr>
+              <a:buSzTx/>
+              <a:buFont typeface="Arial"/>
+              <a:buAutoNum type="arabicParenR"/>
+              <a:tabLst/>
+              <a:defRPr/>
+            </a:pPr>
+            <a:r>
+              <a:rPr lang="en-US" baseline="0" dirty="0" smtClean="0"/>
+              <a:t>Well, another great feature of Visual Studio Code is it’s ability to run Tasks</a:t>
+            </a:r>
+          </a:p>
+          <a:p>
+            <a:pPr marL="228600" marR="0" indent="-228600" algn="l" defTabSz="914400" rtl="0" eaLnBrk="1" fontAlgn="auto" latinLnBrk="0" hangingPunct="1">
+              <a:lnSpc>
+                <a:spcPct val="100000"/>
+              </a:lnSpc>
+              <a:spcBef>
+                <a:spcPts val="0"/>
+              </a:spcBef>
+              <a:spcAft>
+                <a:spcPts val="0"/>
+              </a:spcAft>
+              <a:buClr>
+                <a:schemeClr val="dk1"/>
+              </a:buClr>
+              <a:buSzTx/>
+              <a:buFont typeface="Arial"/>
+              <a:buAutoNum type="arabicParenR"/>
+              <a:tabLst/>
+              <a:defRPr/>
+            </a:pPr>
+            <a:r>
+              <a:rPr lang="en-US" baseline="0" dirty="0" smtClean="0"/>
+              <a:t>Specifically, use the </a:t>
+            </a:r>
+            <a:r>
+              <a:rPr lang="en-US" baseline="0" dirty="0" err="1" smtClean="0"/>
+              <a:t>tasks.json</a:t>
+            </a:r>
+            <a:r>
+              <a:rPr lang="en-US" baseline="0" dirty="0" smtClean="0"/>
+              <a:t> file which we use to wrap a Gulp File.</a:t>
+            </a:r>
+          </a:p>
+          <a:p>
+            <a:pPr marL="228600" marR="0" indent="-228600" algn="l" defTabSz="914400" rtl="0" eaLnBrk="1" fontAlgn="auto" latinLnBrk="0" hangingPunct="1">
+              <a:lnSpc>
+                <a:spcPct val="100000"/>
+              </a:lnSpc>
+              <a:spcBef>
+                <a:spcPts val="0"/>
+              </a:spcBef>
+              <a:spcAft>
+                <a:spcPts val="0"/>
+              </a:spcAft>
+              <a:buClr>
+                <a:schemeClr val="dk1"/>
+              </a:buClr>
+              <a:buSzTx/>
+              <a:buFont typeface="Arial"/>
+              <a:buAutoNum type="arabicParenR"/>
+              <a:tabLst/>
+              <a:defRPr/>
+            </a:pPr>
+            <a:r>
+              <a:rPr lang="en-US" baseline="0" dirty="0" smtClean="0"/>
+              <a:t>VS Code also supports Gulp, Jake, and Grunt task runner files, natively, without using the </a:t>
+            </a:r>
+            <a:r>
+              <a:rPr lang="en-US" baseline="0" dirty="0" err="1" smtClean="0"/>
+              <a:t>tasks.json</a:t>
+            </a:r>
+            <a:r>
+              <a:rPr lang="en-US" baseline="0" dirty="0" smtClean="0"/>
+              <a:t> file, but </a:t>
+            </a:r>
+            <a:r>
+              <a:rPr lang="en-US" baseline="0" dirty="0" err="1" smtClean="0"/>
+              <a:t>tasks.json</a:t>
+            </a:r>
+            <a:r>
+              <a:rPr lang="en-US" baseline="0" dirty="0" smtClean="0"/>
+              <a:t> has special variables, like the current filename and path, and has “problem watcher” support so we can capture any errors from our build tools and get them right in the Editor window, with line highlighting and all!</a:t>
+            </a:r>
+            <a:br>
+              <a:rPr lang="en-US" baseline="0" dirty="0" smtClean="0"/>
+            </a:br>
+            <a:r>
+              <a:rPr lang="en-US" baseline="0" dirty="0" smtClean="0"/>
+              <a:t/>
+            </a:r>
+            <a:br>
+              <a:rPr lang="en-US" baseline="0" dirty="0" smtClean="0"/>
+            </a:br>
+            <a:r>
+              <a:rPr lang="en-US" baseline="0" dirty="0" smtClean="0"/>
+              <a:t>Great! So we can run tasks.  What are we going to do with those tasks?</a:t>
+            </a:r>
+          </a:p>
+          <a:p>
+            <a:pPr marL="228600" marR="0" indent="-228600" algn="l" defTabSz="914400" rtl="0" eaLnBrk="1" fontAlgn="auto" latinLnBrk="0" hangingPunct="1">
+              <a:lnSpc>
+                <a:spcPct val="100000"/>
+              </a:lnSpc>
+              <a:spcBef>
+                <a:spcPts val="0"/>
+              </a:spcBef>
+              <a:spcAft>
+                <a:spcPts val="0"/>
+              </a:spcAft>
+              <a:buClr>
+                <a:schemeClr val="dk1"/>
+              </a:buClr>
+              <a:buSzTx/>
+              <a:buFont typeface="Arial"/>
+              <a:buAutoNum type="arabicParenR"/>
+              <a:tabLst/>
+              <a:defRPr/>
+            </a:pPr>
+            <a:r>
+              <a:rPr lang="en-US" baseline="0" dirty="0" smtClean="0"/>
+              <a:t>Well whenever we start a new JavaScript app for someone, there are tools that give us a great starting point, with a project structure, settings files, and packages that follow best practices for your organization.  Why type all that code again or make </a:t>
+            </a:r>
+            <a:r>
+              <a:rPr lang="en-US" baseline="0" dirty="0" err="1" smtClean="0"/>
+              <a:t>copypasta</a:t>
+            </a:r>
+            <a:r>
+              <a:rPr lang="en-US" baseline="0" dirty="0" smtClean="0"/>
+              <a:t> when there are tools that can do it for you in mere seconds.  </a:t>
+            </a:r>
+            <a:br>
+              <a:rPr lang="en-US" baseline="0" dirty="0" smtClean="0"/>
+            </a:br>
+            <a:r>
+              <a:rPr lang="en-US" baseline="0" dirty="0" smtClean="0"/>
+              <a:t/>
+            </a:r>
+            <a:br>
+              <a:rPr lang="en-US" baseline="0" dirty="0" smtClean="0"/>
+            </a:br>
+            <a:r>
+              <a:rPr lang="en-US" baseline="0" dirty="0" smtClean="0"/>
+              <a:t>So to make a new SPA, we can run a task such as “Create SPA”</a:t>
+            </a:r>
+            <a:br>
+              <a:rPr lang="en-US" baseline="0" dirty="0" smtClean="0"/>
+            </a:br>
+            <a:r>
+              <a:rPr lang="en-US" baseline="0" dirty="0" smtClean="0"/>
+              <a:t/>
+            </a:r>
+            <a:br>
+              <a:rPr lang="en-US" baseline="0" dirty="0" smtClean="0"/>
+            </a:br>
+            <a:r>
+              <a:rPr lang="en-US" baseline="0" dirty="0" smtClean="0"/>
+              <a:t>And when we need a new Salesforce file, we can run a command such as “Create Apex Class”</a:t>
+            </a:r>
+          </a:p>
+          <a:p>
+            <a:pPr marL="228600" marR="0" indent="-228600" algn="l" defTabSz="914400" rtl="0" eaLnBrk="1" fontAlgn="auto" latinLnBrk="0" hangingPunct="1">
+              <a:lnSpc>
+                <a:spcPct val="100000"/>
+              </a:lnSpc>
+              <a:spcBef>
+                <a:spcPts val="0"/>
+              </a:spcBef>
+              <a:spcAft>
+                <a:spcPts val="0"/>
+              </a:spcAft>
+              <a:buClr>
+                <a:schemeClr val="dk1"/>
+              </a:buClr>
+              <a:buSzTx/>
+              <a:buFont typeface="Arial"/>
+              <a:buAutoNum type="arabicParenR"/>
+              <a:tabLst/>
+              <a:defRPr/>
+            </a:pPr>
+            <a:r>
+              <a:rPr lang="en-US" baseline="0" dirty="0" smtClean="0"/>
+              <a:t>The only part of this workflow that can’t be enhanced with </a:t>
+            </a:r>
+            <a:r>
+              <a:rPr lang="en-US" baseline="0" dirty="0" err="1" smtClean="0"/>
+              <a:t>VSCode</a:t>
+            </a:r>
+            <a:r>
+              <a:rPr lang="en-US" baseline="0" dirty="0" smtClean="0"/>
+              <a:t> is when we start a new component and realize we need to import a new library.  Installing packages is easiest from the command line.  So just press </a:t>
+            </a:r>
+            <a:r>
+              <a:rPr lang="en-US" baseline="0" dirty="0" err="1" smtClean="0"/>
+              <a:t>Shift+Cmd+C</a:t>
+            </a:r>
+            <a:r>
+              <a:rPr lang="en-US" baseline="0" dirty="0" smtClean="0"/>
+              <a:t> and a terminal window will appear with your current working directory.  </a:t>
+            </a:r>
+          </a:p>
+          <a:p>
+            <a:pPr marL="228600" marR="0" indent="-228600" algn="l" defTabSz="914400" rtl="0" eaLnBrk="1" fontAlgn="auto" latinLnBrk="0" hangingPunct="1">
+              <a:lnSpc>
+                <a:spcPct val="100000"/>
+              </a:lnSpc>
+              <a:spcBef>
+                <a:spcPts val="0"/>
+              </a:spcBef>
+              <a:spcAft>
+                <a:spcPts val="0"/>
+              </a:spcAft>
+              <a:buClr>
+                <a:schemeClr val="dk1"/>
+              </a:buClr>
+              <a:buSzTx/>
+              <a:buFont typeface="Arial"/>
+              <a:buAutoNum type="arabicParenR"/>
+              <a:tabLst/>
+              <a:defRPr/>
+            </a:pPr>
+            <a:r>
+              <a:rPr lang="en-US" baseline="0" dirty="0" smtClean="0"/>
+              <a:t>The build process is somewhat unique to each project, but Gulp and </a:t>
+            </a:r>
+            <a:r>
+              <a:rPr lang="en-US" baseline="0" dirty="0" err="1" smtClean="0"/>
+              <a:t>Webpack</a:t>
+            </a:r>
+            <a:r>
+              <a:rPr lang="en-US" baseline="0" dirty="0" smtClean="0"/>
+              <a:t> help us here.  We can run build commands to lint, bundle, minify, and </a:t>
+            </a:r>
+            <a:r>
+              <a:rPr lang="en-US" baseline="0" dirty="0" err="1" smtClean="0"/>
+              <a:t>uglify</a:t>
+            </a:r>
+            <a:r>
+              <a:rPr lang="en-US" baseline="0" dirty="0" smtClean="0"/>
+              <a:t> our code.  If we have a special command that launches a local server we can even use the </a:t>
+            </a:r>
+            <a:r>
+              <a:rPr lang="en-US" baseline="0" dirty="0" err="1" smtClean="0"/>
+              <a:t>launch.json</a:t>
+            </a:r>
+            <a:r>
+              <a:rPr lang="en-US" baseline="0" dirty="0" smtClean="0"/>
+              <a:t> file, which allows us to use the Play button and enables debugging for any </a:t>
+            </a:r>
+            <a:r>
+              <a:rPr lang="en-US" baseline="0" dirty="0" err="1" smtClean="0"/>
+              <a:t>Node.js</a:t>
+            </a:r>
+            <a:r>
+              <a:rPr lang="en-US" baseline="0" dirty="0" smtClean="0"/>
+              <a:t> application.</a:t>
+            </a:r>
+            <a:br>
+              <a:rPr lang="en-US" baseline="0" dirty="0" smtClean="0"/>
+            </a:br>
+            <a:r>
+              <a:rPr lang="en-US" baseline="0" dirty="0" smtClean="0"/>
+              <a:t>We may also have “watch” tasks which watch our code for any changes and automatically runs.</a:t>
+            </a:r>
+            <a:br>
+              <a:rPr lang="en-US" baseline="0" dirty="0" smtClean="0"/>
+            </a:br>
+            <a:r>
+              <a:rPr lang="en-US" baseline="0" dirty="0" smtClean="0"/>
+              <a:t>We can use watch tasks to auto-deploy our code</a:t>
+            </a:r>
+          </a:p>
+          <a:p>
+            <a:pPr marL="228600" marR="0" indent="-228600" algn="l" defTabSz="914400" rtl="0" eaLnBrk="1" fontAlgn="auto" latinLnBrk="0" hangingPunct="1">
+              <a:lnSpc>
+                <a:spcPct val="100000"/>
+              </a:lnSpc>
+              <a:spcBef>
+                <a:spcPts val="0"/>
+              </a:spcBef>
+              <a:spcAft>
+                <a:spcPts val="0"/>
+              </a:spcAft>
+              <a:buClr>
+                <a:schemeClr val="dk1"/>
+              </a:buClr>
+              <a:buSzTx/>
+              <a:buFont typeface="Arial"/>
+              <a:buAutoNum type="arabicParenR"/>
+              <a:tabLst/>
+              <a:defRPr/>
+            </a:pPr>
+            <a:r>
+              <a:rPr lang="en-US" baseline="0" dirty="0" smtClean="0"/>
+              <a:t>To deploy our code we can use the Salesforce supported </a:t>
+            </a:r>
+            <a:r>
+              <a:rPr lang="en-US" baseline="0" dirty="0" err="1" smtClean="0"/>
+              <a:t>Heroku</a:t>
+            </a:r>
+            <a:r>
+              <a:rPr lang="en-US" baseline="0" dirty="0" smtClean="0"/>
+              <a:t> Force CLI, or an open source tool such as </a:t>
+            </a:r>
+            <a:r>
+              <a:rPr lang="en-US" baseline="0" dirty="0" err="1" smtClean="0"/>
+              <a:t>JsForce</a:t>
+            </a:r>
+            <a:r>
+              <a:rPr lang="en-US" baseline="0" dirty="0" smtClean="0"/>
+              <a:t>.</a:t>
             </a:r>
           </a:p>
           <a:p>
@@ -3209,12 +4210,12 @@
 </p:notes>
 </file>
 
-<file path=ppt/notesSlides/notesSlide12.xml><?xml version="1.0" encoding="utf-8"?>
+<file path=ppt/notesSlides/notesSlide15.xml><?xml version="1.0" encoding="utf-8"?>
 <p:notes xmlns:a="http://schemas.openxmlformats.org/drawingml/2006/main" xmlns:r="http://schemas.openxmlformats.org/officeDocument/2006/relationships" xmlns:p="http://schemas.openxmlformats.org/presentationml/2006/main" showMasterSp="0" showMasterPhAnim="0">
   <p:cSld>
     <p:spTree>
       <p:nvGrpSpPr>
-        <p:cNvPr id="1" name="Shape 665"/>
+        <p:cNvPr id="1" name="Shape 666"/>
         <p:cNvGrpSpPr/>
         <p:nvPr/>
       </p:nvGrpSpPr>
@@ -3228,41 +4229,6 @@
       </p:grpSpPr>
       <p:sp>
         <p:nvSpPr>
-          <p:cNvPr id="666" name="Shape 666"/>
-          <p:cNvSpPr txBox="1">
-            <a:spLocks noGrp="1"/>
-          </p:cNvSpPr>
-          <p:nvPr>
-            <p:ph type="body" idx="1"/>
-          </p:nvPr>
-        </p:nvSpPr>
-        <p:spPr>
-          <a:xfrm>
-            <a:off x="407987" y="4415789"/>
-            <a:ext cx="6194425" cy="4183379"/>
-          </a:xfrm>
-          <a:prstGeom prst="rect">
-            <a:avLst/>
-          </a:prstGeom>
-        </p:spPr>
-        <p:txBody>
-          <a:bodyPr lIns="91425" tIns="91425" rIns="91425" bIns="91425" anchor="t" anchorCtr="0">
-            <a:noAutofit/>
-          </a:bodyPr>
-          <a:lstStyle/>
-          <a:p>
-            <a:pPr>
-              <a:spcBef>
-                <a:spcPts val="0"/>
-              </a:spcBef>
-              <a:buNone/>
-            </a:pPr>
-            <a:endParaRPr/>
-          </a:p>
-        </p:txBody>
-      </p:sp>
-      <p:sp>
-        <p:nvSpPr>
           <p:cNvPr id="667" name="Shape 667"/>
           <p:cNvSpPr>
             <a:spLocks noGrp="1" noRot="1" noChangeAspect="1"/>
@@ -3273,7 +4239,7 @@
         </p:nvSpPr>
         <p:spPr>
           <a:xfrm>
-            <a:off x="407987" y="696912"/>
+            <a:off x="407988" y="696913"/>
             <a:ext cx="6194425" cy="3486150"/>
           </a:xfrm>
           <a:custGeom>
@@ -3312,10 +4278,45 @@
           </a:ln>
         </p:spPr>
       </p:sp>
+      <p:sp>
+        <p:nvSpPr>
+          <p:cNvPr id="668" name="Shape 668"/>
+          <p:cNvSpPr txBox="1">
+            <a:spLocks noGrp="1"/>
+          </p:cNvSpPr>
+          <p:nvPr>
+            <p:ph type="body" idx="1"/>
+          </p:nvPr>
+        </p:nvSpPr>
+        <p:spPr>
+          <a:xfrm>
+            <a:off x="407987" y="4415789"/>
+            <a:ext cx="6194400" cy="4183500"/>
+          </a:xfrm>
+          <a:prstGeom prst="rect">
+            <a:avLst/>
+          </a:prstGeom>
+        </p:spPr>
+        <p:txBody>
+          <a:bodyPr lIns="91425" tIns="91425" rIns="91425" bIns="91425" anchor="t" anchorCtr="0">
+            <a:noAutofit/>
+          </a:bodyPr>
+          <a:lstStyle/>
+          <a:p>
+            <a:pPr>
+              <a:spcBef>
+                <a:spcPts val="0"/>
+              </a:spcBef>
+              <a:buNone/>
+            </a:pPr>
+            <a:endParaRPr/>
+          </a:p>
+        </p:txBody>
+      </p:sp>
     </p:spTree>
     <p:extLst>
       <p:ext uri="{BB962C8B-B14F-4D97-AF65-F5344CB8AC3E}">
-        <p14:creationId xmlns:p14="http://schemas.microsoft.com/office/powerpoint/2010/main" val="1034964524"/>
+        <p14:creationId xmlns:p14="http://schemas.microsoft.com/office/powerpoint/2010/main" val="1582733322"/>
       </p:ext>
     </p:extLst>
   </p:cSld>
@@ -3838,6 +4839,190 @@
 </file>
 
 <file path=ppt/notesSlides/notesSlide6.xml><?xml version="1.0" encoding="utf-8"?>
+<p:notes xmlns:a="http://schemas.openxmlformats.org/drawingml/2006/main" xmlns:r="http://schemas.openxmlformats.org/officeDocument/2006/relationships" xmlns:p="http://schemas.openxmlformats.org/presentationml/2006/main">
+  <p:cSld>
+    <p:spTree>
+      <p:nvGrpSpPr>
+        <p:cNvPr id="1" name=""/>
+        <p:cNvGrpSpPr/>
+        <p:nvPr/>
+      </p:nvGrpSpPr>
+      <p:grpSpPr>
+        <a:xfrm>
+          <a:off x="0" y="0"/>
+          <a:ext cx="0" cy="0"/>
+          <a:chOff x="0" y="0"/>
+          <a:chExt cx="0" cy="0"/>
+        </a:xfrm>
+      </p:grpSpPr>
+      <p:sp>
+        <p:nvSpPr>
+          <p:cNvPr id="2" name="Slide Image Placeholder 1"/>
+          <p:cNvSpPr>
+            <a:spLocks noGrp="1" noRot="1" noChangeAspect="1"/>
+          </p:cNvSpPr>
+          <p:nvPr>
+            <p:ph type="sldImg"/>
+          </p:nvPr>
+        </p:nvSpPr>
+        <p:spPr>
+          <a:xfrm>
+            <a:off x="407988" y="696913"/>
+            <a:ext cx="6194425" cy="3486150"/>
+          </a:xfrm>
+        </p:spPr>
+      </p:sp>
+      <p:sp>
+        <p:nvSpPr>
+          <p:cNvPr id="3" name="Notes Placeholder 2"/>
+          <p:cNvSpPr>
+            <a:spLocks noGrp="1"/>
+          </p:cNvSpPr>
+          <p:nvPr>
+            <p:ph type="body" idx="1"/>
+          </p:nvPr>
+        </p:nvSpPr>
+        <p:spPr/>
+        <p:txBody>
+          <a:bodyPr/>
+          <a:lstStyle/>
+          <a:p>
+            <a:r>
+              <a:rPr lang="en-US" dirty="0" smtClean="0"/>
+              <a:t>(A brief</a:t>
+            </a:r>
+            <a:r>
+              <a:rPr lang="en-US" baseline="0" dirty="0" smtClean="0"/>
+              <a:t> skit to draw their attention)</a:t>
+            </a:r>
+            <a:endParaRPr lang="en-US" dirty="0" smtClean="0"/>
+          </a:p>
+          <a:p>
+            <a:r>
+              <a:rPr lang="en-US" dirty="0" smtClean="0"/>
+              <a:t>S1: Hey S2,</a:t>
+            </a:r>
+            <a:r>
+              <a:rPr lang="en-US" baseline="0" dirty="0" smtClean="0"/>
+              <a:t> I have a problem</a:t>
+            </a:r>
+          </a:p>
+          <a:p>
+            <a:r>
+              <a:rPr lang="en-US" baseline="0" dirty="0" smtClean="0"/>
+              <a:t>S2: Tell me about it, my wife keeps talking about babies.</a:t>
+            </a:r>
+          </a:p>
+          <a:p>
+            <a:endParaRPr lang="en-US" baseline="0" dirty="0" smtClean="0"/>
+          </a:p>
+          <a:p>
+            <a:r>
+              <a:rPr lang="en-US" baseline="0" dirty="0" smtClean="0"/>
+              <a:t>S1: Keep your personal problems at home S1.  I’m talking about all this talk about JavaScript development.  With all the new frameworks and libraries coming out all the time, I don’t know what to use. I feel like my head is spinning.</a:t>
+            </a:r>
+          </a:p>
+          <a:p>
+            <a:r>
+              <a:rPr lang="en-US" baseline="0" dirty="0" smtClean="0"/>
+              <a:t>S2: Yeah, and what’s the deal with everyone using a different operating system?  The guy to my left uses Linux.  The guy to my right uses Windows.  And the guy across from me is a Mac </a:t>
+            </a:r>
+            <a:r>
+              <a:rPr lang="en-US" baseline="0" dirty="0" err="1" smtClean="0"/>
+              <a:t>fanboy</a:t>
+            </a:r>
+            <a:r>
+              <a:rPr lang="en-US" baseline="0" dirty="0" smtClean="0"/>
+              <a:t>.  No one seems to be using the same tools.</a:t>
+            </a:r>
+          </a:p>
+          <a:p>
+            <a:endParaRPr lang="en-US" baseline="0" dirty="0" smtClean="0"/>
+          </a:p>
+          <a:p>
+            <a:r>
+              <a:rPr lang="en-US" baseline="0" dirty="0" smtClean="0"/>
+              <a:t>S1: Web development used to be so simple.  With all these new technologies coming out, I don’t know what to use.</a:t>
+            </a:r>
+          </a:p>
+          <a:p>
+            <a:r>
+              <a:rPr lang="en-US" baseline="0" dirty="0" smtClean="0"/>
+              <a:t>S2: Everyone's talking about Angular and Angular 2. </a:t>
+            </a:r>
+          </a:p>
+          <a:p>
+            <a:endParaRPr lang="en-US" baseline="0" dirty="0" smtClean="0"/>
+          </a:p>
+          <a:p>
+            <a:r>
+              <a:rPr lang="en-US" baseline="0" dirty="0" smtClean="0"/>
+              <a:t>S1: Yeah, I heard it’s built with something called </a:t>
+            </a:r>
+            <a:r>
+              <a:rPr lang="en-US" baseline="0" dirty="0" err="1" smtClean="0"/>
+              <a:t>TypeScript</a:t>
+            </a:r>
+            <a:r>
+              <a:rPr lang="en-US" baseline="0" dirty="0" smtClean="0"/>
+              <a:t>.</a:t>
+            </a:r>
+          </a:p>
+          <a:p>
+            <a:r>
+              <a:rPr lang="en-US" baseline="0" dirty="0" smtClean="0"/>
+              <a:t>S2: Oh yeah, </a:t>
+            </a:r>
+            <a:r>
+              <a:rPr lang="en-US" baseline="0" dirty="0" err="1" smtClean="0"/>
+              <a:t>TypeScript</a:t>
+            </a:r>
+            <a:r>
+              <a:rPr lang="en-US" baseline="0" dirty="0" smtClean="0"/>
+              <a:t> and Angular 2.  It’s big news.  Who would’ve thought that two long time rivals like Google and Microsoft could come together in a spirit of mutual respect and collaboration? ;)</a:t>
+            </a:r>
+          </a:p>
+          <a:p>
+            <a:endParaRPr lang="en-US" baseline="0" dirty="0" smtClean="0"/>
+          </a:p>
+          <a:p>
+            <a:r>
+              <a:rPr lang="en-US" baseline="0" dirty="0" smtClean="0"/>
+              <a:t>S1: So, S2, You work with a bunch of smart Salesforce developers.  Is there anything you guys are doing modernize your development workflow?</a:t>
+            </a:r>
+          </a:p>
+          <a:p>
+            <a:r>
+              <a:rPr lang="en-US" baseline="0" dirty="0" smtClean="0"/>
+              <a:t>S2: The other day I head this weird guy talking about something called Visual Studio Code.  You heard anything about that?</a:t>
+            </a:r>
+          </a:p>
+          <a:p>
+            <a:endParaRPr lang="en-US" baseline="0" dirty="0" smtClean="0"/>
+          </a:p>
+          <a:p>
+            <a:r>
+              <a:rPr lang="en-US" baseline="0" dirty="0" smtClean="0"/>
+              <a:t>S1: Yeah, here’s what I know…</a:t>
+            </a:r>
+            <a:endParaRPr lang="en-US" dirty="0"/>
+          </a:p>
+        </p:txBody>
+      </p:sp>
+    </p:spTree>
+    <p:extLst>
+      <p:ext uri="{BB962C8B-B14F-4D97-AF65-F5344CB8AC3E}">
+        <p14:creationId xmlns:p14="http://schemas.microsoft.com/office/powerpoint/2010/main" val="300089179"/>
+      </p:ext>
+    </p:extLst>
+  </p:cSld>
+  <p:clrMapOvr>
+    <a:masterClrMapping/>
+  </p:clrMapOvr>
+</p:notes>
+</file>
+
+<file path=ppt/notesSlides/notesSlide7.xml><?xml version="1.0" encoding="utf-8"?>
 <p:notes xmlns:a="http://schemas.openxmlformats.org/drawingml/2006/main" xmlns:r="http://schemas.openxmlformats.org/officeDocument/2006/relationships" xmlns:p="http://schemas.openxmlformats.org/presentationml/2006/main" showMasterSp="0" showMasterPhAnim="0">
   <p:cSld>
     <p:spTree>
@@ -3953,7 +5138,151 @@
 </p:notes>
 </file>
 
-<file path=ppt/notesSlides/notesSlide7.xml><?xml version="1.0" encoding="utf-8"?>
+<file path=ppt/notesSlides/notesSlide8.xml><?xml version="1.0" encoding="utf-8"?>
+<p:notes xmlns:a="http://schemas.openxmlformats.org/drawingml/2006/main" xmlns:r="http://schemas.openxmlformats.org/officeDocument/2006/relationships" xmlns:p="http://schemas.openxmlformats.org/presentationml/2006/main">
+  <p:cSld>
+    <p:spTree>
+      <p:nvGrpSpPr>
+        <p:cNvPr id="1" name=""/>
+        <p:cNvGrpSpPr/>
+        <p:nvPr/>
+      </p:nvGrpSpPr>
+      <p:grpSpPr>
+        <a:xfrm>
+          <a:off x="0" y="0"/>
+          <a:ext cx="0" cy="0"/>
+          <a:chOff x="0" y="0"/>
+          <a:chExt cx="0" cy="0"/>
+        </a:xfrm>
+      </p:grpSpPr>
+      <p:sp>
+        <p:nvSpPr>
+          <p:cNvPr id="2" name="Slide Image Placeholder 1"/>
+          <p:cNvSpPr>
+            <a:spLocks noGrp="1" noRot="1" noChangeAspect="1"/>
+          </p:cNvSpPr>
+          <p:nvPr>
+            <p:ph type="sldImg"/>
+          </p:nvPr>
+        </p:nvSpPr>
+        <p:spPr>
+          <a:xfrm>
+            <a:off x="407988" y="696913"/>
+            <a:ext cx="6194425" cy="3486150"/>
+          </a:xfrm>
+        </p:spPr>
+      </p:sp>
+      <p:sp>
+        <p:nvSpPr>
+          <p:cNvPr id="3" name="Notes Placeholder 2"/>
+          <p:cNvSpPr>
+            <a:spLocks noGrp="1"/>
+          </p:cNvSpPr>
+          <p:nvPr>
+            <p:ph type="body" idx="1"/>
+          </p:nvPr>
+        </p:nvSpPr>
+        <p:spPr/>
+        <p:txBody>
+          <a:bodyPr/>
+          <a:lstStyle/>
+          <a:p>
+            <a:r>
+              <a:rPr lang="en-US" dirty="0" smtClean="0"/>
+              <a:t>Visual Studio Code stands on</a:t>
+            </a:r>
+            <a:r>
+              <a:rPr lang="en-US" baseline="0" dirty="0" smtClean="0"/>
+              <a:t> the shoulders of giants.</a:t>
+            </a:r>
+          </a:p>
+          <a:p>
+            <a:endParaRPr lang="en-US" baseline="0" dirty="0" smtClean="0"/>
+          </a:p>
+          <a:p>
+            <a:r>
+              <a:rPr lang="en-US" baseline="0" dirty="0" smtClean="0"/>
+              <a:t>It’s built on Electron, the same foundation as </a:t>
+            </a:r>
+            <a:r>
+              <a:rPr lang="en-US" baseline="0" dirty="0" err="1" smtClean="0"/>
+              <a:t>Github’s</a:t>
+            </a:r>
+            <a:r>
+              <a:rPr lang="en-US" baseline="0" dirty="0" smtClean="0"/>
+              <a:t> new Atom editor</a:t>
+            </a:r>
+          </a:p>
+          <a:p>
+            <a:endParaRPr lang="en-US" baseline="0" dirty="0" smtClean="0"/>
+          </a:p>
+          <a:p>
+            <a:r>
+              <a:rPr lang="en-US" baseline="0" dirty="0" smtClean="0"/>
+              <a:t>It’s built with open source.  And b</a:t>
+            </a:r>
+            <a:r>
+              <a:rPr lang="en-US" dirty="0" smtClean="0"/>
+              <a:t>ecause pretty much everything </a:t>
+            </a:r>
+            <a:r>
+              <a:rPr lang="en-US" dirty="0" err="1" smtClean="0"/>
+              <a:t>VSCode</a:t>
+            </a:r>
+            <a:r>
+              <a:rPr lang="en-US" baseline="0" dirty="0" smtClean="0"/>
+              <a:t> is built with </a:t>
+            </a:r>
+            <a:r>
+              <a:rPr lang="en-US" dirty="0" smtClean="0"/>
+              <a:t>is open source, and made with</a:t>
+            </a:r>
+            <a:r>
+              <a:rPr lang="en-US" baseline="0" dirty="0" smtClean="0"/>
+              <a:t> web technologies, the editor is </a:t>
+            </a:r>
+            <a:r>
+              <a:rPr lang="en-US" baseline="0" dirty="0" err="1" smtClean="0"/>
+              <a:t>h</a:t>
+            </a:r>
+            <a:r>
+              <a:rPr lang="en-US" dirty="0" err="1" smtClean="0"/>
+              <a:t>ackable</a:t>
+            </a:r>
+            <a:r>
+              <a:rPr lang="en-US" dirty="0" smtClean="0"/>
+              <a:t> to the core.  The editor is so meta,</a:t>
+            </a:r>
+            <a:r>
+              <a:rPr lang="en-US" baseline="0" dirty="0" smtClean="0"/>
+              <a:t> y</a:t>
+            </a:r>
+            <a:r>
+              <a:rPr lang="en-US" dirty="0" smtClean="0"/>
+              <a:t>ou can</a:t>
+            </a:r>
+            <a:r>
+              <a:rPr lang="en-US" baseline="0" dirty="0" smtClean="0"/>
+              <a:t> edit the editor with the editor.</a:t>
+            </a:r>
+            <a:endParaRPr lang="en-US" dirty="0"/>
+          </a:p>
+        </p:txBody>
+      </p:sp>
+    </p:spTree>
+    <p:extLst>
+      <p:ext uri="{BB962C8B-B14F-4D97-AF65-F5344CB8AC3E}">
+        <p14:creationId xmlns:p14="http://schemas.microsoft.com/office/powerpoint/2010/main" val="2108786480"/>
+      </p:ext>
+    </p:extLst>
+  </p:cSld>
+  <p:clrMapOvr>
+    <a:masterClrMapping/>
+  </p:clrMapOvr>
+</p:notes>
+</file>
+
+<file path=ppt/notesSlides/notesSlide9.xml><?xml version="1.0" encoding="utf-8"?>
 <p:notes xmlns:a="http://schemas.openxmlformats.org/drawingml/2006/main" xmlns:r="http://schemas.openxmlformats.org/officeDocument/2006/relationships" xmlns:p="http://schemas.openxmlformats.org/presentationml/2006/main" showMasterSp="0" showMasterPhAnim="0">
   <p:cSld>
     <p:spTree>
@@ -4001,123 +5330,15 @@
               </a:spcBef>
               <a:buNone/>
             </a:pPr>
-            <a:endParaRPr/>
-          </a:p>
-        </p:txBody>
-      </p:sp>
-      <p:sp>
-        <p:nvSpPr>
-          <p:cNvPr id="843" name="Shape 843"/>
-          <p:cNvSpPr>
-            <a:spLocks noGrp="1" noRot="1" noChangeAspect="1"/>
-          </p:cNvSpPr>
-          <p:nvPr>
-            <p:ph type="sldImg" idx="2"/>
-          </p:nvPr>
-        </p:nvSpPr>
-        <p:spPr>
-          <a:xfrm>
-            <a:off x="407988" y="696913"/>
-            <a:ext cx="6194425" cy="3486150"/>
-          </a:xfrm>
-          <a:custGeom>
-            <a:avLst/>
-            <a:gdLst/>
-            <a:ahLst/>
-            <a:cxnLst/>
-            <a:rect l="0" t="0" r="0" b="0"/>
-            <a:pathLst>
-              <a:path w="120000" h="120000" extrusionOk="0">
-                <a:moveTo>
-                  <a:pt x="0" y="0"/>
-                </a:moveTo>
-                <a:lnTo>
-                  <a:pt x="120000" y="0"/>
-                </a:lnTo>
-                <a:lnTo>
-                  <a:pt x="120000" y="120000"/>
-                </a:lnTo>
-                <a:lnTo>
-                  <a:pt x="0" y="120000"/>
-                </a:lnTo>
-                <a:close/>
-              </a:path>
-            </a:pathLst>
-          </a:custGeom>
-          <a:noFill/>
-          <a:ln w="9525" cap="flat" cmpd="sng">
-            <a:solidFill>
-              <a:srgbClr val="000000"/>
-            </a:solidFill>
-            <a:prstDash val="solid"/>
-            <a:round/>
-            <a:headEnd type="none" w="med" len="med"/>
-            <a:tailEnd type="none" w="med" len="med"/>
-          </a:ln>
-        </p:spPr>
-      </p:sp>
-    </p:spTree>
-    <p:extLst>
-      <p:ext uri="{BB962C8B-B14F-4D97-AF65-F5344CB8AC3E}">
-        <p14:creationId xmlns:p14="http://schemas.microsoft.com/office/powerpoint/2010/main" val="1307343974"/>
-      </p:ext>
-    </p:extLst>
-  </p:cSld>
-  <p:clrMapOvr>
-    <a:masterClrMapping/>
-  </p:clrMapOvr>
-</p:notes>
-</file>
-
-<file path=ppt/notesSlides/notesSlide8.xml><?xml version="1.0" encoding="utf-8"?>
-<p:notes xmlns:a="http://schemas.openxmlformats.org/drawingml/2006/main" xmlns:r="http://schemas.openxmlformats.org/officeDocument/2006/relationships" xmlns:p="http://schemas.openxmlformats.org/presentationml/2006/main" showMasterSp="0" showMasterPhAnim="0">
-  <p:cSld>
-    <p:spTree>
-      <p:nvGrpSpPr>
-        <p:cNvPr id="1" name="Shape 841"/>
-        <p:cNvGrpSpPr/>
-        <p:nvPr/>
-      </p:nvGrpSpPr>
-      <p:grpSpPr>
-        <a:xfrm>
-          <a:off x="0" y="0"/>
-          <a:ext cx="0" cy="0"/>
-          <a:chOff x="0" y="0"/>
-          <a:chExt cx="0" cy="0"/>
-        </a:xfrm>
-      </p:grpSpPr>
-      <p:sp>
-        <p:nvSpPr>
-          <p:cNvPr id="842" name="Shape 842"/>
-          <p:cNvSpPr txBox="1">
-            <a:spLocks noGrp="1"/>
-          </p:cNvSpPr>
-          <p:nvPr>
-            <p:ph type="body" idx="1"/>
-          </p:nvPr>
-        </p:nvSpPr>
-        <p:spPr>
-          <a:xfrm>
-            <a:off x="407987" y="4415789"/>
-            <a:ext cx="6194425" cy="4183379"/>
-          </a:xfrm>
-          <a:prstGeom prst="rect">
-            <a:avLst/>
-          </a:prstGeom>
-        </p:spPr>
-        <p:txBody>
-          <a:bodyPr lIns="91425" tIns="91425" rIns="91425" bIns="91425" anchor="t" anchorCtr="0">
-            <a:noAutofit/>
-          </a:bodyPr>
-          <a:lstStyle/>
-          <a:p>
-            <a:pPr>
-              <a:spcBef>
-                <a:spcPts val="0"/>
-              </a:spcBef>
-              <a:buNone/>
-            </a:pPr>
-            <a:endParaRPr/>
+            <a:r>
+              <a:rPr lang="en-US" dirty="0" smtClean="0"/>
+              <a:t>So is Visual Studio Code a</a:t>
+            </a:r>
+            <a:r>
+              <a:rPr lang="en-US" baseline="0" dirty="0" smtClean="0"/>
+              <a:t> Text Editor, like Sublime Text, or Notepad?  Or is it an IDE like Visual Studio Professional or Eclipse?</a:t>
+            </a:r>
+            <a:endParaRPr dirty="0"/>
           </a:p>
         </p:txBody>
       </p:sp>
@@ -4176,122 +5397,6 @@
     <p:extLst>
       <p:ext uri="{BB962C8B-B14F-4D97-AF65-F5344CB8AC3E}">
         <p14:creationId xmlns:p14="http://schemas.microsoft.com/office/powerpoint/2010/main" val="1794109908"/>
-      </p:ext>
-    </p:extLst>
-  </p:cSld>
-  <p:clrMapOvr>
-    <a:masterClrMapping/>
-  </p:clrMapOvr>
-</p:notes>
-</file>
-
-<file path=ppt/notesSlides/notesSlide9.xml><?xml version="1.0" encoding="utf-8"?>
-<p:notes xmlns:a="http://schemas.openxmlformats.org/drawingml/2006/main" xmlns:r="http://schemas.openxmlformats.org/officeDocument/2006/relationships" xmlns:p="http://schemas.openxmlformats.org/presentationml/2006/main" showMasterSp="0" showMasterPhAnim="0">
-  <p:cSld>
-    <p:spTree>
-      <p:nvGrpSpPr>
-        <p:cNvPr id="1" name="Shape 460"/>
-        <p:cNvGrpSpPr/>
-        <p:nvPr/>
-      </p:nvGrpSpPr>
-      <p:grpSpPr>
-        <a:xfrm>
-          <a:off x="0" y="0"/>
-          <a:ext cx="0" cy="0"/>
-          <a:chOff x="0" y="0"/>
-          <a:chExt cx="0" cy="0"/>
-        </a:xfrm>
-      </p:grpSpPr>
-      <p:sp>
-        <p:nvSpPr>
-          <p:cNvPr id="461" name="Shape 461"/>
-          <p:cNvSpPr txBox="1">
-            <a:spLocks noGrp="1"/>
-          </p:cNvSpPr>
-          <p:nvPr>
-            <p:ph type="body" idx="1"/>
-          </p:nvPr>
-        </p:nvSpPr>
-        <p:spPr>
-          <a:xfrm>
-            <a:off x="407987" y="4415789"/>
-            <a:ext cx="6194425" cy="4183379"/>
-          </a:xfrm>
-          <a:prstGeom prst="rect">
-            <a:avLst/>
-          </a:prstGeom>
-        </p:spPr>
-        <p:txBody>
-          <a:bodyPr lIns="91425" tIns="91425" rIns="91425" bIns="91425" anchor="t" anchorCtr="0">
-            <a:noAutofit/>
-          </a:bodyPr>
-          <a:lstStyle/>
-          <a:p>
-            <a:pPr>
-              <a:spcBef>
-                <a:spcPts val="0"/>
-              </a:spcBef>
-              <a:buNone/>
-            </a:pPr>
-            <a:endParaRPr/>
-          </a:p>
-        </p:txBody>
-      </p:sp>
-      <p:sp>
-        <p:nvSpPr>
-          <p:cNvPr id="462" name="Shape 462"/>
-          <p:cNvSpPr>
-            <a:spLocks noGrp="1" noRot="1" noChangeAspect="1"/>
-          </p:cNvSpPr>
-          <p:nvPr>
-            <p:ph type="sldImg" idx="2"/>
-          </p:nvPr>
-        </p:nvSpPr>
-        <p:spPr>
-          <a:xfrm>
-            <a:off x="407988" y="696913"/>
-            <a:ext cx="6194425" cy="3486150"/>
-          </a:xfrm>
-          <a:custGeom>
-            <a:avLst/>
-            <a:gdLst/>
-            <a:ahLst/>
-            <a:cxnLst/>
-            <a:rect l="0" t="0" r="0" b="0"/>
-            <a:pathLst>
-              <a:path w="120000" h="120000" extrusionOk="0">
-                <a:moveTo>
-                  <a:pt x="0" y="0"/>
-                </a:moveTo>
-                <a:lnTo>
-                  <a:pt x="120000" y="0"/>
-                </a:lnTo>
-                <a:lnTo>
-                  <a:pt x="120000" y="120000"/>
-                </a:lnTo>
-                <a:lnTo>
-                  <a:pt x="0" y="120000"/>
-                </a:lnTo>
-                <a:close/>
-              </a:path>
-            </a:pathLst>
-          </a:custGeom>
-          <a:noFill/>
-          <a:ln w="9525" cap="flat" cmpd="sng">
-            <a:solidFill>
-              <a:srgbClr val="000000"/>
-            </a:solidFill>
-            <a:prstDash val="solid"/>
-            <a:round/>
-            <a:headEnd type="none" w="med" len="med"/>
-            <a:tailEnd type="none" w="med" len="med"/>
-          </a:ln>
-        </p:spPr>
-      </p:sp>
-    </p:spTree>
-    <p:extLst>
-      <p:ext uri="{BB962C8B-B14F-4D97-AF65-F5344CB8AC3E}">
-        <p14:creationId xmlns:p14="http://schemas.microsoft.com/office/powerpoint/2010/main" val="1896249656"/>
       </p:ext>
     </p:extLst>
   </p:cSld>
@@ -8933,12 +10038,20 @@
               <a:buSzPct val="25000"/>
             </a:pPr>
             <a:r>
+              <a:rPr lang="en-US" sz="5400" dirty="0" smtClean="0">
+                <a:solidFill>
+                  <a:schemeClr val="bg1"/>
+                </a:solidFill>
+              </a:rPr>
+              <a:t>Visual </a:t>
+            </a:r>
+            <a:r>
               <a:rPr lang="en-US" sz="5400" dirty="0">
                 <a:solidFill>
                   <a:schemeClr val="bg1"/>
                 </a:solidFill>
               </a:rPr>
-              <a:t>Introducing Visual Studio Code</a:t>
+              <a:t>Studio Code</a:t>
             </a:r>
             <a:endParaRPr lang="en-US" sz="5400" b="0" i="0" u="none" strike="noStrike" cap="none" baseline="0" dirty="0">
               <a:solidFill>
@@ -8984,10 +10097,18 @@
                   <a:schemeClr val="bg1"/>
                 </a:solidFill>
               </a:rPr>
-              <a:t>Introduced April 30</a:t>
-            </a:r>
-            <a:r>
-              <a:rPr lang="en-US" sz="2400" baseline="30000" dirty="0">
+              <a:t>Introduced </a:t>
+            </a:r>
+            <a:r>
+              <a:rPr lang="en-US" sz="2400" dirty="0" smtClean="0">
+                <a:solidFill>
+                  <a:schemeClr val="bg1"/>
+                </a:solidFill>
+              </a:rPr>
+              <a:t>by Microsoft on April 30</a:t>
+            </a:r>
+            <a:r>
+              <a:rPr lang="en-US" sz="2400" baseline="30000" dirty="0" smtClean="0">
                 <a:solidFill>
                   <a:schemeClr val="bg1"/>
                 </a:solidFill>
@@ -8995,13 +10116,73 @@
               <a:t>th</a:t>
             </a:r>
             <a:r>
+              <a:rPr lang="en-US" sz="2400" dirty="0" smtClean="0">
+                <a:solidFill>
+                  <a:schemeClr val="bg1"/>
+                </a:solidFill>
+              </a:rPr>
+              <a:t> </a:t>
+            </a:r>
+            <a:r>
               <a:rPr lang="en-US" sz="2400" dirty="0">
                 <a:solidFill>
                   <a:schemeClr val="bg1"/>
                 </a:solidFill>
               </a:rPr>
-              <a:t> 2015 at Microsoft //Build conference (currently at 0.7.0)</a:t>
-            </a:r>
+              <a:t>at </a:t>
+            </a:r>
+            <a:r>
+              <a:rPr lang="en-US" sz="2400" dirty="0" smtClean="0">
+                <a:solidFill>
+                  <a:schemeClr val="bg1"/>
+                </a:solidFill>
+              </a:rPr>
+              <a:t>their //</a:t>
+            </a:r>
+            <a:r>
+              <a:rPr lang="en-US" sz="2400" dirty="0">
+                <a:solidFill>
+                  <a:schemeClr val="bg1"/>
+                </a:solidFill>
+              </a:rPr>
+              <a:t>Build conference </a:t>
+            </a:r>
+            <a:endParaRPr lang="en-US" sz="2400" dirty="0" smtClean="0">
+              <a:solidFill>
+                <a:schemeClr val="bg1"/>
+              </a:solidFill>
+            </a:endParaRPr>
+          </a:p>
+          <a:p>
+            <a:r>
+              <a:rPr lang="en-US" sz="2400" dirty="0" smtClean="0">
+                <a:solidFill>
+                  <a:schemeClr val="bg1"/>
+                </a:solidFill>
+              </a:rPr>
+              <a:t>Current Version: 0.7.0</a:t>
+            </a:r>
+            <a:r>
+              <a:rPr lang="en-US" sz="2400" dirty="0">
+                <a:solidFill>
+                  <a:schemeClr val="bg1"/>
+                </a:solidFill>
+              </a:rPr>
+              <a:t> </a:t>
+            </a:r>
+            <a:r>
+              <a:rPr lang="en-US" sz="2400" dirty="0" smtClean="0">
+                <a:solidFill>
+                  <a:schemeClr val="bg1"/>
+                </a:solidFill>
+              </a:rPr>
+              <a:t>(beta)</a:t>
+            </a:r>
+            <a:endParaRPr lang="en-US" sz="2400" dirty="0">
+              <a:solidFill>
+                <a:schemeClr val="bg1"/>
+              </a:solidFill>
+            </a:endParaRPr>
           </a:p>
         </p:txBody>
       </p:sp>
@@ -9098,18 +10279,8 @@
           </a:xfrm>
         </p:spPr>
         <p:txBody>
-          <a:bodyPr/>
+          <a:bodyPr anchor="ctr"/>
           <a:lstStyle/>
-          <a:p>
-            <a:pPr indent="0">
-              <a:buNone/>
-            </a:pPr>
-            <a:endParaRPr lang="en-US" sz="4000" dirty="0" smtClean="0">
-              <a:solidFill>
-                <a:schemeClr val="accent2"/>
-              </a:solidFill>
-            </a:endParaRPr>
-          </a:p>
           <a:p>
             <a:pPr indent="0">
               <a:buNone/>
@@ -9152,7 +10323,7 @@
                   <a:schemeClr val="accent2"/>
                 </a:solidFill>
               </a:rPr>
-              <a:t> with what we need as developers for the </a:t>
+              <a:t> with what we need as Salesforce developers using a </a:t>
             </a:r>
             <a:r>
               <a:rPr lang="en-US" sz="4000" dirty="0" smtClean="0">
@@ -9160,7 +10331,7 @@
                   <a:schemeClr val="accent1"/>
                 </a:solidFill>
               </a:rPr>
-              <a:t>code-edit-debug cycle</a:t>
+              <a:t>modern workflow</a:t>
             </a:r>
             <a:endParaRPr lang="en-US" sz="4000" dirty="0">
               <a:solidFill>
@@ -9192,7 +10363,7 @@
         </p:blipFill>
         <p:spPr>
           <a:xfrm>
-            <a:off x="474298" y="1992923"/>
+            <a:off x="474298" y="2280791"/>
             <a:ext cx="3245825" cy="3245825"/>
           </a:xfrm>
           <a:prstGeom prst="rect">
@@ -9221,6 +10392,661 @@
 </file>
 
 <file path=ppt/slides/slide12.xml><?xml version="1.0" encoding="utf-8"?>
+<p:sld xmlns:a="http://schemas.openxmlformats.org/drawingml/2006/main" xmlns:r="http://schemas.openxmlformats.org/officeDocument/2006/relationships" xmlns:p="http://schemas.openxmlformats.org/presentationml/2006/main">
+  <p:cSld>
+    <p:spTree>
+      <p:nvGrpSpPr>
+        <p:cNvPr id="1" name=""/>
+        <p:cNvGrpSpPr/>
+        <p:nvPr/>
+      </p:nvGrpSpPr>
+      <p:grpSpPr>
+        <a:xfrm>
+          <a:off x="0" y="0"/>
+          <a:ext cx="0" cy="0"/>
+          <a:chOff x="0" y="0"/>
+          <a:chExt cx="0" cy="0"/>
+        </a:xfrm>
+      </p:grpSpPr>
+      <p:pic>
+        <p:nvPicPr>
+          <p:cNvPr id="5" name="Picture 4"/>
+          <p:cNvPicPr>
+            <a:picLocks noChangeAspect="1"/>
+          </p:cNvPicPr>
+          <p:nvPr/>
+        </p:nvPicPr>
+        <p:blipFill>
+          <a:blip r:embed="rId3">
+            <a:extLst>
+              <a:ext uri="{28A0092B-C50C-407E-A947-70E740481C1C}">
+                <a14:useLocalDpi xmlns:a14="http://schemas.microsoft.com/office/drawing/2010/main" val="0"/>
+              </a:ext>
+            </a:extLst>
+          </a:blip>
+          <a:stretch>
+            <a:fillRect/>
+          </a:stretch>
+        </p:blipFill>
+        <p:spPr>
+          <a:xfrm>
+            <a:off x="4455128" y="4039962"/>
+            <a:ext cx="3753968" cy="1876984"/>
+          </a:xfrm>
+          <a:prstGeom prst="rect">
+            <a:avLst/>
+          </a:prstGeom>
+        </p:spPr>
+      </p:pic>
+      <p:pic>
+        <p:nvPicPr>
+          <p:cNvPr id="6" name="Picture 5"/>
+          <p:cNvPicPr>
+            <a:picLocks noChangeAspect="1"/>
+          </p:cNvPicPr>
+          <p:nvPr/>
+        </p:nvPicPr>
+        <p:blipFill>
+          <a:blip r:embed="rId4">
+            <a:extLst>
+              <a:ext uri="{28A0092B-C50C-407E-A947-70E740481C1C}">
+                <a14:useLocalDpi xmlns:a14="http://schemas.microsoft.com/office/drawing/2010/main" val="0"/>
+              </a:ext>
+            </a:extLst>
+          </a:blip>
+          <a:stretch>
+            <a:fillRect/>
+          </a:stretch>
+        </p:blipFill>
+        <p:spPr>
+          <a:xfrm>
+            <a:off x="1591579" y="3381529"/>
+            <a:ext cx="7302500" cy="1117600"/>
+          </a:xfrm>
+          <a:prstGeom prst="rect">
+            <a:avLst/>
+          </a:prstGeom>
+        </p:spPr>
+      </p:pic>
+      <p:pic>
+        <p:nvPicPr>
+          <p:cNvPr id="7" name="Picture 6"/>
+          <p:cNvPicPr>
+            <a:picLocks noChangeAspect="1"/>
+          </p:cNvPicPr>
+          <p:nvPr/>
+        </p:nvPicPr>
+        <p:blipFill>
+          <a:blip r:embed="rId5">
+            <a:extLst>
+              <a:ext uri="{28A0092B-C50C-407E-A947-70E740481C1C}">
+                <a14:useLocalDpi xmlns:a14="http://schemas.microsoft.com/office/drawing/2010/main" val="0"/>
+              </a:ext>
+            </a:extLst>
+          </a:blip>
+          <a:stretch>
+            <a:fillRect/>
+          </a:stretch>
+        </p:blipFill>
+        <p:spPr>
+          <a:xfrm>
+            <a:off x="8955900" y="3308672"/>
+            <a:ext cx="1715477" cy="1429564"/>
+          </a:xfrm>
+          <a:prstGeom prst="rect">
+            <a:avLst/>
+          </a:prstGeom>
+        </p:spPr>
+      </p:pic>
+      <p:pic>
+        <p:nvPicPr>
+          <p:cNvPr id="9" name="Picture 8"/>
+          <p:cNvPicPr>
+            <a:picLocks noChangeAspect="1"/>
+          </p:cNvPicPr>
+          <p:nvPr/>
+        </p:nvPicPr>
+        <p:blipFill rotWithShape="1">
+          <a:blip r:embed="rId6">
+            <a:extLst>
+              <a:ext uri="{28A0092B-C50C-407E-A947-70E740481C1C}">
+                <a14:useLocalDpi xmlns:a14="http://schemas.microsoft.com/office/drawing/2010/main" val="0"/>
+              </a:ext>
+            </a:extLst>
+          </a:blip>
+          <a:srcRect l="19636" r="20578"/>
+          <a:stretch/>
+        </p:blipFill>
+        <p:spPr>
+          <a:xfrm>
+            <a:off x="1520712" y="1658093"/>
+            <a:ext cx="2954724" cy="1509449"/>
+          </a:xfrm>
+          <a:prstGeom prst="rect">
+            <a:avLst/>
+          </a:prstGeom>
+        </p:spPr>
+      </p:pic>
+      <p:grpSp>
+        <p:nvGrpSpPr>
+          <p:cNvPr id="2" name="Group 1"/>
+          <p:cNvGrpSpPr/>
+          <p:nvPr/>
+        </p:nvGrpSpPr>
+        <p:grpSpPr>
+          <a:xfrm>
+            <a:off x="8026872" y="1717482"/>
+            <a:ext cx="2219766" cy="995760"/>
+            <a:chOff x="2233183" y="1835652"/>
+            <a:chExt cx="2219766" cy="995760"/>
+          </a:xfrm>
+        </p:grpSpPr>
+        <p:sp>
+          <p:nvSpPr>
+            <p:cNvPr id="11" name="TextBox 10"/>
+            <p:cNvSpPr txBox="1"/>
+            <p:nvPr/>
+          </p:nvSpPr>
+          <p:spPr>
+            <a:xfrm>
+              <a:off x="3162211" y="2237481"/>
+              <a:ext cx="1290738" cy="584775"/>
+            </a:xfrm>
+            <a:prstGeom prst="rect">
+              <a:avLst/>
+            </a:prstGeom>
+            <a:noFill/>
+          </p:spPr>
+          <p:txBody>
+            <a:bodyPr wrap="none" rtlCol="0">
+              <a:spAutoFit/>
+            </a:bodyPr>
+            <a:lstStyle/>
+            <a:p>
+              <a:r>
+                <a:rPr lang="en-US" sz="1600" b="1" dirty="0" err="1" smtClean="0">
+                  <a:solidFill>
+                    <a:schemeClr val="bg2"/>
+                  </a:solidFill>
+                </a:rPr>
+                <a:t>OmniSharp</a:t>
+              </a:r>
+              <a:endParaRPr lang="en-US" sz="1600" b="1" dirty="0" smtClean="0">
+                <a:solidFill>
+                  <a:schemeClr val="bg2"/>
+                </a:solidFill>
+              </a:endParaRPr>
+            </a:p>
+            <a:p>
+              <a:r>
+                <a:rPr lang="en-US" sz="1600" b="1" dirty="0" smtClean="0">
+                  <a:solidFill>
+                    <a:schemeClr val="bg2"/>
+                  </a:solidFill>
+                </a:rPr>
+                <a:t>Roslyn</a:t>
+              </a:r>
+              <a:endParaRPr lang="en-US" sz="1600" b="1" dirty="0">
+                <a:solidFill>
+                  <a:schemeClr val="bg2"/>
+                </a:solidFill>
+              </a:endParaRPr>
+            </a:p>
+          </p:txBody>
+        </p:sp>
+        <p:pic>
+          <p:nvPicPr>
+            <p:cNvPr id="12" name="Picture 11"/>
+            <p:cNvPicPr>
+              <a:picLocks noChangeAspect="1"/>
+            </p:cNvPicPr>
+            <p:nvPr/>
+          </p:nvPicPr>
+          <p:blipFill>
+            <a:blip r:embed="rId7">
+              <a:extLst>
+                <a:ext uri="{28A0092B-C50C-407E-A947-70E740481C1C}">
+                  <a14:useLocalDpi xmlns:a14="http://schemas.microsoft.com/office/drawing/2010/main" val="0"/>
+                </a:ext>
+              </a:extLst>
+            </a:blip>
+            <a:stretch>
+              <a:fillRect/>
+            </a:stretch>
+          </p:blipFill>
+          <p:spPr>
+            <a:xfrm>
+              <a:off x="2233183" y="1835652"/>
+              <a:ext cx="995760" cy="995760"/>
+            </a:xfrm>
+            <a:prstGeom prst="rect">
+              <a:avLst/>
+            </a:prstGeom>
+          </p:spPr>
+        </p:pic>
+      </p:grpSp>
+      <p:grpSp>
+        <p:nvGrpSpPr>
+          <p:cNvPr id="4" name="Group 3"/>
+          <p:cNvGrpSpPr/>
+          <p:nvPr/>
+        </p:nvGrpSpPr>
+        <p:grpSpPr>
+          <a:xfrm>
+            <a:off x="5559098" y="1117601"/>
+            <a:ext cx="1054818" cy="1357195"/>
+            <a:chOff x="5559098" y="1405467"/>
+            <a:chExt cx="1054818" cy="1357195"/>
+          </a:xfrm>
+        </p:grpSpPr>
+        <p:pic>
+          <p:nvPicPr>
+            <p:cNvPr id="10" name="Picture 9"/>
+            <p:cNvPicPr>
+              <a:picLocks noChangeAspect="1"/>
+            </p:cNvPicPr>
+            <p:nvPr/>
+          </p:nvPicPr>
+          <p:blipFill>
+            <a:blip r:embed="rId8"/>
+            <a:stretch>
+              <a:fillRect/>
+            </a:stretch>
+          </p:blipFill>
+          <p:spPr>
+            <a:xfrm>
+              <a:off x="5559098" y="1405467"/>
+              <a:ext cx="1054818" cy="1054818"/>
+            </a:xfrm>
+            <a:prstGeom prst="rect">
+              <a:avLst/>
+            </a:prstGeom>
+          </p:spPr>
+        </p:pic>
+        <p:sp>
+          <p:nvSpPr>
+            <p:cNvPr id="13" name="TextBox 12"/>
+            <p:cNvSpPr txBox="1"/>
+            <p:nvPr/>
+          </p:nvSpPr>
+          <p:spPr>
+            <a:xfrm>
+              <a:off x="5566974" y="2424108"/>
+              <a:ext cx="1039067" cy="338554"/>
+            </a:xfrm>
+            <a:prstGeom prst="rect">
+              <a:avLst/>
+            </a:prstGeom>
+            <a:noFill/>
+          </p:spPr>
+          <p:txBody>
+            <a:bodyPr wrap="none" rtlCol="0">
+              <a:spAutoFit/>
+            </a:bodyPr>
+            <a:lstStyle/>
+            <a:p>
+              <a:r>
+                <a:rPr lang="en-US" sz="1600" b="1" dirty="0" smtClean="0">
+                  <a:solidFill>
+                    <a:schemeClr val="bg2"/>
+                  </a:solidFill>
+                </a:rPr>
+                <a:t>Monaco*</a:t>
+              </a:r>
+              <a:endParaRPr lang="en-US" sz="1600" b="1" dirty="0">
+                <a:solidFill>
+                  <a:schemeClr val="bg2"/>
+                </a:solidFill>
+              </a:endParaRPr>
+            </a:p>
+          </p:txBody>
+        </p:sp>
+      </p:grpSp>
+      <p:sp>
+        <p:nvSpPr>
+          <p:cNvPr id="3" name="TextBox 2"/>
+          <p:cNvSpPr txBox="1"/>
+          <p:nvPr/>
+        </p:nvSpPr>
+        <p:spPr>
+          <a:xfrm>
+            <a:off x="249382" y="99758"/>
+            <a:ext cx="11637818" cy="769441"/>
+          </a:xfrm>
+          <a:prstGeom prst="rect">
+            <a:avLst/>
+          </a:prstGeom>
+          <a:noFill/>
+        </p:spPr>
+        <p:txBody>
+          <a:bodyPr wrap="square" rtlCol="0">
+            <a:spAutoFit/>
+          </a:bodyPr>
+          <a:lstStyle/>
+          <a:p>
+            <a:pPr algn="ctr"/>
+            <a:r>
+              <a:rPr lang="en-US" sz="4400" dirty="0" smtClean="0">
+                <a:solidFill>
+                  <a:schemeClr val="accent1"/>
+                </a:solidFill>
+              </a:rPr>
+              <a:t>Built </a:t>
+            </a:r>
+            <a:r>
+              <a:rPr lang="en-US" sz="4400" dirty="0" smtClean="0">
+                <a:solidFill>
+                  <a:schemeClr val="accent1"/>
+                </a:solidFill>
+              </a:rPr>
+              <a:t>on Open </a:t>
+            </a:r>
+            <a:r>
+              <a:rPr lang="en-US" sz="4400" dirty="0" smtClean="0">
+                <a:solidFill>
+                  <a:schemeClr val="accent1"/>
+                </a:solidFill>
+              </a:rPr>
+              <a:t>Source</a:t>
+            </a:r>
+            <a:endParaRPr lang="en-US" sz="4400" dirty="0">
+              <a:solidFill>
+                <a:schemeClr val="accent1"/>
+              </a:solidFill>
+            </a:endParaRPr>
+          </a:p>
+        </p:txBody>
+      </p:sp>
+      <p:cxnSp>
+        <p:nvCxnSpPr>
+          <p:cNvPr id="8" name="Straight Connector 7"/>
+          <p:cNvCxnSpPr/>
+          <p:nvPr/>
+        </p:nvCxnSpPr>
+        <p:spPr>
+          <a:xfrm>
+            <a:off x="947651" y="3042458"/>
+            <a:ext cx="10307782" cy="0"/>
+          </a:xfrm>
+          <a:prstGeom prst="line">
+            <a:avLst/>
+          </a:prstGeom>
+        </p:spPr>
+        <p:style>
+          <a:lnRef idx="1">
+            <a:schemeClr val="accent1"/>
+          </a:lnRef>
+          <a:fillRef idx="0">
+            <a:schemeClr val="accent1"/>
+          </a:fillRef>
+          <a:effectRef idx="0">
+            <a:schemeClr val="accent1"/>
+          </a:effectRef>
+          <a:fontRef idx="minor">
+            <a:schemeClr val="tx1"/>
+          </a:fontRef>
+        </p:style>
+      </p:cxnSp>
+    </p:spTree>
+    <p:extLst>
+      <p:ext uri="{BB962C8B-B14F-4D97-AF65-F5344CB8AC3E}">
+        <p14:creationId xmlns:p14="http://schemas.microsoft.com/office/powerpoint/2010/main" val="100983956"/>
+      </p:ext>
+    </p:extLst>
+  </p:cSld>
+  <p:clrMapOvr>
+    <a:masterClrMapping/>
+  </p:clrMapOvr>
+  <p:timing>
+    <p:tnLst>
+      <p:par>
+        <p:cTn id="1" dur="indefinite" restart="never" nodeType="tmRoot">
+          <p:childTnLst>
+            <p:seq concurrent="1" nextAc="seek">
+              <p:cTn id="2" dur="indefinite" nodeType="mainSeq">
+                <p:childTnLst>
+                  <p:par>
+                    <p:cTn id="3" fill="hold">
+                      <p:stCondLst>
+                        <p:cond delay="indefinite"/>
+                      </p:stCondLst>
+                      <p:childTnLst>
+                        <p:par>
+                          <p:cTn id="4" fill="hold">
+                            <p:stCondLst>
+                              <p:cond delay="0"/>
+                            </p:stCondLst>
+                            <p:childTnLst>
+                              <p:par>
+                                <p:cTn id="5" presetID="1" presetClass="entr" presetSubtype="0" fill="hold" nodeType="clickEffect">
+                                  <p:stCondLst>
+                                    <p:cond delay="0"/>
+                                  </p:stCondLst>
+                                  <p:childTnLst>
+                                    <p:set>
+                                      <p:cBhvr>
+                                        <p:cTn id="6" dur="1" fill="hold">
+                                          <p:stCondLst>
+                                            <p:cond delay="0"/>
+                                          </p:stCondLst>
+                                        </p:cTn>
+                                        <p:tgtEl>
+                                          <p:spTgt spid="5"/>
+                                        </p:tgtEl>
+                                        <p:attrNameLst>
+                                          <p:attrName>style.visibility</p:attrName>
+                                        </p:attrNameLst>
+                                      </p:cBhvr>
+                                      <p:to>
+                                        <p:strVal val="visible"/>
+                                      </p:to>
+                                    </p:set>
+                                  </p:childTnLst>
+                                </p:cTn>
+                              </p:par>
+                              <p:par>
+                                <p:cTn id="7" presetID="1" presetClass="entr" presetSubtype="0" fill="hold" nodeType="withEffect">
+                                  <p:stCondLst>
+                                    <p:cond delay="0"/>
+                                  </p:stCondLst>
+                                  <p:childTnLst>
+                                    <p:set>
+                                      <p:cBhvr>
+                                        <p:cTn id="8" dur="1" fill="hold">
+                                          <p:stCondLst>
+                                            <p:cond delay="0"/>
+                                          </p:stCondLst>
+                                        </p:cTn>
+                                        <p:tgtEl>
+                                          <p:spTgt spid="6"/>
+                                        </p:tgtEl>
+                                        <p:attrNameLst>
+                                          <p:attrName>style.visibility</p:attrName>
+                                        </p:attrNameLst>
+                                      </p:cBhvr>
+                                      <p:to>
+                                        <p:strVal val="visible"/>
+                                      </p:to>
+                                    </p:set>
+                                  </p:childTnLst>
+                                </p:cTn>
+                              </p:par>
+                              <p:par>
+                                <p:cTn id="9" presetID="1" presetClass="entr" presetSubtype="0" fill="hold" nodeType="withEffect">
+                                  <p:stCondLst>
+                                    <p:cond delay="0"/>
+                                  </p:stCondLst>
+                                  <p:childTnLst>
+                                    <p:set>
+                                      <p:cBhvr>
+                                        <p:cTn id="10" dur="1" fill="hold">
+                                          <p:stCondLst>
+                                            <p:cond delay="0"/>
+                                          </p:stCondLst>
+                                        </p:cTn>
+                                        <p:tgtEl>
+                                          <p:spTgt spid="7"/>
+                                        </p:tgtEl>
+                                        <p:attrNameLst>
+                                          <p:attrName>style.visibility</p:attrName>
+                                        </p:attrNameLst>
+                                      </p:cBhvr>
+                                      <p:to>
+                                        <p:strVal val="visible"/>
+                                      </p:to>
+                                    </p:set>
+                                  </p:childTnLst>
+                                </p:cTn>
+                              </p:par>
+                            </p:childTnLst>
+                          </p:cTn>
+                        </p:par>
+                      </p:childTnLst>
+                    </p:cTn>
+                  </p:par>
+                  <p:par>
+                    <p:cTn id="11" fill="hold">
+                      <p:stCondLst>
+                        <p:cond delay="indefinite"/>
+                      </p:stCondLst>
+                      <p:childTnLst>
+                        <p:par>
+                          <p:cTn id="12" fill="hold">
+                            <p:stCondLst>
+                              <p:cond delay="0"/>
+                            </p:stCondLst>
+                            <p:childTnLst>
+                              <p:par>
+                                <p:cTn id="13" presetID="1" presetClass="entr" presetSubtype="0" fill="hold" nodeType="clickEffect">
+                                  <p:stCondLst>
+                                    <p:cond delay="0"/>
+                                  </p:stCondLst>
+                                  <p:childTnLst>
+                                    <p:set>
+                                      <p:cBhvr>
+                                        <p:cTn id="14" dur="1" fill="hold">
+                                          <p:stCondLst>
+                                            <p:cond delay="0"/>
+                                          </p:stCondLst>
+                                        </p:cTn>
+                                        <p:tgtEl>
+                                          <p:spTgt spid="4"/>
+                                        </p:tgtEl>
+                                        <p:attrNameLst>
+                                          <p:attrName>style.visibility</p:attrName>
+                                        </p:attrNameLst>
+                                      </p:cBhvr>
+                                      <p:to>
+                                        <p:strVal val="visible"/>
+                                      </p:to>
+                                    </p:set>
+                                  </p:childTnLst>
+                                </p:cTn>
+                              </p:par>
+                            </p:childTnLst>
+                          </p:cTn>
+                        </p:par>
+                      </p:childTnLst>
+                    </p:cTn>
+                  </p:par>
+                  <p:par>
+                    <p:cTn id="15" fill="hold">
+                      <p:stCondLst>
+                        <p:cond delay="indefinite"/>
+                      </p:stCondLst>
+                      <p:childTnLst>
+                        <p:par>
+                          <p:cTn id="16" fill="hold">
+                            <p:stCondLst>
+                              <p:cond delay="0"/>
+                            </p:stCondLst>
+                            <p:childTnLst>
+                              <p:par>
+                                <p:cTn id="17" presetID="1" presetClass="entr" presetSubtype="0" fill="hold" nodeType="clickEffect">
+                                  <p:stCondLst>
+                                    <p:cond delay="0"/>
+                                  </p:stCondLst>
+                                  <p:childTnLst>
+                                    <p:set>
+                                      <p:cBhvr>
+                                        <p:cTn id="18" dur="1" fill="hold">
+                                          <p:stCondLst>
+                                            <p:cond delay="0"/>
+                                          </p:stCondLst>
+                                        </p:cTn>
+                                        <p:tgtEl>
+                                          <p:spTgt spid="9"/>
+                                        </p:tgtEl>
+                                        <p:attrNameLst>
+                                          <p:attrName>style.visibility</p:attrName>
+                                        </p:attrNameLst>
+                                      </p:cBhvr>
+                                      <p:to>
+                                        <p:strVal val="visible"/>
+                                      </p:to>
+                                    </p:set>
+                                  </p:childTnLst>
+                                </p:cTn>
+                              </p:par>
+                              <p:par>
+                                <p:cTn id="19" presetID="1" presetClass="entr" presetSubtype="0" fill="hold" nodeType="withEffect">
+                                  <p:stCondLst>
+                                    <p:cond delay="0"/>
+                                  </p:stCondLst>
+                                  <p:childTnLst>
+                                    <p:set>
+                                      <p:cBhvr>
+                                        <p:cTn id="20" dur="1" fill="hold">
+                                          <p:stCondLst>
+                                            <p:cond delay="0"/>
+                                          </p:stCondLst>
+                                        </p:cTn>
+                                        <p:tgtEl>
+                                          <p:spTgt spid="2"/>
+                                        </p:tgtEl>
+                                        <p:attrNameLst>
+                                          <p:attrName>style.visibility</p:attrName>
+                                        </p:attrNameLst>
+                                      </p:cBhvr>
+                                      <p:to>
+                                        <p:strVal val="visible"/>
+                                      </p:to>
+                                    </p:set>
+                                  </p:childTnLst>
+                                </p:cTn>
+                              </p:par>
+                            </p:childTnLst>
+                          </p:cTn>
+                        </p:par>
+                      </p:childTnLst>
+                    </p:cTn>
+                  </p:par>
+                </p:childTnLst>
+              </p:cTn>
+              <p:prevCondLst>
+                <p:cond evt="onPrev" delay="0">
+                  <p:tgtEl>
+                    <p:sldTgt/>
+                  </p:tgtEl>
+                </p:cond>
+              </p:prevCondLst>
+              <p:nextCondLst>
+                <p:cond evt="onNext" delay="0">
+                  <p:tgtEl>
+                    <p:sldTgt/>
+                  </p:tgtEl>
+                </p:cond>
+              </p:nextCondLst>
+            </p:seq>
+          </p:childTnLst>
+        </p:cTn>
+      </p:par>
+    </p:tnLst>
+  </p:timing>
+</p:sld>
+</file>
+
+<file path=ppt/slides/slide13.xml><?xml version="1.0" encoding="utf-8"?>
 <p:sld xmlns:a="http://schemas.openxmlformats.org/drawingml/2006/main" xmlns:r="http://schemas.openxmlformats.org/officeDocument/2006/relationships" xmlns:p="http://schemas.openxmlformats.org/presentationml/2006/main">
   <p:cSld>
     <p:spTree>
@@ -9275,7 +11101,7 @@
                   <a:schemeClr val="bg1"/>
                 </a:solidFill>
               </a:rPr>
-              <a:t>Built with open source tools</a:t>
+              <a:t>Editor vs IDE</a:t>
             </a:r>
             <a:endParaRPr lang="en-US" sz="5400" b="0" i="0" u="none" strike="noStrike" cap="none" baseline="0" dirty="0">
               <a:solidFill>
@@ -9286,60 +11112,10 @@
           </a:p>
         </p:txBody>
       </p:sp>
-      <p:sp>
-        <p:nvSpPr>
-          <p:cNvPr id="840" name="Shape 840"/>
-          <p:cNvSpPr txBox="1">
-            <a:spLocks noGrp="1"/>
-          </p:cNvSpPr>
-          <p:nvPr>
-            <p:ph type="subTitle" idx="1"/>
-          </p:nvPr>
-        </p:nvSpPr>
-        <p:spPr>
-          <a:xfrm>
-            <a:off x="360362" y="4876800"/>
-            <a:ext cx="11482388" cy="1066799"/>
-          </a:xfrm>
-          <a:prstGeom prst="rect">
-            <a:avLst/>
-          </a:prstGeom>
-          <a:noFill/>
-          <a:ln>
-            <a:noFill/>
-          </a:ln>
-        </p:spPr>
-        <p:txBody>
-          <a:bodyPr lIns="0" tIns="0" rIns="0" bIns="0" anchor="t" anchorCtr="0">
-            <a:noAutofit/>
-          </a:bodyPr>
-          <a:lstStyle/>
-          <a:p>
-            <a:pPr>
-              <a:spcBef>
-                <a:spcPts val="0"/>
-              </a:spcBef>
-            </a:pPr>
-            <a:r>
-              <a:rPr lang="en-US" sz="2400" dirty="0" smtClean="0">
-                <a:solidFill>
-                  <a:schemeClr val="bg1"/>
-                </a:solidFill>
-              </a:rPr>
-              <a:t>* mostly</a:t>
-            </a:r>
-            <a:endParaRPr lang="en-US" sz="2400" dirty="0">
-              <a:solidFill>
-                <a:schemeClr val="bg1"/>
-              </a:solidFill>
-            </a:endParaRPr>
-          </a:p>
-        </p:txBody>
-      </p:sp>
     </p:spTree>
     <p:extLst>
       <p:ext uri="{BB962C8B-B14F-4D97-AF65-F5344CB8AC3E}">
-        <p14:creationId xmlns:p14="http://schemas.microsoft.com/office/powerpoint/2010/main" val="1057400757"/>
+        <p14:creationId xmlns:p14="http://schemas.microsoft.com/office/powerpoint/2010/main" val="630284016"/>
       </p:ext>
     </p:extLst>
   </p:cSld>
@@ -9359,7 +11135,7 @@
 </p:sld>
 </file>
 
-<file path=ppt/slides/slide13.xml><?xml version="1.0" encoding="utf-8"?>
+<file path=ppt/slides/slide14.xml><?xml version="1.0" encoding="utf-8"?>
 <p:sld xmlns:a="http://schemas.openxmlformats.org/drawingml/2006/main" xmlns:r="http://schemas.openxmlformats.org/officeDocument/2006/relationships" xmlns:p="http://schemas.openxmlformats.org/presentationml/2006/main">
   <p:cSld>
     <p:spTree>
@@ -9376,39 +11152,1047 @@
           <a:chExt cx="0" cy="0"/>
         </a:xfrm>
       </p:grpSpPr>
-      <p:pic>
-        <p:nvPicPr>
-          <p:cNvPr id="5" name="Picture 4"/>
-          <p:cNvPicPr>
-            <a:picLocks noChangeAspect="1"/>
-          </p:cNvPicPr>
+      <p:sp>
+        <p:nvSpPr>
+          <p:cNvPr id="2" name="TextBox 1"/>
+          <p:cNvSpPr txBox="1"/>
           <p:nvPr/>
-        </p:nvPicPr>
-        <p:blipFill>
-          <a:blip r:embed="rId2">
-            <a:extLst>
-              <a:ext uri="{28A0092B-C50C-407E-A947-70E740481C1C}">
-                <a14:useLocalDpi xmlns:a14="http://schemas.microsoft.com/office/drawing/2010/main" val="0"/>
-              </a:ext>
-            </a:extLst>
-          </a:blip>
-          <a:stretch>
-            <a:fillRect/>
-          </a:stretch>
-        </p:blipFill>
+        </p:nvSpPr>
         <p:spPr>
           <a:xfrm>
-            <a:off x="4455128" y="3990094"/>
-            <a:ext cx="3753968" cy="1876984"/>
+            <a:off x="1828800" y="565967"/>
+            <a:ext cx="1338828" cy="646331"/>
           </a:xfrm>
           <a:prstGeom prst="rect">
             <a:avLst/>
           </a:prstGeom>
+          <a:noFill/>
         </p:spPr>
-      </p:pic>
+        <p:txBody>
+          <a:bodyPr wrap="none" rtlCol="0">
+            <a:spAutoFit/>
+          </a:bodyPr>
+          <a:lstStyle/>
+          <a:p>
+            <a:r>
+              <a:rPr lang="en-US" sz="3600" dirty="0" smtClean="0"/>
+              <a:t>editor</a:t>
+            </a:r>
+            <a:endParaRPr lang="en-US" sz="3600" dirty="0"/>
+          </a:p>
+        </p:txBody>
+      </p:sp>
+      <p:sp>
+        <p:nvSpPr>
+          <p:cNvPr id="3" name="TextBox 2"/>
+          <p:cNvSpPr txBox="1"/>
+          <p:nvPr/>
+        </p:nvSpPr>
+        <p:spPr>
+          <a:xfrm>
+            <a:off x="8846497" y="565967"/>
+            <a:ext cx="954107" cy="646331"/>
+          </a:xfrm>
+          <a:prstGeom prst="rect">
+            <a:avLst/>
+          </a:prstGeom>
+          <a:noFill/>
+        </p:spPr>
+        <p:txBody>
+          <a:bodyPr wrap="none" rtlCol="0">
+            <a:spAutoFit/>
+          </a:bodyPr>
+          <a:lstStyle/>
+          <a:p>
+            <a:r>
+              <a:rPr lang="en-US" sz="3600" dirty="0" smtClean="0"/>
+              <a:t>IDE</a:t>
+            </a:r>
+            <a:endParaRPr lang="en-US" dirty="0"/>
+          </a:p>
+        </p:txBody>
+      </p:sp>
+      <p:cxnSp>
+        <p:nvCxnSpPr>
+          <p:cNvPr id="6" name="Straight Arrow Connector 5"/>
+          <p:cNvCxnSpPr>
+            <a:stCxn id="2" idx="3"/>
+            <a:endCxn id="3" idx="1"/>
+          </p:cNvCxnSpPr>
+          <p:nvPr/>
+        </p:nvCxnSpPr>
+        <p:spPr>
+          <a:xfrm>
+            <a:off x="3167628" y="889133"/>
+            <a:ext cx="5678869" cy="0"/>
+          </a:xfrm>
+          <a:prstGeom prst="straightConnector1">
+            <a:avLst/>
+          </a:prstGeom>
+          <a:ln>
+            <a:headEnd type="triangle"/>
+            <a:tailEnd type="triangle"/>
+          </a:ln>
+        </p:spPr>
+        <p:style>
+          <a:lnRef idx="3">
+            <a:schemeClr val="accent1"/>
+          </a:lnRef>
+          <a:fillRef idx="0">
+            <a:schemeClr val="accent1"/>
+          </a:fillRef>
+          <a:effectRef idx="2">
+            <a:schemeClr val="accent1"/>
+          </a:effectRef>
+          <a:fontRef idx="minor">
+            <a:schemeClr val="tx1"/>
+          </a:fontRef>
+        </p:style>
+      </p:cxnSp>
+      <p:cxnSp>
+        <p:nvCxnSpPr>
+          <p:cNvPr id="8" name="Straight Arrow Connector 7"/>
+          <p:cNvCxnSpPr/>
+          <p:nvPr/>
+        </p:nvCxnSpPr>
+        <p:spPr>
+          <a:xfrm flipV="1">
+            <a:off x="4573186" y="1185594"/>
+            <a:ext cx="0" cy="1884186"/>
+          </a:xfrm>
+          <a:prstGeom prst="straightConnector1">
+            <a:avLst/>
+          </a:prstGeom>
+          <a:ln>
+            <a:tailEnd type="triangle"/>
+          </a:ln>
+        </p:spPr>
+        <p:style>
+          <a:lnRef idx="3">
+            <a:schemeClr val="accent1"/>
+          </a:lnRef>
+          <a:fillRef idx="0">
+            <a:schemeClr val="accent1"/>
+          </a:fillRef>
+          <a:effectRef idx="2">
+            <a:schemeClr val="accent1"/>
+          </a:effectRef>
+          <a:fontRef idx="minor">
+            <a:schemeClr val="tx1"/>
+          </a:fontRef>
+        </p:style>
+      </p:cxnSp>
+      <p:sp>
+        <p:nvSpPr>
+          <p:cNvPr id="9" name="TextBox 8"/>
+          <p:cNvSpPr txBox="1"/>
+          <p:nvPr/>
+        </p:nvSpPr>
+        <p:spPr>
+          <a:xfrm>
+            <a:off x="1828800" y="1200670"/>
+            <a:ext cx="2021707" cy="400110"/>
+          </a:xfrm>
+          <a:prstGeom prst="rect">
+            <a:avLst/>
+          </a:prstGeom>
+          <a:noFill/>
+        </p:spPr>
+        <p:txBody>
+          <a:bodyPr wrap="none" rtlCol="0">
+            <a:spAutoFit/>
+          </a:bodyPr>
+          <a:lstStyle/>
+          <a:p>
+            <a:r>
+              <a:rPr lang="en-US" sz="2000" dirty="0" smtClean="0">
+                <a:solidFill>
+                  <a:schemeClr val="accent1"/>
+                </a:solidFill>
+              </a:rPr>
+              <a:t>lightweight / fast</a:t>
+            </a:r>
+            <a:endParaRPr lang="en-US" sz="2000" dirty="0">
+              <a:solidFill>
+                <a:schemeClr val="accent1"/>
+              </a:solidFill>
+            </a:endParaRPr>
+          </a:p>
+        </p:txBody>
+      </p:sp>
+      <p:sp>
+        <p:nvSpPr>
+          <p:cNvPr id="10" name="TextBox 9"/>
+          <p:cNvSpPr txBox="1"/>
+          <p:nvPr/>
+        </p:nvSpPr>
+        <p:spPr>
+          <a:xfrm>
+            <a:off x="1828800" y="1567140"/>
+            <a:ext cx="1366080" cy="400110"/>
+          </a:xfrm>
+          <a:prstGeom prst="rect">
+            <a:avLst/>
+          </a:prstGeom>
+          <a:noFill/>
+        </p:spPr>
+        <p:txBody>
+          <a:bodyPr wrap="none" rtlCol="0">
+            <a:spAutoFit/>
+          </a:bodyPr>
+          <a:lstStyle/>
+          <a:p>
+            <a:r>
+              <a:rPr lang="en-US" sz="2000" dirty="0" smtClean="0">
+                <a:solidFill>
+                  <a:schemeClr val="accent1"/>
+                </a:solidFill>
+              </a:rPr>
+              <a:t>file / folder</a:t>
+            </a:r>
+            <a:endParaRPr lang="en-US" sz="2000" dirty="0">
+              <a:solidFill>
+                <a:schemeClr val="accent1"/>
+              </a:solidFill>
+            </a:endParaRPr>
+          </a:p>
+        </p:txBody>
+      </p:sp>
+      <p:sp>
+        <p:nvSpPr>
+          <p:cNvPr id="11" name="TextBox 10"/>
+          <p:cNvSpPr txBox="1"/>
+          <p:nvPr/>
+        </p:nvSpPr>
+        <p:spPr>
+          <a:xfrm>
+            <a:off x="1828800" y="1933610"/>
+            <a:ext cx="2066591" cy="400110"/>
+          </a:xfrm>
+          <a:prstGeom prst="rect">
+            <a:avLst/>
+          </a:prstGeom>
+          <a:noFill/>
+        </p:spPr>
+        <p:txBody>
+          <a:bodyPr wrap="none" rtlCol="0">
+            <a:spAutoFit/>
+          </a:bodyPr>
+          <a:lstStyle/>
+          <a:p>
+            <a:r>
+              <a:rPr lang="en-US" sz="2000" dirty="0" smtClean="0">
+                <a:solidFill>
+                  <a:schemeClr val="accent1"/>
+                </a:solidFill>
+              </a:rPr>
+              <a:t>many languages</a:t>
+            </a:r>
+            <a:endParaRPr lang="en-US" sz="2000" dirty="0">
+              <a:solidFill>
+                <a:schemeClr val="accent1"/>
+              </a:solidFill>
+            </a:endParaRPr>
+          </a:p>
+        </p:txBody>
+      </p:sp>
+      <p:sp>
+        <p:nvSpPr>
+          <p:cNvPr id="12" name="TextBox 11"/>
+          <p:cNvSpPr txBox="1"/>
+          <p:nvPr/>
+        </p:nvSpPr>
+        <p:spPr>
+          <a:xfrm>
+            <a:off x="1828800" y="2666548"/>
+            <a:ext cx="2064989" cy="400110"/>
+          </a:xfrm>
+          <a:prstGeom prst="rect">
+            <a:avLst/>
+          </a:prstGeom>
+          <a:noFill/>
+        </p:spPr>
+        <p:txBody>
+          <a:bodyPr wrap="none" rtlCol="0">
+            <a:spAutoFit/>
+          </a:bodyPr>
+          <a:lstStyle/>
+          <a:p>
+            <a:r>
+              <a:rPr lang="en-US" sz="2000" dirty="0" smtClean="0">
+                <a:solidFill>
+                  <a:schemeClr val="accent1"/>
+                </a:solidFill>
+              </a:rPr>
+              <a:t>keyboard centric</a:t>
+            </a:r>
+            <a:endParaRPr lang="en-US" sz="2000" dirty="0">
+              <a:solidFill>
+                <a:schemeClr val="accent1"/>
+              </a:solidFill>
+            </a:endParaRPr>
+          </a:p>
+        </p:txBody>
+      </p:sp>
+      <p:sp>
+        <p:nvSpPr>
+          <p:cNvPr id="13" name="TextBox 12"/>
+          <p:cNvSpPr txBox="1"/>
+          <p:nvPr/>
+        </p:nvSpPr>
+        <p:spPr>
+          <a:xfrm>
+            <a:off x="1828800" y="2300080"/>
+            <a:ext cx="2008883" cy="400110"/>
+          </a:xfrm>
+          <a:prstGeom prst="rect">
+            <a:avLst/>
+          </a:prstGeom>
+          <a:noFill/>
+        </p:spPr>
+        <p:txBody>
+          <a:bodyPr wrap="none" rtlCol="0">
+            <a:spAutoFit/>
+          </a:bodyPr>
+          <a:lstStyle/>
+          <a:p>
+            <a:r>
+              <a:rPr lang="en-US" sz="2000" dirty="0" smtClean="0">
+                <a:solidFill>
+                  <a:schemeClr val="accent1"/>
+                </a:solidFill>
+              </a:rPr>
+              <a:t>many workflows</a:t>
+            </a:r>
+            <a:endParaRPr lang="en-US" sz="2000" dirty="0">
+              <a:solidFill>
+                <a:schemeClr val="accent1"/>
+              </a:solidFill>
+            </a:endParaRPr>
+          </a:p>
+        </p:txBody>
+      </p:sp>
+      <p:sp>
+        <p:nvSpPr>
+          <p:cNvPr id="14" name="TextBox 13"/>
+          <p:cNvSpPr txBox="1"/>
+          <p:nvPr/>
+        </p:nvSpPr>
+        <p:spPr>
+          <a:xfrm>
+            <a:off x="6684045" y="1200670"/>
+            <a:ext cx="3116559" cy="400110"/>
+          </a:xfrm>
+          <a:prstGeom prst="rect">
+            <a:avLst/>
+          </a:prstGeom>
+          <a:noFill/>
+        </p:spPr>
+        <p:txBody>
+          <a:bodyPr wrap="none" rtlCol="0">
+            <a:spAutoFit/>
+          </a:bodyPr>
+          <a:lstStyle/>
+          <a:p>
+            <a:r>
+              <a:rPr lang="en-US" sz="2000" dirty="0" smtClean="0">
+                <a:solidFill>
+                  <a:schemeClr val="accent5"/>
+                </a:solidFill>
+              </a:rPr>
+              <a:t>lots of menus and buttons</a:t>
+            </a:r>
+            <a:endParaRPr lang="en-US" sz="2000" dirty="0">
+              <a:solidFill>
+                <a:schemeClr val="accent5"/>
+              </a:solidFill>
+            </a:endParaRPr>
+          </a:p>
+        </p:txBody>
+      </p:sp>
+      <p:sp>
+        <p:nvSpPr>
+          <p:cNvPr id="15" name="TextBox 14"/>
+          <p:cNvSpPr txBox="1"/>
+          <p:nvPr/>
+        </p:nvSpPr>
+        <p:spPr>
+          <a:xfrm>
+            <a:off x="8319108" y="1567140"/>
+            <a:ext cx="1481496" cy="400110"/>
+          </a:xfrm>
+          <a:prstGeom prst="rect">
+            <a:avLst/>
+          </a:prstGeom>
+          <a:noFill/>
+        </p:spPr>
+        <p:txBody>
+          <a:bodyPr wrap="none" rtlCol="0">
+            <a:spAutoFit/>
+          </a:bodyPr>
+          <a:lstStyle/>
+          <a:p>
+            <a:r>
+              <a:rPr lang="en-US" sz="2000" dirty="0" smtClean="0">
+                <a:solidFill>
+                  <a:schemeClr val="accent5"/>
+                </a:solidFill>
+              </a:rPr>
+              <a:t>project files</a:t>
+            </a:r>
+            <a:endParaRPr lang="en-US" sz="2000" dirty="0">
+              <a:solidFill>
+                <a:schemeClr val="accent5"/>
+              </a:solidFill>
+            </a:endParaRPr>
+          </a:p>
+        </p:txBody>
+      </p:sp>
+      <p:sp>
+        <p:nvSpPr>
+          <p:cNvPr id="16" name="TextBox 15"/>
+          <p:cNvSpPr txBox="1"/>
+          <p:nvPr/>
+        </p:nvSpPr>
+        <p:spPr>
+          <a:xfrm>
+            <a:off x="8902601" y="3390552"/>
+            <a:ext cx="898003" cy="400110"/>
+          </a:xfrm>
+          <a:prstGeom prst="rect">
+            <a:avLst/>
+          </a:prstGeom>
+          <a:noFill/>
+        </p:spPr>
+        <p:txBody>
+          <a:bodyPr wrap="none" rtlCol="0">
+            <a:spAutoFit/>
+          </a:bodyPr>
+          <a:lstStyle/>
+          <a:p>
+            <a:r>
+              <a:rPr lang="en-US" sz="2000" dirty="0" smtClean="0">
+                <a:solidFill>
+                  <a:schemeClr val="accent5"/>
+                </a:solidFill>
+              </a:rPr>
+              <a:t>debug</a:t>
+            </a:r>
+            <a:endParaRPr lang="en-US" sz="2000" dirty="0">
+              <a:solidFill>
+                <a:schemeClr val="accent5"/>
+              </a:solidFill>
+            </a:endParaRPr>
+          </a:p>
+        </p:txBody>
+      </p:sp>
+      <p:sp>
+        <p:nvSpPr>
+          <p:cNvPr id="17" name="TextBox 16"/>
+          <p:cNvSpPr txBox="1"/>
+          <p:nvPr/>
+        </p:nvSpPr>
+        <p:spPr>
+          <a:xfrm>
+            <a:off x="7849429" y="2309767"/>
+            <a:ext cx="1951175" cy="400110"/>
+          </a:xfrm>
+          <a:prstGeom prst="rect">
+            <a:avLst/>
+          </a:prstGeom>
+          <a:noFill/>
+        </p:spPr>
+        <p:txBody>
+          <a:bodyPr wrap="none" rtlCol="0">
+            <a:spAutoFit/>
+          </a:bodyPr>
+          <a:lstStyle/>
+          <a:p>
+            <a:r>
+              <a:rPr lang="en-US" sz="2000" dirty="0">
+                <a:solidFill>
+                  <a:schemeClr val="accent5"/>
+                </a:solidFill>
+              </a:rPr>
+              <a:t>i</a:t>
+            </a:r>
+            <a:r>
+              <a:rPr lang="en-US" sz="2000" dirty="0" smtClean="0">
+                <a:solidFill>
+                  <a:schemeClr val="accent5"/>
+                </a:solidFill>
+              </a:rPr>
+              <a:t>ntegrated build</a:t>
+            </a:r>
+            <a:endParaRPr lang="en-US" sz="2000" dirty="0">
+              <a:solidFill>
+                <a:schemeClr val="accent5"/>
+              </a:solidFill>
+            </a:endParaRPr>
+          </a:p>
+        </p:txBody>
+      </p:sp>
+      <p:sp>
+        <p:nvSpPr>
+          <p:cNvPr id="18" name="TextBox 17"/>
+          <p:cNvSpPr txBox="1"/>
+          <p:nvPr/>
+        </p:nvSpPr>
+        <p:spPr>
+          <a:xfrm>
+            <a:off x="7273950" y="2666548"/>
+            <a:ext cx="2526654" cy="400110"/>
+          </a:xfrm>
+          <a:prstGeom prst="rect">
+            <a:avLst/>
+          </a:prstGeom>
+          <a:noFill/>
+        </p:spPr>
+        <p:txBody>
+          <a:bodyPr wrap="none" rtlCol="0">
+            <a:spAutoFit/>
+          </a:bodyPr>
+          <a:lstStyle/>
+          <a:p>
+            <a:r>
+              <a:rPr lang="en-US" sz="2000" dirty="0" smtClean="0">
+                <a:solidFill>
+                  <a:schemeClr val="accent5"/>
+                </a:solidFill>
+              </a:rPr>
+              <a:t>“file &gt; new” / wizards</a:t>
+            </a:r>
+            <a:endParaRPr lang="en-US" sz="2000" dirty="0">
+              <a:solidFill>
+                <a:schemeClr val="accent5"/>
+              </a:solidFill>
+            </a:endParaRPr>
+          </a:p>
+        </p:txBody>
+      </p:sp>
+      <p:sp>
+        <p:nvSpPr>
+          <p:cNvPr id="19" name="TextBox 18"/>
+          <p:cNvSpPr txBox="1"/>
+          <p:nvPr/>
+        </p:nvSpPr>
+        <p:spPr>
+          <a:xfrm>
+            <a:off x="8503454" y="3028550"/>
+            <a:ext cx="1297150" cy="400110"/>
+          </a:xfrm>
+          <a:prstGeom prst="rect">
+            <a:avLst/>
+          </a:prstGeom>
+          <a:noFill/>
+        </p:spPr>
+        <p:txBody>
+          <a:bodyPr wrap="none" rtlCol="0">
+            <a:spAutoFit/>
+          </a:bodyPr>
+          <a:lstStyle/>
+          <a:p>
+            <a:r>
+              <a:rPr lang="en-US" sz="2000" dirty="0" smtClean="0">
+                <a:solidFill>
+                  <a:schemeClr val="accent5"/>
+                </a:solidFill>
+              </a:rPr>
+              <a:t>designers</a:t>
+            </a:r>
+            <a:endParaRPr lang="en-US" sz="2000" dirty="0">
+              <a:solidFill>
+                <a:schemeClr val="accent5"/>
+              </a:solidFill>
+            </a:endParaRPr>
+          </a:p>
+        </p:txBody>
+      </p:sp>
+      <p:sp>
+        <p:nvSpPr>
+          <p:cNvPr id="21" name="TextBox 20"/>
+          <p:cNvSpPr txBox="1"/>
+          <p:nvPr/>
+        </p:nvSpPr>
+        <p:spPr>
+          <a:xfrm>
+            <a:off x="8078658" y="3752554"/>
+            <a:ext cx="1721946" cy="400110"/>
+          </a:xfrm>
+          <a:prstGeom prst="rect">
+            <a:avLst/>
+          </a:prstGeom>
+          <a:noFill/>
+        </p:spPr>
+        <p:txBody>
+          <a:bodyPr wrap="none" rtlCol="0">
+            <a:spAutoFit/>
+          </a:bodyPr>
+          <a:lstStyle/>
+          <a:p>
+            <a:r>
+              <a:rPr lang="en-US" sz="2000" dirty="0" smtClean="0">
+                <a:solidFill>
+                  <a:schemeClr val="accent5"/>
+                </a:solidFill>
+              </a:rPr>
+              <a:t>platform tools</a:t>
+            </a:r>
+            <a:endParaRPr lang="en-US" sz="2000" dirty="0">
+              <a:solidFill>
+                <a:schemeClr val="accent5"/>
+              </a:solidFill>
+            </a:endParaRPr>
+          </a:p>
+        </p:txBody>
+      </p:sp>
+      <p:sp>
+        <p:nvSpPr>
+          <p:cNvPr id="26" name="TextBox 25"/>
+          <p:cNvSpPr txBox="1"/>
+          <p:nvPr/>
+        </p:nvSpPr>
+        <p:spPr>
+          <a:xfrm>
+            <a:off x="5682169" y="1933610"/>
+            <a:ext cx="4118435" cy="400110"/>
+          </a:xfrm>
+          <a:prstGeom prst="rect">
+            <a:avLst/>
+          </a:prstGeom>
+          <a:noFill/>
+        </p:spPr>
+        <p:txBody>
+          <a:bodyPr wrap="none" rtlCol="0">
+            <a:spAutoFit/>
+          </a:bodyPr>
+          <a:lstStyle/>
+          <a:p>
+            <a:r>
+              <a:rPr lang="en-US" sz="2000" dirty="0">
+                <a:solidFill>
+                  <a:schemeClr val="accent5"/>
+                </a:solidFill>
+              </a:rPr>
+              <a:t>c</a:t>
+            </a:r>
+            <a:r>
+              <a:rPr lang="en-US" sz="2000" dirty="0" smtClean="0">
+                <a:solidFill>
+                  <a:schemeClr val="accent5"/>
+                </a:solidFill>
+              </a:rPr>
+              <a:t>ode understanding w/ </a:t>
+            </a:r>
+            <a:r>
+              <a:rPr lang="en-US" sz="2000" dirty="0" err="1" smtClean="0">
+                <a:solidFill>
+                  <a:schemeClr val="accent5"/>
+                </a:solidFill>
+              </a:rPr>
+              <a:t>Intellisense</a:t>
+            </a:r>
+            <a:endParaRPr lang="en-US" sz="2000" dirty="0">
+              <a:solidFill>
+                <a:schemeClr val="accent5"/>
+              </a:solidFill>
+            </a:endParaRPr>
+          </a:p>
+        </p:txBody>
+      </p:sp>
+      <p:grpSp>
+        <p:nvGrpSpPr>
+          <p:cNvPr id="41" name="Group 40"/>
+          <p:cNvGrpSpPr/>
+          <p:nvPr/>
+        </p:nvGrpSpPr>
+        <p:grpSpPr>
+          <a:xfrm>
+            <a:off x="3502286" y="3234706"/>
+            <a:ext cx="2066591" cy="1425648"/>
+            <a:chOff x="3502286" y="3234706"/>
+            <a:chExt cx="2066591" cy="1425648"/>
+          </a:xfrm>
+        </p:grpSpPr>
+        <p:sp>
+          <p:nvSpPr>
+            <p:cNvPr id="22" name="TextBox 21"/>
+            <p:cNvSpPr txBox="1"/>
+            <p:nvPr/>
+          </p:nvSpPr>
+          <p:spPr>
+            <a:xfrm>
+              <a:off x="3502286" y="3234706"/>
+              <a:ext cx="2021707" cy="400110"/>
+            </a:xfrm>
+            <a:prstGeom prst="rect">
+              <a:avLst/>
+            </a:prstGeom>
+            <a:noFill/>
+          </p:spPr>
+          <p:txBody>
+            <a:bodyPr wrap="none" rtlCol="0">
+              <a:spAutoFit/>
+            </a:bodyPr>
+            <a:lstStyle/>
+            <a:p>
+              <a:r>
+                <a:rPr lang="en-US" sz="2000" dirty="0" smtClean="0">
+                  <a:solidFill>
+                    <a:schemeClr val="accent1"/>
+                  </a:solidFill>
+                </a:rPr>
+                <a:t>lightweight / fast</a:t>
+              </a:r>
+              <a:endParaRPr lang="en-US" sz="2000" dirty="0">
+                <a:solidFill>
+                  <a:schemeClr val="accent1"/>
+                </a:solidFill>
+              </a:endParaRPr>
+            </a:p>
+          </p:txBody>
+        </p:sp>
+        <p:sp>
+          <p:nvSpPr>
+            <p:cNvPr id="24" name="TextBox 23"/>
+            <p:cNvSpPr txBox="1"/>
+            <p:nvPr/>
+          </p:nvSpPr>
+          <p:spPr>
+            <a:xfrm>
+              <a:off x="3502286" y="3918398"/>
+              <a:ext cx="2066591" cy="400110"/>
+            </a:xfrm>
+            <a:prstGeom prst="rect">
+              <a:avLst/>
+            </a:prstGeom>
+            <a:noFill/>
+          </p:spPr>
+          <p:txBody>
+            <a:bodyPr wrap="none" rtlCol="0">
+              <a:spAutoFit/>
+            </a:bodyPr>
+            <a:lstStyle/>
+            <a:p>
+              <a:r>
+                <a:rPr lang="en-US" sz="2000" dirty="0" smtClean="0">
+                  <a:solidFill>
+                    <a:schemeClr val="accent1"/>
+                  </a:solidFill>
+                </a:rPr>
+                <a:t>many languages</a:t>
+              </a:r>
+              <a:endParaRPr lang="en-US" sz="2000" dirty="0">
+                <a:solidFill>
+                  <a:schemeClr val="accent1"/>
+                </a:solidFill>
+              </a:endParaRPr>
+            </a:p>
+          </p:txBody>
+        </p:sp>
+        <p:sp>
+          <p:nvSpPr>
+            <p:cNvPr id="25" name="TextBox 24"/>
+            <p:cNvSpPr txBox="1"/>
+            <p:nvPr/>
+          </p:nvSpPr>
+          <p:spPr>
+            <a:xfrm>
+              <a:off x="3502286" y="4260244"/>
+              <a:ext cx="2064989" cy="400110"/>
+            </a:xfrm>
+            <a:prstGeom prst="rect">
+              <a:avLst/>
+            </a:prstGeom>
+            <a:noFill/>
+          </p:spPr>
+          <p:txBody>
+            <a:bodyPr wrap="none" rtlCol="0">
+              <a:spAutoFit/>
+            </a:bodyPr>
+            <a:lstStyle/>
+            <a:p>
+              <a:r>
+                <a:rPr lang="en-US" sz="2000" dirty="0" smtClean="0">
+                  <a:solidFill>
+                    <a:schemeClr val="accent1"/>
+                  </a:solidFill>
+                </a:rPr>
+                <a:t>keyboard centric</a:t>
+              </a:r>
+              <a:endParaRPr lang="en-US" sz="2000" dirty="0">
+                <a:solidFill>
+                  <a:schemeClr val="accent1"/>
+                </a:solidFill>
+              </a:endParaRPr>
+            </a:p>
+          </p:txBody>
+        </p:sp>
+        <p:sp>
+          <p:nvSpPr>
+            <p:cNvPr id="23" name="TextBox 22"/>
+            <p:cNvSpPr txBox="1"/>
+            <p:nvPr/>
+          </p:nvSpPr>
+          <p:spPr>
+            <a:xfrm>
+              <a:off x="3502286" y="3576552"/>
+              <a:ext cx="1366080" cy="400110"/>
+            </a:xfrm>
+            <a:prstGeom prst="rect">
+              <a:avLst/>
+            </a:prstGeom>
+            <a:noFill/>
+          </p:spPr>
+          <p:txBody>
+            <a:bodyPr wrap="none" rtlCol="0">
+              <a:spAutoFit/>
+            </a:bodyPr>
+            <a:lstStyle/>
+            <a:p>
+              <a:r>
+                <a:rPr lang="en-US" sz="2000" dirty="0" smtClean="0">
+                  <a:solidFill>
+                    <a:schemeClr val="accent1"/>
+                  </a:solidFill>
+                </a:rPr>
+                <a:t>file / folder</a:t>
+              </a:r>
+              <a:endParaRPr lang="en-US" sz="2000" dirty="0">
+                <a:solidFill>
+                  <a:schemeClr val="accent1"/>
+                </a:solidFill>
+              </a:endParaRPr>
+            </a:p>
+          </p:txBody>
+        </p:sp>
+      </p:grpSp>
+      <p:grpSp>
+        <p:nvGrpSpPr>
+          <p:cNvPr id="42" name="Group 41"/>
+          <p:cNvGrpSpPr/>
+          <p:nvPr/>
+        </p:nvGrpSpPr>
+        <p:grpSpPr>
+          <a:xfrm>
+            <a:off x="3502286" y="3576552"/>
+            <a:ext cx="4118435" cy="2109342"/>
+            <a:chOff x="3502286" y="3576552"/>
+            <a:chExt cx="4118435" cy="2109342"/>
+          </a:xfrm>
+        </p:grpSpPr>
+        <p:sp>
+          <p:nvSpPr>
+            <p:cNvPr id="27" name="TextBox 26"/>
+            <p:cNvSpPr txBox="1"/>
+            <p:nvPr/>
+          </p:nvSpPr>
+          <p:spPr>
+            <a:xfrm>
+              <a:off x="3502286" y="4943936"/>
+              <a:ext cx="1779654" cy="400110"/>
+            </a:xfrm>
+            <a:prstGeom prst="rect">
+              <a:avLst/>
+            </a:prstGeom>
+            <a:noFill/>
+          </p:spPr>
+          <p:txBody>
+            <a:bodyPr wrap="none" rtlCol="0">
+              <a:spAutoFit/>
+            </a:bodyPr>
+            <a:lstStyle/>
+            <a:p>
+              <a:r>
+                <a:rPr lang="en-US" sz="2000" dirty="0" err="1">
+                  <a:solidFill>
+                    <a:schemeClr val="accent5"/>
+                  </a:solidFill>
+                </a:rPr>
+                <a:t>Git</a:t>
+              </a:r>
+              <a:r>
+                <a:rPr lang="en-US" sz="2000" dirty="0">
+                  <a:solidFill>
+                    <a:schemeClr val="accent5"/>
+                  </a:solidFill>
+                </a:rPr>
+                <a:t> </a:t>
+              </a:r>
+              <a:r>
+                <a:rPr lang="en-US" sz="2000" dirty="0" smtClean="0">
+                  <a:solidFill>
+                    <a:schemeClr val="accent5"/>
+                  </a:solidFill>
+                </a:rPr>
+                <a:t>integration</a:t>
+              </a:r>
+              <a:endParaRPr lang="en-US" sz="2000" dirty="0">
+                <a:solidFill>
+                  <a:schemeClr val="accent5"/>
+                </a:solidFill>
+              </a:endParaRPr>
+            </a:p>
+          </p:txBody>
+        </p:sp>
+        <p:sp>
+          <p:nvSpPr>
+            <p:cNvPr id="28" name="TextBox 27"/>
+            <p:cNvSpPr txBox="1"/>
+            <p:nvPr/>
+          </p:nvSpPr>
+          <p:spPr>
+            <a:xfrm>
+              <a:off x="3502286" y="5285784"/>
+              <a:ext cx="4118435" cy="400110"/>
+            </a:xfrm>
+            <a:prstGeom prst="rect">
+              <a:avLst/>
+            </a:prstGeom>
+            <a:noFill/>
+          </p:spPr>
+          <p:txBody>
+            <a:bodyPr wrap="none" rtlCol="0">
+              <a:spAutoFit/>
+            </a:bodyPr>
+            <a:lstStyle/>
+            <a:p>
+              <a:r>
+                <a:rPr lang="en-US" sz="2000" dirty="0">
+                  <a:solidFill>
+                    <a:schemeClr val="accent5"/>
+                  </a:solidFill>
+                </a:rPr>
+                <a:t>code understanding w/ </a:t>
+              </a:r>
+              <a:r>
+                <a:rPr lang="en-US" sz="2000" dirty="0" err="1">
+                  <a:solidFill>
+                    <a:schemeClr val="accent5"/>
+                  </a:solidFill>
+                </a:rPr>
+                <a:t>Intellisense</a:t>
+              </a:r>
+              <a:endParaRPr lang="en-US" sz="2000" dirty="0">
+                <a:solidFill>
+                  <a:schemeClr val="accent5"/>
+                </a:solidFill>
+              </a:endParaRPr>
+            </a:p>
+          </p:txBody>
+        </p:sp>
+        <p:sp>
+          <p:nvSpPr>
+            <p:cNvPr id="29" name="TextBox 28"/>
+            <p:cNvSpPr txBox="1"/>
+            <p:nvPr/>
+          </p:nvSpPr>
+          <p:spPr>
+            <a:xfrm>
+              <a:off x="3502286" y="4602090"/>
+              <a:ext cx="3432350" cy="400110"/>
+            </a:xfrm>
+            <a:prstGeom prst="rect">
+              <a:avLst/>
+            </a:prstGeom>
+            <a:noFill/>
+          </p:spPr>
+          <p:txBody>
+            <a:bodyPr wrap="none" rtlCol="0">
+              <a:spAutoFit/>
+            </a:bodyPr>
+            <a:lstStyle/>
+            <a:p>
+              <a:r>
+                <a:rPr lang="en-US" sz="2000" dirty="0">
+                  <a:solidFill>
+                    <a:schemeClr val="accent5"/>
+                  </a:solidFill>
+                </a:rPr>
+                <a:t>task running </a:t>
+              </a:r>
+              <a:r>
+                <a:rPr lang="en-US" sz="2000" dirty="0" smtClean="0">
+                  <a:solidFill>
+                    <a:schemeClr val="accent5"/>
+                  </a:solidFill>
+                </a:rPr>
+                <a:t>&amp; </a:t>
+              </a:r>
+              <a:r>
+                <a:rPr lang="en-US" sz="2000" dirty="0">
+                  <a:solidFill>
+                    <a:schemeClr val="accent5"/>
+                  </a:solidFill>
+                </a:rPr>
+                <a:t>play to </a:t>
+              </a:r>
+              <a:r>
+                <a:rPr lang="en-US" sz="2000" dirty="0" smtClean="0">
+                  <a:solidFill>
+                    <a:schemeClr val="accent5"/>
+                  </a:solidFill>
+                </a:rPr>
+                <a:t>debug</a:t>
+              </a:r>
+              <a:endParaRPr lang="en-US" sz="2000" dirty="0">
+                <a:solidFill>
+                  <a:schemeClr val="accent5"/>
+                </a:solidFill>
+              </a:endParaRPr>
+            </a:p>
+          </p:txBody>
+        </p:sp>
+        <p:sp>
+          <p:nvSpPr>
+            <p:cNvPr id="30" name="TextBox 29"/>
+            <p:cNvSpPr txBox="1"/>
+            <p:nvPr/>
+          </p:nvSpPr>
+          <p:spPr>
+            <a:xfrm>
+              <a:off x="4758446" y="3576552"/>
+              <a:ext cx="2377574" cy="400110"/>
+            </a:xfrm>
+            <a:prstGeom prst="rect">
+              <a:avLst/>
+            </a:prstGeom>
+            <a:noFill/>
+          </p:spPr>
+          <p:txBody>
+            <a:bodyPr wrap="none" rtlCol="0">
+              <a:spAutoFit/>
+            </a:bodyPr>
+            <a:lstStyle/>
+            <a:p>
+              <a:r>
+                <a:rPr lang="en-US" sz="2000" dirty="0">
+                  <a:solidFill>
+                    <a:schemeClr val="accent5"/>
+                  </a:solidFill>
+                </a:rPr>
+                <a:t>w</a:t>
+              </a:r>
+              <a:r>
+                <a:rPr lang="en-US" sz="2000" dirty="0" smtClean="0">
+                  <a:solidFill>
+                    <a:schemeClr val="accent5"/>
+                  </a:solidFill>
+                </a:rPr>
+                <a:t>ith project context</a:t>
+              </a:r>
+              <a:endParaRPr lang="en-US" sz="2000" dirty="0">
+                <a:solidFill>
+                  <a:schemeClr val="accent5"/>
+                </a:solidFill>
+              </a:endParaRPr>
+            </a:p>
+          </p:txBody>
+        </p:sp>
+      </p:grpSp>
       <p:pic>
         <p:nvPicPr>
-          <p:cNvPr id="6" name="Picture 5"/>
+          <p:cNvPr id="31" name="Picture 30"/>
           <p:cNvPicPr>
             <a:picLocks noChangeAspect="1"/>
           </p:cNvPicPr>
@@ -9428,222 +12212,18 @@
         </p:blipFill>
         <p:spPr>
           <a:xfrm>
-            <a:off x="826812" y="2716512"/>
-            <a:ext cx="7302500" cy="1117600"/>
+            <a:off x="1559603" y="3635791"/>
+            <a:ext cx="1641893" cy="1641893"/>
           </a:xfrm>
           <a:prstGeom prst="rect">
             <a:avLst/>
           </a:prstGeom>
         </p:spPr>
       </p:pic>
-      <p:pic>
-        <p:nvPicPr>
-          <p:cNvPr id="7" name="Picture 6"/>
-          <p:cNvPicPr>
-            <a:picLocks noChangeAspect="1"/>
-          </p:cNvPicPr>
-          <p:nvPr/>
-        </p:nvPicPr>
-        <p:blipFill>
-          <a:blip r:embed="rId4">
-            <a:extLst>
-              <a:ext uri="{28A0092B-C50C-407E-A947-70E740481C1C}">
-                <a14:useLocalDpi xmlns:a14="http://schemas.microsoft.com/office/drawing/2010/main" val="0"/>
-              </a:ext>
-            </a:extLst>
-          </a:blip>
-          <a:stretch>
-            <a:fillRect/>
-          </a:stretch>
-        </p:blipFill>
-        <p:spPr>
-          <a:xfrm>
-            <a:off x="8606763" y="2560530"/>
-            <a:ext cx="1715477" cy="1429564"/>
-          </a:xfrm>
-          <a:prstGeom prst="rect">
-            <a:avLst/>
-          </a:prstGeom>
-        </p:spPr>
-      </p:pic>
-      <p:pic>
-        <p:nvPicPr>
-          <p:cNvPr id="9" name="Picture 8"/>
-          <p:cNvPicPr>
-            <a:picLocks noChangeAspect="1"/>
-          </p:cNvPicPr>
-          <p:nvPr/>
-        </p:nvPicPr>
-        <p:blipFill rotWithShape="1">
-          <a:blip r:embed="rId5">
-            <a:extLst>
-              <a:ext uri="{28A0092B-C50C-407E-A947-70E740481C1C}">
-                <a14:useLocalDpi xmlns:a14="http://schemas.microsoft.com/office/drawing/2010/main" val="0"/>
-              </a:ext>
-            </a:extLst>
-          </a:blip>
-          <a:srcRect l="19636" r="20578"/>
-          <a:stretch/>
-        </p:blipFill>
-        <p:spPr>
-          <a:xfrm>
-            <a:off x="8189273" y="556921"/>
-            <a:ext cx="2954724" cy="1509449"/>
-          </a:xfrm>
-          <a:prstGeom prst="rect">
-            <a:avLst/>
-          </a:prstGeom>
-        </p:spPr>
-      </p:pic>
-      <p:pic>
-        <p:nvPicPr>
-          <p:cNvPr id="10" name="Picture 9"/>
-          <p:cNvPicPr>
-            <a:picLocks noChangeAspect="1"/>
-          </p:cNvPicPr>
-          <p:nvPr/>
-        </p:nvPicPr>
-        <p:blipFill>
-          <a:blip r:embed="rId6"/>
-          <a:stretch>
-            <a:fillRect/>
-          </a:stretch>
-        </p:blipFill>
-        <p:spPr>
-          <a:xfrm>
-            <a:off x="1237499" y="752442"/>
-            <a:ext cx="756136" cy="756136"/>
-          </a:xfrm>
-          <a:prstGeom prst="rect">
-            <a:avLst/>
-          </a:prstGeom>
-        </p:spPr>
-      </p:pic>
-      <p:sp>
-        <p:nvSpPr>
-          <p:cNvPr id="11" name="TextBox 10"/>
-          <p:cNvSpPr txBox="1"/>
-          <p:nvPr/>
-        </p:nvSpPr>
-        <p:spPr>
-          <a:xfrm>
-            <a:off x="5181079" y="1155391"/>
-            <a:ext cx="1290738" cy="584775"/>
-          </a:xfrm>
-          <a:prstGeom prst="rect">
-            <a:avLst/>
-          </a:prstGeom>
-          <a:noFill/>
-        </p:spPr>
-        <p:txBody>
-          <a:bodyPr wrap="none" rtlCol="0">
-            <a:spAutoFit/>
-          </a:bodyPr>
-          <a:lstStyle/>
-          <a:p>
-            <a:r>
-              <a:rPr lang="en-US" sz="1600" b="1" dirty="0" err="1" smtClean="0">
-                <a:solidFill>
-                  <a:schemeClr val="bg2"/>
-                </a:solidFill>
-              </a:rPr>
-              <a:t>OmniSharp</a:t>
-            </a:r>
-            <a:endParaRPr lang="en-US" sz="1600" b="1" dirty="0" smtClean="0">
-              <a:solidFill>
-                <a:schemeClr val="bg2"/>
-              </a:solidFill>
-            </a:endParaRPr>
-          </a:p>
-          <a:p>
-            <a:r>
-              <a:rPr lang="en-US" sz="1600" b="1" dirty="0" smtClean="0">
-                <a:solidFill>
-                  <a:schemeClr val="bg2"/>
-                </a:solidFill>
-              </a:rPr>
-              <a:t>Roslyn</a:t>
-            </a:r>
-            <a:endParaRPr lang="en-US" sz="1600" b="1" dirty="0">
-              <a:solidFill>
-                <a:schemeClr val="bg2"/>
-              </a:solidFill>
-            </a:endParaRPr>
-          </a:p>
-        </p:txBody>
-      </p:sp>
-      <p:pic>
-        <p:nvPicPr>
-          <p:cNvPr id="12" name="Picture 11"/>
-          <p:cNvPicPr>
-            <a:picLocks noChangeAspect="1"/>
-          </p:cNvPicPr>
-          <p:nvPr/>
-        </p:nvPicPr>
-        <p:blipFill>
-          <a:blip r:embed="rId7">
-            <a:extLst>
-              <a:ext uri="{28A0092B-C50C-407E-A947-70E740481C1C}">
-                <a14:useLocalDpi xmlns:a14="http://schemas.microsoft.com/office/drawing/2010/main" val="0"/>
-              </a:ext>
-            </a:extLst>
-          </a:blip>
-          <a:stretch>
-            <a:fillRect/>
-          </a:stretch>
-        </p:blipFill>
-        <p:spPr>
-          <a:xfrm>
-            <a:off x="4275262" y="752442"/>
-            <a:ext cx="995760" cy="995760"/>
-          </a:xfrm>
-          <a:prstGeom prst="rect">
-            <a:avLst/>
-          </a:prstGeom>
-        </p:spPr>
-      </p:pic>
-      <p:sp>
-        <p:nvSpPr>
-          <p:cNvPr id="13" name="TextBox 12"/>
-          <p:cNvSpPr txBox="1"/>
-          <p:nvPr/>
-        </p:nvSpPr>
-        <p:spPr>
-          <a:xfrm>
-            <a:off x="810212" y="1503211"/>
-            <a:ext cx="1747594" cy="338554"/>
-          </a:xfrm>
-          <a:prstGeom prst="rect">
-            <a:avLst/>
-          </a:prstGeom>
-          <a:noFill/>
-        </p:spPr>
-        <p:txBody>
-          <a:bodyPr wrap="none" rtlCol="0">
-            <a:spAutoFit/>
-          </a:bodyPr>
-          <a:lstStyle/>
-          <a:p>
-            <a:r>
-              <a:rPr lang="en-US" sz="1600" b="1" dirty="0" smtClean="0">
-                <a:solidFill>
-                  <a:schemeClr val="bg2"/>
-                </a:solidFill>
-              </a:rPr>
-              <a:t>Monaco Editor *</a:t>
-            </a:r>
-            <a:endParaRPr lang="en-US" sz="1600" b="1" dirty="0">
-              <a:solidFill>
-                <a:schemeClr val="bg2"/>
-              </a:solidFill>
-            </a:endParaRPr>
-          </a:p>
-        </p:txBody>
-      </p:sp>
     </p:spTree>
     <p:extLst>
       <p:ext uri="{BB962C8B-B14F-4D97-AF65-F5344CB8AC3E}">
-        <p14:creationId xmlns:p14="http://schemas.microsoft.com/office/powerpoint/2010/main" val="100983956"/>
+        <p14:creationId xmlns:p14="http://schemas.microsoft.com/office/powerpoint/2010/main" val="1440377352"/>
       </p:ext>
     </p:extLst>
   </p:cSld>
@@ -9653,14 +12233,673 @@
   <p:timing>
     <p:tnLst>
       <p:par>
-        <p:cTn id="1" dur="indefinite" restart="never" nodeType="tmRoot"/>
+        <p:cTn id="1" dur="indefinite" restart="never" nodeType="tmRoot">
+          <p:childTnLst>
+            <p:seq concurrent="1" nextAc="seek">
+              <p:cTn id="2" dur="indefinite" nodeType="mainSeq">
+                <p:childTnLst>
+                  <p:par>
+                    <p:cTn id="3" fill="hold">
+                      <p:stCondLst>
+                        <p:cond delay="indefinite"/>
+                      </p:stCondLst>
+                      <p:childTnLst>
+                        <p:par>
+                          <p:cTn id="4" fill="hold">
+                            <p:stCondLst>
+                              <p:cond delay="0"/>
+                            </p:stCondLst>
+                            <p:childTnLst>
+                              <p:par>
+                                <p:cTn id="5" presetID="1" presetClass="entr" presetSubtype="0" fill="hold" grpId="0" nodeType="clickEffect">
+                                  <p:stCondLst>
+                                    <p:cond delay="0"/>
+                                  </p:stCondLst>
+                                  <p:childTnLst>
+                                    <p:set>
+                                      <p:cBhvr>
+                                        <p:cTn id="6" dur="1" fill="hold">
+                                          <p:stCondLst>
+                                            <p:cond delay="0"/>
+                                          </p:stCondLst>
+                                        </p:cTn>
+                                        <p:tgtEl>
+                                          <p:spTgt spid="9"/>
+                                        </p:tgtEl>
+                                        <p:attrNameLst>
+                                          <p:attrName>style.visibility</p:attrName>
+                                        </p:attrNameLst>
+                                      </p:cBhvr>
+                                      <p:to>
+                                        <p:strVal val="visible"/>
+                                      </p:to>
+                                    </p:set>
+                                  </p:childTnLst>
+                                </p:cTn>
+                              </p:par>
+                              <p:par>
+                                <p:cTn id="7" presetID="1" presetClass="entr" presetSubtype="0" fill="hold" grpId="0" nodeType="withEffect">
+                                  <p:stCondLst>
+                                    <p:cond delay="0"/>
+                                  </p:stCondLst>
+                                  <p:childTnLst>
+                                    <p:set>
+                                      <p:cBhvr>
+                                        <p:cTn id="8" dur="1" fill="hold">
+                                          <p:stCondLst>
+                                            <p:cond delay="0"/>
+                                          </p:stCondLst>
+                                        </p:cTn>
+                                        <p:tgtEl>
+                                          <p:spTgt spid="14"/>
+                                        </p:tgtEl>
+                                        <p:attrNameLst>
+                                          <p:attrName>style.visibility</p:attrName>
+                                        </p:attrNameLst>
+                                      </p:cBhvr>
+                                      <p:to>
+                                        <p:strVal val="visible"/>
+                                      </p:to>
+                                    </p:set>
+                                  </p:childTnLst>
+                                </p:cTn>
+                              </p:par>
+                            </p:childTnLst>
+                          </p:cTn>
+                        </p:par>
+                      </p:childTnLst>
+                    </p:cTn>
+                  </p:par>
+                  <p:par>
+                    <p:cTn id="9" fill="hold">
+                      <p:stCondLst>
+                        <p:cond delay="indefinite"/>
+                      </p:stCondLst>
+                      <p:childTnLst>
+                        <p:par>
+                          <p:cTn id="10" fill="hold">
+                            <p:stCondLst>
+                              <p:cond delay="0"/>
+                            </p:stCondLst>
+                            <p:childTnLst>
+                              <p:par>
+                                <p:cTn id="11" presetID="1" presetClass="entr" presetSubtype="0" fill="hold" grpId="0" nodeType="clickEffect">
+                                  <p:stCondLst>
+                                    <p:cond delay="0"/>
+                                  </p:stCondLst>
+                                  <p:childTnLst>
+                                    <p:set>
+                                      <p:cBhvr>
+                                        <p:cTn id="12" dur="1" fill="hold">
+                                          <p:stCondLst>
+                                            <p:cond delay="0"/>
+                                          </p:stCondLst>
+                                        </p:cTn>
+                                        <p:tgtEl>
+                                          <p:spTgt spid="10"/>
+                                        </p:tgtEl>
+                                        <p:attrNameLst>
+                                          <p:attrName>style.visibility</p:attrName>
+                                        </p:attrNameLst>
+                                      </p:cBhvr>
+                                      <p:to>
+                                        <p:strVal val="visible"/>
+                                      </p:to>
+                                    </p:set>
+                                  </p:childTnLst>
+                                </p:cTn>
+                              </p:par>
+                              <p:par>
+                                <p:cTn id="13" presetID="1" presetClass="entr" presetSubtype="0" fill="hold" grpId="0" nodeType="withEffect">
+                                  <p:stCondLst>
+                                    <p:cond delay="0"/>
+                                  </p:stCondLst>
+                                  <p:childTnLst>
+                                    <p:set>
+                                      <p:cBhvr>
+                                        <p:cTn id="14" dur="1" fill="hold">
+                                          <p:stCondLst>
+                                            <p:cond delay="0"/>
+                                          </p:stCondLst>
+                                        </p:cTn>
+                                        <p:tgtEl>
+                                          <p:spTgt spid="15"/>
+                                        </p:tgtEl>
+                                        <p:attrNameLst>
+                                          <p:attrName>style.visibility</p:attrName>
+                                        </p:attrNameLst>
+                                      </p:cBhvr>
+                                      <p:to>
+                                        <p:strVal val="visible"/>
+                                      </p:to>
+                                    </p:set>
+                                  </p:childTnLst>
+                                </p:cTn>
+                              </p:par>
+                            </p:childTnLst>
+                          </p:cTn>
+                        </p:par>
+                      </p:childTnLst>
+                    </p:cTn>
+                  </p:par>
+                  <p:par>
+                    <p:cTn id="15" fill="hold">
+                      <p:stCondLst>
+                        <p:cond delay="indefinite"/>
+                      </p:stCondLst>
+                      <p:childTnLst>
+                        <p:par>
+                          <p:cTn id="16" fill="hold">
+                            <p:stCondLst>
+                              <p:cond delay="0"/>
+                            </p:stCondLst>
+                            <p:childTnLst>
+                              <p:par>
+                                <p:cTn id="17" presetID="1" presetClass="entr" presetSubtype="0" fill="hold" grpId="0" nodeType="clickEffect">
+                                  <p:stCondLst>
+                                    <p:cond delay="0"/>
+                                  </p:stCondLst>
+                                  <p:childTnLst>
+                                    <p:set>
+                                      <p:cBhvr>
+                                        <p:cTn id="18" dur="1" fill="hold">
+                                          <p:stCondLst>
+                                            <p:cond delay="0"/>
+                                          </p:stCondLst>
+                                        </p:cTn>
+                                        <p:tgtEl>
+                                          <p:spTgt spid="11"/>
+                                        </p:tgtEl>
+                                        <p:attrNameLst>
+                                          <p:attrName>style.visibility</p:attrName>
+                                        </p:attrNameLst>
+                                      </p:cBhvr>
+                                      <p:to>
+                                        <p:strVal val="visible"/>
+                                      </p:to>
+                                    </p:set>
+                                  </p:childTnLst>
+                                </p:cTn>
+                              </p:par>
+                              <p:par>
+                                <p:cTn id="19" presetID="1" presetClass="entr" presetSubtype="0" fill="hold" grpId="0" nodeType="withEffect">
+                                  <p:stCondLst>
+                                    <p:cond delay="0"/>
+                                  </p:stCondLst>
+                                  <p:childTnLst>
+                                    <p:set>
+                                      <p:cBhvr>
+                                        <p:cTn id="20" dur="1" fill="hold">
+                                          <p:stCondLst>
+                                            <p:cond delay="0"/>
+                                          </p:stCondLst>
+                                        </p:cTn>
+                                        <p:tgtEl>
+                                          <p:spTgt spid="26"/>
+                                        </p:tgtEl>
+                                        <p:attrNameLst>
+                                          <p:attrName>style.visibility</p:attrName>
+                                        </p:attrNameLst>
+                                      </p:cBhvr>
+                                      <p:to>
+                                        <p:strVal val="visible"/>
+                                      </p:to>
+                                    </p:set>
+                                  </p:childTnLst>
+                                </p:cTn>
+                              </p:par>
+                            </p:childTnLst>
+                          </p:cTn>
+                        </p:par>
+                      </p:childTnLst>
+                    </p:cTn>
+                  </p:par>
+                  <p:par>
+                    <p:cTn id="21" fill="hold">
+                      <p:stCondLst>
+                        <p:cond delay="indefinite"/>
+                      </p:stCondLst>
+                      <p:childTnLst>
+                        <p:par>
+                          <p:cTn id="22" fill="hold">
+                            <p:stCondLst>
+                              <p:cond delay="0"/>
+                            </p:stCondLst>
+                            <p:childTnLst>
+                              <p:par>
+                                <p:cTn id="23" presetID="1" presetClass="entr" presetSubtype="0" fill="hold" grpId="0" nodeType="clickEffect">
+                                  <p:stCondLst>
+                                    <p:cond delay="0"/>
+                                  </p:stCondLst>
+                                  <p:childTnLst>
+                                    <p:set>
+                                      <p:cBhvr>
+                                        <p:cTn id="24" dur="1" fill="hold">
+                                          <p:stCondLst>
+                                            <p:cond delay="0"/>
+                                          </p:stCondLst>
+                                        </p:cTn>
+                                        <p:tgtEl>
+                                          <p:spTgt spid="13"/>
+                                        </p:tgtEl>
+                                        <p:attrNameLst>
+                                          <p:attrName>style.visibility</p:attrName>
+                                        </p:attrNameLst>
+                                      </p:cBhvr>
+                                      <p:to>
+                                        <p:strVal val="visible"/>
+                                      </p:to>
+                                    </p:set>
+                                  </p:childTnLst>
+                                </p:cTn>
+                              </p:par>
+                              <p:par>
+                                <p:cTn id="25" presetID="1" presetClass="entr" presetSubtype="0" fill="hold" grpId="0" nodeType="withEffect">
+                                  <p:stCondLst>
+                                    <p:cond delay="0"/>
+                                  </p:stCondLst>
+                                  <p:childTnLst>
+                                    <p:set>
+                                      <p:cBhvr>
+                                        <p:cTn id="26" dur="1" fill="hold">
+                                          <p:stCondLst>
+                                            <p:cond delay="0"/>
+                                          </p:stCondLst>
+                                        </p:cTn>
+                                        <p:tgtEl>
+                                          <p:spTgt spid="17"/>
+                                        </p:tgtEl>
+                                        <p:attrNameLst>
+                                          <p:attrName>style.visibility</p:attrName>
+                                        </p:attrNameLst>
+                                      </p:cBhvr>
+                                      <p:to>
+                                        <p:strVal val="visible"/>
+                                      </p:to>
+                                    </p:set>
+                                  </p:childTnLst>
+                                </p:cTn>
+                              </p:par>
+                            </p:childTnLst>
+                          </p:cTn>
+                        </p:par>
+                      </p:childTnLst>
+                    </p:cTn>
+                  </p:par>
+                  <p:par>
+                    <p:cTn id="27" fill="hold">
+                      <p:stCondLst>
+                        <p:cond delay="indefinite"/>
+                      </p:stCondLst>
+                      <p:childTnLst>
+                        <p:par>
+                          <p:cTn id="28" fill="hold">
+                            <p:stCondLst>
+                              <p:cond delay="0"/>
+                            </p:stCondLst>
+                            <p:childTnLst>
+                              <p:par>
+                                <p:cTn id="29" presetID="1" presetClass="entr" presetSubtype="0" fill="hold" grpId="0" nodeType="clickEffect">
+                                  <p:stCondLst>
+                                    <p:cond delay="0"/>
+                                  </p:stCondLst>
+                                  <p:childTnLst>
+                                    <p:set>
+                                      <p:cBhvr>
+                                        <p:cTn id="30" dur="1" fill="hold">
+                                          <p:stCondLst>
+                                            <p:cond delay="0"/>
+                                          </p:stCondLst>
+                                        </p:cTn>
+                                        <p:tgtEl>
+                                          <p:spTgt spid="12"/>
+                                        </p:tgtEl>
+                                        <p:attrNameLst>
+                                          <p:attrName>style.visibility</p:attrName>
+                                        </p:attrNameLst>
+                                      </p:cBhvr>
+                                      <p:to>
+                                        <p:strVal val="visible"/>
+                                      </p:to>
+                                    </p:set>
+                                  </p:childTnLst>
+                                </p:cTn>
+                              </p:par>
+                              <p:par>
+                                <p:cTn id="31" presetID="1" presetClass="entr" presetSubtype="0" fill="hold" grpId="0" nodeType="withEffect">
+                                  <p:stCondLst>
+                                    <p:cond delay="0"/>
+                                  </p:stCondLst>
+                                  <p:childTnLst>
+                                    <p:set>
+                                      <p:cBhvr>
+                                        <p:cTn id="32" dur="1" fill="hold">
+                                          <p:stCondLst>
+                                            <p:cond delay="0"/>
+                                          </p:stCondLst>
+                                        </p:cTn>
+                                        <p:tgtEl>
+                                          <p:spTgt spid="18"/>
+                                        </p:tgtEl>
+                                        <p:attrNameLst>
+                                          <p:attrName>style.visibility</p:attrName>
+                                        </p:attrNameLst>
+                                      </p:cBhvr>
+                                      <p:to>
+                                        <p:strVal val="visible"/>
+                                      </p:to>
+                                    </p:set>
+                                  </p:childTnLst>
+                                </p:cTn>
+                              </p:par>
+                              <p:par>
+                                <p:cTn id="33" presetID="1" presetClass="entr" presetSubtype="0" fill="hold" grpId="0" nodeType="withEffect">
+                                  <p:stCondLst>
+                                    <p:cond delay="0"/>
+                                  </p:stCondLst>
+                                  <p:childTnLst>
+                                    <p:set>
+                                      <p:cBhvr>
+                                        <p:cTn id="34" dur="1" fill="hold">
+                                          <p:stCondLst>
+                                            <p:cond delay="0"/>
+                                          </p:stCondLst>
+                                        </p:cTn>
+                                        <p:tgtEl>
+                                          <p:spTgt spid="19"/>
+                                        </p:tgtEl>
+                                        <p:attrNameLst>
+                                          <p:attrName>style.visibility</p:attrName>
+                                        </p:attrNameLst>
+                                      </p:cBhvr>
+                                      <p:to>
+                                        <p:strVal val="visible"/>
+                                      </p:to>
+                                    </p:set>
+                                  </p:childTnLst>
+                                </p:cTn>
+                              </p:par>
+                            </p:childTnLst>
+                          </p:cTn>
+                        </p:par>
+                      </p:childTnLst>
+                    </p:cTn>
+                  </p:par>
+                  <p:par>
+                    <p:cTn id="35" fill="hold">
+                      <p:stCondLst>
+                        <p:cond delay="indefinite"/>
+                      </p:stCondLst>
+                      <p:childTnLst>
+                        <p:par>
+                          <p:cTn id="36" fill="hold">
+                            <p:stCondLst>
+                              <p:cond delay="0"/>
+                            </p:stCondLst>
+                            <p:childTnLst>
+                              <p:par>
+                                <p:cTn id="37" presetID="1" presetClass="entr" presetSubtype="0" fill="hold" grpId="0" nodeType="clickEffect">
+                                  <p:stCondLst>
+                                    <p:cond delay="0"/>
+                                  </p:stCondLst>
+                                  <p:childTnLst>
+                                    <p:set>
+                                      <p:cBhvr>
+                                        <p:cTn id="38" dur="1" fill="hold">
+                                          <p:stCondLst>
+                                            <p:cond delay="0"/>
+                                          </p:stCondLst>
+                                        </p:cTn>
+                                        <p:tgtEl>
+                                          <p:spTgt spid="16"/>
+                                        </p:tgtEl>
+                                        <p:attrNameLst>
+                                          <p:attrName>style.visibility</p:attrName>
+                                        </p:attrNameLst>
+                                      </p:cBhvr>
+                                      <p:to>
+                                        <p:strVal val="visible"/>
+                                      </p:to>
+                                    </p:set>
+                                  </p:childTnLst>
+                                </p:cTn>
+                              </p:par>
+                              <p:par>
+                                <p:cTn id="39" presetID="1" presetClass="entr" presetSubtype="0" fill="hold" grpId="0" nodeType="withEffect">
+                                  <p:stCondLst>
+                                    <p:cond delay="0"/>
+                                  </p:stCondLst>
+                                  <p:childTnLst>
+                                    <p:set>
+                                      <p:cBhvr>
+                                        <p:cTn id="40" dur="1" fill="hold">
+                                          <p:stCondLst>
+                                            <p:cond delay="0"/>
+                                          </p:stCondLst>
+                                        </p:cTn>
+                                        <p:tgtEl>
+                                          <p:spTgt spid="21"/>
+                                        </p:tgtEl>
+                                        <p:attrNameLst>
+                                          <p:attrName>style.visibility</p:attrName>
+                                        </p:attrNameLst>
+                                      </p:cBhvr>
+                                      <p:to>
+                                        <p:strVal val="visible"/>
+                                      </p:to>
+                                    </p:set>
+                                  </p:childTnLst>
+                                </p:cTn>
+                              </p:par>
+                            </p:childTnLst>
+                          </p:cTn>
+                        </p:par>
+                      </p:childTnLst>
+                    </p:cTn>
+                  </p:par>
+                  <p:par>
+                    <p:cTn id="41" fill="hold">
+                      <p:stCondLst>
+                        <p:cond delay="indefinite"/>
+                      </p:stCondLst>
+                      <p:childTnLst>
+                        <p:par>
+                          <p:cTn id="42" fill="hold">
+                            <p:stCondLst>
+                              <p:cond delay="0"/>
+                            </p:stCondLst>
+                            <p:childTnLst>
+                              <p:par>
+                                <p:cTn id="43" presetID="1" presetClass="entr" presetSubtype="0" fill="hold" nodeType="clickEffect">
+                                  <p:stCondLst>
+                                    <p:cond delay="0"/>
+                                  </p:stCondLst>
+                                  <p:childTnLst>
+                                    <p:set>
+                                      <p:cBhvr>
+                                        <p:cTn id="44" dur="1" fill="hold">
+                                          <p:stCondLst>
+                                            <p:cond delay="0"/>
+                                          </p:stCondLst>
+                                        </p:cTn>
+                                        <p:tgtEl>
+                                          <p:spTgt spid="8"/>
+                                        </p:tgtEl>
+                                        <p:attrNameLst>
+                                          <p:attrName>style.visibility</p:attrName>
+                                        </p:attrNameLst>
+                                      </p:cBhvr>
+                                      <p:to>
+                                        <p:strVal val="visible"/>
+                                      </p:to>
+                                    </p:set>
+                                  </p:childTnLst>
+                                </p:cTn>
+                              </p:par>
+                              <p:par>
+                                <p:cTn id="45" presetID="1" presetClass="entr" presetSubtype="0" fill="hold" nodeType="withEffect">
+                                  <p:stCondLst>
+                                    <p:cond delay="0"/>
+                                  </p:stCondLst>
+                                  <p:childTnLst>
+                                    <p:set>
+                                      <p:cBhvr>
+                                        <p:cTn id="46" dur="1" fill="hold">
+                                          <p:stCondLst>
+                                            <p:cond delay="0"/>
+                                          </p:stCondLst>
+                                        </p:cTn>
+                                        <p:tgtEl>
+                                          <p:spTgt spid="31"/>
+                                        </p:tgtEl>
+                                        <p:attrNameLst>
+                                          <p:attrName>style.visibility</p:attrName>
+                                        </p:attrNameLst>
+                                      </p:cBhvr>
+                                      <p:to>
+                                        <p:strVal val="visible"/>
+                                      </p:to>
+                                    </p:set>
+                                  </p:childTnLst>
+                                </p:cTn>
+                              </p:par>
+                            </p:childTnLst>
+                          </p:cTn>
+                        </p:par>
+                      </p:childTnLst>
+                    </p:cTn>
+                  </p:par>
+                  <p:par>
+                    <p:cTn id="47" fill="hold">
+                      <p:stCondLst>
+                        <p:cond delay="indefinite"/>
+                      </p:stCondLst>
+                      <p:childTnLst>
+                        <p:par>
+                          <p:cTn id="48" fill="hold">
+                            <p:stCondLst>
+                              <p:cond delay="0"/>
+                            </p:stCondLst>
+                            <p:childTnLst>
+                              <p:par>
+                                <p:cTn id="49" presetID="1" presetClass="entr" presetSubtype="0" fill="hold" nodeType="clickEffect">
+                                  <p:stCondLst>
+                                    <p:cond delay="0"/>
+                                  </p:stCondLst>
+                                  <p:childTnLst>
+                                    <p:set>
+                                      <p:cBhvr>
+                                        <p:cTn id="50" dur="1" fill="hold">
+                                          <p:stCondLst>
+                                            <p:cond delay="0"/>
+                                          </p:stCondLst>
+                                        </p:cTn>
+                                        <p:tgtEl>
+                                          <p:spTgt spid="41"/>
+                                        </p:tgtEl>
+                                        <p:attrNameLst>
+                                          <p:attrName>style.visibility</p:attrName>
+                                        </p:attrNameLst>
+                                      </p:cBhvr>
+                                      <p:to>
+                                        <p:strVal val="visible"/>
+                                      </p:to>
+                                    </p:set>
+                                  </p:childTnLst>
+                                </p:cTn>
+                              </p:par>
+                            </p:childTnLst>
+                          </p:cTn>
+                        </p:par>
+                      </p:childTnLst>
+                    </p:cTn>
+                  </p:par>
+                  <p:par>
+                    <p:cTn id="51" fill="hold">
+                      <p:stCondLst>
+                        <p:cond delay="indefinite"/>
+                      </p:stCondLst>
+                      <p:childTnLst>
+                        <p:par>
+                          <p:cTn id="52" fill="hold">
+                            <p:stCondLst>
+                              <p:cond delay="0"/>
+                            </p:stCondLst>
+                            <p:childTnLst>
+                              <p:par>
+                                <p:cTn id="53" presetID="1" presetClass="entr" presetSubtype="0" fill="hold" nodeType="clickEffect">
+                                  <p:stCondLst>
+                                    <p:cond delay="0"/>
+                                  </p:stCondLst>
+                                  <p:childTnLst>
+                                    <p:set>
+                                      <p:cBhvr>
+                                        <p:cTn id="54" dur="1" fill="hold">
+                                          <p:stCondLst>
+                                            <p:cond delay="0"/>
+                                          </p:stCondLst>
+                                        </p:cTn>
+                                        <p:tgtEl>
+                                          <p:spTgt spid="42"/>
+                                        </p:tgtEl>
+                                        <p:attrNameLst>
+                                          <p:attrName>style.visibility</p:attrName>
+                                        </p:attrNameLst>
+                                      </p:cBhvr>
+                                      <p:to>
+                                        <p:strVal val="visible"/>
+                                      </p:to>
+                                    </p:set>
+                                  </p:childTnLst>
+                                </p:cTn>
+                              </p:par>
+                            </p:childTnLst>
+                          </p:cTn>
+                        </p:par>
+                      </p:childTnLst>
+                    </p:cTn>
+                  </p:par>
+                </p:childTnLst>
+              </p:cTn>
+              <p:prevCondLst>
+                <p:cond evt="onPrev" delay="0">
+                  <p:tgtEl>
+                    <p:sldTgt/>
+                  </p:tgtEl>
+                </p:cond>
+              </p:prevCondLst>
+              <p:nextCondLst>
+                <p:cond evt="onNext" delay="0">
+                  <p:tgtEl>
+                    <p:sldTgt/>
+                  </p:tgtEl>
+                </p:cond>
+              </p:nextCondLst>
+            </p:seq>
+          </p:childTnLst>
+        </p:cTn>
       </p:par>
     </p:tnLst>
+    <p:bldLst>
+      <p:bldP spid="9" grpId="0"/>
+      <p:bldP spid="10" grpId="0"/>
+      <p:bldP spid="11" grpId="0"/>
+      <p:bldP spid="12" grpId="0"/>
+      <p:bldP spid="13" grpId="0"/>
+      <p:bldP spid="14" grpId="0"/>
+      <p:bldP spid="15" grpId="0"/>
+      <p:bldP spid="16" grpId="0"/>
+      <p:bldP spid="17" grpId="0"/>
+      <p:bldP spid="18" grpId="0"/>
+      <p:bldP spid="19" grpId="0"/>
+      <p:bldP spid="21" grpId="0"/>
+      <p:bldP spid="26" grpId="0"/>
+    </p:bldLst>
   </p:timing>
 </p:sld>
 </file>
 
-<file path=ppt/slides/slide14.xml><?xml version="1.0" encoding="utf-8"?>
+<file path=ppt/slides/slide15.xml><?xml version="1.0" encoding="utf-8"?>
 <p:sld xmlns:a="http://schemas.openxmlformats.org/drawingml/2006/main" xmlns:r="http://schemas.openxmlformats.org/officeDocument/2006/relationships" xmlns:p="http://schemas.openxmlformats.org/presentationml/2006/main">
   <p:cSld>
     <p:spTree>
@@ -9715,7 +12954,15 @@
                   <a:schemeClr val="bg1"/>
                 </a:solidFill>
               </a:rPr>
-              <a:t>The Sweet Spot</a:t>
+              <a:t>Salesforce and </a:t>
+            </a:r>
+            <a:r>
+              <a:rPr lang="en-US" sz="5400" dirty="0" err="1" smtClean="0">
+                <a:solidFill>
+                  <a:schemeClr val="bg1"/>
+                </a:solidFill>
+              </a:rPr>
+              <a:t>VSCode</a:t>
             </a:r>
             <a:endParaRPr lang="en-US" sz="5400" b="0" i="0" u="none" strike="noStrike" cap="none" baseline="0" dirty="0">
               <a:solidFill>
@@ -9728,45 +12975,42 @@
       </p:sp>
       <p:sp>
         <p:nvSpPr>
-          <p:cNvPr id="840" name="Shape 840"/>
-          <p:cNvSpPr txBox="1">
+          <p:cNvPr id="2" name="Subtitle 1"/>
+          <p:cNvSpPr>
             <a:spLocks noGrp="1"/>
           </p:cNvSpPr>
           <p:nvPr>
             <p:ph type="subTitle" idx="1"/>
           </p:nvPr>
         </p:nvSpPr>
-        <p:spPr>
-          <a:xfrm>
-            <a:off x="360362" y="4876800"/>
-            <a:ext cx="11482388" cy="1066799"/>
-          </a:xfrm>
-          <a:prstGeom prst="rect">
-            <a:avLst/>
-          </a:prstGeom>
-          <a:noFill/>
-          <a:ln>
-            <a:noFill/>
-          </a:ln>
-        </p:spPr>
+        <p:spPr/>
         <p:txBody>
-          <a:bodyPr lIns="0" tIns="0" rIns="0" bIns="0" anchor="t" anchorCtr="0">
-            <a:noAutofit/>
-          </a:bodyPr>
+          <a:bodyPr/>
           <a:lstStyle/>
           <a:p>
-            <a:pPr>
-              <a:spcBef>
-                <a:spcPts val="0"/>
-              </a:spcBef>
-            </a:pPr>
             <a:r>
               <a:rPr lang="en-US" sz="2400" dirty="0" smtClean="0">
                 <a:solidFill>
                   <a:schemeClr val="bg1"/>
                 </a:solidFill>
               </a:rPr>
-              <a:t>Visual Studio Code offers everything we need and nothing we don’t</a:t>
+              <a:t>Getting Visual Studio Code </a:t>
+            </a:r>
+            <a:r>
+              <a:rPr lang="en-US" sz="2400" dirty="0">
+                <a:solidFill>
+                  <a:schemeClr val="bg1"/>
+                </a:solidFill>
+              </a:rPr>
+              <a:t>to recognize Salesforce </a:t>
+            </a:r>
+            <a:r>
+              <a:rPr lang="en-US" sz="2400" dirty="0" smtClean="0">
+                <a:solidFill>
+                  <a:schemeClr val="bg1"/>
+                </a:solidFill>
+              </a:rPr>
+              <a:t>files</a:t>
             </a:r>
             <a:endParaRPr lang="en-US" sz="2400" dirty="0">
               <a:solidFill>
@@ -9779,7 +13023,7 @@
     </p:spTree>
     <p:extLst>
       <p:ext uri="{BB962C8B-B14F-4D97-AF65-F5344CB8AC3E}">
-        <p14:creationId xmlns:p14="http://schemas.microsoft.com/office/powerpoint/2010/main" val="630284016"/>
+        <p14:creationId xmlns:p14="http://schemas.microsoft.com/office/powerpoint/2010/main" val="1621905437"/>
       </p:ext>
     </p:extLst>
   </p:cSld>
@@ -9789,72 +13033,6 @@
   <p:transition spd="med">
     <p:fade/>
   </p:transition>
-  <p:timing>
-    <p:tnLst>
-      <p:par>
-        <p:cTn id="1" dur="indefinite" restart="never" nodeType="tmRoot"/>
-      </p:par>
-    </p:tnLst>
-  </p:timing>
-</p:sld>
-</file>
-
-<file path=ppt/slides/slide15.xml><?xml version="1.0" encoding="utf-8"?>
-<p:sld xmlns:a="http://schemas.openxmlformats.org/drawingml/2006/main" xmlns:r="http://schemas.openxmlformats.org/officeDocument/2006/relationships" xmlns:p="http://schemas.openxmlformats.org/presentationml/2006/main">
-  <p:cSld>
-    <p:spTree>
-      <p:nvGrpSpPr>
-        <p:cNvPr id="1" name=""/>
-        <p:cNvGrpSpPr/>
-        <p:nvPr/>
-      </p:nvGrpSpPr>
-      <p:grpSpPr>
-        <a:xfrm>
-          <a:off x="0" y="0"/>
-          <a:ext cx="0" cy="0"/>
-          <a:chOff x="0" y="0"/>
-          <a:chExt cx="0" cy="0"/>
-        </a:xfrm>
-      </p:grpSpPr>
-      <p:pic>
-        <p:nvPicPr>
-          <p:cNvPr id="5" name="Picture 4"/>
-          <p:cNvPicPr>
-            <a:picLocks noChangeAspect="1"/>
-          </p:cNvPicPr>
-          <p:nvPr/>
-        </p:nvPicPr>
-        <p:blipFill rotWithShape="1">
-          <a:blip r:embed="rId2">
-            <a:extLst>
-              <a:ext uri="{28A0092B-C50C-407E-A947-70E740481C1C}">
-                <a14:useLocalDpi xmlns:a14="http://schemas.microsoft.com/office/drawing/2010/main" val="0"/>
-              </a:ext>
-            </a:extLst>
-          </a:blip>
-          <a:srcRect l="1078" t="14871" r="1166" b="5300"/>
-          <a:stretch/>
-        </p:blipFill>
-        <p:spPr>
-          <a:xfrm>
-            <a:off x="837501" y="539263"/>
-            <a:ext cx="10115220" cy="5162632"/>
-          </a:xfrm>
-          <a:prstGeom prst="rect">
-            <a:avLst/>
-          </a:prstGeom>
-        </p:spPr>
-      </p:pic>
-    </p:spTree>
-    <p:extLst>
-      <p:ext uri="{BB962C8B-B14F-4D97-AF65-F5344CB8AC3E}">
-        <p14:creationId xmlns:p14="http://schemas.microsoft.com/office/powerpoint/2010/main" val="1440377352"/>
-      </p:ext>
-    </p:extLst>
-  </p:cSld>
-  <p:clrMapOvr>
-    <a:masterClrMapping/>
-  </p:clrMapOvr>
   <p:timing>
     <p:tnLst>
       <p:par>
@@ -9884,90 +13062,6 @@
       </p:grpSpPr>
       <p:sp>
         <p:nvSpPr>
-          <p:cNvPr id="456" name="Shape 456"/>
-          <p:cNvSpPr txBox="1">
-            <a:spLocks noGrp="1"/>
-          </p:cNvSpPr>
-          <p:nvPr>
-            <p:ph type="body" idx="1"/>
-          </p:nvPr>
-        </p:nvSpPr>
-        <p:spPr>
-          <a:xfrm>
-            <a:off x="347989" y="1599479"/>
-            <a:ext cx="5705024" cy="4498264"/>
-          </a:xfrm>
-          <a:prstGeom prst="rect">
-            <a:avLst/>
-          </a:prstGeom>
-          <a:solidFill>
-            <a:srgbClr val="E4E6E7"/>
-          </a:solidFill>
-          <a:ln>
-            <a:noFill/>
-          </a:ln>
-        </p:spPr>
-        <p:txBody>
-          <a:bodyPr lIns="182875" tIns="182875" rIns="182875" bIns="182875" anchor="t" anchorCtr="0">
-            <a:noAutofit/>
-          </a:bodyPr>
-          <a:lstStyle/>
-          <a:p>
-            <a:pPr marL="0" marR="0" lvl="0" indent="0" algn="l" rtl="0">
-              <a:lnSpc>
-                <a:spcPct val="100000"/>
-              </a:lnSpc>
-              <a:spcBef>
-                <a:spcPts val="0"/>
-              </a:spcBef>
-              <a:spcAft>
-                <a:spcPts val="600"/>
-              </a:spcAft>
-              <a:buClr>
-                <a:srgbClr val="7F7F7F"/>
-              </a:buClr>
-              <a:buSzPct val="100000"/>
-              <a:buFont typeface="Arial"/>
-              <a:buChar char="​"/>
-            </a:pPr>
-            <a:r>
-              <a:rPr lang="en-US" sz="2000" b="0" i="0" u="none" strike="noStrike" cap="none" baseline="0" dirty="0" smtClean="0">
-                <a:solidFill>
-                  <a:srgbClr val="7C868D"/>
-                </a:solidFill>
-                <a:latin typeface="Arial"/>
-                <a:ea typeface="Arial"/>
-                <a:cs typeface="Arial"/>
-                <a:sym typeface="Arial"/>
-              </a:rPr>
-              <a:t>Syntax Highlighting</a:t>
-            </a:r>
-            <a:r>
-              <a:rPr lang="en-US" sz="2000" b="0" i="0" u="none" strike="noStrike" cap="none" dirty="0" smtClean="0">
-                <a:solidFill>
-                  <a:srgbClr val="7C868D"/>
-                </a:solidFill>
-                <a:latin typeface="Arial"/>
-                <a:ea typeface="Arial"/>
-                <a:cs typeface="Arial"/>
-                <a:sym typeface="Arial"/>
-              </a:rPr>
-              <a:t> image goes here</a:t>
-            </a:r>
-            <a:endParaRPr lang="en-US" sz="2000" b="0" i="0" u="none" strike="noStrike" cap="none" baseline="0" dirty="0">
-              <a:solidFill>
-                <a:srgbClr val="7C868D"/>
-              </a:solidFill>
-              <a:latin typeface="Arial"/>
-              <a:ea typeface="Arial"/>
-              <a:cs typeface="Arial"/>
-              <a:sym typeface="Arial"/>
-            </a:endParaRPr>
-          </a:p>
-        </p:txBody>
-      </p:sp>
-      <p:sp>
-        <p:nvSpPr>
           <p:cNvPr id="457" name="Shape 457"/>
           <p:cNvSpPr txBox="1">
             <a:spLocks noGrp="1"/>
@@ -9984,9 +13078,7 @@
           <a:prstGeom prst="rect">
             <a:avLst/>
           </a:prstGeom>
-          <a:solidFill>
-            <a:srgbClr val="E4E6E7"/>
-          </a:solidFill>
+          <a:noFill/>
           <a:ln>
             <a:noFill/>
           </a:ln>
@@ -10176,20 +13268,101 @@
               <a:buChar char="​"/>
             </a:pPr>
             <a:r>
-              <a:rPr lang="en-US" sz="2400" b="0" i="0" u="none" strike="noStrike" cap="none" baseline="0">
+              <a:rPr lang="en-US" sz="2400" dirty="0" smtClean="0">
                 <a:solidFill>
                   <a:schemeClr val="accent2"/>
                 </a:solidFill>
-                <a:latin typeface="Arial"/>
-                <a:ea typeface="Arial"/>
-                <a:cs typeface="Arial"/>
-                <a:sym typeface="Arial"/>
               </a:rPr>
-              <a:t>Subtitle placeholder</a:t>
-            </a:r>
+              <a:t>Apex and </a:t>
+            </a:r>
+            <a:r>
+              <a:rPr lang="en-US" sz="2400" dirty="0" err="1" smtClean="0">
+                <a:solidFill>
+                  <a:schemeClr val="accent2"/>
+                </a:solidFill>
+              </a:rPr>
+              <a:t>Visualforce</a:t>
+            </a:r>
+            <a:r>
+              <a:rPr lang="en-US" sz="2400" dirty="0" smtClean="0">
+                <a:solidFill>
+                  <a:schemeClr val="accent2"/>
+                </a:solidFill>
+              </a:rPr>
+              <a:t> Grammars and Snippets</a:t>
+            </a:r>
+            <a:endParaRPr lang="en-US" sz="2400" b="0" i="0" u="none" strike="noStrike" cap="none" baseline="0" dirty="0">
+              <a:solidFill>
+                <a:schemeClr val="accent2"/>
+              </a:solidFill>
+              <a:latin typeface="Arial"/>
+              <a:ea typeface="Arial"/>
+              <a:cs typeface="Arial"/>
+              <a:sym typeface="Arial"/>
+            </a:endParaRPr>
           </a:p>
         </p:txBody>
       </p:sp>
+      <p:pic>
+        <p:nvPicPr>
+          <p:cNvPr id="2" name="Picture 1"/>
+          <p:cNvPicPr>
+            <a:picLocks noChangeAspect="1"/>
+          </p:cNvPicPr>
+          <p:nvPr/>
+        </p:nvPicPr>
+        <p:blipFill>
+          <a:blip r:embed="rId3">
+            <a:extLst>
+              <a:ext uri="{28A0092B-C50C-407E-A947-70E740481C1C}">
+                <a14:useLocalDpi xmlns:a14="http://schemas.microsoft.com/office/drawing/2010/main" val="0"/>
+              </a:ext>
+            </a:extLst>
+          </a:blip>
+          <a:stretch>
+            <a:fillRect/>
+          </a:stretch>
+        </p:blipFill>
+        <p:spPr>
+          <a:xfrm>
+            <a:off x="324341" y="1599479"/>
+            <a:ext cx="5706162" cy="4480560"/>
+          </a:xfrm>
+          <a:prstGeom prst="rect">
+            <a:avLst/>
+          </a:prstGeom>
+        </p:spPr>
+      </p:pic>
+      <p:pic>
+        <p:nvPicPr>
+          <p:cNvPr id="9" name="Picture 8"/>
+          <p:cNvPicPr>
+            <a:picLocks noChangeAspect="1"/>
+          </p:cNvPicPr>
+          <p:nvPr/>
+        </p:nvPicPr>
+        <p:blipFill>
+          <a:blip r:embed="rId4">
+            <a:extLst>
+              <a:ext uri="{28A0092B-C50C-407E-A947-70E740481C1C}">
+                <a14:useLocalDpi xmlns:a14="http://schemas.microsoft.com/office/drawing/2010/main" val="0"/>
+              </a:ext>
+            </a:extLst>
+          </a:blip>
+          <a:stretch>
+            <a:fillRect/>
+          </a:stretch>
+        </p:blipFill>
+        <p:spPr>
+          <a:xfrm>
+            <a:off x="6245911" y="1599479"/>
+            <a:ext cx="5581472" cy="4480560"/>
+          </a:xfrm>
+          <a:prstGeom prst="rect">
+            <a:avLst/>
+          </a:prstGeom>
+        </p:spPr>
+      </p:pic>
     </p:spTree>
     <p:extLst>
       <p:ext uri="{BB962C8B-B14F-4D97-AF65-F5344CB8AC3E}">
@@ -10268,7 +13441,7 @@
                   <a:schemeClr val="bg1"/>
                 </a:solidFill>
               </a:rPr>
-              <a:t>The modern Salesforce development workflow</a:t>
+              <a:t>The Modern Workflow</a:t>
             </a:r>
             <a:endParaRPr lang="en-US" sz="5400" b="0" i="0" u="none" strike="noStrike" cap="none" baseline="0" dirty="0">
               <a:solidFill>
@@ -10281,45 +13454,26 @@
       </p:sp>
       <p:sp>
         <p:nvSpPr>
-          <p:cNvPr id="840" name="Shape 840"/>
-          <p:cNvSpPr txBox="1">
+          <p:cNvPr id="2" name="Subtitle 1"/>
+          <p:cNvSpPr>
             <a:spLocks noGrp="1"/>
           </p:cNvSpPr>
           <p:nvPr>
             <p:ph type="subTitle" idx="1"/>
           </p:nvPr>
         </p:nvSpPr>
-        <p:spPr>
-          <a:xfrm>
-            <a:off x="360362" y="4876800"/>
-            <a:ext cx="11482388" cy="1066799"/>
-          </a:xfrm>
-          <a:prstGeom prst="rect">
-            <a:avLst/>
-          </a:prstGeom>
-          <a:noFill/>
-          <a:ln>
-            <a:noFill/>
-          </a:ln>
-        </p:spPr>
+        <p:spPr/>
         <p:txBody>
-          <a:bodyPr lIns="0" tIns="0" rIns="0" bIns="0" anchor="t" anchorCtr="0">
-            <a:noAutofit/>
-          </a:bodyPr>
+          <a:bodyPr/>
           <a:lstStyle/>
           <a:p>
-            <a:pPr>
-              <a:spcBef>
-                <a:spcPts val="0"/>
-              </a:spcBef>
-            </a:pPr>
             <a:r>
               <a:rPr lang="en-US" sz="2400" dirty="0" smtClean="0">
                 <a:solidFill>
                   <a:schemeClr val="bg1"/>
                 </a:solidFill>
               </a:rPr>
-              <a:t>Build JavaScript SPAs using Open Source tools</a:t>
+              <a:t>Working with Salesforce files in Visual Studio Code</a:t>
             </a:r>
             <a:endParaRPr lang="en-US" sz="2400" dirty="0">
               <a:solidFill>
@@ -10332,7 +13486,7 @@
     </p:spTree>
     <p:extLst>
       <p:ext uri="{BB962C8B-B14F-4D97-AF65-F5344CB8AC3E}">
-        <p14:creationId xmlns:p14="http://schemas.microsoft.com/office/powerpoint/2010/main" val="1239116809"/>
+        <p14:creationId xmlns:p14="http://schemas.microsoft.com/office/powerpoint/2010/main" val="1412207228"/>
       </p:ext>
     </p:extLst>
   </p:cSld>
@@ -10369,303 +13523,18 @@
           <a:chExt cx="0" cy="0"/>
         </a:xfrm>
       </p:grpSpPr>
-      <p:sp>
-        <p:nvSpPr>
-          <p:cNvPr id="4" name="Title 3"/>
-          <p:cNvSpPr>
-            <a:spLocks noGrp="1"/>
-          </p:cNvSpPr>
-          <p:nvPr>
-            <p:ph type="title"/>
-          </p:nvPr>
-        </p:nvSpPr>
-        <p:spPr/>
-        <p:txBody>
-          <a:bodyPr/>
-          <a:lstStyle/>
-          <a:p>
-            <a:pPr algn="ctr"/>
-            <a:r>
-              <a:rPr lang="en-US" sz="4400" dirty="0" smtClean="0">
-                <a:solidFill>
-                  <a:schemeClr val="accent1"/>
-                </a:solidFill>
-              </a:rPr>
-              <a:t>The Modern Workflow</a:t>
-            </a:r>
-            <a:endParaRPr lang="en-US" sz="4400" dirty="0">
-              <a:solidFill>
-                <a:schemeClr val="accent1"/>
-              </a:solidFill>
-            </a:endParaRPr>
-          </a:p>
-        </p:txBody>
-      </p:sp>
-      <p:pic>
-        <p:nvPicPr>
-          <p:cNvPr id="5" name="Picture 4"/>
-          <p:cNvPicPr>
-            <a:picLocks noChangeAspect="1"/>
-          </p:cNvPicPr>
-          <p:nvPr/>
-        </p:nvPicPr>
-        <p:blipFill>
-          <a:blip r:embed="rId3">
-            <a:extLst>
-              <a:ext uri="{28A0092B-C50C-407E-A947-70E740481C1C}">
-                <a14:useLocalDpi xmlns:a14="http://schemas.microsoft.com/office/drawing/2010/main" val="0"/>
-              </a:ext>
-            </a:extLst>
-          </a:blip>
-          <a:stretch>
-            <a:fillRect/>
-          </a:stretch>
-        </p:blipFill>
-        <p:spPr>
-          <a:xfrm>
-            <a:off x="338327" y="1680277"/>
-            <a:ext cx="1544967" cy="1544967"/>
-          </a:xfrm>
-          <a:prstGeom prst="rect">
-            <a:avLst/>
-          </a:prstGeom>
-        </p:spPr>
-      </p:pic>
-      <p:pic>
-        <p:nvPicPr>
-          <p:cNvPr id="7" name="Picture 6"/>
-          <p:cNvPicPr>
-            <a:picLocks noChangeAspect="1"/>
-          </p:cNvPicPr>
-          <p:nvPr/>
-        </p:nvPicPr>
-        <p:blipFill>
-          <a:blip r:embed="rId4">
-            <a:extLst>
-              <a:ext uri="{28A0092B-C50C-407E-A947-70E740481C1C}">
-                <a14:useLocalDpi xmlns:a14="http://schemas.microsoft.com/office/drawing/2010/main" val="0"/>
-              </a:ext>
-            </a:extLst>
-          </a:blip>
-          <a:stretch>
-            <a:fillRect/>
-          </a:stretch>
-        </p:blipFill>
-        <p:spPr>
-          <a:xfrm>
-            <a:off x="399426" y="3803281"/>
-            <a:ext cx="1422767" cy="1233852"/>
-          </a:xfrm>
-          <a:prstGeom prst="rect">
-            <a:avLst/>
-          </a:prstGeom>
-        </p:spPr>
-      </p:pic>
-      <p:pic>
-        <p:nvPicPr>
-          <p:cNvPr id="9" name="Picture 8"/>
-          <p:cNvPicPr>
-            <a:picLocks noChangeAspect="1"/>
-          </p:cNvPicPr>
-          <p:nvPr/>
-        </p:nvPicPr>
-        <p:blipFill>
-          <a:blip r:embed="rId5">
-            <a:extLst>
-              <a:ext uri="{28A0092B-C50C-407E-A947-70E740481C1C}">
-                <a14:useLocalDpi xmlns:a14="http://schemas.microsoft.com/office/drawing/2010/main" val="0"/>
-              </a:ext>
-            </a:extLst>
-          </a:blip>
-          <a:stretch>
-            <a:fillRect/>
-          </a:stretch>
-        </p:blipFill>
-        <p:spPr>
-          <a:xfrm>
-            <a:off x="2666674" y="3803281"/>
-            <a:ext cx="1421416" cy="1243739"/>
-          </a:xfrm>
-          <a:prstGeom prst="rect">
-            <a:avLst/>
-          </a:prstGeom>
-        </p:spPr>
-      </p:pic>
-      <p:pic>
-        <p:nvPicPr>
-          <p:cNvPr id="10" name="Picture 9"/>
-          <p:cNvPicPr>
-            <a:picLocks noChangeAspect="1"/>
-          </p:cNvPicPr>
-          <p:nvPr/>
-        </p:nvPicPr>
-        <p:blipFill>
-          <a:blip r:embed="rId6">
-            <a:extLst>
-              <a:ext uri="{28A0092B-C50C-407E-A947-70E740481C1C}">
-                <a14:useLocalDpi xmlns:a14="http://schemas.microsoft.com/office/drawing/2010/main" val="0"/>
-              </a:ext>
-            </a:extLst>
-          </a:blip>
-          <a:stretch>
-            <a:fillRect/>
-          </a:stretch>
-        </p:blipFill>
-        <p:spPr>
-          <a:xfrm>
-            <a:off x="2153637" y="2176598"/>
-            <a:ext cx="2403023" cy="934509"/>
-          </a:xfrm>
-          <a:prstGeom prst="rect">
-            <a:avLst/>
-          </a:prstGeom>
-        </p:spPr>
-      </p:pic>
-      <p:pic>
-        <p:nvPicPr>
-          <p:cNvPr id="11" name="Picture 10"/>
-          <p:cNvPicPr>
-            <a:picLocks noChangeAspect="1"/>
-          </p:cNvPicPr>
-          <p:nvPr/>
-        </p:nvPicPr>
-        <p:blipFill>
-          <a:blip r:embed="rId7">
-            <a:extLst>
-              <a:ext uri="{28A0092B-C50C-407E-A947-70E740481C1C}">
-                <a14:useLocalDpi xmlns:a14="http://schemas.microsoft.com/office/drawing/2010/main" val="0"/>
-              </a:ext>
-            </a:extLst>
-          </a:blip>
-          <a:stretch>
-            <a:fillRect/>
-          </a:stretch>
-        </p:blipFill>
-        <p:spPr>
-          <a:xfrm>
-            <a:off x="5219830" y="1417673"/>
-            <a:ext cx="824132" cy="1852082"/>
-          </a:xfrm>
-          <a:prstGeom prst="rect">
-            <a:avLst/>
-          </a:prstGeom>
-        </p:spPr>
-      </p:pic>
-      <p:pic>
-        <p:nvPicPr>
-          <p:cNvPr id="13" name="Picture 12"/>
-          <p:cNvPicPr>
-            <a:picLocks noChangeAspect="1"/>
-          </p:cNvPicPr>
-          <p:nvPr/>
-        </p:nvPicPr>
-        <p:blipFill>
-          <a:blip r:embed="rId8">
-            <a:extLst>
-              <a:ext uri="{28A0092B-C50C-407E-A947-70E740481C1C}">
-                <a14:useLocalDpi xmlns:a14="http://schemas.microsoft.com/office/drawing/2010/main" val="0"/>
-              </a:ext>
-            </a:extLst>
-          </a:blip>
-          <a:stretch>
-            <a:fillRect/>
-          </a:stretch>
-        </p:blipFill>
-        <p:spPr>
-          <a:xfrm>
-            <a:off x="4784119" y="3803281"/>
-            <a:ext cx="1709810" cy="1709810"/>
-          </a:xfrm>
-          <a:prstGeom prst="rect">
-            <a:avLst/>
-          </a:prstGeom>
-        </p:spPr>
-      </p:pic>
-      <p:pic>
-        <p:nvPicPr>
-          <p:cNvPr id="15" name="Picture 14"/>
-          <p:cNvPicPr>
-            <a:picLocks noChangeAspect="1"/>
-          </p:cNvPicPr>
-          <p:nvPr/>
-        </p:nvPicPr>
-        <p:blipFill>
-          <a:blip r:embed="rId9">
-            <a:extLst>
-              <a:ext uri="{28A0092B-C50C-407E-A947-70E740481C1C}">
-                <a14:useLocalDpi xmlns:a14="http://schemas.microsoft.com/office/drawing/2010/main" val="0"/>
-              </a:ext>
-            </a:extLst>
-          </a:blip>
-          <a:stretch>
-            <a:fillRect/>
-          </a:stretch>
-        </p:blipFill>
-        <p:spPr>
-          <a:xfrm>
-            <a:off x="6664263" y="2062199"/>
-            <a:ext cx="2425700" cy="840400"/>
-          </a:xfrm>
-          <a:prstGeom prst="rect">
-            <a:avLst/>
-          </a:prstGeom>
-        </p:spPr>
-      </p:pic>
-      <p:sp>
-        <p:nvSpPr>
-          <p:cNvPr id="16" name="TextBox 15"/>
-          <p:cNvSpPr txBox="1"/>
-          <p:nvPr/>
-        </p:nvSpPr>
-        <p:spPr>
-          <a:xfrm>
-            <a:off x="7189958" y="2846568"/>
-            <a:ext cx="1218603" cy="523220"/>
-          </a:xfrm>
-          <a:prstGeom prst="rect">
-            <a:avLst/>
-          </a:prstGeom>
-          <a:noFill/>
-        </p:spPr>
-        <p:txBody>
-          <a:bodyPr wrap="none" rtlCol="0">
-            <a:spAutoFit/>
-          </a:bodyPr>
-          <a:lstStyle/>
-          <a:p>
-            <a:r>
-              <a:rPr lang="en-US" dirty="0">
-                <a:hlinkClick r:id="rId10"/>
-              </a:rPr>
-              <a:t>heroku</a:t>
-            </a:r>
-            <a:r>
-              <a:rPr lang="en-US" dirty="0"/>
-              <a:t>/</a:t>
-            </a:r>
-            <a:r>
-              <a:rPr lang="en-US" b="1" dirty="0">
-                <a:hlinkClick r:id="rId11"/>
-              </a:rPr>
-              <a:t>force</a:t>
-            </a:r>
-            <a:endParaRPr lang="en-US" dirty="0"/>
-          </a:p>
-          <a:p>
-            <a:endParaRPr lang="en-US" dirty="0"/>
-          </a:p>
-        </p:txBody>
-      </p:sp>
       <p:cxnSp>
         <p:nvCxnSpPr>
           <p:cNvPr id="18" name="Straight Arrow Connector 17"/>
-          <p:cNvCxnSpPr/>
+          <p:cNvCxnSpPr>
+            <a:endCxn id="20" idx="1"/>
+          </p:cNvCxnSpPr>
           <p:nvPr/>
         </p:nvCxnSpPr>
         <p:spPr>
           <a:xfrm flipV="1">
-            <a:off x="338327" y="3428403"/>
-            <a:ext cx="8840842" cy="22334"/>
+            <a:off x="0" y="3881959"/>
+            <a:ext cx="9304906" cy="9532"/>
           </a:xfrm>
           <a:prstGeom prst="straightConnector1">
             <a:avLst/>
@@ -10689,6 +13558,49 @@
           </a:fontRef>
         </p:style>
       </p:cxnSp>
+      <p:sp>
+        <p:nvSpPr>
+          <p:cNvPr id="2" name="Rounded Rectangle 1"/>
+          <p:cNvSpPr/>
+          <p:nvPr/>
+        </p:nvSpPr>
+        <p:spPr>
+          <a:xfrm>
+            <a:off x="298997" y="1873988"/>
+            <a:ext cx="1604214" cy="4114800"/>
+          </a:xfrm>
+          <a:prstGeom prst="roundRect">
+            <a:avLst/>
+          </a:prstGeom>
+          <a:solidFill>
+            <a:schemeClr val="lt1"/>
+          </a:solidFill>
+        </p:spPr>
+        <p:style>
+          <a:lnRef idx="2">
+            <a:schemeClr val="accent1">
+              <a:shade val="50000"/>
+            </a:schemeClr>
+          </a:lnRef>
+          <a:fillRef idx="1">
+            <a:schemeClr val="accent1"/>
+          </a:fillRef>
+          <a:effectRef idx="0">
+            <a:schemeClr val="accent1"/>
+          </a:effectRef>
+          <a:fontRef idx="minor">
+            <a:schemeClr val="lt1"/>
+          </a:fontRef>
+        </p:style>
+        <p:txBody>
+          <a:bodyPr rtlCol="0" anchor="ctr"/>
+          <a:lstStyle/>
+          <a:p>
+            <a:pPr algn="ctr"/>
+            <a:endParaRPr lang="en-US"/>
+          </a:p>
+        </p:txBody>
+      </p:sp>
       <p:pic>
         <p:nvPicPr>
           <p:cNvPr id="20" name="Picture 19"/>
@@ -10698,7 +13610,7 @@
           <p:nvPr/>
         </p:nvPicPr>
         <p:blipFill>
-          <a:blip r:embed="rId12">
+          <a:blip r:embed="rId3">
             <a:extLst>
               <a:ext uri="{28A0092B-C50C-407E-A947-70E740481C1C}">
                 <a14:useLocalDpi xmlns:a14="http://schemas.microsoft.com/office/drawing/2010/main" val="0"/>
@@ -10711,7 +13623,7 @@
         </p:blipFill>
         <p:spPr>
           <a:xfrm>
-            <a:off x="9221227" y="2176597"/>
+            <a:off x="9304906" y="2518945"/>
             <a:ext cx="2726027" cy="2726027"/>
           </a:xfrm>
           <a:prstGeom prst="rect">
@@ -10719,6 +13631,496 @@
           </a:prstGeom>
         </p:spPr>
       </p:pic>
+      <p:pic>
+        <p:nvPicPr>
+          <p:cNvPr id="5" name="Picture 4"/>
+          <p:cNvPicPr>
+            <a:picLocks noChangeAspect="1"/>
+          </p:cNvPicPr>
+          <p:nvPr/>
+        </p:nvPicPr>
+        <p:blipFill>
+          <a:blip r:embed="rId4">
+            <a:extLst>
+              <a:ext uri="{28A0092B-C50C-407E-A947-70E740481C1C}">
+                <a14:useLocalDpi xmlns:a14="http://schemas.microsoft.com/office/drawing/2010/main" val="0"/>
+              </a:ext>
+            </a:extLst>
+          </a:blip>
+          <a:stretch>
+            <a:fillRect/>
+          </a:stretch>
+        </p:blipFill>
+        <p:spPr>
+          <a:xfrm>
+            <a:off x="328621" y="4111730"/>
+            <a:ext cx="1544967" cy="1544967"/>
+          </a:xfrm>
+          <a:prstGeom prst="rect">
+            <a:avLst/>
+          </a:prstGeom>
+        </p:spPr>
+      </p:pic>
+      <p:pic>
+        <p:nvPicPr>
+          <p:cNvPr id="7" name="Picture 6"/>
+          <p:cNvPicPr>
+            <a:picLocks noChangeAspect="1"/>
+          </p:cNvPicPr>
+          <p:nvPr/>
+        </p:nvPicPr>
+        <p:blipFill>
+          <a:blip r:embed="rId5">
+            <a:extLst>
+              <a:ext uri="{28A0092B-C50C-407E-A947-70E740481C1C}">
+                <a14:useLocalDpi xmlns:a14="http://schemas.microsoft.com/office/drawing/2010/main" val="0"/>
+              </a:ext>
+            </a:extLst>
+          </a:blip>
+          <a:stretch>
+            <a:fillRect/>
+          </a:stretch>
+        </p:blipFill>
+        <p:spPr>
+          <a:xfrm>
+            <a:off x="389721" y="2331132"/>
+            <a:ext cx="1422767" cy="1233852"/>
+          </a:xfrm>
+          <a:prstGeom prst="rect">
+            <a:avLst/>
+          </a:prstGeom>
+        </p:spPr>
+      </p:pic>
+      <p:sp>
+        <p:nvSpPr>
+          <p:cNvPr id="3" name="TextBox 2"/>
+          <p:cNvSpPr txBox="1"/>
+          <p:nvPr/>
+        </p:nvSpPr>
+        <p:spPr>
+          <a:xfrm>
+            <a:off x="366768" y="6008645"/>
+            <a:ext cx="1468672" cy="461665"/>
+          </a:xfrm>
+          <a:prstGeom prst="rect">
+            <a:avLst/>
+          </a:prstGeom>
+          <a:noFill/>
+        </p:spPr>
+        <p:txBody>
+          <a:bodyPr wrap="none" rtlCol="0">
+            <a:spAutoFit/>
+          </a:bodyPr>
+          <a:lstStyle/>
+          <a:p>
+            <a:r>
+              <a:rPr lang="en-US" sz="2400" dirty="0" smtClean="0"/>
+              <a:t>Generate</a:t>
+            </a:r>
+            <a:endParaRPr lang="en-US" sz="2400" dirty="0"/>
+          </a:p>
+        </p:txBody>
+      </p:sp>
+      <p:sp>
+        <p:nvSpPr>
+          <p:cNvPr id="19" name="Rounded Rectangle 18"/>
+          <p:cNvSpPr/>
+          <p:nvPr/>
+        </p:nvSpPr>
+        <p:spPr>
+          <a:xfrm>
+            <a:off x="5048164" y="1873988"/>
+            <a:ext cx="1181721" cy="4114800"/>
+          </a:xfrm>
+          <a:prstGeom prst="roundRect">
+            <a:avLst/>
+          </a:prstGeom>
+          <a:solidFill>
+            <a:schemeClr val="lt1"/>
+          </a:solidFill>
+        </p:spPr>
+        <p:style>
+          <a:lnRef idx="2">
+            <a:schemeClr val="accent1">
+              <a:shade val="50000"/>
+            </a:schemeClr>
+          </a:lnRef>
+          <a:fillRef idx="1">
+            <a:schemeClr val="accent1"/>
+          </a:fillRef>
+          <a:effectRef idx="0">
+            <a:schemeClr val="accent1"/>
+          </a:effectRef>
+          <a:fontRef idx="minor">
+            <a:schemeClr val="lt1"/>
+          </a:fontRef>
+        </p:style>
+        <p:txBody>
+          <a:bodyPr rtlCol="0" anchor="ctr"/>
+          <a:lstStyle/>
+          <a:p>
+            <a:pPr algn="ctr"/>
+            <a:endParaRPr lang="en-US"/>
+          </a:p>
+        </p:txBody>
+      </p:sp>
+      <p:pic>
+        <p:nvPicPr>
+          <p:cNvPr id="11" name="Picture 10"/>
+          <p:cNvPicPr>
+            <a:picLocks noChangeAspect="1"/>
+          </p:cNvPicPr>
+          <p:nvPr/>
+        </p:nvPicPr>
+        <p:blipFill>
+          <a:blip r:embed="rId6">
+            <a:extLst>
+              <a:ext uri="{28A0092B-C50C-407E-A947-70E740481C1C}">
+                <a14:useLocalDpi xmlns:a14="http://schemas.microsoft.com/office/drawing/2010/main" val="0"/>
+              </a:ext>
+            </a:extLst>
+          </a:blip>
+          <a:stretch>
+            <a:fillRect/>
+          </a:stretch>
+        </p:blipFill>
+        <p:spPr>
+          <a:xfrm>
+            <a:off x="5226958" y="1920419"/>
+            <a:ext cx="824132" cy="1852082"/>
+          </a:xfrm>
+          <a:prstGeom prst="rect">
+            <a:avLst/>
+          </a:prstGeom>
+        </p:spPr>
+      </p:pic>
+      <p:pic>
+        <p:nvPicPr>
+          <p:cNvPr id="13" name="Picture 12"/>
+          <p:cNvPicPr>
+            <a:picLocks noChangeAspect="1"/>
+          </p:cNvPicPr>
+          <p:nvPr/>
+        </p:nvPicPr>
+        <p:blipFill>
+          <a:blip r:embed="rId7">
+            <a:extLst>
+              <a:ext uri="{28A0092B-C50C-407E-A947-70E740481C1C}">
+                <a14:useLocalDpi xmlns:a14="http://schemas.microsoft.com/office/drawing/2010/main" val="0"/>
+              </a:ext>
+            </a:extLst>
+          </a:blip>
+          <a:stretch>
+            <a:fillRect/>
+          </a:stretch>
+        </p:blipFill>
+        <p:spPr>
+          <a:xfrm>
+            <a:off x="4784119" y="4029308"/>
+            <a:ext cx="1709810" cy="1709810"/>
+          </a:xfrm>
+          <a:prstGeom prst="rect">
+            <a:avLst/>
+          </a:prstGeom>
+        </p:spPr>
+      </p:pic>
+      <p:sp>
+        <p:nvSpPr>
+          <p:cNvPr id="24" name="TextBox 23"/>
+          <p:cNvSpPr txBox="1"/>
+          <p:nvPr/>
+        </p:nvSpPr>
+        <p:spPr>
+          <a:xfrm>
+            <a:off x="5203649" y="6008645"/>
+            <a:ext cx="870751" cy="461665"/>
+          </a:xfrm>
+          <a:prstGeom prst="rect">
+            <a:avLst/>
+          </a:prstGeom>
+          <a:noFill/>
+        </p:spPr>
+        <p:txBody>
+          <a:bodyPr wrap="none" rtlCol="0">
+            <a:spAutoFit/>
+          </a:bodyPr>
+          <a:lstStyle/>
+          <a:p>
+            <a:r>
+              <a:rPr lang="en-US" sz="2400" dirty="0" smtClean="0"/>
+              <a:t>Build</a:t>
+            </a:r>
+            <a:endParaRPr lang="en-US" sz="2400" dirty="0"/>
+          </a:p>
+        </p:txBody>
+      </p:sp>
+      <p:sp>
+        <p:nvSpPr>
+          <p:cNvPr id="17" name="Rounded Rectangle 16"/>
+          <p:cNvSpPr/>
+          <p:nvPr/>
+        </p:nvSpPr>
+        <p:spPr>
+          <a:xfrm>
+            <a:off x="2103932" y="1873988"/>
+            <a:ext cx="2706842" cy="4114800"/>
+          </a:xfrm>
+          <a:prstGeom prst="roundRect">
+            <a:avLst/>
+          </a:prstGeom>
+          <a:solidFill>
+            <a:schemeClr val="lt1"/>
+          </a:solidFill>
+        </p:spPr>
+        <p:style>
+          <a:lnRef idx="2">
+            <a:schemeClr val="accent1">
+              <a:shade val="50000"/>
+            </a:schemeClr>
+          </a:lnRef>
+          <a:fillRef idx="1">
+            <a:schemeClr val="accent1"/>
+          </a:fillRef>
+          <a:effectRef idx="0">
+            <a:schemeClr val="accent1"/>
+          </a:effectRef>
+          <a:fontRef idx="minor">
+            <a:schemeClr val="lt1"/>
+          </a:fontRef>
+        </p:style>
+        <p:txBody>
+          <a:bodyPr rtlCol="0" anchor="ctr"/>
+          <a:lstStyle/>
+          <a:p>
+            <a:pPr algn="ctr"/>
+            <a:endParaRPr lang="en-US"/>
+          </a:p>
+        </p:txBody>
+      </p:sp>
+      <p:pic>
+        <p:nvPicPr>
+          <p:cNvPr id="9" name="Picture 8"/>
+          <p:cNvPicPr>
+            <a:picLocks noChangeAspect="1"/>
+          </p:cNvPicPr>
+          <p:nvPr/>
+        </p:nvPicPr>
+        <p:blipFill>
+          <a:blip r:embed="rId8">
+            <a:extLst>
+              <a:ext uri="{28A0092B-C50C-407E-A947-70E740481C1C}">
+                <a14:useLocalDpi xmlns:a14="http://schemas.microsoft.com/office/drawing/2010/main" val="0"/>
+              </a:ext>
+            </a:extLst>
+          </a:blip>
+          <a:stretch>
+            <a:fillRect/>
+          </a:stretch>
+        </p:blipFill>
+        <p:spPr>
+          <a:xfrm>
+            <a:off x="2746645" y="2360055"/>
+            <a:ext cx="1421416" cy="1243739"/>
+          </a:xfrm>
+          <a:prstGeom prst="rect">
+            <a:avLst/>
+          </a:prstGeom>
+        </p:spPr>
+      </p:pic>
+      <p:pic>
+        <p:nvPicPr>
+          <p:cNvPr id="10" name="Picture 9"/>
+          <p:cNvPicPr>
+            <a:picLocks noChangeAspect="1"/>
+          </p:cNvPicPr>
+          <p:nvPr/>
+        </p:nvPicPr>
+        <p:blipFill>
+          <a:blip r:embed="rId9">
+            <a:extLst>
+              <a:ext uri="{28A0092B-C50C-407E-A947-70E740481C1C}">
+                <a14:useLocalDpi xmlns:a14="http://schemas.microsoft.com/office/drawing/2010/main" val="0"/>
+              </a:ext>
+            </a:extLst>
+          </a:blip>
+          <a:stretch>
+            <a:fillRect/>
+          </a:stretch>
+        </p:blipFill>
+        <p:spPr>
+          <a:xfrm>
+            <a:off x="2255842" y="4416959"/>
+            <a:ext cx="2403023" cy="934509"/>
+          </a:xfrm>
+          <a:prstGeom prst="rect">
+            <a:avLst/>
+          </a:prstGeom>
+        </p:spPr>
+      </p:pic>
+      <p:sp>
+        <p:nvSpPr>
+          <p:cNvPr id="23" name="TextBox 22"/>
+          <p:cNvSpPr txBox="1"/>
+          <p:nvPr/>
+        </p:nvSpPr>
+        <p:spPr>
+          <a:xfrm>
+            <a:off x="2962667" y="6008645"/>
+            <a:ext cx="989373" cy="461665"/>
+          </a:xfrm>
+          <a:prstGeom prst="rect">
+            <a:avLst/>
+          </a:prstGeom>
+          <a:noFill/>
+        </p:spPr>
+        <p:txBody>
+          <a:bodyPr wrap="none" rtlCol="0">
+            <a:spAutoFit/>
+          </a:bodyPr>
+          <a:lstStyle/>
+          <a:p>
+            <a:pPr algn="ctr"/>
+            <a:r>
+              <a:rPr lang="en-US" sz="2400" dirty="0" smtClean="0"/>
+              <a:t>Install</a:t>
+            </a:r>
+            <a:endParaRPr lang="en-US" sz="2400" dirty="0"/>
+          </a:p>
+        </p:txBody>
+      </p:sp>
+      <p:sp>
+        <p:nvSpPr>
+          <p:cNvPr id="25" name="Rounded Rectangle 24"/>
+          <p:cNvSpPr/>
+          <p:nvPr/>
+        </p:nvSpPr>
+        <p:spPr>
+          <a:xfrm>
+            <a:off x="6443387" y="1873988"/>
+            <a:ext cx="2646576" cy="4114800"/>
+          </a:xfrm>
+          <a:prstGeom prst="roundRect">
+            <a:avLst/>
+          </a:prstGeom>
+          <a:solidFill>
+            <a:schemeClr val="lt1"/>
+          </a:solidFill>
+        </p:spPr>
+        <p:style>
+          <a:lnRef idx="2">
+            <a:schemeClr val="accent1">
+              <a:shade val="50000"/>
+            </a:schemeClr>
+          </a:lnRef>
+          <a:fillRef idx="1">
+            <a:schemeClr val="accent1"/>
+          </a:fillRef>
+          <a:effectRef idx="0">
+            <a:schemeClr val="accent1"/>
+          </a:effectRef>
+          <a:fontRef idx="minor">
+            <a:schemeClr val="lt1"/>
+          </a:fontRef>
+        </p:style>
+        <p:txBody>
+          <a:bodyPr rtlCol="0" anchor="ctr"/>
+          <a:lstStyle/>
+          <a:p>
+            <a:pPr algn="ctr"/>
+            <a:endParaRPr lang="en-US"/>
+          </a:p>
+        </p:txBody>
+      </p:sp>
+      <p:grpSp>
+        <p:nvGrpSpPr>
+          <p:cNvPr id="6" name="Group 5"/>
+          <p:cNvGrpSpPr/>
+          <p:nvPr/>
+        </p:nvGrpSpPr>
+        <p:grpSpPr>
+          <a:xfrm>
+            <a:off x="6553825" y="2463599"/>
+            <a:ext cx="2425700" cy="1307589"/>
+            <a:chOff x="6553825" y="2062199"/>
+            <a:chExt cx="2425700" cy="1307589"/>
+          </a:xfrm>
+        </p:grpSpPr>
+        <p:sp>
+          <p:nvSpPr>
+            <p:cNvPr id="16" name="TextBox 15"/>
+            <p:cNvSpPr txBox="1"/>
+            <p:nvPr/>
+          </p:nvSpPr>
+          <p:spPr>
+            <a:xfrm>
+              <a:off x="7189958" y="2846568"/>
+              <a:ext cx="1218603" cy="523220"/>
+            </a:xfrm>
+            <a:prstGeom prst="rect">
+              <a:avLst/>
+            </a:prstGeom>
+            <a:noFill/>
+          </p:spPr>
+          <p:txBody>
+            <a:bodyPr wrap="none" rtlCol="0">
+              <a:spAutoFit/>
+            </a:bodyPr>
+            <a:lstStyle/>
+            <a:p>
+              <a:r>
+                <a:rPr lang="en-US" dirty="0">
+                  <a:hlinkClick r:id="rId10"/>
+                </a:rPr>
+                <a:t>heroku</a:t>
+              </a:r>
+              <a:r>
+                <a:rPr lang="en-US" dirty="0"/>
+                <a:t>/</a:t>
+              </a:r>
+              <a:r>
+                <a:rPr lang="en-US" b="1" dirty="0">
+                  <a:hlinkClick r:id="rId11"/>
+                </a:rPr>
+                <a:t>force</a:t>
+              </a:r>
+              <a:endParaRPr lang="en-US" dirty="0"/>
+            </a:p>
+            <a:p>
+              <a:endParaRPr lang="en-US" dirty="0"/>
+            </a:p>
+          </p:txBody>
+        </p:sp>
+        <p:pic>
+          <p:nvPicPr>
+            <p:cNvPr id="15" name="Picture 14"/>
+            <p:cNvPicPr>
+              <a:picLocks noChangeAspect="1"/>
+            </p:cNvPicPr>
+            <p:nvPr/>
+          </p:nvPicPr>
+          <p:blipFill>
+            <a:blip r:embed="rId12">
+              <a:extLst>
+                <a:ext uri="{28A0092B-C50C-407E-A947-70E740481C1C}">
+                  <a14:useLocalDpi xmlns:a14="http://schemas.microsoft.com/office/drawing/2010/main" val="0"/>
+                </a:ext>
+              </a:extLst>
+            </a:blip>
+            <a:stretch>
+              <a:fillRect/>
+            </a:stretch>
+          </p:blipFill>
+          <p:spPr>
+            <a:xfrm>
+              <a:off x="6553825" y="2062199"/>
+              <a:ext cx="2425700" cy="840400"/>
+            </a:xfrm>
+            <a:prstGeom prst="rect">
+              <a:avLst/>
+            </a:prstGeom>
+          </p:spPr>
+        </p:pic>
+      </p:grpSp>
       <p:pic>
         <p:nvPicPr>
           <p:cNvPr id="22" name="Picture 21"/>
@@ -10741,7 +14143,7 @@
         </p:blipFill>
         <p:spPr>
           <a:xfrm>
-            <a:off x="6902985" y="3895592"/>
+            <a:off x="6870402" y="4304468"/>
             <a:ext cx="1792547" cy="1261088"/>
           </a:xfrm>
           <a:prstGeom prst="rect">
@@ -10756,6 +14158,755 @@
           </a:effectLst>
         </p:spPr>
       </p:pic>
+      <p:sp>
+        <p:nvSpPr>
+          <p:cNvPr id="26" name="TextBox 25"/>
+          <p:cNvSpPr txBox="1"/>
+          <p:nvPr/>
+        </p:nvSpPr>
+        <p:spPr>
+          <a:xfrm>
+            <a:off x="7194243" y="5996326"/>
+            <a:ext cx="1144865" cy="461665"/>
+          </a:xfrm>
+          <a:prstGeom prst="rect">
+            <a:avLst/>
+          </a:prstGeom>
+          <a:noFill/>
+        </p:spPr>
+        <p:txBody>
+          <a:bodyPr wrap="none" rtlCol="0">
+            <a:spAutoFit/>
+          </a:bodyPr>
+          <a:lstStyle/>
+          <a:p>
+            <a:r>
+              <a:rPr lang="en-US" sz="2400" dirty="0" smtClean="0"/>
+              <a:t>Deploy</a:t>
+            </a:r>
+            <a:endParaRPr lang="en-US" sz="2400" dirty="0"/>
+          </a:p>
+        </p:txBody>
+      </p:sp>
+      <p:sp>
+        <p:nvSpPr>
+          <p:cNvPr id="32" name="Rounded Rectangle 31"/>
+          <p:cNvSpPr/>
+          <p:nvPr/>
+        </p:nvSpPr>
+        <p:spPr>
+          <a:xfrm>
+            <a:off x="5048163" y="408768"/>
+            <a:ext cx="4041800" cy="1236995"/>
+          </a:xfrm>
+          <a:prstGeom prst="roundRect">
+            <a:avLst/>
+          </a:prstGeom>
+          <a:solidFill>
+            <a:schemeClr val="lt1"/>
+          </a:solidFill>
+        </p:spPr>
+        <p:style>
+          <a:lnRef idx="2">
+            <a:schemeClr val="accent1">
+              <a:shade val="50000"/>
+            </a:schemeClr>
+          </a:lnRef>
+          <a:fillRef idx="1">
+            <a:schemeClr val="accent1"/>
+          </a:fillRef>
+          <a:effectRef idx="0">
+            <a:schemeClr val="accent1"/>
+          </a:effectRef>
+          <a:fontRef idx="minor">
+            <a:schemeClr val="lt1"/>
+          </a:fontRef>
+        </p:style>
+        <p:txBody>
+          <a:bodyPr rtlCol="0" anchor="ctr"/>
+          <a:lstStyle/>
+          <a:p>
+            <a:pPr algn="ctr"/>
+            <a:endParaRPr lang="en-US"/>
+          </a:p>
+        </p:txBody>
+      </p:sp>
+      <p:cxnSp>
+        <p:nvCxnSpPr>
+          <p:cNvPr id="8" name="Straight Arrow Connector 7"/>
+          <p:cNvCxnSpPr/>
+          <p:nvPr/>
+        </p:nvCxnSpPr>
+        <p:spPr>
+          <a:xfrm flipH="1" flipV="1">
+            <a:off x="10641480" y="1645762"/>
+            <a:ext cx="7105" cy="1387306"/>
+          </a:xfrm>
+          <a:prstGeom prst="straightConnector1">
+            <a:avLst/>
+          </a:prstGeom>
+          <a:ln>
+            <a:tailEnd type="triangle"/>
+          </a:ln>
+        </p:spPr>
+        <p:style>
+          <a:lnRef idx="3">
+            <a:schemeClr val="accent1"/>
+          </a:lnRef>
+          <a:fillRef idx="0">
+            <a:schemeClr val="accent1"/>
+          </a:fillRef>
+          <a:effectRef idx="2">
+            <a:schemeClr val="accent1"/>
+          </a:effectRef>
+          <a:fontRef idx="minor">
+            <a:schemeClr val="tx1"/>
+          </a:fontRef>
+        </p:style>
+      </p:cxnSp>
+      <p:cxnSp>
+        <p:nvCxnSpPr>
+          <p:cNvPr id="37" name="Straight Arrow Connector 36"/>
+          <p:cNvCxnSpPr>
+            <a:endCxn id="37" idx="0"/>
+          </p:cNvCxnSpPr>
+          <p:nvPr/>
+        </p:nvCxnSpPr>
+        <p:spPr>
+          <a:xfrm>
+            <a:off x="5639024" y="1645762"/>
+            <a:ext cx="0" cy="228225"/>
+          </a:xfrm>
+          <a:prstGeom prst="straightConnector1">
+            <a:avLst/>
+          </a:prstGeom>
+          <a:ln>
+            <a:tailEnd type="triangle"/>
+          </a:ln>
+        </p:spPr>
+        <p:style>
+          <a:lnRef idx="3">
+            <a:schemeClr val="accent1"/>
+          </a:lnRef>
+          <a:fillRef idx="0">
+            <a:schemeClr val="accent1"/>
+          </a:fillRef>
+          <a:effectRef idx="2">
+            <a:schemeClr val="accent1"/>
+          </a:effectRef>
+          <a:fontRef idx="minor">
+            <a:schemeClr val="tx1"/>
+          </a:fontRef>
+        </p:style>
+      </p:cxnSp>
+      <p:cxnSp>
+        <p:nvCxnSpPr>
+          <p:cNvPr id="38" name="Straight Arrow Connector 37"/>
+          <p:cNvCxnSpPr>
+            <a:endCxn id="38" idx="0"/>
+          </p:cNvCxnSpPr>
+          <p:nvPr/>
+        </p:nvCxnSpPr>
+        <p:spPr>
+          <a:xfrm>
+            <a:off x="7766675" y="1645762"/>
+            <a:ext cx="0" cy="228225"/>
+          </a:xfrm>
+          <a:prstGeom prst="straightConnector1">
+            <a:avLst/>
+          </a:prstGeom>
+          <a:ln>
+            <a:tailEnd type="triangle"/>
+          </a:ln>
+        </p:spPr>
+        <p:style>
+          <a:lnRef idx="3">
+            <a:schemeClr val="accent1"/>
+          </a:lnRef>
+          <a:fillRef idx="0">
+            <a:schemeClr val="accent1"/>
+          </a:fillRef>
+          <a:effectRef idx="2">
+            <a:schemeClr val="accent1"/>
+          </a:effectRef>
+          <a:fontRef idx="minor">
+            <a:schemeClr val="tx1"/>
+          </a:fontRef>
+        </p:style>
+      </p:cxnSp>
+      <p:sp>
+        <p:nvSpPr>
+          <p:cNvPr id="39" name="TextBox 38"/>
+          <p:cNvSpPr txBox="1"/>
+          <p:nvPr/>
+        </p:nvSpPr>
+        <p:spPr>
+          <a:xfrm>
+            <a:off x="6367700" y="-12503"/>
+            <a:ext cx="1005403" cy="461665"/>
+          </a:xfrm>
+          <a:prstGeom prst="rect">
+            <a:avLst/>
+          </a:prstGeom>
+          <a:noFill/>
+        </p:spPr>
+        <p:txBody>
+          <a:bodyPr wrap="none" rtlCol="0">
+            <a:spAutoFit/>
+          </a:bodyPr>
+          <a:lstStyle/>
+          <a:p>
+            <a:r>
+              <a:rPr lang="en-US" sz="2400" dirty="0" smtClean="0"/>
+              <a:t>Tasks</a:t>
+            </a:r>
+          </a:p>
+        </p:txBody>
+      </p:sp>
+      <p:pic>
+        <p:nvPicPr>
+          <p:cNvPr id="40" name="Picture 39"/>
+          <p:cNvPicPr>
+            <a:picLocks noChangeAspect="1"/>
+          </p:cNvPicPr>
+          <p:nvPr/>
+        </p:nvPicPr>
+        <p:blipFill>
+          <a:blip r:embed="rId6">
+            <a:extLst>
+              <a:ext uri="{28A0092B-C50C-407E-A947-70E740481C1C}">
+                <a14:useLocalDpi xmlns:a14="http://schemas.microsoft.com/office/drawing/2010/main" val="0"/>
+              </a:ext>
+            </a:extLst>
+          </a:blip>
+          <a:stretch>
+            <a:fillRect/>
+          </a:stretch>
+        </p:blipFill>
+        <p:spPr>
+          <a:xfrm>
+            <a:off x="7534074" y="514565"/>
+            <a:ext cx="445855" cy="1001976"/>
+          </a:xfrm>
+          <a:prstGeom prst="rect">
+            <a:avLst/>
+          </a:prstGeom>
+        </p:spPr>
+      </p:pic>
+      <p:pic>
+        <p:nvPicPr>
+          <p:cNvPr id="42" name="Picture 41"/>
+          <p:cNvPicPr>
+            <a:picLocks noChangeAspect="1"/>
+          </p:cNvPicPr>
+          <p:nvPr/>
+        </p:nvPicPr>
+        <p:blipFill>
+          <a:blip r:embed="rId14">
+            <a:extLst>
+              <a:ext uri="{28A0092B-C50C-407E-A947-70E740481C1C}">
+                <a14:useLocalDpi xmlns:a14="http://schemas.microsoft.com/office/drawing/2010/main" val="0"/>
+              </a:ext>
+            </a:extLst>
+          </a:blip>
+          <a:stretch>
+            <a:fillRect/>
+          </a:stretch>
+        </p:blipFill>
+        <p:spPr>
+          <a:xfrm>
+            <a:off x="5896393" y="553426"/>
+            <a:ext cx="963115" cy="963115"/>
+          </a:xfrm>
+          <a:prstGeom prst="rect">
+            <a:avLst/>
+          </a:prstGeom>
+        </p:spPr>
+      </p:pic>
+      <p:pic>
+        <p:nvPicPr>
+          <p:cNvPr id="14" name="Picture 13"/>
+          <p:cNvPicPr>
+            <a:picLocks noChangeAspect="1"/>
+          </p:cNvPicPr>
+          <p:nvPr/>
+        </p:nvPicPr>
+        <p:blipFill>
+          <a:blip r:embed="rId15">
+            <a:extLst>
+              <a:ext uri="{28A0092B-C50C-407E-A947-70E740481C1C}">
+                <a14:useLocalDpi xmlns:a14="http://schemas.microsoft.com/office/drawing/2010/main" val="0"/>
+              </a:ext>
+            </a:extLst>
+          </a:blip>
+          <a:stretch>
+            <a:fillRect/>
+          </a:stretch>
+        </p:blipFill>
+        <p:spPr>
+          <a:xfrm>
+            <a:off x="10131194" y="683885"/>
+            <a:ext cx="1105801" cy="686761"/>
+          </a:xfrm>
+          <a:prstGeom prst="rect">
+            <a:avLst/>
+          </a:prstGeom>
+        </p:spPr>
+      </p:pic>
+      <p:sp>
+        <p:nvSpPr>
+          <p:cNvPr id="55" name="Rounded Rectangle 54"/>
+          <p:cNvSpPr/>
+          <p:nvPr/>
+        </p:nvSpPr>
+        <p:spPr>
+          <a:xfrm>
+            <a:off x="3012113" y="408771"/>
+            <a:ext cx="1827585" cy="1236995"/>
+          </a:xfrm>
+          <a:prstGeom prst="roundRect">
+            <a:avLst/>
+          </a:prstGeom>
+          <a:solidFill>
+            <a:schemeClr val="lt1"/>
+          </a:solidFill>
+        </p:spPr>
+        <p:style>
+          <a:lnRef idx="2">
+            <a:schemeClr val="accent1">
+              <a:shade val="50000"/>
+            </a:schemeClr>
+          </a:lnRef>
+          <a:fillRef idx="1">
+            <a:schemeClr val="accent1"/>
+          </a:fillRef>
+          <a:effectRef idx="0">
+            <a:schemeClr val="accent1"/>
+          </a:effectRef>
+          <a:fontRef idx="minor">
+            <a:schemeClr val="lt1"/>
+          </a:fontRef>
+        </p:style>
+        <p:txBody>
+          <a:bodyPr rtlCol="0" anchor="ctr"/>
+          <a:lstStyle/>
+          <a:p>
+            <a:pPr algn="ctr"/>
+            <a:endParaRPr lang="en-US"/>
+          </a:p>
+        </p:txBody>
+      </p:sp>
+      <p:pic>
+        <p:nvPicPr>
+          <p:cNvPr id="46" name="Picture 45"/>
+          <p:cNvPicPr>
+            <a:picLocks noChangeAspect="1"/>
+          </p:cNvPicPr>
+          <p:nvPr/>
+        </p:nvPicPr>
+        <p:blipFill>
+          <a:blip r:embed="rId16">
+            <a:extLst>
+              <a:ext uri="{28A0092B-C50C-407E-A947-70E740481C1C}">
+                <a14:useLocalDpi xmlns:a14="http://schemas.microsoft.com/office/drawing/2010/main" val="0"/>
+              </a:ext>
+            </a:extLst>
+          </a:blip>
+          <a:stretch>
+            <a:fillRect/>
+          </a:stretch>
+        </p:blipFill>
+        <p:spPr>
+          <a:xfrm>
+            <a:off x="3456320" y="565905"/>
+            <a:ext cx="910418" cy="910418"/>
+          </a:xfrm>
+          <a:prstGeom prst="rect">
+            <a:avLst/>
+          </a:prstGeom>
+        </p:spPr>
+      </p:pic>
+      <p:sp>
+        <p:nvSpPr>
+          <p:cNvPr id="54" name="Rounded Rectangle 53"/>
+          <p:cNvSpPr/>
+          <p:nvPr/>
+        </p:nvSpPr>
+        <p:spPr>
+          <a:xfrm>
+            <a:off x="9802725" y="408768"/>
+            <a:ext cx="1627275" cy="1236995"/>
+          </a:xfrm>
+          <a:prstGeom prst="roundRect">
+            <a:avLst/>
+          </a:prstGeom>
+          <a:noFill/>
+        </p:spPr>
+        <p:style>
+          <a:lnRef idx="2">
+            <a:schemeClr val="accent1">
+              <a:shade val="50000"/>
+            </a:schemeClr>
+          </a:lnRef>
+          <a:fillRef idx="1">
+            <a:schemeClr val="accent1"/>
+          </a:fillRef>
+          <a:effectRef idx="0">
+            <a:schemeClr val="accent1"/>
+          </a:effectRef>
+          <a:fontRef idx="minor">
+            <a:schemeClr val="lt1"/>
+          </a:fontRef>
+        </p:style>
+        <p:txBody>
+          <a:bodyPr rtlCol="0" anchor="ctr"/>
+          <a:lstStyle/>
+          <a:p>
+            <a:pPr algn="ctr"/>
+            <a:endParaRPr lang="en-US"/>
+          </a:p>
+        </p:txBody>
+      </p:sp>
+      <p:sp>
+        <p:nvSpPr>
+          <p:cNvPr id="56" name="TextBox 55"/>
+          <p:cNvSpPr txBox="1"/>
+          <p:nvPr/>
+        </p:nvSpPr>
+        <p:spPr>
+          <a:xfrm>
+            <a:off x="3408827" y="-31348"/>
+            <a:ext cx="922047" cy="461665"/>
+          </a:xfrm>
+          <a:prstGeom prst="rect">
+            <a:avLst/>
+          </a:prstGeom>
+          <a:noFill/>
+        </p:spPr>
+        <p:txBody>
+          <a:bodyPr wrap="none" rtlCol="0">
+            <a:spAutoFit/>
+          </a:bodyPr>
+          <a:lstStyle/>
+          <a:p>
+            <a:r>
+              <a:rPr lang="en-US" sz="2400" dirty="0" smtClean="0"/>
+              <a:t>Code</a:t>
+            </a:r>
+            <a:endParaRPr lang="en-US" sz="2400" dirty="0" smtClean="0"/>
+          </a:p>
+        </p:txBody>
+      </p:sp>
+      <p:pic>
+        <p:nvPicPr>
+          <p:cNvPr id="57" name="Picture 56"/>
+          <p:cNvPicPr>
+            <a:picLocks noChangeAspect="1"/>
+          </p:cNvPicPr>
+          <p:nvPr/>
+        </p:nvPicPr>
+        <p:blipFill>
+          <a:blip r:embed="rId17">
+            <a:extLst>
+              <a:ext uri="{28A0092B-C50C-407E-A947-70E740481C1C}">
+                <a14:useLocalDpi xmlns:a14="http://schemas.microsoft.com/office/drawing/2010/main" val="0"/>
+              </a:ext>
+            </a:extLst>
+          </a:blip>
+          <a:stretch>
+            <a:fillRect/>
+          </a:stretch>
+        </p:blipFill>
+        <p:spPr>
+          <a:xfrm>
+            <a:off x="648119" y="657226"/>
+            <a:ext cx="1764242" cy="735101"/>
+          </a:xfrm>
+          <a:prstGeom prst="rect">
+            <a:avLst/>
+          </a:prstGeom>
+        </p:spPr>
+      </p:pic>
+      <p:sp>
+        <p:nvSpPr>
+          <p:cNvPr id="58" name="Rounded Rectangle 57"/>
+          <p:cNvSpPr/>
+          <p:nvPr/>
+        </p:nvSpPr>
+        <p:spPr>
+          <a:xfrm>
+            <a:off x="298997" y="408774"/>
+            <a:ext cx="2518969" cy="1236995"/>
+          </a:xfrm>
+          <a:prstGeom prst="roundRect">
+            <a:avLst/>
+          </a:prstGeom>
+          <a:noFill/>
+        </p:spPr>
+        <p:style>
+          <a:lnRef idx="2">
+            <a:schemeClr val="accent1">
+              <a:shade val="50000"/>
+            </a:schemeClr>
+          </a:lnRef>
+          <a:fillRef idx="1">
+            <a:schemeClr val="accent1"/>
+          </a:fillRef>
+          <a:effectRef idx="0">
+            <a:schemeClr val="accent1"/>
+          </a:effectRef>
+          <a:fontRef idx="minor">
+            <a:schemeClr val="lt1"/>
+          </a:fontRef>
+        </p:style>
+        <p:txBody>
+          <a:bodyPr rtlCol="0" anchor="ctr"/>
+          <a:lstStyle/>
+          <a:p>
+            <a:pPr algn="ctr"/>
+            <a:endParaRPr lang="en-US"/>
+          </a:p>
+        </p:txBody>
+      </p:sp>
+      <p:sp>
+        <p:nvSpPr>
+          <p:cNvPr id="59" name="TextBox 58"/>
+          <p:cNvSpPr txBox="1"/>
+          <p:nvPr/>
+        </p:nvSpPr>
+        <p:spPr>
+          <a:xfrm>
+            <a:off x="724924" y="-13726"/>
+            <a:ext cx="1641796" cy="461665"/>
+          </a:xfrm>
+          <a:prstGeom prst="rect">
+            <a:avLst/>
+          </a:prstGeom>
+          <a:noFill/>
+        </p:spPr>
+        <p:txBody>
+          <a:bodyPr wrap="none" rtlCol="0">
+            <a:spAutoFit/>
+          </a:bodyPr>
+          <a:lstStyle/>
+          <a:p>
+            <a:r>
+              <a:rPr lang="en-US" sz="2400" smtClean="0"/>
+              <a:t>Versioning</a:t>
+            </a:r>
+            <a:endParaRPr lang="en-US" sz="2400" dirty="0" smtClean="0"/>
+          </a:p>
+        </p:txBody>
+      </p:sp>
+      <p:sp>
+        <p:nvSpPr>
+          <p:cNvPr id="60" name="TextBox 59"/>
+          <p:cNvSpPr txBox="1"/>
+          <p:nvPr/>
+        </p:nvSpPr>
+        <p:spPr>
+          <a:xfrm>
+            <a:off x="9950747" y="0"/>
+            <a:ext cx="1332416" cy="461665"/>
+          </a:xfrm>
+          <a:prstGeom prst="rect">
+            <a:avLst/>
+          </a:prstGeom>
+          <a:noFill/>
+        </p:spPr>
+        <p:txBody>
+          <a:bodyPr wrap="none" rtlCol="0">
+            <a:spAutoFit/>
+          </a:bodyPr>
+          <a:lstStyle/>
+          <a:p>
+            <a:r>
+              <a:rPr lang="en-US" sz="2400" smtClean="0"/>
+              <a:t>Retrieve</a:t>
+            </a:r>
+            <a:endParaRPr lang="en-US" sz="2400" dirty="0" smtClean="0"/>
+          </a:p>
+        </p:txBody>
+      </p:sp>
+      <p:cxnSp>
+        <p:nvCxnSpPr>
+          <p:cNvPr id="62" name="Straight Arrow Connector 61"/>
+          <p:cNvCxnSpPr>
+            <a:stCxn id="55" idx="1"/>
+            <a:endCxn id="58" idx="3"/>
+          </p:cNvCxnSpPr>
+          <p:nvPr/>
+        </p:nvCxnSpPr>
+        <p:spPr>
+          <a:xfrm flipH="1">
+            <a:off x="2817966" y="1027269"/>
+            <a:ext cx="194147" cy="3"/>
+          </a:xfrm>
+          <a:prstGeom prst="straightConnector1">
+            <a:avLst/>
+          </a:prstGeom>
+          <a:ln>
+            <a:tailEnd type="triangle"/>
+          </a:ln>
+        </p:spPr>
+        <p:style>
+          <a:lnRef idx="3">
+            <a:schemeClr val="accent1"/>
+          </a:lnRef>
+          <a:fillRef idx="0">
+            <a:schemeClr val="accent1"/>
+          </a:fillRef>
+          <a:effectRef idx="2">
+            <a:schemeClr val="accent1"/>
+          </a:effectRef>
+          <a:fontRef idx="minor">
+            <a:schemeClr val="tx1"/>
+          </a:fontRef>
+        </p:style>
+      </p:cxnSp>
+      <p:cxnSp>
+        <p:nvCxnSpPr>
+          <p:cNvPr id="64" name="Straight Arrow Connector 63"/>
+          <p:cNvCxnSpPr/>
+          <p:nvPr/>
+        </p:nvCxnSpPr>
+        <p:spPr>
+          <a:xfrm flipV="1">
+            <a:off x="4839698" y="1213529"/>
+            <a:ext cx="208465" cy="3"/>
+          </a:xfrm>
+          <a:prstGeom prst="straightConnector1">
+            <a:avLst/>
+          </a:prstGeom>
+          <a:ln>
+            <a:tailEnd type="triangle"/>
+          </a:ln>
+        </p:spPr>
+        <p:style>
+          <a:lnRef idx="3">
+            <a:schemeClr val="accent1"/>
+          </a:lnRef>
+          <a:fillRef idx="0">
+            <a:schemeClr val="accent1"/>
+          </a:fillRef>
+          <a:effectRef idx="2">
+            <a:schemeClr val="accent1"/>
+          </a:effectRef>
+          <a:fontRef idx="minor">
+            <a:schemeClr val="tx1"/>
+          </a:fontRef>
+        </p:style>
+      </p:cxnSp>
+      <p:cxnSp>
+        <p:nvCxnSpPr>
+          <p:cNvPr id="68" name="Straight Arrow Connector 67"/>
+          <p:cNvCxnSpPr>
+            <a:stCxn id="54" idx="1"/>
+            <a:endCxn id="32" idx="3"/>
+          </p:cNvCxnSpPr>
+          <p:nvPr/>
+        </p:nvCxnSpPr>
+        <p:spPr>
+          <a:xfrm flipH="1">
+            <a:off x="9089963" y="1027266"/>
+            <a:ext cx="712762" cy="0"/>
+          </a:xfrm>
+          <a:prstGeom prst="straightConnector1">
+            <a:avLst/>
+          </a:prstGeom>
+          <a:ln>
+            <a:tailEnd type="triangle"/>
+          </a:ln>
+        </p:spPr>
+        <p:style>
+          <a:lnRef idx="3">
+            <a:schemeClr val="accent1"/>
+          </a:lnRef>
+          <a:fillRef idx="0">
+            <a:schemeClr val="accent1"/>
+          </a:fillRef>
+          <a:effectRef idx="2">
+            <a:schemeClr val="accent1"/>
+          </a:effectRef>
+          <a:fontRef idx="minor">
+            <a:schemeClr val="tx1"/>
+          </a:fontRef>
+        </p:style>
+      </p:cxnSp>
+      <p:cxnSp>
+        <p:nvCxnSpPr>
+          <p:cNvPr id="74" name="Straight Arrow Connector 73"/>
+          <p:cNvCxnSpPr/>
+          <p:nvPr/>
+        </p:nvCxnSpPr>
+        <p:spPr>
+          <a:xfrm flipH="1">
+            <a:off x="4839698" y="829733"/>
+            <a:ext cx="208465" cy="0"/>
+          </a:xfrm>
+          <a:prstGeom prst="straightConnector1">
+            <a:avLst/>
+          </a:prstGeom>
+          <a:ln>
+            <a:tailEnd type="triangle"/>
+          </a:ln>
+        </p:spPr>
+        <p:style>
+          <a:lnRef idx="3">
+            <a:schemeClr val="accent1"/>
+          </a:lnRef>
+          <a:fillRef idx="0">
+            <a:schemeClr val="accent1"/>
+          </a:fillRef>
+          <a:effectRef idx="2">
+            <a:schemeClr val="accent1"/>
+          </a:effectRef>
+          <a:fontRef idx="minor">
+            <a:schemeClr val="tx1"/>
+          </a:fontRef>
+        </p:style>
+      </p:cxnSp>
+      <p:sp>
+        <p:nvSpPr>
+          <p:cNvPr id="76" name="Rounded Rectangle 75"/>
+          <p:cNvSpPr/>
+          <p:nvPr/>
+        </p:nvSpPr>
+        <p:spPr>
+          <a:xfrm>
+            <a:off x="5048167" y="1873991"/>
+            <a:ext cx="1181721" cy="4114800"/>
+          </a:xfrm>
+          <a:prstGeom prst="roundRect">
+            <a:avLst/>
+          </a:prstGeom>
+          <a:noFill/>
+        </p:spPr>
+        <p:style>
+          <a:lnRef idx="2">
+            <a:schemeClr val="accent1">
+              <a:shade val="50000"/>
+            </a:schemeClr>
+          </a:lnRef>
+          <a:fillRef idx="1">
+            <a:schemeClr val="accent1"/>
+          </a:fillRef>
+          <a:effectRef idx="0">
+            <a:schemeClr val="accent1"/>
+          </a:effectRef>
+          <a:fontRef idx="minor">
+            <a:schemeClr val="lt1"/>
+          </a:fontRef>
+        </p:style>
+        <p:txBody>
+          <a:bodyPr rtlCol="0" anchor="ctr"/>
+          <a:lstStyle/>
+          <a:p>
+            <a:pPr algn="ctr"/>
+            <a:endParaRPr lang="en-US"/>
+          </a:p>
+        </p:txBody>
+      </p:sp>
     </p:spTree>
     <p:extLst>
       <p:ext uri="{BB962C8B-B14F-4D97-AF65-F5344CB8AC3E}">
@@ -10769,9 +14920,1005 @@
   <p:timing>
     <p:tnLst>
       <p:par>
-        <p:cTn id="1" dur="indefinite" restart="never" nodeType="tmRoot"/>
+        <p:cTn id="1" dur="indefinite" restart="never" nodeType="tmRoot">
+          <p:childTnLst>
+            <p:seq concurrent="1" nextAc="seek">
+              <p:cTn id="2" dur="indefinite" nodeType="mainSeq">
+                <p:childTnLst>
+                  <p:par>
+                    <p:cTn id="3" fill="hold">
+                      <p:stCondLst>
+                        <p:cond delay="indefinite"/>
+                      </p:stCondLst>
+                      <p:childTnLst>
+                        <p:par>
+                          <p:cTn id="4" fill="hold">
+                            <p:stCondLst>
+                              <p:cond delay="0"/>
+                            </p:stCondLst>
+                            <p:childTnLst>
+                              <p:par>
+                                <p:cTn id="5" presetID="1" presetClass="entr" presetSubtype="0" fill="hold" nodeType="clickEffect">
+                                  <p:stCondLst>
+                                    <p:cond delay="0"/>
+                                  </p:stCondLst>
+                                  <p:childTnLst>
+                                    <p:set>
+                                      <p:cBhvr>
+                                        <p:cTn id="6" dur="1" fill="hold">
+                                          <p:stCondLst>
+                                            <p:cond delay="0"/>
+                                          </p:stCondLst>
+                                        </p:cTn>
+                                        <p:tgtEl>
+                                          <p:spTgt spid="20"/>
+                                        </p:tgtEl>
+                                        <p:attrNameLst>
+                                          <p:attrName>style.visibility</p:attrName>
+                                        </p:attrNameLst>
+                                      </p:cBhvr>
+                                      <p:to>
+                                        <p:strVal val="visible"/>
+                                      </p:to>
+                                    </p:set>
+                                  </p:childTnLst>
+                                </p:cTn>
+                              </p:par>
+                              <p:par>
+                                <p:cTn id="7" presetID="1" presetClass="entr" presetSubtype="0" fill="hold" nodeType="withEffect">
+                                  <p:stCondLst>
+                                    <p:cond delay="0"/>
+                                  </p:stCondLst>
+                                  <p:childTnLst>
+                                    <p:set>
+                                      <p:cBhvr>
+                                        <p:cTn id="8" dur="1" fill="hold">
+                                          <p:stCondLst>
+                                            <p:cond delay="0"/>
+                                          </p:stCondLst>
+                                        </p:cTn>
+                                        <p:tgtEl>
+                                          <p:spTgt spid="18"/>
+                                        </p:tgtEl>
+                                        <p:attrNameLst>
+                                          <p:attrName>style.visibility</p:attrName>
+                                        </p:attrNameLst>
+                                      </p:cBhvr>
+                                      <p:to>
+                                        <p:strVal val="visible"/>
+                                      </p:to>
+                                    </p:set>
+                                  </p:childTnLst>
+                                </p:cTn>
+                              </p:par>
+                            </p:childTnLst>
+                          </p:cTn>
+                        </p:par>
+                      </p:childTnLst>
+                    </p:cTn>
+                  </p:par>
+                  <p:par>
+                    <p:cTn id="9" fill="hold">
+                      <p:stCondLst>
+                        <p:cond delay="indefinite"/>
+                      </p:stCondLst>
+                      <p:childTnLst>
+                        <p:par>
+                          <p:cTn id="10" fill="hold">
+                            <p:stCondLst>
+                              <p:cond delay="0"/>
+                            </p:stCondLst>
+                            <p:childTnLst>
+                              <p:par>
+                                <p:cTn id="11" presetID="1" presetClass="entr" presetSubtype="0" fill="hold" grpId="0" nodeType="clickEffect">
+                                  <p:stCondLst>
+                                    <p:cond delay="0"/>
+                                  </p:stCondLst>
+                                  <p:childTnLst>
+                                    <p:set>
+                                      <p:cBhvr>
+                                        <p:cTn id="12" dur="1" fill="hold">
+                                          <p:stCondLst>
+                                            <p:cond delay="0"/>
+                                          </p:stCondLst>
+                                        </p:cTn>
+                                        <p:tgtEl>
+                                          <p:spTgt spid="39"/>
+                                        </p:tgtEl>
+                                        <p:attrNameLst>
+                                          <p:attrName>style.visibility</p:attrName>
+                                        </p:attrNameLst>
+                                      </p:cBhvr>
+                                      <p:to>
+                                        <p:strVal val="visible"/>
+                                      </p:to>
+                                    </p:set>
+                                  </p:childTnLst>
+                                </p:cTn>
+                              </p:par>
+                              <p:par>
+                                <p:cTn id="13" presetID="1" presetClass="entr" presetSubtype="0" fill="hold" grpId="0" nodeType="withEffect">
+                                  <p:stCondLst>
+                                    <p:cond delay="0"/>
+                                  </p:stCondLst>
+                                  <p:childTnLst>
+                                    <p:set>
+                                      <p:cBhvr>
+                                        <p:cTn id="14" dur="1" fill="hold">
+                                          <p:stCondLst>
+                                            <p:cond delay="0"/>
+                                          </p:stCondLst>
+                                        </p:cTn>
+                                        <p:tgtEl>
+                                          <p:spTgt spid="32"/>
+                                        </p:tgtEl>
+                                        <p:attrNameLst>
+                                          <p:attrName>style.visibility</p:attrName>
+                                        </p:attrNameLst>
+                                      </p:cBhvr>
+                                      <p:to>
+                                        <p:strVal val="visible"/>
+                                      </p:to>
+                                    </p:set>
+                                  </p:childTnLst>
+                                </p:cTn>
+                              </p:par>
+                              <p:par>
+                                <p:cTn id="15" presetID="1" presetClass="entr" presetSubtype="0" fill="hold" grpId="0" nodeType="withEffect">
+                                  <p:stCondLst>
+                                    <p:cond delay="0"/>
+                                  </p:stCondLst>
+                                  <p:childTnLst>
+                                    <p:set>
+                                      <p:cBhvr>
+                                        <p:cTn id="16" dur="1" fill="hold">
+                                          <p:stCondLst>
+                                            <p:cond delay="0"/>
+                                          </p:stCondLst>
+                                        </p:cTn>
+                                        <p:tgtEl>
+                                          <p:spTgt spid="3"/>
+                                        </p:tgtEl>
+                                        <p:attrNameLst>
+                                          <p:attrName>style.visibility</p:attrName>
+                                        </p:attrNameLst>
+                                      </p:cBhvr>
+                                      <p:to>
+                                        <p:strVal val="visible"/>
+                                      </p:to>
+                                    </p:set>
+                                  </p:childTnLst>
+                                </p:cTn>
+                              </p:par>
+                              <p:par>
+                                <p:cTn id="17" presetID="1" presetClass="entr" presetSubtype="0" fill="hold" nodeType="withEffect">
+                                  <p:stCondLst>
+                                    <p:cond delay="0"/>
+                                  </p:stCondLst>
+                                  <p:childTnLst>
+                                    <p:set>
+                                      <p:cBhvr>
+                                        <p:cTn id="18" dur="1" fill="hold">
+                                          <p:stCondLst>
+                                            <p:cond delay="0"/>
+                                          </p:stCondLst>
+                                        </p:cTn>
+                                        <p:tgtEl>
+                                          <p:spTgt spid="7"/>
+                                        </p:tgtEl>
+                                        <p:attrNameLst>
+                                          <p:attrName>style.visibility</p:attrName>
+                                        </p:attrNameLst>
+                                      </p:cBhvr>
+                                      <p:to>
+                                        <p:strVal val="visible"/>
+                                      </p:to>
+                                    </p:set>
+                                  </p:childTnLst>
+                                </p:cTn>
+                              </p:par>
+                              <p:par>
+                                <p:cTn id="19" presetID="1" presetClass="entr" presetSubtype="0" fill="hold" nodeType="withEffect">
+                                  <p:stCondLst>
+                                    <p:cond delay="0"/>
+                                  </p:stCondLst>
+                                  <p:childTnLst>
+                                    <p:set>
+                                      <p:cBhvr>
+                                        <p:cTn id="20" dur="1" fill="hold">
+                                          <p:stCondLst>
+                                            <p:cond delay="0"/>
+                                          </p:stCondLst>
+                                        </p:cTn>
+                                        <p:tgtEl>
+                                          <p:spTgt spid="5"/>
+                                        </p:tgtEl>
+                                        <p:attrNameLst>
+                                          <p:attrName>style.visibility</p:attrName>
+                                        </p:attrNameLst>
+                                      </p:cBhvr>
+                                      <p:to>
+                                        <p:strVal val="visible"/>
+                                      </p:to>
+                                    </p:set>
+                                  </p:childTnLst>
+                                </p:cTn>
+                              </p:par>
+                              <p:par>
+                                <p:cTn id="21" presetID="1" presetClass="entr" presetSubtype="0" fill="hold" grpId="0" nodeType="withEffect">
+                                  <p:stCondLst>
+                                    <p:cond delay="0"/>
+                                  </p:stCondLst>
+                                  <p:childTnLst>
+                                    <p:set>
+                                      <p:cBhvr>
+                                        <p:cTn id="22" dur="1" fill="hold">
+                                          <p:stCondLst>
+                                            <p:cond delay="0"/>
+                                          </p:stCondLst>
+                                        </p:cTn>
+                                        <p:tgtEl>
+                                          <p:spTgt spid="2"/>
+                                        </p:tgtEl>
+                                        <p:attrNameLst>
+                                          <p:attrName>style.visibility</p:attrName>
+                                        </p:attrNameLst>
+                                      </p:cBhvr>
+                                      <p:to>
+                                        <p:strVal val="visible"/>
+                                      </p:to>
+                                    </p:set>
+                                  </p:childTnLst>
+                                </p:cTn>
+                              </p:par>
+                            </p:childTnLst>
+                          </p:cTn>
+                        </p:par>
+                      </p:childTnLst>
+                    </p:cTn>
+                  </p:par>
+                  <p:par>
+                    <p:cTn id="23" fill="hold">
+                      <p:stCondLst>
+                        <p:cond delay="indefinite"/>
+                      </p:stCondLst>
+                      <p:childTnLst>
+                        <p:par>
+                          <p:cTn id="24" fill="hold">
+                            <p:stCondLst>
+                              <p:cond delay="0"/>
+                            </p:stCondLst>
+                            <p:childTnLst>
+                              <p:par>
+                                <p:cTn id="25" presetID="1" presetClass="entr" presetSubtype="0" fill="hold" grpId="0" nodeType="clickEffect">
+                                  <p:stCondLst>
+                                    <p:cond delay="0"/>
+                                  </p:stCondLst>
+                                  <p:childTnLst>
+                                    <p:set>
+                                      <p:cBhvr>
+                                        <p:cTn id="26" dur="1" fill="hold">
+                                          <p:stCondLst>
+                                            <p:cond delay="0"/>
+                                          </p:stCondLst>
+                                        </p:cTn>
+                                        <p:tgtEl>
+                                          <p:spTgt spid="23"/>
+                                        </p:tgtEl>
+                                        <p:attrNameLst>
+                                          <p:attrName>style.visibility</p:attrName>
+                                        </p:attrNameLst>
+                                      </p:cBhvr>
+                                      <p:to>
+                                        <p:strVal val="visible"/>
+                                      </p:to>
+                                    </p:set>
+                                  </p:childTnLst>
+                                </p:cTn>
+                              </p:par>
+                              <p:par>
+                                <p:cTn id="27" presetID="1" presetClass="entr" presetSubtype="0" fill="hold" grpId="0" nodeType="withEffect">
+                                  <p:stCondLst>
+                                    <p:cond delay="0"/>
+                                  </p:stCondLst>
+                                  <p:childTnLst>
+                                    <p:set>
+                                      <p:cBhvr>
+                                        <p:cTn id="28" dur="1" fill="hold">
+                                          <p:stCondLst>
+                                            <p:cond delay="0"/>
+                                          </p:stCondLst>
+                                        </p:cTn>
+                                        <p:tgtEl>
+                                          <p:spTgt spid="17"/>
+                                        </p:tgtEl>
+                                        <p:attrNameLst>
+                                          <p:attrName>style.visibility</p:attrName>
+                                        </p:attrNameLst>
+                                      </p:cBhvr>
+                                      <p:to>
+                                        <p:strVal val="visible"/>
+                                      </p:to>
+                                    </p:set>
+                                  </p:childTnLst>
+                                </p:cTn>
+                              </p:par>
+                              <p:par>
+                                <p:cTn id="29" presetID="1" presetClass="entr" presetSubtype="0" fill="hold" nodeType="withEffect">
+                                  <p:stCondLst>
+                                    <p:cond delay="0"/>
+                                  </p:stCondLst>
+                                  <p:childTnLst>
+                                    <p:set>
+                                      <p:cBhvr>
+                                        <p:cTn id="30" dur="1" fill="hold">
+                                          <p:stCondLst>
+                                            <p:cond delay="0"/>
+                                          </p:stCondLst>
+                                        </p:cTn>
+                                        <p:tgtEl>
+                                          <p:spTgt spid="9"/>
+                                        </p:tgtEl>
+                                        <p:attrNameLst>
+                                          <p:attrName>style.visibility</p:attrName>
+                                        </p:attrNameLst>
+                                      </p:cBhvr>
+                                      <p:to>
+                                        <p:strVal val="visible"/>
+                                      </p:to>
+                                    </p:set>
+                                  </p:childTnLst>
+                                </p:cTn>
+                              </p:par>
+                              <p:par>
+                                <p:cTn id="31" presetID="1" presetClass="entr" presetSubtype="0" fill="hold" nodeType="withEffect">
+                                  <p:stCondLst>
+                                    <p:cond delay="0"/>
+                                  </p:stCondLst>
+                                  <p:childTnLst>
+                                    <p:set>
+                                      <p:cBhvr>
+                                        <p:cTn id="32" dur="1" fill="hold">
+                                          <p:stCondLst>
+                                            <p:cond delay="0"/>
+                                          </p:stCondLst>
+                                        </p:cTn>
+                                        <p:tgtEl>
+                                          <p:spTgt spid="10"/>
+                                        </p:tgtEl>
+                                        <p:attrNameLst>
+                                          <p:attrName>style.visibility</p:attrName>
+                                        </p:attrNameLst>
+                                      </p:cBhvr>
+                                      <p:to>
+                                        <p:strVal val="visible"/>
+                                      </p:to>
+                                    </p:set>
+                                  </p:childTnLst>
+                                </p:cTn>
+                              </p:par>
+                            </p:childTnLst>
+                          </p:cTn>
+                        </p:par>
+                      </p:childTnLst>
+                    </p:cTn>
+                  </p:par>
+                  <p:par>
+                    <p:cTn id="33" fill="hold">
+                      <p:stCondLst>
+                        <p:cond delay="indefinite"/>
+                      </p:stCondLst>
+                      <p:childTnLst>
+                        <p:par>
+                          <p:cTn id="34" fill="hold">
+                            <p:stCondLst>
+                              <p:cond delay="0"/>
+                            </p:stCondLst>
+                            <p:childTnLst>
+                              <p:par>
+                                <p:cTn id="35" presetID="1" presetClass="entr" presetSubtype="0" fill="hold" grpId="0" nodeType="clickEffect">
+                                  <p:stCondLst>
+                                    <p:cond delay="0"/>
+                                  </p:stCondLst>
+                                  <p:childTnLst>
+                                    <p:set>
+                                      <p:cBhvr>
+                                        <p:cTn id="36" dur="1" fill="hold">
+                                          <p:stCondLst>
+                                            <p:cond delay="0"/>
+                                          </p:stCondLst>
+                                        </p:cTn>
+                                        <p:tgtEl>
+                                          <p:spTgt spid="24"/>
+                                        </p:tgtEl>
+                                        <p:attrNameLst>
+                                          <p:attrName>style.visibility</p:attrName>
+                                        </p:attrNameLst>
+                                      </p:cBhvr>
+                                      <p:to>
+                                        <p:strVal val="visible"/>
+                                      </p:to>
+                                    </p:set>
+                                  </p:childTnLst>
+                                </p:cTn>
+                              </p:par>
+                              <p:par>
+                                <p:cTn id="37" presetID="1" presetClass="entr" presetSubtype="0" fill="hold" nodeType="withEffect">
+                                  <p:stCondLst>
+                                    <p:cond delay="0"/>
+                                  </p:stCondLst>
+                                  <p:childTnLst>
+                                    <p:set>
+                                      <p:cBhvr>
+                                        <p:cTn id="38" dur="1" fill="hold">
+                                          <p:stCondLst>
+                                            <p:cond delay="0"/>
+                                          </p:stCondLst>
+                                        </p:cTn>
+                                        <p:tgtEl>
+                                          <p:spTgt spid="37"/>
+                                        </p:tgtEl>
+                                        <p:attrNameLst>
+                                          <p:attrName>style.visibility</p:attrName>
+                                        </p:attrNameLst>
+                                      </p:cBhvr>
+                                      <p:to>
+                                        <p:strVal val="visible"/>
+                                      </p:to>
+                                    </p:set>
+                                  </p:childTnLst>
+                                </p:cTn>
+                              </p:par>
+                              <p:par>
+                                <p:cTn id="39" presetID="1" presetClass="entr" presetSubtype="0" fill="hold" grpId="0" nodeType="withEffect">
+                                  <p:stCondLst>
+                                    <p:cond delay="0"/>
+                                  </p:stCondLst>
+                                  <p:childTnLst>
+                                    <p:set>
+                                      <p:cBhvr>
+                                        <p:cTn id="40" dur="1" fill="hold">
+                                          <p:stCondLst>
+                                            <p:cond delay="0"/>
+                                          </p:stCondLst>
+                                        </p:cTn>
+                                        <p:tgtEl>
+                                          <p:spTgt spid="19"/>
+                                        </p:tgtEl>
+                                        <p:attrNameLst>
+                                          <p:attrName>style.visibility</p:attrName>
+                                        </p:attrNameLst>
+                                      </p:cBhvr>
+                                      <p:to>
+                                        <p:strVal val="visible"/>
+                                      </p:to>
+                                    </p:set>
+                                  </p:childTnLst>
+                                </p:cTn>
+                              </p:par>
+                              <p:par>
+                                <p:cTn id="41" presetID="1" presetClass="entr" presetSubtype="0" fill="hold" nodeType="withEffect">
+                                  <p:stCondLst>
+                                    <p:cond delay="0"/>
+                                  </p:stCondLst>
+                                  <p:childTnLst>
+                                    <p:set>
+                                      <p:cBhvr>
+                                        <p:cTn id="42" dur="1" fill="hold">
+                                          <p:stCondLst>
+                                            <p:cond delay="0"/>
+                                          </p:stCondLst>
+                                        </p:cTn>
+                                        <p:tgtEl>
+                                          <p:spTgt spid="11"/>
+                                        </p:tgtEl>
+                                        <p:attrNameLst>
+                                          <p:attrName>style.visibility</p:attrName>
+                                        </p:attrNameLst>
+                                      </p:cBhvr>
+                                      <p:to>
+                                        <p:strVal val="visible"/>
+                                      </p:to>
+                                    </p:set>
+                                  </p:childTnLst>
+                                </p:cTn>
+                              </p:par>
+                              <p:par>
+                                <p:cTn id="43" presetID="1" presetClass="entr" presetSubtype="0" fill="hold" nodeType="withEffect">
+                                  <p:stCondLst>
+                                    <p:cond delay="0"/>
+                                  </p:stCondLst>
+                                  <p:childTnLst>
+                                    <p:set>
+                                      <p:cBhvr>
+                                        <p:cTn id="44" dur="1" fill="hold">
+                                          <p:stCondLst>
+                                            <p:cond delay="0"/>
+                                          </p:stCondLst>
+                                        </p:cTn>
+                                        <p:tgtEl>
+                                          <p:spTgt spid="13"/>
+                                        </p:tgtEl>
+                                        <p:attrNameLst>
+                                          <p:attrName>style.visibility</p:attrName>
+                                        </p:attrNameLst>
+                                      </p:cBhvr>
+                                      <p:to>
+                                        <p:strVal val="visible"/>
+                                      </p:to>
+                                    </p:set>
+                                  </p:childTnLst>
+                                </p:cTn>
+                              </p:par>
+                            </p:childTnLst>
+                          </p:cTn>
+                        </p:par>
+                      </p:childTnLst>
+                    </p:cTn>
+                  </p:par>
+                  <p:par>
+                    <p:cTn id="45" fill="hold">
+                      <p:stCondLst>
+                        <p:cond delay="indefinite"/>
+                      </p:stCondLst>
+                      <p:childTnLst>
+                        <p:par>
+                          <p:cTn id="46" fill="hold">
+                            <p:stCondLst>
+                              <p:cond delay="0"/>
+                            </p:stCondLst>
+                            <p:childTnLst>
+                              <p:par>
+                                <p:cTn id="47" presetID="1" presetClass="entr" presetSubtype="0" fill="hold" grpId="0" nodeType="clickEffect">
+                                  <p:stCondLst>
+                                    <p:cond delay="0"/>
+                                  </p:stCondLst>
+                                  <p:childTnLst>
+                                    <p:set>
+                                      <p:cBhvr>
+                                        <p:cTn id="48" dur="1" fill="hold">
+                                          <p:stCondLst>
+                                            <p:cond delay="0"/>
+                                          </p:stCondLst>
+                                        </p:cTn>
+                                        <p:tgtEl>
+                                          <p:spTgt spid="26"/>
+                                        </p:tgtEl>
+                                        <p:attrNameLst>
+                                          <p:attrName>style.visibility</p:attrName>
+                                        </p:attrNameLst>
+                                      </p:cBhvr>
+                                      <p:to>
+                                        <p:strVal val="visible"/>
+                                      </p:to>
+                                    </p:set>
+                                  </p:childTnLst>
+                                </p:cTn>
+                              </p:par>
+                              <p:par>
+                                <p:cTn id="49" presetID="1" presetClass="entr" presetSubtype="0" fill="hold" nodeType="withEffect">
+                                  <p:stCondLst>
+                                    <p:cond delay="0"/>
+                                  </p:stCondLst>
+                                  <p:childTnLst>
+                                    <p:set>
+                                      <p:cBhvr>
+                                        <p:cTn id="50" dur="1" fill="hold">
+                                          <p:stCondLst>
+                                            <p:cond delay="0"/>
+                                          </p:stCondLst>
+                                        </p:cTn>
+                                        <p:tgtEl>
+                                          <p:spTgt spid="38"/>
+                                        </p:tgtEl>
+                                        <p:attrNameLst>
+                                          <p:attrName>style.visibility</p:attrName>
+                                        </p:attrNameLst>
+                                      </p:cBhvr>
+                                      <p:to>
+                                        <p:strVal val="visible"/>
+                                      </p:to>
+                                    </p:set>
+                                  </p:childTnLst>
+                                </p:cTn>
+                              </p:par>
+                              <p:par>
+                                <p:cTn id="51" presetID="1" presetClass="entr" presetSubtype="0" fill="hold" grpId="0" nodeType="withEffect">
+                                  <p:stCondLst>
+                                    <p:cond delay="0"/>
+                                  </p:stCondLst>
+                                  <p:childTnLst>
+                                    <p:set>
+                                      <p:cBhvr>
+                                        <p:cTn id="52" dur="1" fill="hold">
+                                          <p:stCondLst>
+                                            <p:cond delay="0"/>
+                                          </p:stCondLst>
+                                        </p:cTn>
+                                        <p:tgtEl>
+                                          <p:spTgt spid="25"/>
+                                        </p:tgtEl>
+                                        <p:attrNameLst>
+                                          <p:attrName>style.visibility</p:attrName>
+                                        </p:attrNameLst>
+                                      </p:cBhvr>
+                                      <p:to>
+                                        <p:strVal val="visible"/>
+                                      </p:to>
+                                    </p:set>
+                                  </p:childTnLst>
+                                </p:cTn>
+                              </p:par>
+                              <p:par>
+                                <p:cTn id="53" presetID="1" presetClass="entr" presetSubtype="0" fill="hold" nodeType="withEffect">
+                                  <p:stCondLst>
+                                    <p:cond delay="0"/>
+                                  </p:stCondLst>
+                                  <p:childTnLst>
+                                    <p:set>
+                                      <p:cBhvr>
+                                        <p:cTn id="54" dur="1" fill="hold">
+                                          <p:stCondLst>
+                                            <p:cond delay="0"/>
+                                          </p:stCondLst>
+                                        </p:cTn>
+                                        <p:tgtEl>
+                                          <p:spTgt spid="6"/>
+                                        </p:tgtEl>
+                                        <p:attrNameLst>
+                                          <p:attrName>style.visibility</p:attrName>
+                                        </p:attrNameLst>
+                                      </p:cBhvr>
+                                      <p:to>
+                                        <p:strVal val="visible"/>
+                                      </p:to>
+                                    </p:set>
+                                  </p:childTnLst>
+                                </p:cTn>
+                              </p:par>
+                              <p:par>
+                                <p:cTn id="55" presetID="1" presetClass="entr" presetSubtype="0" fill="hold" nodeType="withEffect">
+                                  <p:stCondLst>
+                                    <p:cond delay="0"/>
+                                  </p:stCondLst>
+                                  <p:childTnLst>
+                                    <p:set>
+                                      <p:cBhvr>
+                                        <p:cTn id="56" dur="1" fill="hold">
+                                          <p:stCondLst>
+                                            <p:cond delay="0"/>
+                                          </p:stCondLst>
+                                        </p:cTn>
+                                        <p:tgtEl>
+                                          <p:spTgt spid="22"/>
+                                        </p:tgtEl>
+                                        <p:attrNameLst>
+                                          <p:attrName>style.visibility</p:attrName>
+                                        </p:attrNameLst>
+                                      </p:cBhvr>
+                                      <p:to>
+                                        <p:strVal val="visible"/>
+                                      </p:to>
+                                    </p:set>
+                                  </p:childTnLst>
+                                </p:cTn>
+                              </p:par>
+                              <p:par>
+                                <p:cTn id="57" presetID="1" presetClass="entr" presetSubtype="0" fill="hold" nodeType="withEffect">
+                                  <p:stCondLst>
+                                    <p:cond delay="0"/>
+                                  </p:stCondLst>
+                                  <p:childTnLst>
+                                    <p:set>
+                                      <p:cBhvr>
+                                        <p:cTn id="58" dur="1" fill="hold">
+                                          <p:stCondLst>
+                                            <p:cond delay="0"/>
+                                          </p:stCondLst>
+                                        </p:cTn>
+                                        <p:tgtEl>
+                                          <p:spTgt spid="8"/>
+                                        </p:tgtEl>
+                                        <p:attrNameLst>
+                                          <p:attrName>style.visibility</p:attrName>
+                                        </p:attrNameLst>
+                                      </p:cBhvr>
+                                      <p:to>
+                                        <p:strVal val="visible"/>
+                                      </p:to>
+                                    </p:set>
+                                  </p:childTnLst>
+                                </p:cTn>
+                              </p:par>
+                              <p:par>
+                                <p:cTn id="59" presetID="1" presetClass="entr" presetSubtype="0" fill="hold" grpId="0" nodeType="withEffect">
+                                  <p:stCondLst>
+                                    <p:cond delay="0"/>
+                                  </p:stCondLst>
+                                  <p:childTnLst>
+                                    <p:set>
+                                      <p:cBhvr>
+                                        <p:cTn id="60" dur="1" fill="hold">
+                                          <p:stCondLst>
+                                            <p:cond delay="0"/>
+                                          </p:stCondLst>
+                                        </p:cTn>
+                                        <p:tgtEl>
+                                          <p:spTgt spid="54"/>
+                                        </p:tgtEl>
+                                        <p:attrNameLst>
+                                          <p:attrName>style.visibility</p:attrName>
+                                        </p:attrNameLst>
+                                      </p:cBhvr>
+                                      <p:to>
+                                        <p:strVal val="visible"/>
+                                      </p:to>
+                                    </p:set>
+                                  </p:childTnLst>
+                                </p:cTn>
+                              </p:par>
+                              <p:par>
+                                <p:cTn id="61" presetID="1" presetClass="entr" presetSubtype="0" fill="hold" grpId="0" nodeType="withEffect">
+                                  <p:stCondLst>
+                                    <p:cond delay="0"/>
+                                  </p:stCondLst>
+                                  <p:childTnLst>
+                                    <p:set>
+                                      <p:cBhvr>
+                                        <p:cTn id="62" dur="1" fill="hold">
+                                          <p:stCondLst>
+                                            <p:cond delay="0"/>
+                                          </p:stCondLst>
+                                        </p:cTn>
+                                        <p:tgtEl>
+                                          <p:spTgt spid="55"/>
+                                        </p:tgtEl>
+                                        <p:attrNameLst>
+                                          <p:attrName>style.visibility</p:attrName>
+                                        </p:attrNameLst>
+                                      </p:cBhvr>
+                                      <p:to>
+                                        <p:strVal val="visible"/>
+                                      </p:to>
+                                    </p:set>
+                                  </p:childTnLst>
+                                </p:cTn>
+                              </p:par>
+                            </p:childTnLst>
+                          </p:cTn>
+                        </p:par>
+                      </p:childTnLst>
+                    </p:cTn>
+                  </p:par>
+                  <p:par>
+                    <p:cTn id="63" fill="hold">
+                      <p:stCondLst>
+                        <p:cond delay="indefinite"/>
+                      </p:stCondLst>
+                      <p:childTnLst>
+                        <p:par>
+                          <p:cTn id="64" fill="hold">
+                            <p:stCondLst>
+                              <p:cond delay="0"/>
+                            </p:stCondLst>
+                            <p:childTnLst>
+                              <p:par>
+                                <p:cTn id="65" presetID="1" presetClass="entr" presetSubtype="0" fill="hold" grpId="0" nodeType="clickEffect">
+                                  <p:stCondLst>
+                                    <p:cond delay="0"/>
+                                  </p:stCondLst>
+                                  <p:childTnLst>
+                                    <p:set>
+                                      <p:cBhvr>
+                                        <p:cTn id="66" dur="1" fill="hold">
+                                          <p:stCondLst>
+                                            <p:cond delay="0"/>
+                                          </p:stCondLst>
+                                        </p:cTn>
+                                        <p:tgtEl>
+                                          <p:spTgt spid="56"/>
+                                        </p:tgtEl>
+                                        <p:attrNameLst>
+                                          <p:attrName>style.visibility</p:attrName>
+                                        </p:attrNameLst>
+                                      </p:cBhvr>
+                                      <p:to>
+                                        <p:strVal val="visible"/>
+                                      </p:to>
+                                    </p:set>
+                                  </p:childTnLst>
+                                </p:cTn>
+                              </p:par>
+                              <p:par>
+                                <p:cTn id="67" presetID="1" presetClass="entr" presetSubtype="0" fill="hold" grpId="0" nodeType="withEffect">
+                                  <p:stCondLst>
+                                    <p:cond delay="0"/>
+                                  </p:stCondLst>
+                                  <p:childTnLst>
+                                    <p:set>
+                                      <p:cBhvr>
+                                        <p:cTn id="68" dur="1" fill="hold">
+                                          <p:stCondLst>
+                                            <p:cond delay="0"/>
+                                          </p:stCondLst>
+                                        </p:cTn>
+                                        <p:tgtEl>
+                                          <p:spTgt spid="58"/>
+                                        </p:tgtEl>
+                                        <p:attrNameLst>
+                                          <p:attrName>style.visibility</p:attrName>
+                                        </p:attrNameLst>
+                                      </p:cBhvr>
+                                      <p:to>
+                                        <p:strVal val="visible"/>
+                                      </p:to>
+                                    </p:set>
+                                  </p:childTnLst>
+                                </p:cTn>
+                              </p:par>
+                            </p:childTnLst>
+                          </p:cTn>
+                        </p:par>
+                      </p:childTnLst>
+                    </p:cTn>
+                  </p:par>
+                  <p:par>
+                    <p:cTn id="69" fill="hold">
+                      <p:stCondLst>
+                        <p:cond delay="indefinite"/>
+                      </p:stCondLst>
+                      <p:childTnLst>
+                        <p:par>
+                          <p:cTn id="70" fill="hold">
+                            <p:stCondLst>
+                              <p:cond delay="0"/>
+                            </p:stCondLst>
+                            <p:childTnLst>
+                              <p:par>
+                                <p:cTn id="71" presetID="1" presetClass="entr" presetSubtype="0" fill="hold" grpId="0" nodeType="clickEffect">
+                                  <p:stCondLst>
+                                    <p:cond delay="0"/>
+                                  </p:stCondLst>
+                                  <p:childTnLst>
+                                    <p:set>
+                                      <p:cBhvr>
+                                        <p:cTn id="72" dur="1" fill="hold">
+                                          <p:stCondLst>
+                                            <p:cond delay="0"/>
+                                          </p:stCondLst>
+                                        </p:cTn>
+                                        <p:tgtEl>
+                                          <p:spTgt spid="59"/>
+                                        </p:tgtEl>
+                                        <p:attrNameLst>
+                                          <p:attrName>style.visibility</p:attrName>
+                                        </p:attrNameLst>
+                                      </p:cBhvr>
+                                      <p:to>
+                                        <p:strVal val="visible"/>
+                                      </p:to>
+                                    </p:set>
+                                  </p:childTnLst>
+                                </p:cTn>
+                              </p:par>
+                            </p:childTnLst>
+                          </p:cTn>
+                        </p:par>
+                      </p:childTnLst>
+                    </p:cTn>
+                  </p:par>
+                  <p:par>
+                    <p:cTn id="73" fill="hold">
+                      <p:stCondLst>
+                        <p:cond delay="indefinite"/>
+                      </p:stCondLst>
+                      <p:childTnLst>
+                        <p:par>
+                          <p:cTn id="74" fill="hold">
+                            <p:stCondLst>
+                              <p:cond delay="0"/>
+                            </p:stCondLst>
+                            <p:childTnLst>
+                              <p:par>
+                                <p:cTn id="75" presetID="1" presetClass="entr" presetSubtype="0" fill="hold" grpId="0" nodeType="clickEffect">
+                                  <p:stCondLst>
+                                    <p:cond delay="0"/>
+                                  </p:stCondLst>
+                                  <p:childTnLst>
+                                    <p:set>
+                                      <p:cBhvr>
+                                        <p:cTn id="76" dur="1" fill="hold">
+                                          <p:stCondLst>
+                                            <p:cond delay="0"/>
+                                          </p:stCondLst>
+                                        </p:cTn>
+                                        <p:tgtEl>
+                                          <p:spTgt spid="60"/>
+                                        </p:tgtEl>
+                                        <p:attrNameLst>
+                                          <p:attrName>style.visibility</p:attrName>
+                                        </p:attrNameLst>
+                                      </p:cBhvr>
+                                      <p:to>
+                                        <p:strVal val="visible"/>
+                                      </p:to>
+                                    </p:set>
+                                  </p:childTnLst>
+                                </p:cTn>
+                              </p:par>
+                              <p:par>
+                                <p:cTn id="77" presetID="1" presetClass="entr" presetSubtype="0" fill="hold" grpId="0" nodeType="withEffect">
+                                  <p:stCondLst>
+                                    <p:cond delay="0"/>
+                                  </p:stCondLst>
+                                  <p:childTnLst>
+                                    <p:set>
+                                      <p:cBhvr>
+                                        <p:cTn id="78" dur="1" fill="hold">
+                                          <p:stCondLst>
+                                            <p:cond delay="0"/>
+                                          </p:stCondLst>
+                                        </p:cTn>
+                                        <p:tgtEl>
+                                          <p:spTgt spid="76"/>
+                                        </p:tgtEl>
+                                        <p:attrNameLst>
+                                          <p:attrName>style.visibility</p:attrName>
+                                        </p:attrNameLst>
+                                      </p:cBhvr>
+                                      <p:to>
+                                        <p:strVal val="visible"/>
+                                      </p:to>
+                                    </p:set>
+                                  </p:childTnLst>
+                                </p:cTn>
+                              </p:par>
+                            </p:childTnLst>
+                          </p:cTn>
+                        </p:par>
+                      </p:childTnLst>
+                    </p:cTn>
+                  </p:par>
+                </p:childTnLst>
+              </p:cTn>
+              <p:prevCondLst>
+                <p:cond evt="onPrev" delay="0">
+                  <p:tgtEl>
+                    <p:sldTgt/>
+                  </p:tgtEl>
+                </p:cond>
+              </p:prevCondLst>
+              <p:nextCondLst>
+                <p:cond evt="onNext" delay="0">
+                  <p:tgtEl>
+                    <p:sldTgt/>
+                  </p:tgtEl>
+                </p:cond>
+              </p:nextCondLst>
+            </p:seq>
+          </p:childTnLst>
+        </p:cTn>
       </p:par>
     </p:tnLst>
+    <p:bldLst>
+      <p:bldP spid="2" grpId="0" animBg="1"/>
+      <p:bldP spid="3" grpId="0"/>
+      <p:bldP spid="19" grpId="0" animBg="1"/>
+      <p:bldP spid="24" grpId="0"/>
+      <p:bldP spid="17" grpId="0" animBg="1"/>
+      <p:bldP spid="23" grpId="0"/>
+      <p:bldP spid="25" grpId="0" animBg="1"/>
+      <p:bldP spid="26" grpId="0"/>
+      <p:bldP spid="32" grpId="0" animBg="1"/>
+      <p:bldP spid="39" grpId="0"/>
+      <p:bldP spid="55" grpId="0" animBg="1"/>
+      <p:bldP spid="54" grpId="0" animBg="1"/>
+      <p:bldP spid="56" grpId="0"/>
+      <p:bldP spid="58" grpId="0" animBg="1"/>
+      <p:bldP spid="59" grpId="0"/>
+      <p:bldP spid="60" grpId="0"/>
+      <p:bldP spid="76" grpId="0" animBg="1"/>
+    </p:bldLst>
   </p:timing>
 </p:sld>
 </file>
@@ -10808,56 +15955,119 @@
           <a:bodyPr/>
           <a:lstStyle/>
           <a:p>
-            <a:pPr marL="574675" lvl="1" indent="-342900">
-              <a:buFont typeface="+mj-lt"/>
-              <a:buAutoNum type="arabicPeriod"/>
-            </a:pPr>
             <a:r>
               <a:rPr lang="en-US" dirty="0" smtClean="0"/>
-              <a:t>Plugin support </a:t>
-            </a:r>
-            <a:r>
-              <a:rPr lang="en-US" dirty="0"/>
-              <a:t>in Visual Studio Code is coming </a:t>
-            </a:r>
+              <a:t>Show diagram of VSCode-DF15 at top, </a:t>
+            </a:r>
+          </a:p>
+          <a:p>
             <a:r>
               <a:rPr lang="en-US" dirty="0" smtClean="0"/>
-              <a:t>soon and will allow us to </a:t>
-            </a:r>
-            <a:r>
-              <a:rPr lang="en-US" dirty="0"/>
-              <a:t>implement </a:t>
-            </a:r>
-            <a:r>
-              <a:rPr lang="en-US" dirty="0" err="1"/>
-              <a:t>Intellisense</a:t>
-            </a:r>
-            <a:r>
-              <a:rPr lang="en-US" dirty="0"/>
-              <a:t> for Apex and </a:t>
+              <a:t>then </a:t>
+            </a:r>
+            <a:r>
+              <a:rPr lang="en-US" dirty="0" err="1" smtClean="0"/>
+              <a:t>Saleforce-VSCode</a:t>
             </a:r>
             <a:r>
               <a:rPr lang="en-US" dirty="0" smtClean="0"/>
-              <a:t>VF</a:t>
-            </a:r>
-          </a:p>
-          <a:p>
-            <a:pPr marL="574675" lvl="1" indent="-342900">
-              <a:buFont typeface="+mj-lt"/>
-              <a:buAutoNum type="arabicPeriod"/>
-            </a:pPr>
+              <a:t> under that and to the side.</a:t>
+            </a:r>
+          </a:p>
+          <a:p>
             <a:r>
               <a:rPr lang="en-US" dirty="0" smtClean="0"/>
-              <a:t>Visual Studio Code </a:t>
+              <a:t>Then Gulp-Force under that, which wraps Force to provide, create Apex</a:t>
+            </a:r>
+          </a:p>
+          <a:p>
+            <a:endParaRPr lang="en-US" dirty="0" smtClean="0"/>
+          </a:p>
+          <a:p>
+            <a:r>
+              <a:rPr lang="en-US" dirty="0" smtClean="0"/>
+              <a:t>The other side has Slush-Angular-</a:t>
             </a:r>
             <a:r>
               <a:rPr lang="en-US" dirty="0" err="1" smtClean="0"/>
-              <a:t>UserVoice</a:t>
+              <a:t>Webpack</a:t>
             </a:r>
             <a:r>
               <a:rPr lang="en-US" dirty="0" smtClean="0"/>
-              <a:t> page shows how Visual Studio Code is a crowd-sourced application.</a:t>
-            </a:r>
+              <a:t> for creating SPAs</a:t>
+            </a:r>
+          </a:p>
+          <a:p>
+            <a:endParaRPr lang="en-US" dirty="0"/>
+          </a:p>
+          <a:p>
+            <a:r>
+              <a:rPr lang="en-US" dirty="0" smtClean="0"/>
+              <a:t>Salesforce-</a:t>
+            </a:r>
+            <a:r>
+              <a:rPr lang="en-US" dirty="0" err="1" smtClean="0"/>
+              <a:t>VSCode</a:t>
+            </a:r>
+            <a:r>
+              <a:rPr lang="en-US" dirty="0" smtClean="0"/>
+              <a:t> has a </a:t>
+            </a:r>
+            <a:r>
+              <a:rPr lang="en-US" dirty="0" err="1" smtClean="0"/>
+              <a:t>tasks.json</a:t>
+            </a:r>
+            <a:r>
+              <a:rPr lang="en-US" dirty="0" smtClean="0"/>
+              <a:t> file which refers to Gulp-Force, the </a:t>
+            </a:r>
+            <a:r>
+              <a:rPr lang="en-US" dirty="0" err="1" smtClean="0"/>
+              <a:t>tasks.json</a:t>
+            </a:r>
+            <a:r>
+              <a:rPr lang="en-US" dirty="0" smtClean="0"/>
+              <a:t> file uses a problem-matcher on the task to get back any errors from the Force Push</a:t>
+            </a:r>
+          </a:p>
+          <a:p>
+            <a:r>
+              <a:rPr lang="en-US" dirty="0" smtClean="0"/>
+              <a:t>Gulp-Force needs to be modified to accept a </a:t>
+            </a:r>
+            <a:r>
+              <a:rPr lang="en-US" dirty="0" err="1" smtClean="0"/>
+              <a:t>src</a:t>
+            </a:r>
+            <a:r>
+              <a:rPr lang="en-US" dirty="0" smtClean="0"/>
+              <a:t> file, then copy it to metadata, then run force push</a:t>
+            </a:r>
+          </a:p>
+          <a:p>
+            <a:endParaRPr lang="en-US" dirty="0"/>
+          </a:p>
+          <a:p>
+            <a:endParaRPr lang="en-US" dirty="0"/>
+          </a:p>
+        </p:txBody>
+      </p:sp>
+      <p:sp>
+        <p:nvSpPr>
+          <p:cNvPr id="3" name="Text Placeholder 2"/>
+          <p:cNvSpPr>
+            <a:spLocks noGrp="1"/>
+          </p:cNvSpPr>
+          <p:nvPr>
+            <p:ph type="body" idx="2"/>
+          </p:nvPr>
+        </p:nvSpPr>
+        <p:spPr/>
+        <p:txBody>
+          <a:bodyPr/>
+          <a:lstStyle/>
+          <a:p>
+            <a:endParaRPr lang="en-US"/>
           </a:p>
         </p:txBody>
       </p:sp>
@@ -10876,27 +16086,18 @@
           <a:bodyPr/>
           <a:lstStyle/>
           <a:p>
-            <a:pPr algn="ctr"/>
-            <a:r>
-              <a:rPr lang="en-US" sz="4400" dirty="0" smtClean="0">
-                <a:solidFill>
-                  <a:schemeClr val="accent1"/>
-                </a:solidFill>
-              </a:rPr>
-              <a:t>The Future is bright</a:t>
-            </a:r>
-            <a:endParaRPr lang="en-US" sz="4400" dirty="0">
-              <a:solidFill>
-                <a:schemeClr val="accent1"/>
-              </a:solidFill>
-            </a:endParaRPr>
+            <a:r>
+              <a:rPr lang="en-US" dirty="0" smtClean="0"/>
+              <a:t>Projects used to make a complete application</a:t>
+            </a:r>
+            <a:endParaRPr lang="en-US" dirty="0"/>
           </a:p>
         </p:txBody>
       </p:sp>
     </p:spTree>
     <p:extLst>
       <p:ext uri="{BB962C8B-B14F-4D97-AF65-F5344CB8AC3E}">
-        <p14:creationId xmlns:p14="http://schemas.microsoft.com/office/powerpoint/2010/main" val="1469976512"/>
+        <p14:creationId xmlns:p14="http://schemas.microsoft.com/office/powerpoint/2010/main" val="454219993"/>
       </p:ext>
     </p:extLst>
   </p:cSld>
@@ -11041,19 +16242,7 @@
                 <a:cs typeface="Arial"/>
                 <a:sym typeface="Arial"/>
               </a:rPr>
-              <a:t>with </a:t>
-            </a:r>
-            <a:r>
-              <a:rPr lang="en-US" sz="5400" b="0" i="0" u="none" strike="noStrike" cap="none" dirty="0" smtClean="0">
-                <a:solidFill>
-                  <a:schemeClr val="accent1"/>
-                </a:solidFill>
-                <a:latin typeface="Arial"/>
-                <a:ea typeface="Arial"/>
-                <a:cs typeface="Arial"/>
-                <a:sym typeface="Arial"/>
-              </a:rPr>
-              <a:t>Visual Studio Code</a:t>
+              <a:t>with Visual Studio Code</a:t>
             </a:r>
             <a:endParaRPr lang="en-US" sz="5400" b="0" i="0" u="none" strike="noStrike" cap="none" baseline="0" dirty="0">
               <a:solidFill>
@@ -11442,7 +16631,7 @@
   <p:cSld>
     <p:spTree>
       <p:nvGrpSpPr>
-        <p:cNvPr id="1" name="Shape 664"/>
+        <p:cNvPr id="1" name=""/>
         <p:cNvGrpSpPr/>
         <p:nvPr/>
       </p:nvGrpSpPr>
@@ -11454,14 +16643,155 @@
           <a:chExt cx="0" cy="0"/>
         </a:xfrm>
       </p:grpSpPr>
+      <p:sp>
+        <p:nvSpPr>
+          <p:cNvPr id="2" name="Text Placeholder 1"/>
+          <p:cNvSpPr>
+            <a:spLocks noGrp="1"/>
+          </p:cNvSpPr>
+          <p:nvPr>
+            <p:ph type="body" idx="1"/>
+          </p:nvPr>
+        </p:nvSpPr>
+        <p:spPr/>
+        <p:txBody>
+          <a:bodyPr/>
+          <a:lstStyle/>
+          <a:p>
+            <a:pPr marL="574675" lvl="1" indent="-342900">
+              <a:buFont typeface="+mj-lt"/>
+              <a:buAutoNum type="arabicPeriod"/>
+            </a:pPr>
+            <a:r>
+              <a:rPr lang="en-US" dirty="0" smtClean="0"/>
+              <a:t>Plugin support </a:t>
+            </a:r>
+            <a:r>
+              <a:rPr lang="en-US" dirty="0"/>
+              <a:t>in Visual Studio Code is coming </a:t>
+            </a:r>
+            <a:r>
+              <a:rPr lang="en-US" dirty="0" smtClean="0"/>
+              <a:t>soon and will allow us to </a:t>
+            </a:r>
+            <a:r>
+              <a:rPr lang="en-US" dirty="0"/>
+              <a:t>implement </a:t>
+            </a:r>
+            <a:r>
+              <a:rPr lang="en-US" dirty="0" err="1"/>
+              <a:t>Intellisense</a:t>
+            </a:r>
+            <a:r>
+              <a:rPr lang="en-US" dirty="0"/>
+              <a:t> for Apex and </a:t>
+            </a:r>
+            <a:r>
+              <a:rPr lang="en-US" dirty="0" smtClean="0"/>
+              <a:t>VF</a:t>
+            </a:r>
+          </a:p>
+          <a:p>
+            <a:pPr marL="574675" lvl="1" indent="-342900">
+              <a:buFont typeface="+mj-lt"/>
+              <a:buAutoNum type="arabicPeriod"/>
+            </a:pPr>
+            <a:r>
+              <a:rPr lang="en-US" dirty="0" smtClean="0"/>
+              <a:t>The team continues to deliver regular iterations every month with a clear path forward shown by </a:t>
+            </a:r>
+            <a:r>
+              <a:rPr lang="en-US" dirty="0" err="1" smtClean="0"/>
+              <a:t>UserVoice</a:t>
+            </a:r>
+            <a:endParaRPr lang="en-US" dirty="0" smtClean="0"/>
+          </a:p>
+          <a:p>
+            <a:pPr marL="574675" lvl="1" indent="-342900">
+              <a:buFont typeface="+mj-lt"/>
+              <a:buAutoNum type="arabicPeriod"/>
+            </a:pPr>
+            <a:r>
+              <a:rPr lang="en-US" dirty="0" smtClean="0"/>
+              <a:t>The Visual Studio Code </a:t>
+            </a:r>
+            <a:r>
+              <a:rPr lang="en-US" dirty="0" err="1" smtClean="0"/>
+              <a:t>UserVoice</a:t>
+            </a:r>
+            <a:r>
+              <a:rPr lang="en-US" dirty="0" smtClean="0"/>
+              <a:t> site provides the path forward for Visual Studio Code.  </a:t>
+            </a:r>
+            <a:r>
+              <a:rPr lang="en-US" dirty="0" err="1" smtClean="0"/>
+              <a:t>VSCode</a:t>
+            </a:r>
+            <a:r>
+              <a:rPr lang="en-US" dirty="0" smtClean="0"/>
+              <a:t> is a crowd-sourced, free and open application, wholly funded and supported by Microsoft.  </a:t>
+            </a:r>
+            <a:r>
+              <a:rPr lang="en-US" dirty="0" err="1" smtClean="0"/>
+              <a:t>VSCode</a:t>
+            </a:r>
+            <a:r>
+              <a:rPr lang="en-US" dirty="0" smtClean="0"/>
+              <a:t> demonstrates the new Microsoft and their commitment to empowering developers on every platform.</a:t>
+            </a:r>
+          </a:p>
+        </p:txBody>
+      </p:sp>
+      <p:sp>
+        <p:nvSpPr>
+          <p:cNvPr id="4" name="Title 3"/>
+          <p:cNvSpPr>
+            <a:spLocks noGrp="1"/>
+          </p:cNvSpPr>
+          <p:nvPr>
+            <p:ph type="title"/>
+          </p:nvPr>
+        </p:nvSpPr>
+        <p:spPr/>
+        <p:txBody>
+          <a:bodyPr/>
+          <a:lstStyle/>
+          <a:p>
+            <a:pPr algn="ctr"/>
+            <a:r>
+              <a:rPr lang="en-US" sz="4400" dirty="0" smtClean="0">
+                <a:solidFill>
+                  <a:schemeClr val="accent1"/>
+                </a:solidFill>
+              </a:rPr>
+              <a:t>The future is bright for </a:t>
+            </a:r>
+            <a:r>
+              <a:rPr lang="en-US" sz="4400" dirty="0" err="1" smtClean="0">
+                <a:solidFill>
+                  <a:schemeClr val="accent1"/>
+                </a:solidFill>
+              </a:rPr>
+              <a:t>VSCode</a:t>
+            </a:r>
+            <a:endParaRPr lang="en-US" sz="4400" dirty="0">
+              <a:solidFill>
+                <a:schemeClr val="accent1"/>
+              </a:solidFill>
+            </a:endParaRPr>
+          </a:p>
+        </p:txBody>
+      </p:sp>
     </p:spTree>
+    <p:extLst>
+      <p:ext uri="{BB962C8B-B14F-4D97-AF65-F5344CB8AC3E}">
+        <p14:creationId xmlns:p14="http://schemas.microsoft.com/office/powerpoint/2010/main" val="1469976512"/>
+      </p:ext>
+    </p:extLst>
   </p:cSld>
   <p:clrMapOvr>
     <a:masterClrMapping/>
   </p:clrMapOvr>
-  <p:transition spd="med">
-    <p:fade/>
-  </p:transition>
   <p:timing>
     <p:tnLst>
       <p:par>
@@ -11469,6 +16799,95 @@
       </p:par>
     </p:tnLst>
   </p:timing>
+</p:sld>
+</file>
+
+<file path=ppt/slides/slide21.xml><?xml version="1.0" encoding="utf-8"?>
+<p:sld xmlns:a="http://schemas.openxmlformats.org/drawingml/2006/main" xmlns:r="http://schemas.openxmlformats.org/officeDocument/2006/relationships" xmlns:p="http://schemas.openxmlformats.org/presentationml/2006/main">
+  <p:cSld>
+    <p:spTree>
+      <p:nvGrpSpPr>
+        <p:cNvPr id="1" name="Shape 663"/>
+        <p:cNvGrpSpPr/>
+        <p:nvPr/>
+      </p:nvGrpSpPr>
+      <p:grpSpPr>
+        <a:xfrm>
+          <a:off x="0" y="0"/>
+          <a:ext cx="0" cy="0"/>
+          <a:chOff x="0" y="0"/>
+          <a:chExt cx="0" cy="0"/>
+        </a:xfrm>
+      </p:grpSpPr>
+      <p:pic>
+        <p:nvPicPr>
+          <p:cNvPr id="664" name="Shape 664"/>
+          <p:cNvPicPr preferRelativeResize="0"/>
+          <p:nvPr/>
+        </p:nvPicPr>
+        <p:blipFill>
+          <a:blip r:embed="rId3">
+            <a:alphaModFix/>
+          </a:blip>
+          <a:stretch>
+            <a:fillRect/>
+          </a:stretch>
+        </p:blipFill>
+        <p:spPr>
+          <a:xfrm>
+            <a:off x="1105778" y="4819650"/>
+            <a:ext cx="9846399" cy="1115600"/>
+          </a:xfrm>
+          <a:prstGeom prst="rect">
+            <a:avLst/>
+          </a:prstGeom>
+          <a:noFill/>
+          <a:ln>
+            <a:noFill/>
+          </a:ln>
+        </p:spPr>
+      </p:pic>
+      <p:pic>
+        <p:nvPicPr>
+          <p:cNvPr id="665" name="Shape 665"/>
+          <p:cNvPicPr preferRelativeResize="0"/>
+          <p:nvPr/>
+        </p:nvPicPr>
+        <p:blipFill>
+          <a:blip r:embed="rId4">
+            <a:alphaModFix/>
+          </a:blip>
+          <a:stretch>
+            <a:fillRect/>
+          </a:stretch>
+        </p:blipFill>
+        <p:spPr>
+          <a:xfrm>
+            <a:off x="2466851" y="685300"/>
+            <a:ext cx="7152050" cy="1652149"/>
+          </a:xfrm>
+          <a:prstGeom prst="rect">
+            <a:avLst/>
+          </a:prstGeom>
+          <a:noFill/>
+          <a:ln>
+            <a:noFill/>
+          </a:ln>
+        </p:spPr>
+      </p:pic>
+    </p:spTree>
+    <p:extLst>
+      <p:ext uri="{BB962C8B-B14F-4D97-AF65-F5344CB8AC3E}">
+        <p14:creationId xmlns:p14="http://schemas.microsoft.com/office/powerpoint/2010/main" val="1156313575"/>
+      </p:ext>
+    </p:extLst>
+  </p:cSld>
+  <p:clrMapOvr>
+    <a:masterClrMapping/>
+  </p:clrMapOvr>
+  <p:transition spd="slow">
+    <p:cut/>
+  </p:transition>
 </p:sld>
 </file>
 
@@ -12013,15 +17432,7 @@
                   <a:schemeClr val="lt1"/>
                 </a:solidFill>
               </a:rPr>
-              <a:t>odern </a:t>
-            </a:r>
-            <a:r>
-              <a:rPr lang="en-US" sz="5400" dirty="0" smtClean="0">
-                <a:solidFill>
-                  <a:schemeClr val="lt1"/>
-                </a:solidFill>
-              </a:rPr>
-              <a:t>Salesforce </a:t>
+              <a:t>odern Salesforce </a:t>
             </a:r>
             <a:r>
               <a:rPr lang="en-US" sz="5400" dirty="0">
@@ -12053,15 +17464,7 @@
                   <a:schemeClr val="lt1"/>
                 </a:solidFill>
               </a:rPr>
-              <a:t>orkflow with Visual </a:t>
-            </a:r>
-            <a:r>
-              <a:rPr lang="en-US" sz="5400" dirty="0" smtClean="0">
-                <a:solidFill>
-                  <a:schemeClr val="lt1"/>
-                </a:solidFill>
-              </a:rPr>
-              <a:t>Studio Code</a:t>
+              <a:t>orkflow with Visual Studio Code</a:t>
             </a:r>
             <a:endParaRPr lang="en-US" sz="5400" b="0" i="0" u="none" strike="noStrike" cap="none" baseline="0" dirty="0">
               <a:solidFill>
@@ -12397,15 +17800,7 @@
                   <a:schemeClr val="bg1"/>
                 </a:solidFill>
               </a:rPr>
-              <a:t>Senior Developer </a:t>
-            </a:r>
-            <a:r>
-              <a:rPr lang="en-US" dirty="0" smtClean="0">
-                <a:solidFill>
-                  <a:schemeClr val="bg1"/>
-                </a:solidFill>
-              </a:rPr>
-              <a:t>Evangelist</a:t>
+              <a:t>Senior Developer Evangelist</a:t>
             </a:r>
             <a:endParaRPr lang="en-US" dirty="0">
               <a:solidFill>
@@ -12712,36 +18107,6 @@
           <p:nvPr/>
         </p:nvPicPr>
         <p:blipFill>
-          <a:blip r:embed="rId2">
-            <a:extLst>
-              <a:ext uri="{28A0092B-C50C-407E-A947-70E740481C1C}">
-                <a14:useLocalDpi xmlns:a14="http://schemas.microsoft.com/office/drawing/2010/main" val="0"/>
-              </a:ext>
-            </a:extLst>
-          </a:blip>
-          <a:stretch>
-            <a:fillRect/>
-          </a:stretch>
-        </p:blipFill>
-        <p:spPr>
-          <a:xfrm>
-            <a:off x="477170" y="879654"/>
-            <a:ext cx="2038838" cy="2038838"/>
-          </a:xfrm>
-          <a:prstGeom prst="rect">
-            <a:avLst/>
-          </a:prstGeom>
-        </p:spPr>
-      </p:pic>
-      <p:pic>
-        <p:nvPicPr>
-          <p:cNvPr id="6" name="Picture 5"/>
-          <p:cNvPicPr>
-            <a:picLocks noChangeAspect="1"/>
-          </p:cNvPicPr>
-          <p:nvPr/>
-        </p:nvPicPr>
-        <p:blipFill>
           <a:blip r:embed="rId3">
             <a:extLst>
               <a:ext uri="{28A0092B-C50C-407E-A947-70E740481C1C}">
@@ -12755,8 +18120,8 @@
         </p:blipFill>
         <p:spPr>
           <a:xfrm>
-            <a:off x="2535236" y="1060640"/>
-            <a:ext cx="1705453" cy="1705453"/>
+            <a:off x="4405409" y="879654"/>
+            <a:ext cx="2038838" cy="2038838"/>
           </a:xfrm>
           <a:prstGeom prst="rect">
             <a:avLst/>
@@ -12765,7 +18130,7 @@
       </p:pic>
       <p:pic>
         <p:nvPicPr>
-          <p:cNvPr id="7" name="Picture 6"/>
+          <p:cNvPr id="6" name="Picture 5"/>
           <p:cNvPicPr>
             <a:picLocks noChangeAspect="1"/>
           </p:cNvPicPr>
@@ -12785,7 +18150,37 @@
         </p:blipFill>
         <p:spPr>
           <a:xfrm>
-            <a:off x="4352319" y="1060640"/>
+            <a:off x="2523251" y="1060640"/>
+            <a:ext cx="1705453" cy="1705453"/>
+          </a:xfrm>
+          <a:prstGeom prst="rect">
+            <a:avLst/>
+          </a:prstGeom>
+        </p:spPr>
+      </p:pic>
+      <p:pic>
+        <p:nvPicPr>
+          <p:cNvPr id="7" name="Picture 6"/>
+          <p:cNvPicPr>
+            <a:picLocks noChangeAspect="1"/>
+          </p:cNvPicPr>
+          <p:nvPr/>
+        </p:nvPicPr>
+        <p:blipFill>
+          <a:blip r:embed="rId5">
+            <a:extLst>
+              <a:ext uri="{28A0092B-C50C-407E-A947-70E740481C1C}">
+                <a14:useLocalDpi xmlns:a14="http://schemas.microsoft.com/office/drawing/2010/main" val="0"/>
+              </a:ext>
+            </a:extLst>
+          </a:blip>
+          <a:stretch>
+            <a:fillRect/>
+          </a:stretch>
+        </p:blipFill>
+        <p:spPr>
+          <a:xfrm>
+            <a:off x="641548" y="1060640"/>
             <a:ext cx="1705453" cy="1705453"/>
           </a:xfrm>
           <a:prstGeom prst="rect">
@@ -12802,7 +18197,7 @@
           <p:nvPr/>
         </p:nvPicPr>
         <p:blipFill>
-          <a:blip r:embed="rId5">
+          <a:blip r:embed="rId6">
             <a:extLst>
               <a:ext uri="{28A0092B-C50C-407E-A947-70E740481C1C}">
                 <a14:useLocalDpi xmlns:a14="http://schemas.microsoft.com/office/drawing/2010/main" val="0"/>
@@ -12832,7 +18227,7 @@
           <p:nvPr/>
         </p:nvPicPr>
         <p:blipFill>
-          <a:blip r:embed="rId6">
+          <a:blip r:embed="rId7">
             <a:extLst>
               <a:ext uri="{28A0092B-C50C-407E-A947-70E740481C1C}">
                 <a14:useLocalDpi xmlns:a14="http://schemas.microsoft.com/office/drawing/2010/main" val="0"/>
@@ -12862,7 +18257,7 @@
           <p:nvPr/>
         </p:nvPicPr>
         <p:blipFill>
-          <a:blip r:embed="rId7">
+          <a:blip r:embed="rId8">
             <a:extLst>
               <a:ext uri="{28A0092B-C50C-407E-A947-70E740481C1C}">
                 <a14:useLocalDpi xmlns:a14="http://schemas.microsoft.com/office/drawing/2010/main" val="0"/>
@@ -12875,7 +18270,7 @@
         </p:blipFill>
         <p:spPr>
           <a:xfrm>
-            <a:off x="753639" y="3596462"/>
+            <a:off x="753639" y="3679587"/>
             <a:ext cx="1485900" cy="1587500"/>
           </a:xfrm>
           <a:prstGeom prst="rect">
@@ -12892,7 +18287,7 @@
           <p:nvPr/>
         </p:nvPicPr>
         <p:blipFill>
-          <a:blip r:embed="rId8">
+          <a:blip r:embed="rId9">
             <a:extLst>
               <a:ext uri="{28A0092B-C50C-407E-A947-70E740481C1C}">
                 <a14:useLocalDpi xmlns:a14="http://schemas.microsoft.com/office/drawing/2010/main" val="0"/>
@@ -12905,7 +18300,7 @@
         </p:blipFill>
         <p:spPr>
           <a:xfrm>
-            <a:off x="3517772" y="4165734"/>
+            <a:off x="3185271" y="4198984"/>
             <a:ext cx="2540000" cy="609600"/>
           </a:xfrm>
           <a:prstGeom prst="rect">
@@ -12921,7 +18316,7 @@
         </p:nvSpPr>
         <p:spPr>
           <a:xfrm>
-            <a:off x="6629265" y="1528645"/>
+            <a:off x="6762265" y="1528645"/>
             <a:ext cx="514885" cy="769441"/>
           </a:xfrm>
           <a:prstGeom prst="rect">
@@ -12951,7 +18346,7 @@
         </p:nvSpPr>
         <p:spPr>
           <a:xfrm>
-            <a:off x="2621213" y="4085812"/>
+            <a:off x="2488213" y="4085812"/>
             <a:ext cx="514885" cy="769441"/>
           </a:xfrm>
           <a:prstGeom prst="rect">
@@ -13011,7 +18406,7 @@
         </p:nvSpPr>
         <p:spPr>
           <a:xfrm>
-            <a:off x="6270148" y="4085812"/>
+            <a:off x="5970896" y="4085812"/>
             <a:ext cx="514885" cy="769441"/>
           </a:xfrm>
           <a:prstGeom prst="rect">
@@ -13041,7 +18436,7 @@
         </p:nvSpPr>
         <p:spPr>
           <a:xfrm>
-            <a:off x="8017922" y="4085811"/>
+            <a:off x="8167547" y="4119061"/>
             <a:ext cx="514885" cy="769441"/>
           </a:xfrm>
           <a:prstGeom prst="rect">
@@ -13072,7 +18467,7 @@
           <p:nvPr/>
         </p:nvPicPr>
         <p:blipFill>
-          <a:blip r:embed="rId9">
+          <a:blip r:embed="rId10">
             <a:extLst>
               <a:ext uri="{28A0092B-C50C-407E-A947-70E740481C1C}">
                 <a14:useLocalDpi xmlns:a14="http://schemas.microsoft.com/office/drawing/2010/main" val="0"/>
@@ -13085,7 +18480,7 @@
         </p:blipFill>
         <p:spPr>
           <a:xfrm>
-            <a:off x="6786236" y="3826705"/>
+            <a:off x="6686486" y="3859955"/>
             <a:ext cx="1260288" cy="1260288"/>
           </a:xfrm>
           <a:prstGeom prst="rect">
@@ -13137,7 +18532,7 @@
                                           </p:stCondLst>
                                         </p:cTn>
                                         <p:tgtEl>
-                                          <p:spTgt spid="5"/>
+                                          <p:spTgt spid="7"/>
                                         </p:tgtEl>
                                         <p:attrNameLst>
                                           <p:attrName>style.visibility</p:attrName>
@@ -13150,35 +18545,26 @@
                                   </p:childTnLst>
                                 </p:cTn>
                               </p:par>
+                            </p:childTnLst>
+                          </p:cTn>
+                        </p:par>
+                      </p:childTnLst>
+                    </p:cTn>
+                  </p:par>
+                  <p:par>
+                    <p:cTn id="7" fill="hold">
+                      <p:stCondLst>
+                        <p:cond delay="indefinite"/>
+                      </p:stCondLst>
+                      <p:childTnLst>
+                        <p:par>
+                          <p:cTn id="8" fill="hold">
+                            <p:stCondLst>
+                              <p:cond delay="0"/>
+                            </p:stCondLst>
+                            <p:childTnLst>
                               <p:par>
-                                <p:cTn id="7" presetID="1" presetClass="entr" presetSubtype="0" fill="hold" nodeType="withEffect">
-                                  <p:stCondLst>
-                                    <p:cond delay="0"/>
-                                  </p:stCondLst>
-                                  <p:childTnLst>
-                                    <p:set>
-                                      <p:cBhvr>
-                                        <p:cTn id="8" dur="1" fill="hold">
-                                          <p:stCondLst>
-                                            <p:cond delay="0"/>
-                                          </p:stCondLst>
-                                        </p:cTn>
-                                        <p:tgtEl>
-                                          <p:spTgt spid="6"/>
-                                        </p:tgtEl>
-                                        <p:attrNameLst>
-                                          <p:attrName>style.visibility</p:attrName>
-                                        </p:attrNameLst>
-                                      </p:cBhvr>
-                                      <p:to>
-                                        <p:strVal val="visible"/>
-                                      </p:to>
-                                    </p:set>
-                                  </p:childTnLst>
-                                </p:cTn>
-                              </p:par>
-                              <p:par>
-                                <p:cTn id="9" presetID="1" presetClass="entr" presetSubtype="0" fill="hold" nodeType="withEffect">
+                                <p:cTn id="9" presetID="1" presetClass="entr" presetSubtype="0" fill="hold" nodeType="clickEffect">
                                   <p:stCondLst>
                                     <p:cond delay="0"/>
                                   </p:stCondLst>
@@ -13191,7 +18577,7 @@
                                           </p:stCondLst>
                                         </p:cTn>
                                         <p:tgtEl>
-                                          <p:spTgt spid="7"/>
+                                          <p:spTgt spid="6"/>
                                         </p:tgtEl>
                                         <p:attrNameLst>
                                           <p:attrName>style.visibility</p:attrName>
@@ -13223,7 +18609,7 @@
                             </p:stCondLst>
                             <p:childTnLst>
                               <p:par>
-                                <p:cTn id="13" presetID="1" presetClass="entr" presetSubtype="0" fill="hold" grpId="0" nodeType="clickEffect">
+                                <p:cTn id="13" presetID="1" presetClass="entr" presetSubtype="0" fill="hold" nodeType="clickEffect">
                                   <p:stCondLst>
                                     <p:cond delay="0"/>
                                   </p:stCondLst>
@@ -13231,6 +18617,51 @@
                                     <p:set>
                                       <p:cBhvr>
                                         <p:cTn id="14" dur="1" fill="hold">
+                                          <p:stCondLst>
+                                            <p:cond delay="0"/>
+                                          </p:stCondLst>
+                                        </p:cTn>
+                                        <p:tgtEl>
+                                          <p:spTgt spid="5"/>
+                                        </p:tgtEl>
+                                        <p:attrNameLst>
+                                          <p:attrName>style.visibility</p:attrName>
+                                        </p:attrNameLst>
+                                      </p:cBhvr>
+                                      <p:to>
+                                        <p:strVal val="visible"/>
+                                      </p:to>
+                                    </p:set>
+                                  </p:childTnLst>
+                                </p:cTn>
+                              </p:par>
+                            </p:childTnLst>
+                          </p:cTn>
+                        </p:par>
+                      </p:childTnLst>
+                    </p:cTn>
+                  </p:par>
+                  <p:par>
+                    <p:cTn id="15" fill="hold">
+                      <p:stCondLst>
+                        <p:cond delay="indefinite"/>
+                      </p:stCondLst>
+                      <p:childTnLst>
+                        <p:par>
+                          <p:cTn id="16" fill="hold">
+                            <p:stCondLst>
+                              <p:cond delay="0"/>
+                            </p:stCondLst>
+                            <p:childTnLst>
+                              <p:par>
+                                <p:cTn id="17" presetID="1" presetClass="entr" presetSubtype="0" fill="hold" grpId="0" nodeType="clickEffect">
+                                  <p:stCondLst>
+                                    <p:cond delay="0"/>
+                                  </p:stCondLst>
+                                  <p:childTnLst>
+                                    <p:set>
+                                      <p:cBhvr>
+                                        <p:cTn id="18" dur="1" fill="hold">
                                           <p:stCondLst>
                                             <p:cond delay="0"/>
                                           </p:stCondLst>
@@ -13250,52 +18681,7 @@
                                 </p:cTn>
                               </p:par>
                               <p:par>
-                                <p:cTn id="15" presetID="1" presetClass="entr" presetSubtype="0" fill="hold" nodeType="withEffect">
-                                  <p:stCondLst>
-                                    <p:cond delay="0"/>
-                                  </p:stCondLst>
-                                  <p:childTnLst>
-                                    <p:set>
-                                      <p:cBhvr>
-                                        <p:cTn id="16" dur="1" fill="hold">
-                                          <p:stCondLst>
-                                            <p:cond delay="0"/>
-                                          </p:stCondLst>
-                                        </p:cTn>
-                                        <p:tgtEl>
-                                          <p:spTgt spid="8"/>
-                                        </p:tgtEl>
-                                        <p:attrNameLst>
-                                          <p:attrName>style.visibility</p:attrName>
-                                        </p:attrNameLst>
-                                      </p:cBhvr>
-                                      <p:to>
-                                        <p:strVal val="visible"/>
-                                      </p:to>
-                                    </p:set>
-                                  </p:childTnLst>
-                                </p:cTn>
-                              </p:par>
-                            </p:childTnLst>
-                          </p:cTn>
-                        </p:par>
-                      </p:childTnLst>
-                    </p:cTn>
-                  </p:par>
-                  <p:par>
-                    <p:cTn id="17" fill="hold">
-                      <p:stCondLst>
-                        <p:cond delay="indefinite"/>
-                      </p:stCondLst>
-                      <p:childTnLst>
-                        <p:par>
-                          <p:cTn id="18" fill="hold">
-                            <p:stCondLst>
-                              <p:cond delay="0"/>
-                            </p:stCondLst>
-                            <p:childTnLst>
-                              <p:par>
-                                <p:cTn id="19" presetID="1" presetClass="entr" presetSubtype="0" fill="hold" nodeType="clickEffect">
+                                <p:cTn id="19" presetID="1" presetClass="entr" presetSubtype="0" fill="hold" nodeType="withEffect">
                                   <p:stCondLst>
                                     <p:cond delay="0"/>
                                   </p:stCondLst>
@@ -13308,7 +18694,7 @@
                                           </p:stCondLst>
                                         </p:cTn>
                                         <p:tgtEl>
-                                          <p:spTgt spid="2"/>
+                                          <p:spTgt spid="8"/>
                                         </p:tgtEl>
                                         <p:attrNameLst>
                                           <p:attrName>style.visibility</p:attrName>
@@ -13340,7 +18726,7 @@
                             </p:stCondLst>
                             <p:childTnLst>
                               <p:par>
-                                <p:cTn id="23" presetID="1" presetClass="entr" presetSubtype="0" fill="hold" grpId="0" nodeType="clickEffect">
+                                <p:cTn id="23" presetID="1" presetClass="entr" presetSubtype="0" fill="hold" nodeType="clickEffect">
                                   <p:stCondLst>
                                     <p:cond delay="0"/>
                                   </p:stCondLst>
@@ -13348,6 +18734,51 @@
                                     <p:set>
                                       <p:cBhvr>
                                         <p:cTn id="24" dur="1" fill="hold">
+                                          <p:stCondLst>
+                                            <p:cond delay="0"/>
+                                          </p:stCondLst>
+                                        </p:cTn>
+                                        <p:tgtEl>
+                                          <p:spTgt spid="2"/>
+                                        </p:tgtEl>
+                                        <p:attrNameLst>
+                                          <p:attrName>style.visibility</p:attrName>
+                                        </p:attrNameLst>
+                                      </p:cBhvr>
+                                      <p:to>
+                                        <p:strVal val="visible"/>
+                                      </p:to>
+                                    </p:set>
+                                  </p:childTnLst>
+                                </p:cTn>
+                              </p:par>
+                            </p:childTnLst>
+                          </p:cTn>
+                        </p:par>
+                      </p:childTnLst>
+                    </p:cTn>
+                  </p:par>
+                  <p:par>
+                    <p:cTn id="25" fill="hold">
+                      <p:stCondLst>
+                        <p:cond delay="indefinite"/>
+                      </p:stCondLst>
+                      <p:childTnLst>
+                        <p:par>
+                          <p:cTn id="26" fill="hold">
+                            <p:stCondLst>
+                              <p:cond delay="0"/>
+                            </p:stCondLst>
+                            <p:childTnLst>
+                              <p:par>
+                                <p:cTn id="27" presetID="1" presetClass="entr" presetSubtype="0" fill="hold" grpId="0" nodeType="clickEffect">
+                                  <p:stCondLst>
+                                    <p:cond delay="0"/>
+                                  </p:stCondLst>
+                                  <p:childTnLst>
+                                    <p:set>
+                                      <p:cBhvr>
+                                        <p:cTn id="28" dur="1" fill="hold">
                                           <p:stCondLst>
                                             <p:cond delay="0"/>
                                           </p:stCondLst>
@@ -13367,14 +18798,14 @@
                                 </p:cTn>
                               </p:par>
                               <p:par>
-                                <p:cTn id="25" presetID="1" presetClass="entr" presetSubtype="0" fill="hold" nodeType="withEffect">
+                                <p:cTn id="29" presetID="1" presetClass="entr" presetSubtype="0" fill="hold" nodeType="withEffect">
                                   <p:stCondLst>
                                     <p:cond delay="0"/>
                                   </p:stCondLst>
                                   <p:childTnLst>
                                     <p:set>
                                       <p:cBhvr>
-                                        <p:cTn id="26" dur="1" fill="hold">
+                                        <p:cTn id="30" dur="1" fill="hold">
                                           <p:stCondLst>
                                             <p:cond delay="0"/>
                                           </p:stCondLst>
@@ -13400,26 +18831,26 @@
                     </p:cTn>
                   </p:par>
                   <p:par>
-                    <p:cTn id="27" fill="hold">
+                    <p:cTn id="31" fill="hold">
                       <p:stCondLst>
                         <p:cond delay="indefinite"/>
                       </p:stCondLst>
                       <p:childTnLst>
                         <p:par>
-                          <p:cTn id="28" fill="hold">
+                          <p:cTn id="32" fill="hold">
                             <p:stCondLst>
                               <p:cond delay="0"/>
                             </p:stCondLst>
                             <p:childTnLst>
                               <p:par>
-                                <p:cTn id="29" presetID="1" presetClass="entr" presetSubtype="0" fill="hold" grpId="0" nodeType="clickEffect">
+                                <p:cTn id="33" presetID="1" presetClass="entr" presetSubtype="0" fill="hold" grpId="0" nodeType="clickEffect">
                                   <p:stCondLst>
                                     <p:cond delay="0"/>
                                   </p:stCondLst>
                                   <p:childTnLst>
                                     <p:set>
                                       <p:cBhvr>
-                                        <p:cTn id="30" dur="1" fill="hold">
+                                        <p:cTn id="34" dur="1" fill="hold">
                                           <p:stCondLst>
                                             <p:cond delay="0"/>
                                           </p:stCondLst>
@@ -13439,14 +18870,14 @@
                                 </p:cTn>
                               </p:par>
                               <p:par>
-                                <p:cTn id="31" presetID="1" presetClass="entr" presetSubtype="0" fill="hold" grpId="0" nodeType="withEffect">
+                                <p:cTn id="35" presetID="1" presetClass="entr" presetSubtype="0" fill="hold" grpId="0" nodeType="withEffect">
                                   <p:stCondLst>
                                     <p:cond delay="0"/>
                                   </p:stCondLst>
                                   <p:childTnLst>
                                     <p:set>
                                       <p:cBhvr>
-                                        <p:cTn id="32" dur="1" fill="hold">
+                                        <p:cTn id="36" dur="1" fill="hold">
                                           <p:stCondLst>
                                             <p:cond delay="0"/>
                                           </p:stCondLst>
@@ -13466,14 +18897,14 @@
                                 </p:cTn>
                               </p:par>
                               <p:par>
-                                <p:cTn id="33" presetID="1" presetClass="entr" presetSubtype="0" fill="hold" grpId="0" nodeType="withEffect">
+                                <p:cTn id="37" presetID="1" presetClass="entr" presetSubtype="0" fill="hold" grpId="0" nodeType="withEffect">
                                   <p:stCondLst>
                                     <p:cond delay="0"/>
                                   </p:stCondLst>
                                   <p:childTnLst>
                                     <p:set>
                                       <p:cBhvr>
-                                        <p:cTn id="34" dur="1" fill="hold">
+                                        <p:cTn id="38" dur="1" fill="hold">
                                           <p:stCondLst>
                                             <p:cond delay="0"/>
                                           </p:stCondLst>
@@ -13493,14 +18924,14 @@
                                 </p:cTn>
                               </p:par>
                               <p:par>
-                                <p:cTn id="35" presetID="1" presetClass="entr" presetSubtype="0" fill="hold" nodeType="withEffect">
+                                <p:cTn id="39" presetID="1" presetClass="entr" presetSubtype="0" fill="hold" nodeType="withEffect">
                                   <p:stCondLst>
                                     <p:cond delay="0"/>
                                   </p:stCondLst>
                                   <p:childTnLst>
                                     <p:set>
                                       <p:cBhvr>
-                                        <p:cTn id="36" dur="1" fill="hold">
+                                        <p:cTn id="40" dur="1" fill="hold">
                                           <p:stCondLst>
                                             <p:cond delay="0"/>
                                           </p:stCondLst>
@@ -13526,26 +18957,26 @@
                     </p:cTn>
                   </p:par>
                   <p:par>
-                    <p:cTn id="37" fill="hold">
+                    <p:cTn id="41" fill="hold">
                       <p:stCondLst>
                         <p:cond delay="indefinite"/>
                       </p:stCondLst>
                       <p:childTnLst>
                         <p:par>
-                          <p:cTn id="38" fill="hold">
+                          <p:cTn id="42" fill="hold">
                             <p:stCondLst>
                               <p:cond delay="0"/>
                             </p:stCondLst>
                             <p:childTnLst>
                               <p:par>
-                                <p:cTn id="39" presetID="1" presetClass="entr" presetSubtype="0" fill="hold" nodeType="clickEffect">
+                                <p:cTn id="43" presetID="1" presetClass="entr" presetSubtype="0" fill="hold" nodeType="clickEffect">
                                   <p:stCondLst>
                                     <p:cond delay="0"/>
                                   </p:stCondLst>
                                   <p:childTnLst>
                                     <p:set>
                                       <p:cBhvr>
-                                        <p:cTn id="40" dur="1" fill="hold">
+                                        <p:cTn id="44" dur="1" fill="hold">
                                           <p:stCondLst>
                                             <p:cond delay="0"/>
                                           </p:stCondLst>

--- a/John Nelson - DF15 - PowerPoint Presentation - Draft.pptx
+++ b/John Nelson - DF15 - PowerPoint Presentation - Draft.pptx
@@ -3837,8 +3837,13 @@
             </a:r>
             <a:r>
               <a:rPr lang="en-US" baseline="0" dirty="0" smtClean="0"/>
-              <a:t> in Visual Studio Code.  But, how to we get them from Visual Studio Code</a:t>
-            </a:r>
+              <a:t> in Visual Studio Code.  But, how </a:t>
+            </a:r>
+            <a:r>
+              <a:rPr lang="en-US" baseline="0" dirty="0" smtClean="0"/>
+              <a:t>do we get from a blank page to an app, and get that app</a:t>
+            </a:r>
+            <a:endParaRPr lang="en-US" baseline="0" dirty="0" smtClean="0"/>
           </a:p>
           <a:p>
             <a:pPr marL="228600" marR="0" indent="-228600" algn="l" defTabSz="914400" rtl="0" eaLnBrk="1" fontAlgn="auto" latinLnBrk="0" hangingPunct="1">
@@ -3862,7 +3867,15 @@
             </a:pPr>
             <a:r>
               <a:rPr lang="en-US" baseline="0" dirty="0" smtClean="0"/>
-              <a:t>And up to Salesforce?</a:t>
+              <a:t>Up </a:t>
+            </a:r>
+            <a:r>
+              <a:rPr lang="en-US" baseline="0" dirty="0" smtClean="0"/>
+              <a:t>to Salesforce</a:t>
+            </a:r>
+            <a:r>
+              <a:rPr lang="en-US" baseline="0" dirty="0" smtClean="0"/>
+              <a:t>?</a:t>
             </a:r>
           </a:p>
           <a:p>
@@ -3887,7 +3900,87 @@
             </a:pPr>
             <a:r>
               <a:rPr lang="en-US" baseline="0" dirty="0" smtClean="0"/>
-              <a:t>Well, another great feature of Visual Studio Code is it’s ability to run Tasks</a:t>
+              <a:t>First, we need to start off with a good foundation.  There’s a lot of boilerplate that goes into a project that can be automated.</a:t>
+            </a:r>
+          </a:p>
+          <a:p>
+            <a:pPr marL="228600" marR="0" indent="-228600" algn="l" defTabSz="914400" rtl="0" eaLnBrk="1" fontAlgn="auto" latinLnBrk="0" hangingPunct="1">
+              <a:lnSpc>
+                <a:spcPct val="100000"/>
+              </a:lnSpc>
+              <a:spcBef>
+                <a:spcPts val="0"/>
+              </a:spcBef>
+              <a:spcAft>
+                <a:spcPts val="0"/>
+              </a:spcAft>
+              <a:buClr>
+                <a:schemeClr val="dk1"/>
+              </a:buClr>
+              <a:buSzTx/>
+              <a:buFont typeface="Arial"/>
+              <a:buAutoNum type="arabicParenR"/>
+              <a:tabLst/>
+              <a:defRPr/>
+            </a:pPr>
+            <a:r>
+              <a:rPr lang="en-US" baseline="0" dirty="0" smtClean="0"/>
+              <a:t>We can then import some open source packages into our app with a package manager like NPM or Bower to properly utilize open source libraries like jQuery or Angular.  </a:t>
+            </a:r>
+          </a:p>
+          <a:p>
+            <a:pPr marL="228600" marR="0" indent="-228600" algn="l" defTabSz="914400" rtl="0" eaLnBrk="1" fontAlgn="auto" latinLnBrk="0" hangingPunct="1">
+              <a:lnSpc>
+                <a:spcPct val="100000"/>
+              </a:lnSpc>
+              <a:spcBef>
+                <a:spcPts val="0"/>
+              </a:spcBef>
+              <a:spcAft>
+                <a:spcPts val="0"/>
+              </a:spcAft>
+              <a:buClr>
+                <a:schemeClr val="dk1"/>
+              </a:buClr>
+              <a:buSzTx/>
+              <a:buFont typeface="Arial"/>
+              <a:buAutoNum type="arabicParenR"/>
+              <a:tabLst/>
+              <a:defRPr/>
+            </a:pPr>
+            <a:r>
+              <a:rPr lang="en-US" baseline="0" dirty="0" smtClean="0"/>
+              <a:t>Now we can Code.</a:t>
+            </a:r>
+            <a:endParaRPr lang="en-US" baseline="0" dirty="0" smtClean="0"/>
+          </a:p>
+          <a:p>
+            <a:pPr marL="228600" marR="0" indent="-228600" algn="l" defTabSz="914400" rtl="0" eaLnBrk="1" fontAlgn="auto" latinLnBrk="0" hangingPunct="1">
+              <a:lnSpc>
+                <a:spcPct val="100000"/>
+              </a:lnSpc>
+              <a:spcBef>
+                <a:spcPts val="0"/>
+              </a:spcBef>
+              <a:spcAft>
+                <a:spcPts val="0"/>
+              </a:spcAft>
+              <a:buClr>
+                <a:schemeClr val="dk1"/>
+              </a:buClr>
+              <a:buSzTx/>
+              <a:buFont typeface="Arial"/>
+              <a:buAutoNum type="arabicParenR"/>
+              <a:tabLst/>
+              <a:defRPr/>
+            </a:pPr>
+            <a:r>
+              <a:rPr lang="en-US" baseline="0" dirty="0" smtClean="0"/>
+              <a:t>another </a:t>
+            </a:r>
+            <a:r>
+              <a:rPr lang="en-US" baseline="0" dirty="0" smtClean="0"/>
+              <a:t>great feature of Visual Studio Code is it’s ability to run Tasks</a:t>
             </a:r>
           </a:p>
           <a:p>
@@ -4211,6 +4304,67 @@
 </file>
 
 <file path=ppt/notesSlides/notesSlide15.xml><?xml version="1.0" encoding="utf-8"?>
+<p:notes xmlns:a="http://schemas.openxmlformats.org/drawingml/2006/main" xmlns:r="http://schemas.openxmlformats.org/officeDocument/2006/relationships" xmlns:p="http://schemas.openxmlformats.org/presentationml/2006/main">
+  <p:cSld>
+    <p:spTree>
+      <p:nvGrpSpPr>
+        <p:cNvPr id="1" name=""/>
+        <p:cNvGrpSpPr/>
+        <p:nvPr/>
+      </p:nvGrpSpPr>
+      <p:grpSpPr>
+        <a:xfrm>
+          <a:off x="0" y="0"/>
+          <a:ext cx="0" cy="0"/>
+          <a:chOff x="0" y="0"/>
+          <a:chExt cx="0" cy="0"/>
+        </a:xfrm>
+      </p:grpSpPr>
+      <p:sp>
+        <p:nvSpPr>
+          <p:cNvPr id="2" name="Slide Image Placeholder 1"/>
+          <p:cNvSpPr>
+            <a:spLocks noGrp="1" noRot="1" noChangeAspect="1"/>
+          </p:cNvSpPr>
+          <p:nvPr>
+            <p:ph type="sldImg"/>
+          </p:nvPr>
+        </p:nvSpPr>
+        <p:spPr/>
+      </p:sp>
+      <p:sp>
+        <p:nvSpPr>
+          <p:cNvPr id="3" name="Notes Placeholder 2"/>
+          <p:cNvSpPr>
+            <a:spLocks noGrp="1"/>
+          </p:cNvSpPr>
+          <p:nvPr>
+            <p:ph type="body" idx="1"/>
+          </p:nvPr>
+        </p:nvSpPr>
+        <p:spPr/>
+        <p:txBody>
+          <a:bodyPr/>
+          <a:lstStyle/>
+          <a:p>
+            <a:endParaRPr lang="en-US" dirty="0"/>
+          </a:p>
+        </p:txBody>
+      </p:sp>
+    </p:spTree>
+    <p:extLst>
+      <p:ext uri="{BB962C8B-B14F-4D97-AF65-F5344CB8AC3E}">
+        <p14:creationId xmlns:p14="http://schemas.microsoft.com/office/powerpoint/2010/main" val="1668778238"/>
+      </p:ext>
+    </p:extLst>
+  </p:cSld>
+  <p:clrMapOvr>
+    <a:masterClrMapping/>
+  </p:clrMapOvr>
+</p:notes>
+</file>
+
+<file path=ppt/notesSlides/notesSlide16.xml><?xml version="1.0" encoding="utf-8"?>
 <p:notes xmlns:a="http://schemas.openxmlformats.org/drawingml/2006/main" xmlns:r="http://schemas.openxmlformats.org/officeDocument/2006/relationships" xmlns:p="http://schemas.openxmlformats.org/presentationml/2006/main" showMasterSp="0" showMasterPhAnim="0">
   <p:cSld>
     <p:spTree>
@@ -10731,23 +10885,7 @@
                   <a:schemeClr val="accent1"/>
                 </a:solidFill>
               </a:rPr>
-              <a:t>Built </a:t>
-            </a:r>
-            <a:r>
-              <a:rPr lang="en-US" sz="4400" dirty="0" smtClean="0">
-                <a:solidFill>
-                  <a:schemeClr val="accent1"/>
-                </a:solidFill>
-              </a:rPr>
-              <a:t>on Open </a:t>
-            </a:r>
-            <a:r>
-              <a:rPr lang="en-US" sz="4400" dirty="0" smtClean="0">
-                <a:solidFill>
-                  <a:schemeClr val="accent1"/>
-                </a:solidFill>
-              </a:rPr>
-              <a:t>Source</a:t>
+              <a:t>Built on Open Source</a:t>
             </a:r>
             <a:endParaRPr lang="en-US" sz="4400" dirty="0">
               <a:solidFill>
@@ -13566,8 +13704,8 @@
         </p:nvSpPr>
         <p:spPr>
           <a:xfrm>
-            <a:off x="298997" y="1873988"/>
-            <a:ext cx="1604214" cy="4114800"/>
+            <a:off x="298997" y="2094118"/>
+            <a:ext cx="1604214" cy="3894669"/>
           </a:xfrm>
           <a:prstGeom prst="roundRect">
             <a:avLst/>
@@ -13683,7 +13821,7 @@
         </p:blipFill>
         <p:spPr>
           <a:xfrm>
-            <a:off x="389721" y="2331132"/>
+            <a:off x="389721" y="2398862"/>
             <a:ext cx="1422767" cy="1233852"/>
           </a:xfrm>
           <a:prstGeom prst="rect">
@@ -13729,8 +13867,8 @@
         </p:nvSpPr>
         <p:spPr>
           <a:xfrm>
-            <a:off x="5048164" y="1873988"/>
-            <a:ext cx="1181721" cy="4114800"/>
+            <a:off x="5048164" y="2094118"/>
+            <a:ext cx="1181721" cy="3894669"/>
           </a:xfrm>
           <a:prstGeom prst="roundRect">
             <a:avLst/>
@@ -13786,38 +13924,8 @@
         </p:blipFill>
         <p:spPr>
           <a:xfrm>
-            <a:off x="5226958" y="1920419"/>
-            <a:ext cx="824132" cy="1852082"/>
-          </a:xfrm>
-          <a:prstGeom prst="rect">
-            <a:avLst/>
-          </a:prstGeom>
-        </p:spPr>
-      </p:pic>
-      <p:pic>
-        <p:nvPicPr>
-          <p:cNvPr id="13" name="Picture 12"/>
-          <p:cNvPicPr>
-            <a:picLocks noChangeAspect="1"/>
-          </p:cNvPicPr>
-          <p:nvPr/>
-        </p:nvPicPr>
-        <p:blipFill>
-          <a:blip r:embed="rId7">
-            <a:extLst>
-              <a:ext uri="{28A0092B-C50C-407E-A947-70E740481C1C}">
-                <a14:useLocalDpi xmlns:a14="http://schemas.microsoft.com/office/drawing/2010/main" val="0"/>
-              </a:ext>
-            </a:extLst>
-          </a:blip>
-          <a:stretch>
-            <a:fillRect/>
-          </a:stretch>
-        </p:blipFill>
-        <p:spPr>
-          <a:xfrm>
-            <a:off x="4784119" y="4029308"/>
-            <a:ext cx="1709810" cy="1709810"/>
+            <a:off x="5294690" y="2208286"/>
+            <a:ext cx="650244" cy="1461302"/>
           </a:xfrm>
           <a:prstGeom prst="rect">
             <a:avLst/>
@@ -13862,8 +13970,8 @@
         </p:nvSpPr>
         <p:spPr>
           <a:xfrm>
-            <a:off x="2103932" y="1873988"/>
-            <a:ext cx="2706842" cy="4114800"/>
+            <a:off x="2103932" y="2094118"/>
+            <a:ext cx="2706842" cy="3894669"/>
           </a:xfrm>
           <a:prstGeom prst="roundRect">
             <a:avLst/>
@@ -13906,7 +14014,7 @@
           <p:nvPr/>
         </p:nvPicPr>
         <p:blipFill>
-          <a:blip r:embed="rId8">
+          <a:blip r:embed="rId7">
             <a:extLst>
               <a:ext uri="{28A0092B-C50C-407E-A947-70E740481C1C}">
                 <a14:useLocalDpi xmlns:a14="http://schemas.microsoft.com/office/drawing/2010/main" val="0"/>
@@ -13919,7 +14027,7 @@
         </p:blipFill>
         <p:spPr>
           <a:xfrm>
-            <a:off x="2746645" y="2360055"/>
+            <a:off x="2746645" y="2427785"/>
             <a:ext cx="1421416" cy="1243739"/>
           </a:xfrm>
           <a:prstGeom prst="rect">
@@ -13936,7 +14044,7 @@
           <p:nvPr/>
         </p:nvPicPr>
         <p:blipFill>
-          <a:blip r:embed="rId9">
+          <a:blip r:embed="rId8">
             <a:extLst>
               <a:ext uri="{28A0092B-C50C-407E-A947-70E740481C1C}">
                 <a14:useLocalDpi xmlns:a14="http://schemas.microsoft.com/office/drawing/2010/main" val="0"/>
@@ -13996,8 +14104,8 @@
         </p:nvSpPr>
         <p:spPr>
           <a:xfrm>
-            <a:off x="6443387" y="1873988"/>
-            <a:ext cx="2646576" cy="4114800"/>
+            <a:off x="6443387" y="2094118"/>
+            <a:ext cx="2646576" cy="3894669"/>
           </a:xfrm>
           <a:prstGeom prst="roundRect">
             <a:avLst/>
@@ -14039,7 +14147,7 @@
         </p:nvGrpSpPr>
         <p:grpSpPr>
           <a:xfrm>
-            <a:off x="6553825" y="2463599"/>
+            <a:off x="6553825" y="2531329"/>
             <a:ext cx="2425700" cy="1307589"/>
             <a:chOff x="6553825" y="2062199"/>
             <a:chExt cx="2425700" cy="1307589"/>
@@ -14069,7 +14177,7 @@
             <a:p>
               <a:r>
                 <a:rPr lang="en-US" dirty="0">
-                  <a:hlinkClick r:id="rId10"/>
+                  <a:hlinkClick r:id="rId9"/>
                 </a:rPr>
                 <a:t>heroku</a:t>
               </a:r>
@@ -14079,7 +14187,7 @@
               </a:r>
               <a:r>
                 <a:rPr lang="en-US" b="1" dirty="0">
-                  <a:hlinkClick r:id="rId11"/>
+                  <a:hlinkClick r:id="rId10"/>
                 </a:rPr>
                 <a:t>force</a:t>
               </a:r>
@@ -14099,7 +14207,7 @@
             <p:nvPr/>
           </p:nvPicPr>
           <p:blipFill>
-            <a:blip r:embed="rId12">
+            <a:blip r:embed="rId11">
               <a:extLst>
                 <a:ext uri="{28A0092B-C50C-407E-A947-70E740481C1C}">
                   <a14:useLocalDpi xmlns:a14="http://schemas.microsoft.com/office/drawing/2010/main" val="0"/>
@@ -14130,7 +14238,7 @@
           <p:nvPr/>
         </p:nvPicPr>
         <p:blipFill>
-          <a:blip r:embed="rId13">
+          <a:blip r:embed="rId12">
             <a:extLst>
               <a:ext uri="{28A0092B-C50C-407E-A947-70E740481C1C}">
                 <a14:useLocalDpi xmlns:a14="http://schemas.microsoft.com/office/drawing/2010/main" val="0"/>
@@ -14196,7 +14304,7 @@
         </p:nvSpPr>
         <p:spPr>
           <a:xfrm>
-            <a:off x="5048163" y="408768"/>
+            <a:off x="5048163" y="628899"/>
             <a:ext cx="4041800" cy="1236995"/>
           </a:xfrm>
           <a:prstGeom prst="roundRect">
@@ -14239,8 +14347,8 @@
         </p:nvCxnSpPr>
         <p:spPr>
           <a:xfrm flipH="1" flipV="1">
-            <a:off x="10641480" y="1645762"/>
-            <a:ext cx="7105" cy="1387306"/>
+            <a:off x="10599430" y="1865894"/>
+            <a:ext cx="0" cy="1167174"/>
           </a:xfrm>
           <a:prstGeom prst="straightConnector1">
             <a:avLst/>
@@ -14274,7 +14382,7 @@
         </p:nvCxnSpPr>
         <p:spPr>
           <a:xfrm>
-            <a:off x="5639024" y="1645762"/>
+            <a:off x="5639024" y="1865893"/>
             <a:ext cx="0" cy="228225"/>
           </a:xfrm>
           <a:prstGeom prst="straightConnector1">
@@ -14309,7 +14417,7 @@
         </p:nvCxnSpPr>
         <p:spPr>
           <a:xfrm>
-            <a:off x="7766675" y="1645762"/>
+            <a:off x="7766675" y="1865893"/>
             <a:ext cx="0" cy="228225"/>
           </a:xfrm>
           <a:prstGeom prst="straightConnector1">
@@ -14342,7 +14450,7 @@
         </p:nvSpPr>
         <p:spPr>
           <a:xfrm>
-            <a:off x="6367700" y="-12503"/>
+            <a:off x="6367700" y="139900"/>
             <a:ext cx="1005403" cy="461665"/>
           </a:xfrm>
           <a:prstGeom prst="rect">
@@ -14385,7 +14493,7 @@
         </p:blipFill>
         <p:spPr>
           <a:xfrm>
-            <a:off x="7534074" y="514565"/>
+            <a:off x="7534074" y="734696"/>
             <a:ext cx="445855" cy="1001976"/>
           </a:xfrm>
           <a:prstGeom prst="rect">
@@ -14396,6 +14504,36 @@
       <p:pic>
         <p:nvPicPr>
           <p:cNvPr id="42" name="Picture 41"/>
+          <p:cNvPicPr>
+            <a:picLocks noChangeAspect="1"/>
+          </p:cNvPicPr>
+          <p:nvPr/>
+        </p:nvPicPr>
+        <p:blipFill>
+          <a:blip r:embed="rId13">
+            <a:extLst>
+              <a:ext uri="{28A0092B-C50C-407E-A947-70E740481C1C}">
+                <a14:useLocalDpi xmlns:a14="http://schemas.microsoft.com/office/drawing/2010/main" val="0"/>
+              </a:ext>
+            </a:extLst>
+          </a:blip>
+          <a:stretch>
+            <a:fillRect/>
+          </a:stretch>
+        </p:blipFill>
+        <p:spPr>
+          <a:xfrm>
+            <a:off x="5896393" y="773557"/>
+            <a:ext cx="963115" cy="963115"/>
+          </a:xfrm>
+          <a:prstGeom prst="rect">
+            <a:avLst/>
+          </a:prstGeom>
+        </p:spPr>
+      </p:pic>
+      <p:pic>
+        <p:nvPicPr>
+          <p:cNvPr id="14" name="Picture 13"/>
           <p:cNvPicPr>
             <a:picLocks noChangeAspect="1"/>
           </p:cNvPicPr>
@@ -14415,37 +14553,7 @@
         </p:blipFill>
         <p:spPr>
           <a:xfrm>
-            <a:off x="5896393" y="553426"/>
-            <a:ext cx="963115" cy="963115"/>
-          </a:xfrm>
-          <a:prstGeom prst="rect">
-            <a:avLst/>
-          </a:prstGeom>
-        </p:spPr>
-      </p:pic>
-      <p:pic>
-        <p:nvPicPr>
-          <p:cNvPr id="14" name="Picture 13"/>
-          <p:cNvPicPr>
-            <a:picLocks noChangeAspect="1"/>
-          </p:cNvPicPr>
-          <p:nvPr/>
-        </p:nvPicPr>
-        <p:blipFill>
-          <a:blip r:embed="rId15">
-            <a:extLst>
-              <a:ext uri="{28A0092B-C50C-407E-A947-70E740481C1C}">
-                <a14:useLocalDpi xmlns:a14="http://schemas.microsoft.com/office/drawing/2010/main" val="0"/>
-              </a:ext>
-            </a:extLst>
-          </a:blip>
-          <a:stretch>
-            <a:fillRect/>
-          </a:stretch>
-        </p:blipFill>
-        <p:spPr>
-          <a:xfrm>
-            <a:off x="10131194" y="683885"/>
+            <a:off x="10131194" y="904016"/>
             <a:ext cx="1105801" cy="686761"/>
           </a:xfrm>
           <a:prstGeom prst="rect">
@@ -14461,7 +14569,7 @@
         </p:nvSpPr>
         <p:spPr>
           <a:xfrm>
-            <a:off x="3012113" y="408771"/>
+            <a:off x="3012113" y="628902"/>
             <a:ext cx="1827585" cy="1236995"/>
           </a:xfrm>
           <a:prstGeom prst="roundRect">
@@ -14505,7 +14613,7 @@
           <p:nvPr/>
         </p:nvPicPr>
         <p:blipFill>
-          <a:blip r:embed="rId16">
+          <a:blip r:embed="rId15">
             <a:extLst>
               <a:ext uri="{28A0092B-C50C-407E-A947-70E740481C1C}">
                 <a14:useLocalDpi xmlns:a14="http://schemas.microsoft.com/office/drawing/2010/main" val="0"/>
@@ -14518,7 +14626,7 @@
         </p:blipFill>
         <p:spPr>
           <a:xfrm>
-            <a:off x="3456320" y="565905"/>
+            <a:off x="3456320" y="786036"/>
             <a:ext cx="910418" cy="910418"/>
           </a:xfrm>
           <a:prstGeom prst="rect">
@@ -14534,7 +14642,7 @@
         </p:nvSpPr>
         <p:spPr>
           <a:xfrm>
-            <a:off x="9802725" y="408768"/>
+            <a:off x="9802725" y="628899"/>
             <a:ext cx="1627275" cy="1236995"/>
           </a:xfrm>
           <a:prstGeom prst="roundRect">
@@ -14575,7 +14683,7 @@
         </p:nvSpPr>
         <p:spPr>
           <a:xfrm>
-            <a:off x="3408827" y="-31348"/>
+            <a:off x="3408827" y="121055"/>
             <a:ext cx="922047" cy="461665"/>
           </a:xfrm>
           <a:prstGeom prst="rect">
@@ -14593,7 +14701,6 @@
               <a:rPr lang="en-US" sz="2400" dirty="0" smtClean="0"/>
               <a:t>Code</a:t>
             </a:r>
-            <a:endParaRPr lang="en-US" sz="2400" dirty="0" smtClean="0"/>
           </a:p>
         </p:txBody>
       </p:sp>
@@ -14606,7 +14713,7 @@
           <p:nvPr/>
         </p:nvPicPr>
         <p:blipFill>
-          <a:blip r:embed="rId17">
+          <a:blip r:embed="rId16">
             <a:extLst>
               <a:ext uri="{28A0092B-C50C-407E-A947-70E740481C1C}">
                 <a14:useLocalDpi xmlns:a14="http://schemas.microsoft.com/office/drawing/2010/main" val="0"/>
@@ -14619,7 +14726,7 @@
         </p:blipFill>
         <p:spPr>
           <a:xfrm>
-            <a:off x="648119" y="657226"/>
+            <a:off x="648119" y="877357"/>
             <a:ext cx="1764242" cy="735101"/>
           </a:xfrm>
           <a:prstGeom prst="rect">
@@ -14635,7 +14742,7 @@
         </p:nvSpPr>
         <p:spPr>
           <a:xfrm>
-            <a:off x="298997" y="408774"/>
+            <a:off x="298997" y="628905"/>
             <a:ext cx="2518969" cy="1236995"/>
           </a:xfrm>
           <a:prstGeom prst="roundRect">
@@ -14676,7 +14783,7 @@
         </p:nvSpPr>
         <p:spPr>
           <a:xfrm>
-            <a:off x="724924" y="-13726"/>
+            <a:off x="724924" y="138677"/>
             <a:ext cx="1641796" cy="461665"/>
           </a:xfrm>
           <a:prstGeom prst="rect">
@@ -14706,7 +14813,7 @@
         </p:nvSpPr>
         <p:spPr>
           <a:xfrm>
-            <a:off x="9950747" y="0"/>
+            <a:off x="9950747" y="152403"/>
             <a:ext cx="1332416" cy="461665"/>
           </a:xfrm>
           <a:prstGeom prst="rect">
@@ -14721,10 +14828,9 @@
           <a:lstStyle/>
           <a:p>
             <a:r>
-              <a:rPr lang="en-US" sz="2400" smtClean="0"/>
+              <a:rPr lang="en-US" sz="2400" dirty="0" smtClean="0"/>
               <a:t>Retrieve</a:t>
             </a:r>
-            <a:endParaRPr lang="en-US" sz="2400" dirty="0" smtClean="0"/>
           </a:p>
         </p:txBody>
       </p:sp>
@@ -14739,7 +14845,7 @@
         </p:nvCxnSpPr>
         <p:spPr>
           <a:xfrm flipH="1">
-            <a:off x="2817966" y="1027269"/>
+            <a:off x="2817966" y="1247400"/>
             <a:ext cx="194147" cy="3"/>
           </a:xfrm>
           <a:prstGeom prst="straightConnector1">
@@ -14772,7 +14878,7 @@
         </p:nvCxnSpPr>
         <p:spPr>
           <a:xfrm flipV="1">
-            <a:off x="4839698" y="1213529"/>
+            <a:off x="4839698" y="1433660"/>
             <a:ext cx="208465" cy="3"/>
           </a:xfrm>
           <a:prstGeom prst="straightConnector1">
@@ -14808,7 +14914,7 @@
         </p:nvCxnSpPr>
         <p:spPr>
           <a:xfrm flipH="1">
-            <a:off x="9089963" y="1027266"/>
+            <a:off x="9089963" y="1247397"/>
             <a:ext cx="712762" cy="0"/>
           </a:xfrm>
           <a:prstGeom prst="straightConnector1">
@@ -14841,7 +14947,7 @@
         </p:nvCxnSpPr>
         <p:spPr>
           <a:xfrm flipH="1">
-            <a:off x="4839698" y="829733"/>
+            <a:off x="4839698" y="1049864"/>
             <a:ext cx="208465" cy="0"/>
           </a:xfrm>
           <a:prstGeom prst="straightConnector1">
@@ -14866,47 +14972,36 @@
           </a:fontRef>
         </p:style>
       </p:cxnSp>
-      <p:sp>
-        <p:nvSpPr>
-          <p:cNvPr id="76" name="Rounded Rectangle 75"/>
-          <p:cNvSpPr/>
+      <p:pic>
+        <p:nvPicPr>
+          <p:cNvPr id="27" name="Picture 26"/>
+          <p:cNvPicPr>
+            <a:picLocks noChangeAspect="1"/>
+          </p:cNvPicPr>
           <p:nvPr/>
-        </p:nvSpPr>
+        </p:nvPicPr>
+        <p:blipFill>
+          <a:blip r:embed="rId17">
+            <a:extLst>
+              <a:ext uri="{28A0092B-C50C-407E-A947-70E740481C1C}">
+                <a14:useLocalDpi xmlns:a14="http://schemas.microsoft.com/office/drawing/2010/main" val="0"/>
+              </a:ext>
+            </a:extLst>
+          </a:blip>
+          <a:stretch>
+            <a:fillRect/>
+          </a:stretch>
+        </p:blipFill>
         <p:spPr>
           <a:xfrm>
-            <a:off x="5048167" y="1873991"/>
-            <a:ext cx="1181721" cy="4114800"/>
+            <a:off x="5172307" y="4364894"/>
+            <a:ext cx="933021" cy="1075876"/>
           </a:xfrm>
-          <a:prstGeom prst="roundRect">
+          <a:prstGeom prst="rect">
             <a:avLst/>
           </a:prstGeom>
-          <a:noFill/>
         </p:spPr>
-        <p:style>
-          <a:lnRef idx="2">
-            <a:schemeClr val="accent1">
-              <a:shade val="50000"/>
-            </a:schemeClr>
-          </a:lnRef>
-          <a:fillRef idx="1">
-            <a:schemeClr val="accent1"/>
-          </a:fillRef>
-          <a:effectRef idx="0">
-            <a:schemeClr val="accent1"/>
-          </a:effectRef>
-          <a:fontRef idx="minor">
-            <a:schemeClr val="lt1"/>
-          </a:fontRef>
-        </p:style>
-        <p:txBody>
-          <a:bodyPr rtlCol="0" anchor="ctr"/>
-          <a:lstStyle/>
-          <a:p>
-            <a:pPr algn="ctr"/>
-            <a:endParaRPr lang="en-US"/>
-          </a:p>
-        </p:txBody>
-      </p:sp>
+      </p:pic>
     </p:spTree>
     <p:extLst>
       <p:ext uri="{BB962C8B-B14F-4D97-AF65-F5344CB8AC3E}">
@@ -15023,60 +15118,6 @@
                                           </p:stCondLst>
                                         </p:cTn>
                                         <p:tgtEl>
-                                          <p:spTgt spid="39"/>
-                                        </p:tgtEl>
-                                        <p:attrNameLst>
-                                          <p:attrName>style.visibility</p:attrName>
-                                        </p:attrNameLst>
-                                      </p:cBhvr>
-                                      <p:to>
-                                        <p:strVal val="visible"/>
-                                      </p:to>
-                                    </p:set>
-                                  </p:childTnLst>
-                                </p:cTn>
-                              </p:par>
-                              <p:par>
-                                <p:cTn id="13" presetID="1" presetClass="entr" presetSubtype="0" fill="hold" grpId="0" nodeType="withEffect">
-                                  <p:stCondLst>
-                                    <p:cond delay="0"/>
-                                  </p:stCondLst>
-                                  <p:childTnLst>
-                                    <p:set>
-                                      <p:cBhvr>
-                                        <p:cTn id="14" dur="1" fill="hold">
-                                          <p:stCondLst>
-                                            <p:cond delay="0"/>
-                                          </p:stCondLst>
-                                        </p:cTn>
-                                        <p:tgtEl>
-                                          <p:spTgt spid="32"/>
-                                        </p:tgtEl>
-                                        <p:attrNameLst>
-                                          <p:attrName>style.visibility</p:attrName>
-                                        </p:attrNameLst>
-                                      </p:cBhvr>
-                                      <p:to>
-                                        <p:strVal val="visible"/>
-                                      </p:to>
-                                    </p:set>
-                                  </p:childTnLst>
-                                </p:cTn>
-                              </p:par>
-                              <p:par>
-                                <p:cTn id="15" presetID="1" presetClass="entr" presetSubtype="0" fill="hold" grpId="0" nodeType="withEffect">
-                                  <p:stCondLst>
-                                    <p:cond delay="0"/>
-                                  </p:stCondLst>
-                                  <p:childTnLst>
-                                    <p:set>
-                                      <p:cBhvr>
-                                        <p:cTn id="16" dur="1" fill="hold">
-                                          <p:stCondLst>
-                                            <p:cond delay="0"/>
-                                          </p:stCondLst>
-                                        </p:cTn>
-                                        <p:tgtEl>
                                           <p:spTgt spid="3"/>
                                         </p:tgtEl>
                                         <p:attrNameLst>
@@ -15091,14 +15132,14 @@
                                 </p:cTn>
                               </p:par>
                               <p:par>
-                                <p:cTn id="17" presetID="1" presetClass="entr" presetSubtype="0" fill="hold" nodeType="withEffect">
+                                <p:cTn id="13" presetID="1" presetClass="entr" presetSubtype="0" fill="hold" nodeType="withEffect">
                                   <p:stCondLst>
                                     <p:cond delay="0"/>
                                   </p:stCondLst>
                                   <p:childTnLst>
                                     <p:set>
                                       <p:cBhvr>
-                                        <p:cTn id="18" dur="1" fill="hold">
+                                        <p:cTn id="14" dur="1" fill="hold">
                                           <p:stCondLst>
                                             <p:cond delay="0"/>
                                           </p:stCondLst>
@@ -15118,14 +15159,14 @@
                                 </p:cTn>
                               </p:par>
                               <p:par>
-                                <p:cTn id="19" presetID="1" presetClass="entr" presetSubtype="0" fill="hold" nodeType="withEffect">
+                                <p:cTn id="15" presetID="1" presetClass="entr" presetSubtype="0" fill="hold" nodeType="withEffect">
                                   <p:stCondLst>
                                     <p:cond delay="0"/>
                                   </p:stCondLst>
                                   <p:childTnLst>
                                     <p:set>
                                       <p:cBhvr>
-                                        <p:cTn id="20" dur="1" fill="hold">
+                                        <p:cTn id="16" dur="1" fill="hold">
                                           <p:stCondLst>
                                             <p:cond delay="0"/>
                                           </p:stCondLst>
@@ -15145,14 +15186,14 @@
                                 </p:cTn>
                               </p:par>
                               <p:par>
-                                <p:cTn id="21" presetID="1" presetClass="entr" presetSubtype="0" fill="hold" grpId="0" nodeType="withEffect">
+                                <p:cTn id="17" presetID="1" presetClass="entr" presetSubtype="0" fill="hold" grpId="0" nodeType="withEffect">
                                   <p:stCondLst>
                                     <p:cond delay="0"/>
                                   </p:stCondLst>
                                   <p:childTnLst>
                                     <p:set>
                                       <p:cBhvr>
-                                        <p:cTn id="22" dur="1" fill="hold">
+                                        <p:cTn id="18" dur="1" fill="hold">
                                           <p:stCondLst>
                                             <p:cond delay="0"/>
                                           </p:stCondLst>
@@ -15178,26 +15219,26 @@
                     </p:cTn>
                   </p:par>
                   <p:par>
-                    <p:cTn id="23" fill="hold">
+                    <p:cTn id="19" fill="hold">
                       <p:stCondLst>
                         <p:cond delay="indefinite"/>
                       </p:stCondLst>
                       <p:childTnLst>
                         <p:par>
-                          <p:cTn id="24" fill="hold">
+                          <p:cTn id="20" fill="hold">
                             <p:stCondLst>
                               <p:cond delay="0"/>
                             </p:stCondLst>
                             <p:childTnLst>
                               <p:par>
-                                <p:cTn id="25" presetID="1" presetClass="entr" presetSubtype="0" fill="hold" grpId="0" nodeType="clickEffect">
+                                <p:cTn id="21" presetID="1" presetClass="entr" presetSubtype="0" fill="hold" grpId="0" nodeType="clickEffect">
                                   <p:stCondLst>
                                     <p:cond delay="0"/>
                                   </p:stCondLst>
                                   <p:childTnLst>
                                     <p:set>
                                       <p:cBhvr>
-                                        <p:cTn id="26" dur="1" fill="hold">
+                                        <p:cTn id="22" dur="1" fill="hold">
                                           <p:stCondLst>
                                             <p:cond delay="0"/>
                                           </p:stCondLst>
@@ -15217,14 +15258,14 @@
                                 </p:cTn>
                               </p:par>
                               <p:par>
-                                <p:cTn id="27" presetID="1" presetClass="entr" presetSubtype="0" fill="hold" grpId="0" nodeType="withEffect">
+                                <p:cTn id="23" presetID="1" presetClass="entr" presetSubtype="0" fill="hold" grpId="0" nodeType="withEffect">
                                   <p:stCondLst>
                                     <p:cond delay="0"/>
                                   </p:stCondLst>
                                   <p:childTnLst>
                                     <p:set>
                                       <p:cBhvr>
-                                        <p:cTn id="28" dur="1" fill="hold">
+                                        <p:cTn id="24" dur="1" fill="hold">
                                           <p:stCondLst>
                                             <p:cond delay="0"/>
                                           </p:stCondLst>
@@ -15244,14 +15285,14 @@
                                 </p:cTn>
                               </p:par>
                               <p:par>
-                                <p:cTn id="29" presetID="1" presetClass="entr" presetSubtype="0" fill="hold" nodeType="withEffect">
+                                <p:cTn id="25" presetID="1" presetClass="entr" presetSubtype="0" fill="hold" nodeType="withEffect">
                                   <p:stCondLst>
                                     <p:cond delay="0"/>
                                   </p:stCondLst>
                                   <p:childTnLst>
                                     <p:set>
                                       <p:cBhvr>
-                                        <p:cTn id="30" dur="1" fill="hold">
+                                        <p:cTn id="26" dur="1" fill="hold">
                                           <p:stCondLst>
                                             <p:cond delay="0"/>
                                           </p:stCondLst>
@@ -15271,14 +15312,14 @@
                                 </p:cTn>
                               </p:par>
                               <p:par>
-                                <p:cTn id="31" presetID="1" presetClass="entr" presetSubtype="0" fill="hold" nodeType="withEffect">
+                                <p:cTn id="27" presetID="1" presetClass="entr" presetSubtype="0" fill="hold" nodeType="withEffect">
                                   <p:stCondLst>
                                     <p:cond delay="0"/>
                                   </p:stCondLst>
                                   <p:childTnLst>
                                     <p:set>
                                       <p:cBhvr>
-                                        <p:cTn id="32" dur="1" fill="hold">
+                                        <p:cTn id="28" dur="1" fill="hold">
                                           <p:stCondLst>
                                             <p:cond delay="0"/>
                                           </p:stCondLst>
@@ -15304,19 +15345,73 @@
                     </p:cTn>
                   </p:par>
                   <p:par>
-                    <p:cTn id="33" fill="hold">
+                    <p:cTn id="29" fill="hold">
                       <p:stCondLst>
                         <p:cond delay="indefinite"/>
                       </p:stCondLst>
                       <p:childTnLst>
                         <p:par>
-                          <p:cTn id="34" fill="hold">
+                          <p:cTn id="30" fill="hold">
                             <p:stCondLst>
                               <p:cond delay="0"/>
                             </p:stCondLst>
                             <p:childTnLst>
                               <p:par>
-                                <p:cTn id="35" presetID="1" presetClass="entr" presetSubtype="0" fill="hold" grpId="0" nodeType="clickEffect">
+                                <p:cTn id="31" presetID="1" presetClass="entr" presetSubtype="0" fill="hold" grpId="0" nodeType="clickEffect">
+                                  <p:stCondLst>
+                                    <p:cond delay="0"/>
+                                  </p:stCondLst>
+                                  <p:childTnLst>
+                                    <p:set>
+                                      <p:cBhvr>
+                                        <p:cTn id="32" dur="1" fill="hold">
+                                          <p:stCondLst>
+                                            <p:cond delay="0"/>
+                                          </p:stCondLst>
+                                        </p:cTn>
+                                        <p:tgtEl>
+                                          <p:spTgt spid="24"/>
+                                        </p:tgtEl>
+                                        <p:attrNameLst>
+                                          <p:attrName>style.visibility</p:attrName>
+                                        </p:attrNameLst>
+                                      </p:cBhvr>
+                                      <p:to>
+                                        <p:strVal val="visible"/>
+                                      </p:to>
+                                    </p:set>
+                                  </p:childTnLst>
+                                </p:cTn>
+                              </p:par>
+                              <p:par>
+                                <p:cTn id="33" presetID="1" presetClass="entr" presetSubtype="0" fill="hold" grpId="0" nodeType="withEffect">
+                                  <p:stCondLst>
+                                    <p:cond delay="0"/>
+                                  </p:stCondLst>
+                                  <p:childTnLst>
+                                    <p:set>
+                                      <p:cBhvr>
+                                        <p:cTn id="34" dur="1" fill="hold">
+                                          <p:stCondLst>
+                                            <p:cond delay="0"/>
+                                          </p:stCondLst>
+                                        </p:cTn>
+                                        <p:tgtEl>
+                                          <p:spTgt spid="19"/>
+                                        </p:tgtEl>
+                                        <p:attrNameLst>
+                                          <p:attrName>style.visibility</p:attrName>
+                                        </p:attrNameLst>
+                                      </p:cBhvr>
+                                      <p:to>
+                                        <p:strVal val="visible"/>
+                                      </p:to>
+                                    </p:set>
+                                  </p:childTnLst>
+                                </p:cTn>
+                              </p:par>
+                              <p:par>
+                                <p:cTn id="35" presetID="1" presetClass="entr" presetSubtype="0" fill="hold" nodeType="withEffect">
                                   <p:stCondLst>
                                     <p:cond delay="0"/>
                                   </p:stCondLst>
@@ -15329,7 +15424,7 @@
                                           </p:stCondLst>
                                         </p:cTn>
                                         <p:tgtEl>
-                                          <p:spTgt spid="24"/>
+                                          <p:spTgt spid="11"/>
                                         </p:tgtEl>
                                         <p:attrNameLst>
                                           <p:attrName>style.visibility</p:attrName>
@@ -15356,88 +15451,7 @@
                                           </p:stCondLst>
                                         </p:cTn>
                                         <p:tgtEl>
-                                          <p:spTgt spid="37"/>
-                                        </p:tgtEl>
-                                        <p:attrNameLst>
-                                          <p:attrName>style.visibility</p:attrName>
-                                        </p:attrNameLst>
-                                      </p:cBhvr>
-                                      <p:to>
-                                        <p:strVal val="visible"/>
-                                      </p:to>
-                                    </p:set>
-                                  </p:childTnLst>
-                                </p:cTn>
-                              </p:par>
-                              <p:par>
-                                <p:cTn id="39" presetID="1" presetClass="entr" presetSubtype="0" fill="hold" grpId="0" nodeType="withEffect">
-                                  <p:stCondLst>
-                                    <p:cond delay="0"/>
-                                  </p:stCondLst>
-                                  <p:childTnLst>
-                                    <p:set>
-                                      <p:cBhvr>
-                                        <p:cTn id="40" dur="1" fill="hold">
-                                          <p:stCondLst>
-                                            <p:cond delay="0"/>
-                                          </p:stCondLst>
-                                        </p:cTn>
-                                        <p:tgtEl>
-                                          <p:spTgt spid="19"/>
-                                        </p:tgtEl>
-                                        <p:attrNameLst>
-                                          <p:attrName>style.visibility</p:attrName>
-                                        </p:attrNameLst>
-                                      </p:cBhvr>
-                                      <p:to>
-                                        <p:strVal val="visible"/>
-                                      </p:to>
-                                    </p:set>
-                                  </p:childTnLst>
-                                </p:cTn>
-                              </p:par>
-                              <p:par>
-                                <p:cTn id="41" presetID="1" presetClass="entr" presetSubtype="0" fill="hold" nodeType="withEffect">
-                                  <p:stCondLst>
-                                    <p:cond delay="0"/>
-                                  </p:stCondLst>
-                                  <p:childTnLst>
-                                    <p:set>
-                                      <p:cBhvr>
-                                        <p:cTn id="42" dur="1" fill="hold">
-                                          <p:stCondLst>
-                                            <p:cond delay="0"/>
-                                          </p:stCondLst>
-                                        </p:cTn>
-                                        <p:tgtEl>
-                                          <p:spTgt spid="11"/>
-                                        </p:tgtEl>
-                                        <p:attrNameLst>
-                                          <p:attrName>style.visibility</p:attrName>
-                                        </p:attrNameLst>
-                                      </p:cBhvr>
-                                      <p:to>
-                                        <p:strVal val="visible"/>
-                                      </p:to>
-                                    </p:set>
-                                  </p:childTnLst>
-                                </p:cTn>
-                              </p:par>
-                              <p:par>
-                                <p:cTn id="43" presetID="1" presetClass="entr" presetSubtype="0" fill="hold" nodeType="withEffect">
-                                  <p:stCondLst>
-                                    <p:cond delay="0"/>
-                                  </p:stCondLst>
-                                  <p:childTnLst>
-                                    <p:set>
-                                      <p:cBhvr>
-                                        <p:cTn id="44" dur="1" fill="hold">
-                                          <p:stCondLst>
-                                            <p:cond delay="0"/>
-                                          </p:stCondLst>
-                                        </p:cTn>
-                                        <p:tgtEl>
-                                          <p:spTgt spid="13"/>
+                                          <p:spTgt spid="27"/>
                                         </p:tgtEl>
                                         <p:attrNameLst>
                                           <p:attrName>style.visibility</p:attrName>
@@ -15457,26 +15471,26 @@
                     </p:cTn>
                   </p:par>
                   <p:par>
-                    <p:cTn id="45" fill="hold">
+                    <p:cTn id="39" fill="hold">
                       <p:stCondLst>
                         <p:cond delay="indefinite"/>
                       </p:stCondLst>
                       <p:childTnLst>
                         <p:par>
-                          <p:cTn id="46" fill="hold">
+                          <p:cTn id="40" fill="hold">
                             <p:stCondLst>
                               <p:cond delay="0"/>
                             </p:stCondLst>
                             <p:childTnLst>
                               <p:par>
-                                <p:cTn id="47" presetID="1" presetClass="entr" presetSubtype="0" fill="hold" grpId="0" nodeType="clickEffect">
+                                <p:cTn id="41" presetID="1" presetClass="entr" presetSubtype="0" fill="hold" grpId="0" nodeType="clickEffect">
                                   <p:stCondLst>
                                     <p:cond delay="0"/>
                                   </p:stCondLst>
                                   <p:childTnLst>
                                     <p:set>
                                       <p:cBhvr>
-                                        <p:cTn id="48" dur="1" fill="hold">
+                                        <p:cTn id="42" dur="1" fill="hold">
                                           <p:stCondLst>
                                             <p:cond delay="0"/>
                                           </p:stCondLst>
@@ -15496,41 +15510,14 @@
                                 </p:cTn>
                               </p:par>
                               <p:par>
-                                <p:cTn id="49" presetID="1" presetClass="entr" presetSubtype="0" fill="hold" nodeType="withEffect">
+                                <p:cTn id="43" presetID="1" presetClass="entr" presetSubtype="0" fill="hold" grpId="0" nodeType="withEffect">
                                   <p:stCondLst>
                                     <p:cond delay="0"/>
                                   </p:stCondLst>
                                   <p:childTnLst>
                                     <p:set>
                                       <p:cBhvr>
-                                        <p:cTn id="50" dur="1" fill="hold">
-                                          <p:stCondLst>
-                                            <p:cond delay="0"/>
-                                          </p:stCondLst>
-                                        </p:cTn>
-                                        <p:tgtEl>
-                                          <p:spTgt spid="38"/>
-                                        </p:tgtEl>
-                                        <p:attrNameLst>
-                                          <p:attrName>style.visibility</p:attrName>
-                                        </p:attrNameLst>
-                                      </p:cBhvr>
-                                      <p:to>
-                                        <p:strVal val="visible"/>
-                                      </p:to>
-                                    </p:set>
-                                  </p:childTnLst>
-                                </p:cTn>
-                              </p:par>
-                              <p:par>
-                                <p:cTn id="51" presetID="1" presetClass="entr" presetSubtype="0" fill="hold" grpId="0" nodeType="withEffect">
-                                  <p:stCondLst>
-                                    <p:cond delay="0"/>
-                                  </p:stCondLst>
-                                  <p:childTnLst>
-                                    <p:set>
-                                      <p:cBhvr>
-                                        <p:cTn id="52" dur="1" fill="hold">
+                                        <p:cTn id="44" dur="1" fill="hold">
                                           <p:stCondLst>
                                             <p:cond delay="0"/>
                                           </p:stCondLst>
@@ -15550,14 +15537,14 @@
                                 </p:cTn>
                               </p:par>
                               <p:par>
-                                <p:cTn id="53" presetID="1" presetClass="entr" presetSubtype="0" fill="hold" nodeType="withEffect">
+                                <p:cTn id="45" presetID="1" presetClass="entr" presetSubtype="0" fill="hold" nodeType="withEffect">
                                   <p:stCondLst>
                                     <p:cond delay="0"/>
                                   </p:stCondLst>
                                   <p:childTnLst>
                                     <p:set>
                                       <p:cBhvr>
-                                        <p:cTn id="54" dur="1" fill="hold">
+                                        <p:cTn id="46" dur="1" fill="hold">
                                           <p:stCondLst>
                                             <p:cond delay="0"/>
                                           </p:stCondLst>
@@ -15577,14 +15564,14 @@
                                 </p:cTn>
                               </p:par>
                               <p:par>
-                                <p:cTn id="55" presetID="1" presetClass="entr" presetSubtype="0" fill="hold" nodeType="withEffect">
+                                <p:cTn id="47" presetID="1" presetClass="entr" presetSubtype="0" fill="hold" nodeType="withEffect">
                                   <p:stCondLst>
                                     <p:cond delay="0"/>
                                   </p:stCondLst>
                                   <p:childTnLst>
                                     <p:set>
                                       <p:cBhvr>
-                                        <p:cTn id="56" dur="1" fill="hold">
+                                        <p:cTn id="48" dur="1" fill="hold">
                                           <p:stCondLst>
                                             <p:cond delay="0"/>
                                           </p:stCondLst>
@@ -15603,21 +15590,39 @@
                                   </p:childTnLst>
                                 </p:cTn>
                               </p:par>
+                            </p:childTnLst>
+                          </p:cTn>
+                        </p:par>
+                      </p:childTnLst>
+                    </p:cTn>
+                  </p:par>
+                  <p:par>
+                    <p:cTn id="49" fill="hold">
+                      <p:stCondLst>
+                        <p:cond delay="indefinite"/>
+                      </p:stCondLst>
+                      <p:childTnLst>
+                        <p:par>
+                          <p:cTn id="50" fill="hold">
+                            <p:stCondLst>
+                              <p:cond delay="0"/>
+                            </p:stCondLst>
+                            <p:childTnLst>
                               <p:par>
-                                <p:cTn id="57" presetID="1" presetClass="entr" presetSubtype="0" fill="hold" nodeType="withEffect">
+                                <p:cTn id="51" presetID="1" presetClass="entr" presetSubtype="0" fill="hold" nodeType="clickEffect">
                                   <p:stCondLst>
                                     <p:cond delay="0"/>
                                   </p:stCondLst>
                                   <p:childTnLst>
                                     <p:set>
                                       <p:cBhvr>
-                                        <p:cTn id="58" dur="1" fill="hold">
+                                        <p:cTn id="52" dur="1" fill="hold">
                                           <p:stCondLst>
                                             <p:cond delay="0"/>
                                           </p:stCondLst>
                                         </p:cTn>
                                         <p:tgtEl>
-                                          <p:spTgt spid="8"/>
+                                          <p:spTgt spid="46"/>
                                         </p:tgtEl>
                                         <p:attrNameLst>
                                           <p:attrName>style.visibility</p:attrName>
@@ -15631,20 +15636,20 @@
                                 </p:cTn>
                               </p:par>
                               <p:par>
-                                <p:cTn id="59" presetID="1" presetClass="entr" presetSubtype="0" fill="hold" grpId="0" nodeType="withEffect">
+                                <p:cTn id="53" presetID="1" presetClass="entr" presetSubtype="0" fill="hold" grpId="0" nodeType="withEffect">
                                   <p:stCondLst>
                                     <p:cond delay="0"/>
                                   </p:stCondLst>
                                   <p:childTnLst>
                                     <p:set>
                                       <p:cBhvr>
-                                        <p:cTn id="60" dur="1" fill="hold">
+                                        <p:cTn id="54" dur="1" fill="hold">
                                           <p:stCondLst>
                                             <p:cond delay="0"/>
                                           </p:stCondLst>
                                         </p:cTn>
                                         <p:tgtEl>
-                                          <p:spTgt spid="54"/>
+                                          <p:spTgt spid="56"/>
                                         </p:tgtEl>
                                         <p:attrNameLst>
                                           <p:attrName>style.visibility</p:attrName>
@@ -15658,14 +15663,14 @@
                                 </p:cTn>
                               </p:par>
                               <p:par>
-                                <p:cTn id="61" presetID="1" presetClass="entr" presetSubtype="0" fill="hold" grpId="0" nodeType="withEffect">
+                                <p:cTn id="55" presetID="1" presetClass="entr" presetSubtype="0" fill="hold" grpId="0" nodeType="withEffect">
                                   <p:stCondLst>
                                     <p:cond delay="0"/>
                                   </p:stCondLst>
                                   <p:childTnLst>
                                     <p:set>
                                       <p:cBhvr>
-                                        <p:cTn id="62" dur="1" fill="hold">
+                                        <p:cTn id="56" dur="1" fill="hold">
                                           <p:stCondLst>
                                             <p:cond delay="0"/>
                                           </p:stCondLst>
@@ -15691,32 +15696,32 @@
                     </p:cTn>
                   </p:par>
                   <p:par>
-                    <p:cTn id="63" fill="hold">
+                    <p:cTn id="57" fill="hold">
                       <p:stCondLst>
                         <p:cond delay="indefinite"/>
                       </p:stCondLst>
                       <p:childTnLst>
                         <p:par>
-                          <p:cTn id="64" fill="hold">
+                          <p:cTn id="58" fill="hold">
                             <p:stCondLst>
                               <p:cond delay="0"/>
                             </p:stCondLst>
                             <p:childTnLst>
                               <p:par>
-                                <p:cTn id="65" presetID="1" presetClass="entr" presetSubtype="0" fill="hold" grpId="0" nodeType="clickEffect">
+                                <p:cTn id="59" presetID="1" presetClass="entr" presetSubtype="0" fill="hold" grpId="0" nodeType="clickEffect">
                                   <p:stCondLst>
                                     <p:cond delay="0"/>
                                   </p:stCondLst>
                                   <p:childTnLst>
                                     <p:set>
                                       <p:cBhvr>
-                                        <p:cTn id="66" dur="1" fill="hold">
+                                        <p:cTn id="60" dur="1" fill="hold">
                                           <p:stCondLst>
                                             <p:cond delay="0"/>
                                           </p:stCondLst>
                                         </p:cTn>
                                         <p:tgtEl>
-                                          <p:spTgt spid="56"/>
+                                          <p:spTgt spid="39"/>
                                         </p:tgtEl>
                                         <p:attrNameLst>
                                           <p:attrName>style.visibility</p:attrName>
@@ -15730,7 +15735,88 @@
                                 </p:cTn>
                               </p:par>
                               <p:par>
-                                <p:cTn id="67" presetID="1" presetClass="entr" presetSubtype="0" fill="hold" grpId="0" nodeType="withEffect">
+                                <p:cTn id="61" presetID="1" presetClass="entr" presetSubtype="0" fill="hold" nodeType="withEffect">
+                                  <p:stCondLst>
+                                    <p:cond delay="0"/>
+                                  </p:stCondLst>
+                                  <p:childTnLst>
+                                    <p:set>
+                                      <p:cBhvr>
+                                        <p:cTn id="62" dur="1" fill="hold">
+                                          <p:stCondLst>
+                                            <p:cond delay="0"/>
+                                          </p:stCondLst>
+                                        </p:cTn>
+                                        <p:tgtEl>
+                                          <p:spTgt spid="64"/>
+                                        </p:tgtEl>
+                                        <p:attrNameLst>
+                                          <p:attrName>style.visibility</p:attrName>
+                                        </p:attrNameLst>
+                                      </p:cBhvr>
+                                      <p:to>
+                                        <p:strVal val="visible"/>
+                                      </p:to>
+                                    </p:set>
+                                  </p:childTnLst>
+                                </p:cTn>
+                              </p:par>
+                              <p:par>
+                                <p:cTn id="63" presetID="1" presetClass="entr" presetSubtype="0" fill="hold" nodeType="withEffect">
+                                  <p:stCondLst>
+                                    <p:cond delay="0"/>
+                                  </p:stCondLst>
+                                  <p:childTnLst>
+                                    <p:set>
+                                      <p:cBhvr>
+                                        <p:cTn id="64" dur="1" fill="hold">
+                                          <p:stCondLst>
+                                            <p:cond delay="0"/>
+                                          </p:stCondLst>
+                                        </p:cTn>
+                                        <p:tgtEl>
+                                          <p:spTgt spid="74"/>
+                                        </p:tgtEl>
+                                        <p:attrNameLst>
+                                          <p:attrName>style.visibility</p:attrName>
+                                        </p:attrNameLst>
+                                      </p:cBhvr>
+                                      <p:to>
+                                        <p:strVal val="visible"/>
+                                      </p:to>
+                                    </p:set>
+                                  </p:childTnLst>
+                                </p:cTn>
+                              </p:par>
+                              <p:par>
+                                <p:cTn id="65" presetID="1" presetClass="entr" presetSubtype="0" fill="hold" nodeType="withEffect">
+                                  <p:stCondLst>
+                                    <p:cond delay="0"/>
+                                  </p:stCondLst>
+                                  <p:childTnLst>
+                                    <p:set>
+                                      <p:cBhvr>
+                                        <p:cTn id="66" dur="1" fill="hold">
+                                          <p:stCondLst>
+                                            <p:cond delay="0"/>
+                                          </p:stCondLst>
+                                        </p:cTn>
+                                        <p:tgtEl>
+                                          <p:spTgt spid="37"/>
+                                        </p:tgtEl>
+                                        <p:attrNameLst>
+                                          <p:attrName>style.visibility</p:attrName>
+                                        </p:attrNameLst>
+                                      </p:cBhvr>
+                                      <p:to>
+                                        <p:strVal val="visible"/>
+                                      </p:to>
+                                    </p:set>
+                                  </p:childTnLst>
+                                </p:cTn>
+                              </p:par>
+                              <p:par>
+                                <p:cTn id="67" presetID="1" presetClass="entr" presetSubtype="0" fill="hold" nodeType="withEffect">
                                   <p:stCondLst>
                                     <p:cond delay="0"/>
                                   </p:stCondLst>
@@ -15743,7 +15829,88 @@
                                           </p:stCondLst>
                                         </p:cTn>
                                         <p:tgtEl>
-                                          <p:spTgt spid="58"/>
+                                          <p:spTgt spid="38"/>
+                                        </p:tgtEl>
+                                        <p:attrNameLst>
+                                          <p:attrName>style.visibility</p:attrName>
+                                        </p:attrNameLst>
+                                      </p:cBhvr>
+                                      <p:to>
+                                        <p:strVal val="visible"/>
+                                      </p:to>
+                                    </p:set>
+                                  </p:childTnLst>
+                                </p:cTn>
+                              </p:par>
+                              <p:par>
+                                <p:cTn id="69" presetID="1" presetClass="entr" presetSubtype="0" fill="hold" grpId="0" nodeType="withEffect">
+                                  <p:stCondLst>
+                                    <p:cond delay="0"/>
+                                  </p:stCondLst>
+                                  <p:childTnLst>
+                                    <p:set>
+                                      <p:cBhvr>
+                                        <p:cTn id="70" dur="1" fill="hold">
+                                          <p:stCondLst>
+                                            <p:cond delay="0"/>
+                                          </p:stCondLst>
+                                        </p:cTn>
+                                        <p:tgtEl>
+                                          <p:spTgt spid="32"/>
+                                        </p:tgtEl>
+                                        <p:attrNameLst>
+                                          <p:attrName>style.visibility</p:attrName>
+                                        </p:attrNameLst>
+                                      </p:cBhvr>
+                                      <p:to>
+                                        <p:strVal val="visible"/>
+                                      </p:to>
+                                    </p:set>
+                                  </p:childTnLst>
+                                </p:cTn>
+                              </p:par>
+                              <p:par>
+                                <p:cTn id="71" presetID="1" presetClass="entr" presetSubtype="0" fill="hold" nodeType="withEffect">
+                                  <p:stCondLst>
+                                    <p:cond delay="0"/>
+                                  </p:stCondLst>
+                                  <p:childTnLst>
+                                    <p:set>
+                                      <p:cBhvr>
+                                        <p:cTn id="72" dur="1" fill="hold">
+                                          <p:stCondLst>
+                                            <p:cond delay="0"/>
+                                          </p:stCondLst>
+                                        </p:cTn>
+                                        <p:tgtEl>
+                                          <p:spTgt spid="42"/>
+                                        </p:tgtEl>
+                                        <p:attrNameLst>
+                                          <p:attrName>style.visibility</p:attrName>
+                                        </p:attrNameLst>
+                                      </p:cBhvr>
+                                      <p:to>
+                                        <p:strVal val="visible"/>
+                                      </p:to>
+                                    </p:set>
+                                  </p:childTnLst>
+                                </p:cTn>
+                              </p:par>
+                              <p:par>
+                                <p:cTn id="73" presetID="1" presetClass="entr" presetSubtype="0" fill="hold" nodeType="withEffect">
+                                  <p:stCondLst>
+                                    <p:cond delay="0"/>
+                                  </p:stCondLst>
+                                  <p:childTnLst>
+                                    <p:set>
+                                      <p:cBhvr>
+                                        <p:cTn id="74" dur="1" fill="hold">
+                                          <p:stCondLst>
+                                            <p:cond delay="0"/>
+                                          </p:stCondLst>
+                                        </p:cTn>
+                                        <p:tgtEl>
+                                          <p:spTgt spid="40"/>
                                         </p:tgtEl>
                                         <p:attrNameLst>
                                           <p:attrName>style.visibility</p:attrName>
@@ -15763,32 +15930,140 @@
                     </p:cTn>
                   </p:par>
                   <p:par>
-                    <p:cTn id="69" fill="hold">
+                    <p:cTn id="75" fill="hold">
                       <p:stCondLst>
                         <p:cond delay="indefinite"/>
                       </p:stCondLst>
                       <p:childTnLst>
                         <p:par>
-                          <p:cTn id="70" fill="hold">
+                          <p:cTn id="76" fill="hold">
                             <p:stCondLst>
                               <p:cond delay="0"/>
                             </p:stCondLst>
                             <p:childTnLst>
                               <p:par>
-                                <p:cTn id="71" presetID="1" presetClass="entr" presetSubtype="0" fill="hold" grpId="0" nodeType="clickEffect">
+                                <p:cTn id="77" presetID="1" presetClass="entr" presetSubtype="0" fill="hold" grpId="0" nodeType="clickEffect">
                                   <p:stCondLst>
                                     <p:cond delay="0"/>
                                   </p:stCondLst>
                                   <p:childTnLst>
                                     <p:set>
                                       <p:cBhvr>
-                                        <p:cTn id="72" dur="1" fill="hold">
+                                        <p:cTn id="78" dur="1" fill="hold">
                                           <p:stCondLst>
                                             <p:cond delay="0"/>
                                           </p:stCondLst>
                                         </p:cTn>
                                         <p:tgtEl>
-                                          <p:spTgt spid="59"/>
+                                          <p:spTgt spid="60"/>
+                                        </p:tgtEl>
+                                        <p:attrNameLst>
+                                          <p:attrName>style.visibility</p:attrName>
+                                        </p:attrNameLst>
+                                      </p:cBhvr>
+                                      <p:to>
+                                        <p:strVal val="visible"/>
+                                      </p:to>
+                                    </p:set>
+                                  </p:childTnLst>
+                                </p:cTn>
+                              </p:par>
+                              <p:par>
+                                <p:cTn id="79" presetID="1" presetClass="entr" presetSubtype="0" fill="hold" grpId="0" nodeType="withEffect">
+                                  <p:stCondLst>
+                                    <p:cond delay="0"/>
+                                  </p:stCondLst>
+                                  <p:childTnLst>
+                                    <p:set>
+                                      <p:cBhvr>
+                                        <p:cTn id="80" dur="1" fill="hold">
+                                          <p:stCondLst>
+                                            <p:cond delay="0"/>
+                                          </p:stCondLst>
+                                        </p:cTn>
+                                        <p:tgtEl>
+                                          <p:spTgt spid="54"/>
+                                        </p:tgtEl>
+                                        <p:attrNameLst>
+                                          <p:attrName>style.visibility</p:attrName>
+                                        </p:attrNameLst>
+                                      </p:cBhvr>
+                                      <p:to>
+                                        <p:strVal val="visible"/>
+                                      </p:to>
+                                    </p:set>
+                                  </p:childTnLst>
+                                </p:cTn>
+                              </p:par>
+                              <p:par>
+                                <p:cTn id="81" presetID="1" presetClass="entr" presetSubtype="0" fill="hold" nodeType="withEffect">
+                                  <p:stCondLst>
+                                    <p:cond delay="0"/>
+                                  </p:stCondLst>
+                                  <p:childTnLst>
+                                    <p:set>
+                                      <p:cBhvr>
+                                        <p:cTn id="82" dur="1" fill="hold">
+                                          <p:stCondLst>
+                                            <p:cond delay="0"/>
+                                          </p:stCondLst>
+                                        </p:cTn>
+                                        <p:tgtEl>
+                                          <p:spTgt spid="14"/>
+                                        </p:tgtEl>
+                                        <p:attrNameLst>
+                                          <p:attrName>style.visibility</p:attrName>
+                                        </p:attrNameLst>
+                                      </p:cBhvr>
+                                      <p:to>
+                                        <p:strVal val="visible"/>
+                                      </p:to>
+                                    </p:set>
+                                  </p:childTnLst>
+                                </p:cTn>
+                              </p:par>
+                              <p:par>
+                                <p:cTn id="83" presetID="1" presetClass="entr" presetSubtype="0" fill="hold" nodeType="withEffect">
+                                  <p:stCondLst>
+                                    <p:cond delay="0"/>
+                                  </p:stCondLst>
+                                  <p:childTnLst>
+                                    <p:set>
+                                      <p:cBhvr>
+                                        <p:cTn id="84" dur="1" fill="hold">
+                                          <p:stCondLst>
+                                            <p:cond delay="0"/>
+                                          </p:stCondLst>
+                                        </p:cTn>
+                                        <p:tgtEl>
+                                          <p:spTgt spid="8"/>
+                                        </p:tgtEl>
+                                        <p:attrNameLst>
+                                          <p:attrName>style.visibility</p:attrName>
+                                        </p:attrNameLst>
+                                      </p:cBhvr>
+                                      <p:to>
+                                        <p:strVal val="visible"/>
+                                      </p:to>
+                                    </p:set>
+                                  </p:childTnLst>
+                                </p:cTn>
+                              </p:par>
+                              <p:par>
+                                <p:cTn id="85" presetID="1" presetClass="entr" presetSubtype="0" fill="hold" nodeType="withEffect">
+                                  <p:stCondLst>
+                                    <p:cond delay="0"/>
+                                  </p:stCondLst>
+                                  <p:childTnLst>
+                                    <p:set>
+                                      <p:cBhvr>
+                                        <p:cTn id="86" dur="1" fill="hold">
+                                          <p:stCondLst>
+                                            <p:cond delay="0"/>
+                                          </p:stCondLst>
+                                        </p:cTn>
+                                        <p:tgtEl>
+                                          <p:spTgt spid="68"/>
                                         </p:tgtEl>
                                         <p:attrNameLst>
                                           <p:attrName>style.visibility</p:attrName>
@@ -15808,32 +16083,32 @@
                     </p:cTn>
                   </p:par>
                   <p:par>
-                    <p:cTn id="73" fill="hold">
+                    <p:cTn id="87" fill="hold">
                       <p:stCondLst>
                         <p:cond delay="indefinite"/>
                       </p:stCondLst>
                       <p:childTnLst>
                         <p:par>
-                          <p:cTn id="74" fill="hold">
+                          <p:cTn id="88" fill="hold">
                             <p:stCondLst>
                               <p:cond delay="0"/>
                             </p:stCondLst>
                             <p:childTnLst>
                               <p:par>
-                                <p:cTn id="75" presetID="1" presetClass="entr" presetSubtype="0" fill="hold" grpId="0" nodeType="clickEffect">
+                                <p:cTn id="89" presetID="1" presetClass="entr" presetSubtype="0" fill="hold" grpId="0" nodeType="clickEffect">
                                   <p:stCondLst>
                                     <p:cond delay="0"/>
                                   </p:stCondLst>
                                   <p:childTnLst>
                                     <p:set>
                                       <p:cBhvr>
-                                        <p:cTn id="76" dur="1" fill="hold">
+                                        <p:cTn id="90" dur="1" fill="hold">
                                           <p:stCondLst>
                                             <p:cond delay="0"/>
                                           </p:stCondLst>
                                         </p:cTn>
                                         <p:tgtEl>
-                                          <p:spTgt spid="60"/>
+                                          <p:spTgt spid="59"/>
                                         </p:tgtEl>
                                         <p:attrNameLst>
                                           <p:attrName>style.visibility</p:attrName>
@@ -15847,20 +16122,74 @@
                                 </p:cTn>
                               </p:par>
                               <p:par>
-                                <p:cTn id="77" presetID="1" presetClass="entr" presetSubtype="0" fill="hold" grpId="0" nodeType="withEffect">
+                                <p:cTn id="91" presetID="1" presetClass="entr" presetSubtype="0" fill="hold" grpId="0" nodeType="withEffect">
                                   <p:stCondLst>
                                     <p:cond delay="0"/>
                                   </p:stCondLst>
                                   <p:childTnLst>
                                     <p:set>
                                       <p:cBhvr>
-                                        <p:cTn id="78" dur="1" fill="hold">
+                                        <p:cTn id="92" dur="1" fill="hold">
                                           <p:stCondLst>
                                             <p:cond delay="0"/>
                                           </p:stCondLst>
                                         </p:cTn>
                                         <p:tgtEl>
-                                          <p:spTgt spid="76"/>
+                                          <p:spTgt spid="58"/>
+                                        </p:tgtEl>
+                                        <p:attrNameLst>
+                                          <p:attrName>style.visibility</p:attrName>
+                                        </p:attrNameLst>
+                                      </p:cBhvr>
+                                      <p:to>
+                                        <p:strVal val="visible"/>
+                                      </p:to>
+                                    </p:set>
+                                  </p:childTnLst>
+                                </p:cTn>
+                              </p:par>
+                              <p:par>
+                                <p:cTn id="93" presetID="1" presetClass="entr" presetSubtype="0" fill="hold" nodeType="withEffect">
+                                  <p:stCondLst>
+                                    <p:cond delay="0"/>
+                                  </p:stCondLst>
+                                  <p:childTnLst>
+                                    <p:set>
+                                      <p:cBhvr>
+                                        <p:cTn id="94" dur="1" fill="hold">
+                                          <p:stCondLst>
+                                            <p:cond delay="0"/>
+                                          </p:stCondLst>
+                                        </p:cTn>
+                                        <p:tgtEl>
+                                          <p:spTgt spid="57"/>
+                                        </p:tgtEl>
+                                        <p:attrNameLst>
+                                          <p:attrName>style.visibility</p:attrName>
+                                        </p:attrNameLst>
+                                      </p:cBhvr>
+                                      <p:to>
+                                        <p:strVal val="visible"/>
+                                      </p:to>
+                                    </p:set>
+                                  </p:childTnLst>
+                                </p:cTn>
+                              </p:par>
+                              <p:par>
+                                <p:cTn id="95" presetID="1" presetClass="entr" presetSubtype="0" fill="hold" nodeType="withEffect">
+                                  <p:stCondLst>
+                                    <p:cond delay="0"/>
+                                  </p:stCondLst>
+                                  <p:childTnLst>
+                                    <p:set>
+                                      <p:cBhvr>
+                                        <p:cTn id="96" dur="1" fill="hold">
+                                          <p:stCondLst>
+                                            <p:cond delay="0"/>
+                                          </p:stCondLst>
+                                        </p:cTn>
+                                        <p:tgtEl>
+                                          <p:spTgt spid="62"/>
                                         </p:tgtEl>
                                         <p:attrNameLst>
                                           <p:attrName>style.visibility</p:attrName>
@@ -15917,7 +16246,6 @@
       <p:bldP spid="58" grpId="0" animBg="1"/>
       <p:bldP spid="59" grpId="0"/>
       <p:bldP spid="60" grpId="0"/>
-      <p:bldP spid="76" grpId="0" animBg="1"/>
     </p:bldLst>
   </p:timing>
 </p:sld>

--- a/John Nelson - DF15 - PowerPoint Presentation - Draft.pptx
+++ b/John Nelson - DF15 - PowerPoint Presentation - Draft.pptx
@@ -2999,6 +2999,130 @@
 </file>
 
 <file path=ppt/notesSlides/notesSlide10.xml><?xml version="1.0" encoding="utf-8"?>
+<p:notes xmlns:a="http://schemas.openxmlformats.org/drawingml/2006/main" xmlns:r="http://schemas.openxmlformats.org/officeDocument/2006/relationships" xmlns:p="http://schemas.openxmlformats.org/presentationml/2006/main" showMasterSp="0" showMasterPhAnim="0">
+  <p:cSld>
+    <p:spTree>
+      <p:nvGrpSpPr>
+        <p:cNvPr id="1" name="Shape 841"/>
+        <p:cNvGrpSpPr/>
+        <p:nvPr/>
+      </p:nvGrpSpPr>
+      <p:grpSpPr>
+        <a:xfrm>
+          <a:off x="0" y="0"/>
+          <a:ext cx="0" cy="0"/>
+          <a:chOff x="0" y="0"/>
+          <a:chExt cx="0" cy="0"/>
+        </a:xfrm>
+      </p:grpSpPr>
+      <p:sp>
+        <p:nvSpPr>
+          <p:cNvPr id="842" name="Shape 842"/>
+          <p:cNvSpPr txBox="1">
+            <a:spLocks noGrp="1"/>
+          </p:cNvSpPr>
+          <p:nvPr>
+            <p:ph type="body" idx="1"/>
+          </p:nvPr>
+        </p:nvSpPr>
+        <p:spPr>
+          <a:xfrm>
+            <a:off x="407987" y="4415789"/>
+            <a:ext cx="6194425" cy="4183379"/>
+          </a:xfrm>
+          <a:prstGeom prst="rect">
+            <a:avLst/>
+          </a:prstGeom>
+        </p:spPr>
+        <p:txBody>
+          <a:bodyPr lIns="91425" tIns="91425" rIns="91425" bIns="91425" anchor="t" anchorCtr="0">
+            <a:noAutofit/>
+          </a:bodyPr>
+          <a:lstStyle/>
+          <a:p>
+            <a:pPr>
+              <a:spcBef>
+                <a:spcPts val="0"/>
+              </a:spcBef>
+              <a:buNone/>
+            </a:pPr>
+            <a:r>
+              <a:rPr lang="en-US" dirty="0" smtClean="0"/>
+              <a:t>So is Visual Studio Code a</a:t>
+            </a:r>
+            <a:r>
+              <a:rPr lang="en-US" baseline="0" dirty="0" smtClean="0"/>
+              <a:t> Text Editor, like Sublime Text, or Notepad?  Or is it an IDE like Visual Studio Professional or Eclipse?</a:t>
+            </a:r>
+            <a:endParaRPr dirty="0"/>
+          </a:p>
+        </p:txBody>
+      </p:sp>
+      <p:sp>
+        <p:nvSpPr>
+          <p:cNvPr id="843" name="Shape 843"/>
+          <p:cNvSpPr>
+            <a:spLocks noGrp="1" noRot="1" noChangeAspect="1"/>
+          </p:cNvSpPr>
+          <p:nvPr>
+            <p:ph type="sldImg" idx="2"/>
+          </p:nvPr>
+        </p:nvSpPr>
+        <p:spPr>
+          <a:xfrm>
+            <a:off x="407988" y="696913"/>
+            <a:ext cx="6194425" cy="3486150"/>
+          </a:xfrm>
+          <a:custGeom>
+            <a:avLst/>
+            <a:gdLst/>
+            <a:ahLst/>
+            <a:cxnLst/>
+            <a:rect l="0" t="0" r="0" b="0"/>
+            <a:pathLst>
+              <a:path w="120000" h="120000" extrusionOk="0">
+                <a:moveTo>
+                  <a:pt x="0" y="0"/>
+                </a:moveTo>
+                <a:lnTo>
+                  <a:pt x="120000" y="0"/>
+                </a:lnTo>
+                <a:lnTo>
+                  <a:pt x="120000" y="120000"/>
+                </a:lnTo>
+                <a:lnTo>
+                  <a:pt x="0" y="120000"/>
+                </a:lnTo>
+                <a:close/>
+              </a:path>
+            </a:pathLst>
+          </a:custGeom>
+          <a:noFill/>
+          <a:ln w="9525" cap="flat" cmpd="sng">
+            <a:solidFill>
+              <a:srgbClr val="000000"/>
+            </a:solidFill>
+            <a:prstDash val="solid"/>
+            <a:round/>
+            <a:headEnd type="none" w="med" len="med"/>
+            <a:tailEnd type="none" w="med" len="med"/>
+          </a:ln>
+        </p:spPr>
+      </p:sp>
+    </p:spTree>
+    <p:extLst>
+      <p:ext uri="{BB962C8B-B14F-4D97-AF65-F5344CB8AC3E}">
+        <p14:creationId xmlns:p14="http://schemas.microsoft.com/office/powerpoint/2010/main" val="1794109908"/>
+      </p:ext>
+    </p:extLst>
+  </p:cSld>
+  <p:clrMapOvr>
+    <a:masterClrMapping/>
+  </p:clrMapOvr>
+</p:notes>
+</file>
+
+<file path=ppt/notesSlides/notesSlide11.xml><?xml version="1.0" encoding="utf-8"?>
 <p:notes xmlns:a="http://schemas.openxmlformats.org/drawingml/2006/main" xmlns:r="http://schemas.openxmlformats.org/officeDocument/2006/relationships" xmlns:p="http://schemas.openxmlformats.org/presentationml/2006/main">
   <p:cSld>
     <p:spTree>
@@ -3287,7 +3411,7 @@
 </p:notes>
 </file>
 
-<file path=ppt/notesSlides/notesSlide11.xml><?xml version="1.0" encoding="utf-8"?>
+<file path=ppt/notesSlides/notesSlide12.xml><?xml version="1.0" encoding="utf-8"?>
 <p:notes xmlns:a="http://schemas.openxmlformats.org/drawingml/2006/main" xmlns:r="http://schemas.openxmlformats.org/officeDocument/2006/relationships" xmlns:p="http://schemas.openxmlformats.org/presentationml/2006/main" showMasterSp="0" showMasterPhAnim="0">
   <p:cSld>
     <p:spTree>
@@ -3407,7 +3531,7 @@
 </p:notes>
 </file>
 
-<file path=ppt/notesSlides/notesSlide12.xml><?xml version="1.0" encoding="utf-8"?>
+<file path=ppt/notesSlides/notesSlide13.xml><?xml version="1.0" encoding="utf-8"?>
 <p:notes xmlns:a="http://schemas.openxmlformats.org/drawingml/2006/main" xmlns:r="http://schemas.openxmlformats.org/officeDocument/2006/relationships" xmlns:p="http://schemas.openxmlformats.org/presentationml/2006/main" showMasterSp="0" showMasterPhAnim="0">
   <p:cSld>
     <p:spTree>
@@ -3647,7 +3771,7 @@
 </p:notes>
 </file>
 
-<file path=ppt/notesSlides/notesSlide13.xml><?xml version="1.0" encoding="utf-8"?>
+<file path=ppt/notesSlides/notesSlide14.xml><?xml version="1.0" encoding="utf-8"?>
 <p:notes xmlns:a="http://schemas.openxmlformats.org/drawingml/2006/main" xmlns:r="http://schemas.openxmlformats.org/officeDocument/2006/relationships" xmlns:p="http://schemas.openxmlformats.org/presentationml/2006/main" showMasterSp="0" showMasterPhAnim="0">
   <p:cSld>
     <p:spTree>
@@ -3763,7 +3887,7 @@
 </p:notes>
 </file>
 
-<file path=ppt/notesSlides/notesSlide14.xml><?xml version="1.0" encoding="utf-8"?>
+<file path=ppt/notesSlides/notesSlide15.xml><?xml version="1.0" encoding="utf-8"?>
 <p:notes xmlns:a="http://schemas.openxmlformats.org/drawingml/2006/main" xmlns:r="http://schemas.openxmlformats.org/officeDocument/2006/relationships" xmlns:p="http://schemas.openxmlformats.org/presentationml/2006/main">
   <p:cSld>
     <p:spTree>
@@ -4303,7 +4427,7 @@
 </p:notes>
 </file>
 
-<file path=ppt/notesSlides/notesSlide15.xml><?xml version="1.0" encoding="utf-8"?>
+<file path=ppt/notesSlides/notesSlide16.xml><?xml version="1.0" encoding="utf-8"?>
 <p:notes xmlns:a="http://schemas.openxmlformats.org/drawingml/2006/main" xmlns:r="http://schemas.openxmlformats.org/officeDocument/2006/relationships" xmlns:p="http://schemas.openxmlformats.org/presentationml/2006/main">
   <p:cSld>
     <p:spTree>
@@ -4364,7 +4488,7 @@
 </p:notes>
 </file>
 
-<file path=ppt/notesSlides/notesSlide16.xml><?xml version="1.0" encoding="utf-8"?>
+<file path=ppt/notesSlides/notesSlide17.xml><?xml version="1.0" encoding="utf-8"?>
 <p:notes xmlns:a="http://schemas.openxmlformats.org/drawingml/2006/main" xmlns:r="http://schemas.openxmlformats.org/officeDocument/2006/relationships" xmlns:p="http://schemas.openxmlformats.org/presentationml/2006/main" showMasterSp="0" showMasterPhAnim="0">
   <p:cSld>
     <p:spTree>
@@ -5319,6 +5443,67 @@
             <p:ph type="sldImg"/>
           </p:nvPr>
         </p:nvSpPr>
+        <p:spPr/>
+      </p:sp>
+      <p:sp>
+        <p:nvSpPr>
+          <p:cNvPr id="3" name="Notes Placeholder 2"/>
+          <p:cNvSpPr>
+            <a:spLocks noGrp="1"/>
+          </p:cNvSpPr>
+          <p:nvPr>
+            <p:ph type="body" idx="1"/>
+          </p:nvPr>
+        </p:nvSpPr>
+        <p:spPr/>
+        <p:txBody>
+          <a:bodyPr/>
+          <a:lstStyle/>
+          <a:p>
+            <a:endParaRPr lang="en-US" dirty="0"/>
+          </a:p>
+        </p:txBody>
+      </p:sp>
+    </p:spTree>
+    <p:extLst>
+      <p:ext uri="{BB962C8B-B14F-4D97-AF65-F5344CB8AC3E}">
+        <p14:creationId xmlns:p14="http://schemas.microsoft.com/office/powerpoint/2010/main" val="1411066215"/>
+      </p:ext>
+    </p:extLst>
+  </p:cSld>
+  <p:clrMapOvr>
+    <a:masterClrMapping/>
+  </p:clrMapOvr>
+</p:notes>
+</file>
+
+<file path=ppt/notesSlides/notesSlide9.xml><?xml version="1.0" encoding="utf-8"?>
+<p:notes xmlns:a="http://schemas.openxmlformats.org/drawingml/2006/main" xmlns:r="http://schemas.openxmlformats.org/officeDocument/2006/relationships" xmlns:p="http://schemas.openxmlformats.org/presentationml/2006/main">
+  <p:cSld>
+    <p:spTree>
+      <p:nvGrpSpPr>
+        <p:cNvPr id="1" name=""/>
+        <p:cNvGrpSpPr/>
+        <p:nvPr/>
+      </p:nvGrpSpPr>
+      <p:grpSpPr>
+        <a:xfrm>
+          <a:off x="0" y="0"/>
+          <a:ext cx="0" cy="0"/>
+          <a:chOff x="0" y="0"/>
+          <a:chExt cx="0" cy="0"/>
+        </a:xfrm>
+      </p:grpSpPr>
+      <p:sp>
+        <p:nvSpPr>
+          <p:cNvPr id="2" name="Slide Image Placeholder 1"/>
+          <p:cNvSpPr>
+            <a:spLocks noGrp="1" noRot="1" noChangeAspect="1"/>
+          </p:cNvSpPr>
+          <p:nvPr>
+            <p:ph type="sldImg"/>
+          </p:nvPr>
+        </p:nvSpPr>
         <p:spPr>
           <a:xfrm>
             <a:off x="407988" y="696913"/>
@@ -5427,130 +5612,6 @@
     <p:extLst>
       <p:ext uri="{BB962C8B-B14F-4D97-AF65-F5344CB8AC3E}">
         <p14:creationId xmlns:p14="http://schemas.microsoft.com/office/powerpoint/2010/main" val="2108786480"/>
-      </p:ext>
-    </p:extLst>
-  </p:cSld>
-  <p:clrMapOvr>
-    <a:masterClrMapping/>
-  </p:clrMapOvr>
-</p:notes>
-</file>
-
-<file path=ppt/notesSlides/notesSlide9.xml><?xml version="1.0" encoding="utf-8"?>
-<p:notes xmlns:a="http://schemas.openxmlformats.org/drawingml/2006/main" xmlns:r="http://schemas.openxmlformats.org/officeDocument/2006/relationships" xmlns:p="http://schemas.openxmlformats.org/presentationml/2006/main" showMasterSp="0" showMasterPhAnim="0">
-  <p:cSld>
-    <p:spTree>
-      <p:nvGrpSpPr>
-        <p:cNvPr id="1" name="Shape 841"/>
-        <p:cNvGrpSpPr/>
-        <p:nvPr/>
-      </p:nvGrpSpPr>
-      <p:grpSpPr>
-        <a:xfrm>
-          <a:off x="0" y="0"/>
-          <a:ext cx="0" cy="0"/>
-          <a:chOff x="0" y="0"/>
-          <a:chExt cx="0" cy="0"/>
-        </a:xfrm>
-      </p:grpSpPr>
-      <p:sp>
-        <p:nvSpPr>
-          <p:cNvPr id="842" name="Shape 842"/>
-          <p:cNvSpPr txBox="1">
-            <a:spLocks noGrp="1"/>
-          </p:cNvSpPr>
-          <p:nvPr>
-            <p:ph type="body" idx="1"/>
-          </p:nvPr>
-        </p:nvSpPr>
-        <p:spPr>
-          <a:xfrm>
-            <a:off x="407987" y="4415789"/>
-            <a:ext cx="6194425" cy="4183379"/>
-          </a:xfrm>
-          <a:prstGeom prst="rect">
-            <a:avLst/>
-          </a:prstGeom>
-        </p:spPr>
-        <p:txBody>
-          <a:bodyPr lIns="91425" tIns="91425" rIns="91425" bIns="91425" anchor="t" anchorCtr="0">
-            <a:noAutofit/>
-          </a:bodyPr>
-          <a:lstStyle/>
-          <a:p>
-            <a:pPr>
-              <a:spcBef>
-                <a:spcPts val="0"/>
-              </a:spcBef>
-              <a:buNone/>
-            </a:pPr>
-            <a:r>
-              <a:rPr lang="en-US" dirty="0" smtClean="0"/>
-              <a:t>So is Visual Studio Code a</a:t>
-            </a:r>
-            <a:r>
-              <a:rPr lang="en-US" baseline="0" dirty="0" smtClean="0"/>
-              <a:t> Text Editor, like Sublime Text, or Notepad?  Or is it an IDE like Visual Studio Professional or Eclipse?</a:t>
-            </a:r>
-            <a:endParaRPr dirty="0"/>
-          </a:p>
-        </p:txBody>
-      </p:sp>
-      <p:sp>
-        <p:nvSpPr>
-          <p:cNvPr id="843" name="Shape 843"/>
-          <p:cNvSpPr>
-            <a:spLocks noGrp="1" noRot="1" noChangeAspect="1"/>
-          </p:cNvSpPr>
-          <p:nvPr>
-            <p:ph type="sldImg" idx="2"/>
-          </p:nvPr>
-        </p:nvSpPr>
-        <p:spPr>
-          <a:xfrm>
-            <a:off x="407988" y="696913"/>
-            <a:ext cx="6194425" cy="3486150"/>
-          </a:xfrm>
-          <a:custGeom>
-            <a:avLst/>
-            <a:gdLst/>
-            <a:ahLst/>
-            <a:cxnLst/>
-            <a:rect l="0" t="0" r="0" b="0"/>
-            <a:pathLst>
-              <a:path w="120000" h="120000" extrusionOk="0">
-                <a:moveTo>
-                  <a:pt x="0" y="0"/>
-                </a:moveTo>
-                <a:lnTo>
-                  <a:pt x="120000" y="0"/>
-                </a:lnTo>
-                <a:lnTo>
-                  <a:pt x="120000" y="120000"/>
-                </a:lnTo>
-                <a:lnTo>
-                  <a:pt x="0" y="120000"/>
-                </a:lnTo>
-                <a:close/>
-              </a:path>
-            </a:pathLst>
-          </a:custGeom>
-          <a:noFill/>
-          <a:ln w="9525" cap="flat" cmpd="sng">
-            <a:solidFill>
-              <a:srgbClr val="000000"/>
-            </a:solidFill>
-            <a:prstDash val="solid"/>
-            <a:round/>
-            <a:headEnd type="none" w="med" len="med"/>
-            <a:tailEnd type="none" w="med" len="med"/>
-          </a:ln>
-        </p:spPr>
-      </p:sp>
-    </p:spTree>
-    <p:extLst>
-      <p:ext uri="{BB962C8B-B14F-4D97-AF65-F5344CB8AC3E}">
-        <p14:creationId xmlns:p14="http://schemas.microsoft.com/office/powerpoint/2010/main" val="1794109908"/>
       </p:ext>
     </p:extLst>
   </p:cSld>
@@ -10477,7 +10538,23 @@
                   <a:schemeClr val="accent2"/>
                 </a:solidFill>
               </a:rPr>
-              <a:t> with what we need as Salesforce developers using a </a:t>
+              <a:t> with what we need as </a:t>
+            </a:r>
+            <a:r>
+              <a:rPr lang="en-US" sz="4000" dirty="0" smtClean="0">
+                <a:solidFill>
+                  <a:schemeClr val="accent2"/>
+                </a:solidFill>
+              </a:rPr>
+              <a:t>developers </a:t>
+            </a:r>
+            <a:r>
+              <a:rPr lang="en-US" sz="4000" dirty="0" smtClean="0">
+                <a:solidFill>
+                  <a:schemeClr val="accent2"/>
+                </a:solidFill>
+              </a:rPr>
+              <a:t>using a </a:t>
             </a:r>
             <a:r>
               <a:rPr lang="en-US" sz="4000" dirty="0" smtClean="0">
@@ -10485,7 +10562,15 @@
                   <a:schemeClr val="accent1"/>
                 </a:solidFill>
               </a:rPr>
-              <a:t>modern workflow</a:t>
+              <a:t>modern </a:t>
+            </a:r>
+            <a:r>
+              <a:rPr lang="en-US" sz="4000" dirty="0" smtClean="0">
+                <a:solidFill>
+                  <a:schemeClr val="accent1"/>
+                </a:solidFill>
+              </a:rPr>
+              <a:t>workflow</a:t>
             </a:r>
             <a:endParaRPr lang="en-US" sz="4000" dirty="0">
               <a:solidFill>
@@ -10504,7 +10589,7 @@
           <p:nvPr/>
         </p:nvPicPr>
         <p:blipFill>
-          <a:blip r:embed="rId2">
+          <a:blip r:embed="rId3">
             <a:extLst>
               <a:ext uri="{28A0092B-C50C-407E-A947-70E740481C1C}">
                 <a14:useLocalDpi xmlns:a14="http://schemas.microsoft.com/office/drawing/2010/main" val="0"/>
@@ -17032,16 +17117,23 @@
               <a:rPr lang="en-US" dirty="0" err="1" smtClean="0"/>
               <a:t>UserVoice</a:t>
             </a:r>
-            <a:endParaRPr lang="en-US" dirty="0" smtClean="0"/>
-          </a:p>
-          <a:p>
-            <a:pPr marL="574675" lvl="1" indent="-342900">
+            <a:r>
+              <a:rPr lang="en-US" dirty="0" smtClean="0"/>
+              <a:t>.</a:t>
+            </a:r>
+          </a:p>
+          <a:p>
+            <a:pPr marL="863600" lvl="2" indent="-342900">
               <a:buFont typeface="+mj-lt"/>
               <a:buAutoNum type="arabicPeriod"/>
             </a:pPr>
             <a:r>
               <a:rPr lang="en-US" dirty="0" smtClean="0"/>
-              <a:t>The Visual Studio Code </a:t>
+              <a:t>The </a:t>
+            </a:r>
+            <a:r>
+              <a:rPr lang="en-US" dirty="0" smtClean="0"/>
+              <a:t>Visual Studio Code </a:t>
             </a:r>
             <a:r>
               <a:rPr lang="en-US" dirty="0" err="1" smtClean="0"/>
@@ -17051,21 +17143,43 @@
               <a:rPr lang="en-US" dirty="0" smtClean="0"/>
               <a:t> site provides the path forward for Visual Studio Code.  </a:t>
             </a:r>
+            <a:endParaRPr lang="en-US" dirty="0" smtClean="0"/>
+          </a:p>
+          <a:p>
+            <a:pPr marL="863600" lvl="2" indent="-342900">
+              <a:buFont typeface="+mj-lt"/>
+              <a:buAutoNum type="arabicPeriod"/>
+            </a:pPr>
             <a:r>
               <a:rPr lang="en-US" dirty="0" err="1" smtClean="0"/>
               <a:t>VSCode</a:t>
             </a:r>
             <a:r>
               <a:rPr lang="en-US" dirty="0" smtClean="0"/>
-              <a:t> is a crowd-sourced, free and open application, wholly funded and supported by Microsoft.  </a:t>
-            </a:r>
+              <a:t> </a:t>
+            </a:r>
+            <a:r>
+              <a:rPr lang="en-US" dirty="0" smtClean="0"/>
+              <a:t>is a crowd-sourced, free and open application, wholly funded and supported by Microsoft.  </a:t>
+            </a:r>
+            <a:endParaRPr lang="en-US" dirty="0" smtClean="0"/>
+          </a:p>
+          <a:p>
+            <a:pPr marL="863600" lvl="2" indent="-342900">
+              <a:buFont typeface="+mj-lt"/>
+              <a:buAutoNum type="arabicPeriod"/>
+            </a:pPr>
             <a:r>
               <a:rPr lang="en-US" dirty="0" err="1" smtClean="0"/>
               <a:t>VSCode</a:t>
             </a:r>
             <a:r>
               <a:rPr lang="en-US" dirty="0" smtClean="0"/>
-              <a:t> demonstrates the new Microsoft and their commitment to empowering developers on every platform.</a:t>
+              <a:t> </a:t>
+            </a:r>
+            <a:r>
+              <a:rPr lang="en-US" dirty="0" smtClean="0"/>
+              <a:t>demonstrates the new Microsoft and their commitment to empowering developers on every platform.</a:t>
             </a:r>
           </a:p>
         </p:txBody>
@@ -18598,7 +18712,7 @@
         </p:blipFill>
         <p:spPr>
           <a:xfrm>
-            <a:off x="753639" y="3679587"/>
+            <a:off x="753639" y="3577987"/>
             <a:ext cx="1485900" cy="1587500"/>
           </a:xfrm>
           <a:prstGeom prst="rect">
@@ -18628,7 +18742,7 @@
         </p:blipFill>
         <p:spPr>
           <a:xfrm>
-            <a:off x="3185271" y="4198984"/>
+            <a:off x="3185271" y="4097384"/>
             <a:ext cx="2540000" cy="609600"/>
           </a:xfrm>
           <a:prstGeom prst="rect">
@@ -18674,7 +18788,7 @@
         </p:nvSpPr>
         <p:spPr>
           <a:xfrm>
-            <a:off x="2488213" y="4085812"/>
+            <a:off x="2488213" y="3984212"/>
             <a:ext cx="514885" cy="769441"/>
           </a:xfrm>
           <a:prstGeom prst="rect">
@@ -18704,7 +18818,7 @@
         </p:nvSpPr>
         <p:spPr>
           <a:xfrm>
-            <a:off x="7166953" y="4085811"/>
+            <a:off x="7166953" y="3984211"/>
             <a:ext cx="498855" cy="769441"/>
           </a:xfrm>
           <a:prstGeom prst="rect">
@@ -18734,7 +18848,7 @@
         </p:nvSpPr>
         <p:spPr>
           <a:xfrm>
-            <a:off x="5970896" y="4085812"/>
+            <a:off x="5970896" y="3984212"/>
             <a:ext cx="514885" cy="769441"/>
           </a:xfrm>
           <a:prstGeom prst="rect">
@@ -18764,7 +18878,7 @@
         </p:nvSpPr>
         <p:spPr>
           <a:xfrm>
-            <a:off x="8167547" y="4119061"/>
+            <a:off x="8167547" y="4017461"/>
             <a:ext cx="514885" cy="769441"/>
           </a:xfrm>
           <a:prstGeom prst="rect">
@@ -18808,7 +18922,7 @@
         </p:blipFill>
         <p:spPr>
           <a:xfrm>
-            <a:off x="6686486" y="3859955"/>
+            <a:off x="6686486" y="3758355"/>
             <a:ext cx="1260288" cy="1260288"/>
           </a:xfrm>
           <a:prstGeom prst="rect">

--- a/John Nelson - DF15 - PowerPoint Presentation - Draft.pptx
+++ b/John Nelson - DF15 - PowerPoint Presentation - Draft.pptx
@@ -5,7 +5,7 @@
     <p:sldMasterId id="2147483681" r:id="rId1"/>
   </p:sldMasterIdLst>
   <p:notesMasterIdLst>
-    <p:notesMasterId r:id="rId23"/>
+    <p:notesMasterId r:id="rId26"/>
   </p:notesMasterIdLst>
   <p:sldIdLst>
     <p:sldId id="351" r:id="rId2"/>
@@ -26,9 +26,12 @@
     <p:sldId id="380" r:id="rId17"/>
     <p:sldId id="384" r:id="rId18"/>
     <p:sldId id="362" r:id="rId19"/>
-    <p:sldId id="385" r:id="rId20"/>
-    <p:sldId id="369" r:id="rId21"/>
-    <p:sldId id="386" r:id="rId22"/>
+    <p:sldId id="388" r:id="rId20"/>
+    <p:sldId id="387" r:id="rId21"/>
+    <p:sldId id="390" r:id="rId22"/>
+    <p:sldId id="385" r:id="rId23"/>
+    <p:sldId id="369" r:id="rId24"/>
+    <p:sldId id="386" r:id="rId25"/>
   </p:sldIdLst>
   <p:sldSz cx="12188825" cy="6858000"/>
   <p:notesSz cx="7010400" cy="9296400"/>
@@ -3961,13 +3964,8 @@
             </a:r>
             <a:r>
               <a:rPr lang="en-US" baseline="0" dirty="0" smtClean="0"/>
-              <a:t> in Visual Studio Code.  But, how </a:t>
-            </a:r>
-            <a:r>
-              <a:rPr lang="en-US" baseline="0" dirty="0" smtClean="0"/>
-              <a:t>do we get from a blank page to an app, and get that app</a:t>
-            </a:r>
-            <a:endParaRPr lang="en-US" baseline="0" dirty="0" smtClean="0"/>
+              <a:t> in Visual Studio Code.  But, how do we get from a blank page to an app, and get that app</a:t>
+            </a:r>
           </a:p>
           <a:p>
             <a:pPr marL="228600" marR="0" indent="-228600" algn="l" defTabSz="914400" rtl="0" eaLnBrk="1" fontAlgn="auto" latinLnBrk="0" hangingPunct="1">
@@ -3991,15 +3989,7 @@
             </a:pPr>
             <a:r>
               <a:rPr lang="en-US" baseline="0" dirty="0" smtClean="0"/>
-              <a:t>Up </a:t>
-            </a:r>
-            <a:r>
-              <a:rPr lang="en-US" baseline="0" dirty="0" smtClean="0"/>
-              <a:t>to Salesforce</a:t>
-            </a:r>
-            <a:r>
-              <a:rPr lang="en-US" baseline="0" dirty="0" smtClean="0"/>
-              <a:t>?</a:t>
+              <a:t>Up to Salesforce?</a:t>
             </a:r>
           </a:p>
           <a:p>
@@ -4076,7 +4066,6 @@
               <a:rPr lang="en-US" baseline="0" dirty="0" smtClean="0"/>
               <a:t>Now we can Code.</a:t>
             </a:r>
-            <a:endParaRPr lang="en-US" baseline="0" dirty="0" smtClean="0"/>
           </a:p>
           <a:p>
             <a:pPr marL="228600" marR="0" indent="-228600" algn="l" defTabSz="914400" rtl="0" eaLnBrk="1" fontAlgn="auto" latinLnBrk="0" hangingPunct="1">
@@ -4100,11 +4089,7 @@
             </a:pPr>
             <a:r>
               <a:rPr lang="en-US" baseline="0" dirty="0" smtClean="0"/>
-              <a:t>another </a:t>
-            </a:r>
-            <a:r>
-              <a:rPr lang="en-US" baseline="0" dirty="0" smtClean="0"/>
-              <a:t>great feature of Visual Studio Code is it’s ability to run Tasks</a:t>
+              <a:t>another great feature of Visual Studio Code is it’s ability to run Tasks</a:t>
             </a:r>
           </a:p>
           <a:p>
@@ -4478,6 +4463,67 @@
     </p:spTree>
     <p:extLst>
       <p:ext uri="{BB962C8B-B14F-4D97-AF65-F5344CB8AC3E}">
+        <p14:creationId xmlns:p14="http://schemas.microsoft.com/office/powerpoint/2010/main" val="1758479999"/>
+      </p:ext>
+    </p:extLst>
+  </p:cSld>
+  <p:clrMapOvr>
+    <a:masterClrMapping/>
+  </p:clrMapOvr>
+</p:notes>
+</file>
+
+<file path=ppt/notesSlides/notesSlide17.xml><?xml version="1.0" encoding="utf-8"?>
+<p:notes xmlns:a="http://schemas.openxmlformats.org/drawingml/2006/main" xmlns:r="http://schemas.openxmlformats.org/officeDocument/2006/relationships" xmlns:p="http://schemas.openxmlformats.org/presentationml/2006/main">
+  <p:cSld>
+    <p:spTree>
+      <p:nvGrpSpPr>
+        <p:cNvPr id="1" name=""/>
+        <p:cNvGrpSpPr/>
+        <p:nvPr/>
+      </p:nvGrpSpPr>
+      <p:grpSpPr>
+        <a:xfrm>
+          <a:off x="0" y="0"/>
+          <a:ext cx="0" cy="0"/>
+          <a:chOff x="0" y="0"/>
+          <a:chExt cx="0" cy="0"/>
+        </a:xfrm>
+      </p:grpSpPr>
+      <p:sp>
+        <p:nvSpPr>
+          <p:cNvPr id="2" name="Slide Image Placeholder 1"/>
+          <p:cNvSpPr>
+            <a:spLocks noGrp="1" noRot="1" noChangeAspect="1"/>
+          </p:cNvSpPr>
+          <p:nvPr>
+            <p:ph type="sldImg"/>
+          </p:nvPr>
+        </p:nvSpPr>
+        <p:spPr/>
+      </p:sp>
+      <p:sp>
+        <p:nvSpPr>
+          <p:cNvPr id="3" name="Notes Placeholder 2"/>
+          <p:cNvSpPr>
+            <a:spLocks noGrp="1"/>
+          </p:cNvSpPr>
+          <p:nvPr>
+            <p:ph type="body" idx="1"/>
+          </p:nvPr>
+        </p:nvSpPr>
+        <p:spPr/>
+        <p:txBody>
+          <a:bodyPr/>
+          <a:lstStyle/>
+          <a:p>
+            <a:endParaRPr lang="en-US" dirty="0"/>
+          </a:p>
+        </p:txBody>
+      </p:sp>
+    </p:spTree>
+    <p:extLst>
+      <p:ext uri="{BB962C8B-B14F-4D97-AF65-F5344CB8AC3E}">
         <p14:creationId xmlns:p14="http://schemas.microsoft.com/office/powerpoint/2010/main" val="1668778238"/>
       </p:ext>
     </p:extLst>
@@ -4488,7 +4534,7 @@
 </p:notes>
 </file>
 
-<file path=ppt/notesSlides/notesSlide17.xml><?xml version="1.0" encoding="utf-8"?>
+<file path=ppt/notesSlides/notesSlide18.xml><?xml version="1.0" encoding="utf-8"?>
 <p:notes xmlns:a="http://schemas.openxmlformats.org/drawingml/2006/main" xmlns:r="http://schemas.openxmlformats.org/officeDocument/2006/relationships" xmlns:p="http://schemas.openxmlformats.org/presentationml/2006/main" showMasterSp="0" showMasterPhAnim="0">
   <p:cSld>
     <p:spTree>
@@ -5016,6 +5062,7 @@
               <a:rPr lang="en-US" baseline="0" dirty="0" smtClean="0"/>
               <a:t> the deal?  Why are we here?  </a:t>
             </a:r>
+            <a:endParaRPr lang="en-US" baseline="0" dirty="0" smtClean="0"/>
           </a:p>
           <a:p>
             <a:pPr>
@@ -5024,6 +5071,24 @@
               </a:spcBef>
               <a:buNone/>
             </a:pPr>
+            <a:endParaRPr lang="en-US" baseline="0" dirty="0" smtClean="0"/>
+          </a:p>
+          <a:p>
+            <a:pPr>
+              <a:spcBef>
+                <a:spcPts val="0"/>
+              </a:spcBef>
+              <a:buNone/>
+            </a:pPr>
+            <a:endParaRPr lang="en-US" baseline="0" dirty="0" smtClean="0"/>
+          </a:p>
+          <a:p>
+            <a:pPr>
+              <a:spcBef>
+                <a:spcPts val="0"/>
+              </a:spcBef>
+              <a:buNone/>
+            </a:pPr>
             <a:r>
               <a:rPr lang="en-US" baseline="0" dirty="0" smtClean="0"/>
               <a:t>Douglas </a:t>
@@ -5034,19 +5099,7 @@
             </a:r>
             <a:r>
               <a:rPr lang="en-US" baseline="0" dirty="0" smtClean="0"/>
-              <a:t> </a:t>
-            </a:r>
-            <a:r>
-              <a:rPr lang="en-US" baseline="0" smtClean="0"/>
-              <a:t>said “The people </a:t>
-            </a:r>
-            <a:r>
-              <a:rPr lang="en-US" baseline="0" dirty="0" smtClean="0"/>
-              <a:t>who should be the first to recognize the value of an </a:t>
-            </a:r>
-            <a:r>
-              <a:rPr lang="en-US" baseline="0" smtClean="0"/>
-              <a:t>innovation are often the last.”</a:t>
+              <a:t> said “The people who should be the first to recognize the value of an innovation are often the last.”</a:t>
             </a:r>
             <a:endParaRPr dirty="0"/>
           </a:p>
@@ -10538,23 +10591,7 @@
                   <a:schemeClr val="accent2"/>
                 </a:solidFill>
               </a:rPr>
-              <a:t> with what we need as </a:t>
-            </a:r>
-            <a:r>
-              <a:rPr lang="en-US" sz="4000" dirty="0" smtClean="0">
-                <a:solidFill>
-                  <a:schemeClr val="accent2"/>
-                </a:solidFill>
-              </a:rPr>
-              <a:t>developers </a:t>
-            </a:r>
-            <a:r>
-              <a:rPr lang="en-US" sz="4000" dirty="0" smtClean="0">
-                <a:solidFill>
-                  <a:schemeClr val="accent2"/>
-                </a:solidFill>
-              </a:rPr>
-              <a:t>using a </a:t>
+              <a:t> with what we need as developers using a </a:t>
             </a:r>
             <a:r>
               <a:rPr lang="en-US" sz="4000" dirty="0" smtClean="0">
@@ -10562,15 +10599,7 @@
                   <a:schemeClr val="accent1"/>
                 </a:solidFill>
               </a:rPr>
-              <a:t>modern </a:t>
-            </a:r>
-            <a:r>
-              <a:rPr lang="en-US" sz="4000" dirty="0" smtClean="0">
-                <a:solidFill>
-                  <a:schemeClr val="accent1"/>
-                </a:solidFill>
-              </a:rPr>
-              <a:t>workflow</a:t>
+              <a:t>modern workflow</a:t>
             </a:r>
             <a:endParaRPr lang="en-US" sz="4000" dirty="0">
               <a:solidFill>
@@ -11375,73 +11404,10 @@
           <a:chExt cx="0" cy="0"/>
         </a:xfrm>
       </p:grpSpPr>
-      <p:sp>
-        <p:nvSpPr>
-          <p:cNvPr id="2" name="TextBox 1"/>
-          <p:cNvSpPr txBox="1"/>
-          <p:nvPr/>
-        </p:nvSpPr>
-        <p:spPr>
-          <a:xfrm>
-            <a:off x="1828800" y="565967"/>
-            <a:ext cx="1338828" cy="646331"/>
-          </a:xfrm>
-          <a:prstGeom prst="rect">
-            <a:avLst/>
-          </a:prstGeom>
-          <a:noFill/>
-        </p:spPr>
-        <p:txBody>
-          <a:bodyPr wrap="none" rtlCol="0">
-            <a:spAutoFit/>
-          </a:bodyPr>
-          <a:lstStyle/>
-          <a:p>
-            <a:r>
-              <a:rPr lang="en-US" sz="3600" dirty="0" smtClean="0"/>
-              <a:t>editor</a:t>
-            </a:r>
-            <a:endParaRPr lang="en-US" sz="3600" dirty="0"/>
-          </a:p>
-        </p:txBody>
-      </p:sp>
-      <p:sp>
-        <p:nvSpPr>
-          <p:cNvPr id="3" name="TextBox 2"/>
-          <p:cNvSpPr txBox="1"/>
-          <p:nvPr/>
-        </p:nvSpPr>
-        <p:spPr>
-          <a:xfrm>
-            <a:off x="8846497" y="565967"/>
-            <a:ext cx="954107" cy="646331"/>
-          </a:xfrm>
-          <a:prstGeom prst="rect">
-            <a:avLst/>
-          </a:prstGeom>
-          <a:noFill/>
-        </p:spPr>
-        <p:txBody>
-          <a:bodyPr wrap="none" rtlCol="0">
-            <a:spAutoFit/>
-          </a:bodyPr>
-          <a:lstStyle/>
-          <a:p>
-            <a:r>
-              <a:rPr lang="en-US" sz="3600" dirty="0" smtClean="0"/>
-              <a:t>IDE</a:t>
-            </a:r>
-            <a:endParaRPr lang="en-US" dirty="0"/>
-          </a:p>
-        </p:txBody>
-      </p:sp>
       <p:cxnSp>
         <p:nvCxnSpPr>
           <p:cNvPr id="6" name="Straight Arrow Connector 5"/>
-          <p:cNvCxnSpPr>
-            <a:stCxn id="2" idx="3"/>
-            <a:endCxn id="3" idx="1"/>
-          </p:cNvCxnSpPr>
+          <p:cNvCxnSpPr/>
           <p:nvPr/>
         </p:nvCxnSpPr>
         <p:spPr>
@@ -12443,6 +12409,66 @@
           </a:prstGeom>
         </p:spPr>
       </p:pic>
+      <p:pic>
+        <p:nvPicPr>
+          <p:cNvPr id="4" name="Picture 3"/>
+          <p:cNvPicPr>
+            <a:picLocks noChangeAspect="1"/>
+          </p:cNvPicPr>
+          <p:nvPr/>
+        </p:nvPicPr>
+        <p:blipFill>
+          <a:blip r:embed="rId4">
+            <a:extLst>
+              <a:ext uri="{28A0092B-C50C-407E-A947-70E740481C1C}">
+                <a14:useLocalDpi xmlns:a14="http://schemas.microsoft.com/office/drawing/2010/main" val="0"/>
+              </a:ext>
+            </a:extLst>
+          </a:blip>
+          <a:stretch>
+            <a:fillRect/>
+          </a:stretch>
+        </p:blipFill>
+        <p:spPr>
+          <a:xfrm>
+            <a:off x="2058601" y="138425"/>
+            <a:ext cx="906477" cy="906477"/>
+          </a:xfrm>
+          <a:prstGeom prst="rect">
+            <a:avLst/>
+          </a:prstGeom>
+        </p:spPr>
+      </p:pic>
+      <p:pic>
+        <p:nvPicPr>
+          <p:cNvPr id="5" name="Picture 4"/>
+          <p:cNvPicPr>
+            <a:picLocks noChangeAspect="1"/>
+          </p:cNvPicPr>
+          <p:nvPr/>
+        </p:nvPicPr>
+        <p:blipFill>
+          <a:blip r:embed="rId5">
+            <a:extLst>
+              <a:ext uri="{28A0092B-C50C-407E-A947-70E740481C1C}">
+                <a14:useLocalDpi xmlns:a14="http://schemas.microsoft.com/office/drawing/2010/main" val="0"/>
+              </a:ext>
+            </a:extLst>
+          </a:blip>
+          <a:stretch>
+            <a:fillRect/>
+          </a:stretch>
+        </p:blipFill>
+        <p:spPr>
+          <a:xfrm>
+            <a:off x="8927679" y="239643"/>
+            <a:ext cx="910002" cy="910002"/>
+          </a:xfrm>
+          <a:prstGeom prst="rect">
+            <a:avLst/>
+          </a:prstGeom>
+        </p:spPr>
+      </p:pic>
     </p:spTree>
     <p:extLst>
       <p:ext uri="{BB962C8B-B14F-4D97-AF65-F5344CB8AC3E}">
@@ -12514,7 +12540,7 @@
                                           </p:stCondLst>
                                         </p:cTn>
                                         <p:tgtEl>
-                                          <p:spTgt spid="14"/>
+                                          <p:spTgt spid="10"/>
                                         </p:tgtEl>
                                         <p:attrNameLst>
                                           <p:attrName>style.visibility</p:attrName>
@@ -12527,26 +12553,35 @@
                                   </p:childTnLst>
                                 </p:cTn>
                               </p:par>
-                            </p:childTnLst>
-                          </p:cTn>
-                        </p:par>
-                      </p:childTnLst>
-                    </p:cTn>
-                  </p:par>
-                  <p:par>
-                    <p:cTn id="9" fill="hold">
-                      <p:stCondLst>
-                        <p:cond delay="indefinite"/>
-                      </p:stCondLst>
-                      <p:childTnLst>
-                        <p:par>
-                          <p:cTn id="10" fill="hold">
-                            <p:stCondLst>
-                              <p:cond delay="0"/>
-                            </p:stCondLst>
-                            <p:childTnLst>
                               <p:par>
-                                <p:cTn id="11" presetID="1" presetClass="entr" presetSubtype="0" fill="hold" grpId="0" nodeType="clickEffect">
+                                <p:cTn id="9" presetID="1" presetClass="entr" presetSubtype="0" fill="hold" grpId="0" nodeType="withEffect">
+                                  <p:stCondLst>
+                                    <p:cond delay="0"/>
+                                  </p:stCondLst>
+                                  <p:childTnLst>
+                                    <p:set>
+                                      <p:cBhvr>
+                                        <p:cTn id="10" dur="1" fill="hold">
+                                          <p:stCondLst>
+                                            <p:cond delay="0"/>
+                                          </p:stCondLst>
+                                        </p:cTn>
+                                        <p:tgtEl>
+                                          <p:spTgt spid="11"/>
+                                        </p:tgtEl>
+                                        <p:attrNameLst>
+                                          <p:attrName>style.visibility</p:attrName>
+                                        </p:attrNameLst>
+                                      </p:cBhvr>
+                                      <p:to>
+                                        <p:strVal val="visible"/>
+                                      </p:to>
+                                    </p:set>
+                                  </p:childTnLst>
+                                </p:cTn>
+                              </p:par>
+                              <p:par>
+                                <p:cTn id="11" presetID="1" presetClass="entr" presetSubtype="0" fill="hold" grpId="0" nodeType="withEffect">
                                   <p:stCondLst>
                                     <p:cond delay="0"/>
                                   </p:stCondLst>
@@ -12559,7 +12594,7 @@
                                           </p:stCondLst>
                                         </p:cTn>
                                         <p:tgtEl>
-                                          <p:spTgt spid="10"/>
+                                          <p:spTgt spid="13"/>
                                         </p:tgtEl>
                                         <p:attrNameLst>
                                           <p:attrName>style.visibility</p:attrName>
@@ -12586,7 +12621,7 @@
                                           </p:stCondLst>
                                         </p:cTn>
                                         <p:tgtEl>
-                                          <p:spTgt spid="15"/>
+                                          <p:spTgt spid="12"/>
                                         </p:tgtEl>
                                         <p:attrNameLst>
                                           <p:attrName>style.visibility</p:attrName>
@@ -12631,7 +12666,7 @@
                                           </p:stCondLst>
                                         </p:cTn>
                                         <p:tgtEl>
-                                          <p:spTgt spid="11"/>
+                                          <p:spTgt spid="14"/>
                                         </p:tgtEl>
                                         <p:attrNameLst>
                                           <p:attrName>style.visibility</p:attrName>
@@ -12658,6 +12693,33 @@
                                           </p:stCondLst>
                                         </p:cTn>
                                         <p:tgtEl>
+                                          <p:spTgt spid="15"/>
+                                        </p:tgtEl>
+                                        <p:attrNameLst>
+                                          <p:attrName>style.visibility</p:attrName>
+                                        </p:attrNameLst>
+                                      </p:cBhvr>
+                                      <p:to>
+                                        <p:strVal val="visible"/>
+                                      </p:to>
+                                    </p:set>
+                                  </p:childTnLst>
+                                </p:cTn>
+                              </p:par>
+                              <p:par>
+                                <p:cTn id="21" presetID="1" presetClass="entr" presetSubtype="0" fill="hold" grpId="0" nodeType="withEffect">
+                                  <p:stCondLst>
+                                    <p:cond delay="0"/>
+                                  </p:stCondLst>
+                                  <p:childTnLst>
+                                    <p:set>
+                                      <p:cBhvr>
+                                        <p:cTn id="22" dur="1" fill="hold">
+                                          <p:stCondLst>
+                                            <p:cond delay="0"/>
+                                          </p:stCondLst>
+                                        </p:cTn>
+                                        <p:tgtEl>
                                           <p:spTgt spid="26"/>
                                         </p:tgtEl>
                                         <p:attrNameLst>
@@ -12671,26 +12733,8 @@
                                   </p:childTnLst>
                                 </p:cTn>
                               </p:par>
-                            </p:childTnLst>
-                          </p:cTn>
-                        </p:par>
-                      </p:childTnLst>
-                    </p:cTn>
-                  </p:par>
-                  <p:par>
-                    <p:cTn id="21" fill="hold">
-                      <p:stCondLst>
-                        <p:cond delay="indefinite"/>
-                      </p:stCondLst>
-                      <p:childTnLst>
-                        <p:par>
-                          <p:cTn id="22" fill="hold">
-                            <p:stCondLst>
-                              <p:cond delay="0"/>
-                            </p:stCondLst>
-                            <p:childTnLst>
                               <p:par>
-                                <p:cTn id="23" presetID="1" presetClass="entr" presetSubtype="0" fill="hold" grpId="0" nodeType="clickEffect">
+                                <p:cTn id="23" presetID="1" presetClass="entr" presetSubtype="0" fill="hold" grpId="0" nodeType="withEffect">
                                   <p:stCondLst>
                                     <p:cond delay="0"/>
                                   </p:stCondLst>
@@ -12703,7 +12747,7 @@
                                           </p:stCondLst>
                                         </p:cTn>
                                         <p:tgtEl>
-                                          <p:spTgt spid="13"/>
+                                          <p:spTgt spid="17"/>
                                         </p:tgtEl>
                                         <p:attrNameLst>
                                           <p:attrName>style.visibility</p:attrName>
@@ -12730,7 +12774,7 @@
                                           </p:stCondLst>
                                         </p:cTn>
                                         <p:tgtEl>
-                                          <p:spTgt spid="17"/>
+                                          <p:spTgt spid="18"/>
                                         </p:tgtEl>
                                         <p:attrNameLst>
                                           <p:attrName>style.visibility</p:attrName>
@@ -12743,26 +12787,35 @@
                                   </p:childTnLst>
                                 </p:cTn>
                               </p:par>
-                            </p:childTnLst>
-                          </p:cTn>
-                        </p:par>
-                      </p:childTnLst>
-                    </p:cTn>
-                  </p:par>
-                  <p:par>
-                    <p:cTn id="27" fill="hold">
-                      <p:stCondLst>
-                        <p:cond delay="indefinite"/>
-                      </p:stCondLst>
-                      <p:childTnLst>
-                        <p:par>
-                          <p:cTn id="28" fill="hold">
-                            <p:stCondLst>
-                              <p:cond delay="0"/>
-                            </p:stCondLst>
-                            <p:childTnLst>
                               <p:par>
-                                <p:cTn id="29" presetID="1" presetClass="entr" presetSubtype="0" fill="hold" grpId="0" nodeType="clickEffect">
+                                <p:cTn id="27" presetID="1" presetClass="entr" presetSubtype="0" fill="hold" grpId="0" nodeType="withEffect">
+                                  <p:stCondLst>
+                                    <p:cond delay="0"/>
+                                  </p:stCondLst>
+                                  <p:childTnLst>
+                                    <p:set>
+                                      <p:cBhvr>
+                                        <p:cTn id="28" dur="1" fill="hold">
+                                          <p:stCondLst>
+                                            <p:cond delay="0"/>
+                                          </p:stCondLst>
+                                        </p:cTn>
+                                        <p:tgtEl>
+                                          <p:spTgt spid="19"/>
+                                        </p:tgtEl>
+                                        <p:attrNameLst>
+                                          <p:attrName>style.visibility</p:attrName>
+                                        </p:attrNameLst>
+                                      </p:cBhvr>
+                                      <p:to>
+                                        <p:strVal val="visible"/>
+                                      </p:to>
+                                    </p:set>
+                                  </p:childTnLst>
+                                </p:cTn>
+                              </p:par>
+                              <p:par>
+                                <p:cTn id="29" presetID="1" presetClass="entr" presetSubtype="0" fill="hold" grpId="0" nodeType="withEffect">
                                   <p:stCondLst>
                                     <p:cond delay="0"/>
                                   </p:stCondLst>
@@ -12775,7 +12828,7 @@
                                           </p:stCondLst>
                                         </p:cTn>
                                         <p:tgtEl>
-                                          <p:spTgt spid="12"/>
+                                          <p:spTgt spid="16"/>
                                         </p:tgtEl>
                                         <p:attrNameLst>
                                           <p:attrName>style.visibility</p:attrName>
@@ -12802,105 +12855,6 @@
                                           </p:stCondLst>
                                         </p:cTn>
                                         <p:tgtEl>
-                                          <p:spTgt spid="18"/>
-                                        </p:tgtEl>
-                                        <p:attrNameLst>
-                                          <p:attrName>style.visibility</p:attrName>
-                                        </p:attrNameLst>
-                                      </p:cBhvr>
-                                      <p:to>
-                                        <p:strVal val="visible"/>
-                                      </p:to>
-                                    </p:set>
-                                  </p:childTnLst>
-                                </p:cTn>
-                              </p:par>
-                              <p:par>
-                                <p:cTn id="33" presetID="1" presetClass="entr" presetSubtype="0" fill="hold" grpId="0" nodeType="withEffect">
-                                  <p:stCondLst>
-                                    <p:cond delay="0"/>
-                                  </p:stCondLst>
-                                  <p:childTnLst>
-                                    <p:set>
-                                      <p:cBhvr>
-                                        <p:cTn id="34" dur="1" fill="hold">
-                                          <p:stCondLst>
-                                            <p:cond delay="0"/>
-                                          </p:stCondLst>
-                                        </p:cTn>
-                                        <p:tgtEl>
-                                          <p:spTgt spid="19"/>
-                                        </p:tgtEl>
-                                        <p:attrNameLst>
-                                          <p:attrName>style.visibility</p:attrName>
-                                        </p:attrNameLst>
-                                      </p:cBhvr>
-                                      <p:to>
-                                        <p:strVal val="visible"/>
-                                      </p:to>
-                                    </p:set>
-                                  </p:childTnLst>
-                                </p:cTn>
-                              </p:par>
-                            </p:childTnLst>
-                          </p:cTn>
-                        </p:par>
-                      </p:childTnLst>
-                    </p:cTn>
-                  </p:par>
-                  <p:par>
-                    <p:cTn id="35" fill="hold">
-                      <p:stCondLst>
-                        <p:cond delay="indefinite"/>
-                      </p:stCondLst>
-                      <p:childTnLst>
-                        <p:par>
-                          <p:cTn id="36" fill="hold">
-                            <p:stCondLst>
-                              <p:cond delay="0"/>
-                            </p:stCondLst>
-                            <p:childTnLst>
-                              <p:par>
-                                <p:cTn id="37" presetID="1" presetClass="entr" presetSubtype="0" fill="hold" grpId="0" nodeType="clickEffect">
-                                  <p:stCondLst>
-                                    <p:cond delay="0"/>
-                                  </p:stCondLst>
-                                  <p:childTnLst>
-                                    <p:set>
-                                      <p:cBhvr>
-                                        <p:cTn id="38" dur="1" fill="hold">
-                                          <p:stCondLst>
-                                            <p:cond delay="0"/>
-                                          </p:stCondLst>
-                                        </p:cTn>
-                                        <p:tgtEl>
-                                          <p:spTgt spid="16"/>
-                                        </p:tgtEl>
-                                        <p:attrNameLst>
-                                          <p:attrName>style.visibility</p:attrName>
-                                        </p:attrNameLst>
-                                      </p:cBhvr>
-                                      <p:to>
-                                        <p:strVal val="visible"/>
-                                      </p:to>
-                                    </p:set>
-                                  </p:childTnLst>
-                                </p:cTn>
-                              </p:par>
-                              <p:par>
-                                <p:cTn id="39" presetID="1" presetClass="entr" presetSubtype="0" fill="hold" grpId="0" nodeType="withEffect">
-                                  <p:stCondLst>
-                                    <p:cond delay="0"/>
-                                  </p:stCondLst>
-                                  <p:childTnLst>
-                                    <p:set>
-                                      <p:cBhvr>
-                                        <p:cTn id="40" dur="1" fill="hold">
-                                          <p:stCondLst>
-                                            <p:cond delay="0"/>
-                                          </p:stCondLst>
-                                        </p:cTn>
-                                        <p:tgtEl>
                                           <p:spTgt spid="21"/>
                                         </p:tgtEl>
                                         <p:attrNameLst>
@@ -12921,26 +12875,26 @@
                     </p:cTn>
                   </p:par>
                   <p:par>
-                    <p:cTn id="41" fill="hold">
+                    <p:cTn id="33" fill="hold">
                       <p:stCondLst>
                         <p:cond delay="indefinite"/>
                       </p:stCondLst>
                       <p:childTnLst>
                         <p:par>
-                          <p:cTn id="42" fill="hold">
+                          <p:cTn id="34" fill="hold">
                             <p:stCondLst>
                               <p:cond delay="0"/>
                             </p:stCondLst>
                             <p:childTnLst>
                               <p:par>
-                                <p:cTn id="43" presetID="1" presetClass="entr" presetSubtype="0" fill="hold" nodeType="clickEffect">
+                                <p:cTn id="35" presetID="1" presetClass="entr" presetSubtype="0" fill="hold" nodeType="clickEffect">
                                   <p:stCondLst>
                                     <p:cond delay="0"/>
                                   </p:stCondLst>
                                   <p:childTnLst>
                                     <p:set>
                                       <p:cBhvr>
-                                        <p:cTn id="44" dur="1" fill="hold">
+                                        <p:cTn id="36" dur="1" fill="hold">
                                           <p:stCondLst>
                                             <p:cond delay="0"/>
                                           </p:stCondLst>
@@ -12960,14 +12914,14 @@
                                 </p:cTn>
                               </p:par>
                               <p:par>
-                                <p:cTn id="45" presetID="1" presetClass="entr" presetSubtype="0" fill="hold" nodeType="withEffect">
+                                <p:cTn id="37" presetID="1" presetClass="entr" presetSubtype="0" fill="hold" nodeType="withEffect">
                                   <p:stCondLst>
                                     <p:cond delay="0"/>
                                   </p:stCondLst>
                                   <p:childTnLst>
                                     <p:set>
                                       <p:cBhvr>
-                                        <p:cTn id="46" dur="1" fill="hold">
+                                        <p:cTn id="38" dur="1" fill="hold">
                                           <p:stCondLst>
                                             <p:cond delay="0"/>
                                           </p:stCondLst>
@@ -12986,33 +12940,15 @@
                                   </p:childTnLst>
                                 </p:cTn>
                               </p:par>
-                            </p:childTnLst>
-                          </p:cTn>
-                        </p:par>
-                      </p:childTnLst>
-                    </p:cTn>
-                  </p:par>
-                  <p:par>
-                    <p:cTn id="47" fill="hold">
-                      <p:stCondLst>
-                        <p:cond delay="indefinite"/>
-                      </p:stCondLst>
-                      <p:childTnLst>
-                        <p:par>
-                          <p:cTn id="48" fill="hold">
-                            <p:stCondLst>
-                              <p:cond delay="0"/>
-                            </p:stCondLst>
-                            <p:childTnLst>
                               <p:par>
-                                <p:cTn id="49" presetID="1" presetClass="entr" presetSubtype="0" fill="hold" nodeType="clickEffect">
+                                <p:cTn id="39" presetID="1" presetClass="entr" presetSubtype="0" fill="hold" nodeType="withEffect">
                                   <p:stCondLst>
                                     <p:cond delay="0"/>
                                   </p:stCondLst>
                                   <p:childTnLst>
                                     <p:set>
                                       <p:cBhvr>
-                                        <p:cTn id="50" dur="1" fill="hold">
+                                        <p:cTn id="40" dur="1" fill="hold">
                                           <p:stCondLst>
                                             <p:cond delay="0"/>
                                           </p:stCondLst>
@@ -13031,33 +12967,15 @@
                                   </p:childTnLst>
                                 </p:cTn>
                               </p:par>
-                            </p:childTnLst>
-                          </p:cTn>
-                        </p:par>
-                      </p:childTnLst>
-                    </p:cTn>
-                  </p:par>
-                  <p:par>
-                    <p:cTn id="51" fill="hold">
-                      <p:stCondLst>
-                        <p:cond delay="indefinite"/>
-                      </p:stCondLst>
-                      <p:childTnLst>
-                        <p:par>
-                          <p:cTn id="52" fill="hold">
-                            <p:stCondLst>
-                              <p:cond delay="0"/>
-                            </p:stCondLst>
-                            <p:childTnLst>
                               <p:par>
-                                <p:cTn id="53" presetID="1" presetClass="entr" presetSubtype="0" fill="hold" nodeType="clickEffect">
+                                <p:cTn id="41" presetID="1" presetClass="entr" presetSubtype="0" fill="hold" nodeType="withEffect">
                                   <p:stCondLst>
                                     <p:cond delay="0"/>
                                   </p:stCondLst>
                                   <p:childTnLst>
                                     <p:set>
                                       <p:cBhvr>
-                                        <p:cTn id="54" dur="1" fill="hold">
+                                        <p:cTn id="42" dur="1" fill="hold">
                                           <p:stCondLst>
                                             <p:cond delay="0"/>
                                           </p:stCondLst>
@@ -13512,7 +13430,23 @@
                   <a:schemeClr val="accent2"/>
                 </a:solidFill>
               </a:rPr>
-              <a:t> Grammars and Snippets</a:t>
+              <a:t> </a:t>
+            </a:r>
+            <a:r>
+              <a:rPr lang="en-US" sz="2400" dirty="0" smtClean="0">
+                <a:solidFill>
+                  <a:schemeClr val="accent2"/>
+                </a:solidFill>
+              </a:rPr>
+              <a:t>Syntaxes and </a:t>
+            </a:r>
+            <a:r>
+              <a:rPr lang="en-US" sz="2400" dirty="0" smtClean="0">
+                <a:solidFill>
+                  <a:schemeClr val="accent2"/>
+                </a:solidFill>
+              </a:rPr>
+              <a:t>Snippets</a:t>
             </a:r>
             <a:endParaRPr lang="en-US" sz="2400" b="0" i="0" u="none" strike="noStrike" cap="none" baseline="0" dirty="0">
               <a:solidFill>
@@ -16355,12 +16289,12 @@
       </p:grpSpPr>
       <p:sp>
         <p:nvSpPr>
-          <p:cNvPr id="2" name="Text Placeholder 1"/>
+          <p:cNvPr id="2" name="Title 1"/>
           <p:cNvSpPr>
             <a:spLocks noGrp="1"/>
           </p:cNvSpPr>
           <p:nvPr>
-            <p:ph type="body" idx="1"/>
+            <p:ph type="ctrTitle"/>
           </p:nvPr>
         </p:nvSpPr>
         <p:spPr/>
@@ -16369,110 +16303,37 @@
           <a:lstStyle/>
           <a:p>
             <a:r>
-              <a:rPr lang="en-US" dirty="0" smtClean="0"/>
-              <a:t>Show diagram of VSCode-DF15 at top, </a:t>
-            </a:r>
-          </a:p>
-          <a:p>
-            <a:r>
-              <a:rPr lang="en-US" dirty="0" smtClean="0"/>
-              <a:t>then </a:t>
-            </a:r>
-            <a:r>
-              <a:rPr lang="en-US" dirty="0" err="1" smtClean="0"/>
-              <a:t>Saleforce-VSCode</a:t>
-            </a:r>
-            <a:r>
-              <a:rPr lang="en-US" dirty="0" smtClean="0"/>
-              <a:t> under that and to the side.</a:t>
-            </a:r>
-          </a:p>
-          <a:p>
-            <a:r>
-              <a:rPr lang="en-US" dirty="0" smtClean="0"/>
-              <a:t>Then Gulp-Force under that, which wraps Force to provide, create Apex</a:t>
-            </a:r>
-          </a:p>
-          <a:p>
-            <a:endParaRPr lang="en-US" dirty="0" smtClean="0"/>
-          </a:p>
-          <a:p>
-            <a:r>
-              <a:rPr lang="en-US" dirty="0" smtClean="0"/>
-              <a:t>The other side has Slush-Angular-</a:t>
-            </a:r>
-            <a:r>
-              <a:rPr lang="en-US" dirty="0" err="1" smtClean="0"/>
-              <a:t>Webpack</a:t>
-            </a:r>
-            <a:r>
-              <a:rPr lang="en-US" dirty="0" smtClean="0"/>
-              <a:t> for creating SPAs</a:t>
-            </a:r>
-          </a:p>
-          <a:p>
-            <a:endParaRPr lang="en-US" dirty="0"/>
-          </a:p>
-          <a:p>
-            <a:r>
-              <a:rPr lang="en-US" dirty="0" smtClean="0"/>
-              <a:t>Salesforce-</a:t>
-            </a:r>
-            <a:r>
-              <a:rPr lang="en-US" dirty="0" err="1" smtClean="0"/>
-              <a:t>VSCode</a:t>
-            </a:r>
-            <a:r>
-              <a:rPr lang="en-US" dirty="0" smtClean="0"/>
-              <a:t> has a </a:t>
-            </a:r>
-            <a:r>
-              <a:rPr lang="en-US" dirty="0" err="1" smtClean="0"/>
-              <a:t>tasks.json</a:t>
-            </a:r>
-            <a:r>
-              <a:rPr lang="en-US" dirty="0" smtClean="0"/>
-              <a:t> file which refers to Gulp-Force, the </a:t>
-            </a:r>
-            <a:r>
-              <a:rPr lang="en-US" dirty="0" err="1" smtClean="0"/>
-              <a:t>tasks.json</a:t>
-            </a:r>
-            <a:r>
-              <a:rPr lang="en-US" dirty="0" smtClean="0"/>
-              <a:t> file uses a problem-matcher on the task to get back any errors from the Force Push</a:t>
-            </a:r>
-          </a:p>
-          <a:p>
-            <a:r>
-              <a:rPr lang="en-US" dirty="0" smtClean="0"/>
-              <a:t>Gulp-Force needs to be modified to accept a </a:t>
-            </a:r>
-            <a:r>
-              <a:rPr lang="en-US" dirty="0" err="1" smtClean="0"/>
-              <a:t>src</a:t>
-            </a:r>
-            <a:r>
-              <a:rPr lang="en-US" dirty="0" smtClean="0"/>
-              <a:t> file, then copy it to metadata, then run force push</a:t>
-            </a:r>
-          </a:p>
-          <a:p>
-            <a:endParaRPr lang="en-US" dirty="0"/>
-          </a:p>
-          <a:p>
-            <a:endParaRPr lang="en-US" dirty="0"/>
+              <a:rPr lang="en-US" sz="5400" dirty="0">
+                <a:solidFill>
+                  <a:schemeClr val="bg1"/>
+                </a:solidFill>
+              </a:rPr>
+              <a:t>Tying it all together with </a:t>
+            </a:r>
+            <a:r>
+              <a:rPr lang="en-US" sz="5400" dirty="0" err="1">
+                <a:solidFill>
+                  <a:schemeClr val="bg1"/>
+                </a:solidFill>
+              </a:rPr>
+              <a:t>Tasks.json</a:t>
+            </a:r>
+            <a:endParaRPr lang="en-US" sz="5400" dirty="0">
+              <a:solidFill>
+                <a:schemeClr val="bg1"/>
+              </a:solidFill>
+            </a:endParaRPr>
           </a:p>
         </p:txBody>
       </p:sp>
       <p:sp>
         <p:nvSpPr>
-          <p:cNvPr id="3" name="Text Placeholder 2"/>
+          <p:cNvPr id="3" name="Subtitle 2"/>
           <p:cNvSpPr>
             <a:spLocks noGrp="1"/>
           </p:cNvSpPr>
           <p:nvPr>
-            <p:ph type="body" idx="2"/>
+            <p:ph type="subTitle" idx="1"/>
           </p:nvPr>
         </p:nvSpPr>
         <p:spPr/>
@@ -16480,29 +16341,6 @@
           <a:bodyPr/>
           <a:lstStyle/>
           <a:p>
-            <a:endParaRPr lang="en-US"/>
-          </a:p>
-        </p:txBody>
-      </p:sp>
-      <p:sp>
-        <p:nvSpPr>
-          <p:cNvPr id="4" name="Title 3"/>
-          <p:cNvSpPr>
-            <a:spLocks noGrp="1"/>
-          </p:cNvSpPr>
-          <p:nvPr>
-            <p:ph type="title"/>
-          </p:nvPr>
-        </p:nvSpPr>
-        <p:spPr/>
-        <p:txBody>
-          <a:bodyPr/>
-          <a:lstStyle/>
-          <a:p>
-            <a:r>
-              <a:rPr lang="en-US" dirty="0" smtClean="0"/>
-              <a:t>Projects used to make a complete application</a:t>
-            </a:r>
             <a:endParaRPr lang="en-US" dirty="0"/>
           </a:p>
         </p:txBody>
@@ -16510,7 +16348,7 @@
     </p:spTree>
     <p:extLst>
       <p:ext uri="{BB962C8B-B14F-4D97-AF65-F5344CB8AC3E}">
-        <p14:creationId xmlns:p14="http://schemas.microsoft.com/office/powerpoint/2010/main" val="454219993"/>
+        <p14:creationId xmlns:p14="http://schemas.microsoft.com/office/powerpoint/2010/main" val="1953366475"/>
       </p:ext>
     </p:extLst>
   </p:cSld>
@@ -17071,6 +16909,492 @@
           <a:bodyPr/>
           <a:lstStyle/>
           <a:p>
+            <a:r>
+              <a:rPr lang="en-US" dirty="0" smtClean="0"/>
+              <a:t>Show </a:t>
+            </a:r>
+            <a:r>
+              <a:rPr lang="en-US" dirty="0" err="1" smtClean="0"/>
+              <a:t>Tasks,json</a:t>
+            </a:r>
+            <a:r>
+              <a:rPr lang="en-US" dirty="0" smtClean="0"/>
+              <a:t> file on left</a:t>
+            </a:r>
+          </a:p>
+          <a:p>
+            <a:endParaRPr lang="en-US" dirty="0"/>
+          </a:p>
+          <a:p>
+            <a:r>
+              <a:rPr lang="en-US" dirty="0" smtClean="0"/>
+              <a:t>Show </a:t>
+            </a:r>
+            <a:r>
+              <a:rPr lang="en-US" dirty="0" err="1" smtClean="0"/>
+              <a:t>Gulpfile.js</a:t>
+            </a:r>
+            <a:r>
+              <a:rPr lang="en-US" dirty="0" smtClean="0"/>
+              <a:t> on right</a:t>
+            </a:r>
+            <a:endParaRPr lang="en-US" dirty="0"/>
+          </a:p>
+        </p:txBody>
+      </p:sp>
+      <p:pic>
+        <p:nvPicPr>
+          <p:cNvPr id="5" name="Picture 4"/>
+          <p:cNvPicPr>
+            <a:picLocks noChangeAspect="1"/>
+          </p:cNvPicPr>
+          <p:nvPr/>
+        </p:nvPicPr>
+        <p:blipFill>
+          <a:blip r:embed="rId3">
+            <a:extLst>
+              <a:ext uri="{28A0092B-C50C-407E-A947-70E740481C1C}">
+                <a14:useLocalDpi xmlns:a14="http://schemas.microsoft.com/office/drawing/2010/main" val="0"/>
+              </a:ext>
+            </a:extLst>
+          </a:blip>
+          <a:stretch>
+            <a:fillRect/>
+          </a:stretch>
+        </p:blipFill>
+        <p:spPr>
+          <a:xfrm>
+            <a:off x="324341" y="1599479"/>
+            <a:ext cx="5706162" cy="4480560"/>
+          </a:xfrm>
+          <a:prstGeom prst="rect">
+            <a:avLst/>
+          </a:prstGeom>
+        </p:spPr>
+      </p:pic>
+      <p:pic>
+        <p:nvPicPr>
+          <p:cNvPr id="6" name="Picture 5"/>
+          <p:cNvPicPr>
+            <a:picLocks noChangeAspect="1"/>
+          </p:cNvPicPr>
+          <p:nvPr/>
+        </p:nvPicPr>
+        <p:blipFill>
+          <a:blip r:embed="rId4">
+            <a:extLst>
+              <a:ext uri="{28A0092B-C50C-407E-A947-70E740481C1C}">
+                <a14:useLocalDpi xmlns:a14="http://schemas.microsoft.com/office/drawing/2010/main" val="0"/>
+              </a:ext>
+            </a:extLst>
+          </a:blip>
+          <a:stretch>
+            <a:fillRect/>
+          </a:stretch>
+        </p:blipFill>
+        <p:spPr>
+          <a:xfrm>
+            <a:off x="6245911" y="1599479"/>
+            <a:ext cx="5581472" cy="4480560"/>
+          </a:xfrm>
+          <a:prstGeom prst="rect">
+            <a:avLst/>
+          </a:prstGeom>
+        </p:spPr>
+      </p:pic>
+      <p:sp>
+        <p:nvSpPr>
+          <p:cNvPr id="7" name="TextBox 6"/>
+          <p:cNvSpPr txBox="1"/>
+          <p:nvPr/>
+        </p:nvSpPr>
+        <p:spPr>
+          <a:xfrm>
+            <a:off x="2353733" y="1151467"/>
+            <a:ext cx="1040670" cy="307777"/>
+          </a:xfrm>
+          <a:prstGeom prst="rect">
+            <a:avLst/>
+          </a:prstGeom>
+          <a:noFill/>
+        </p:spPr>
+        <p:txBody>
+          <a:bodyPr wrap="none" rtlCol="0">
+            <a:spAutoFit/>
+          </a:bodyPr>
+          <a:lstStyle/>
+          <a:p>
+            <a:r>
+              <a:rPr lang="en-US" dirty="0" err="1" smtClean="0"/>
+              <a:t>Tasks.json</a:t>
+            </a:r>
+            <a:endParaRPr lang="en-US" dirty="0"/>
+          </a:p>
+        </p:txBody>
+      </p:sp>
+      <p:sp>
+        <p:nvSpPr>
+          <p:cNvPr id="8" name="TextBox 7"/>
+          <p:cNvSpPr txBox="1"/>
+          <p:nvPr/>
+        </p:nvSpPr>
+        <p:spPr>
+          <a:xfrm>
+            <a:off x="8550776" y="1195565"/>
+            <a:ext cx="971741" cy="523220"/>
+          </a:xfrm>
+          <a:prstGeom prst="rect">
+            <a:avLst/>
+          </a:prstGeom>
+          <a:noFill/>
+        </p:spPr>
+        <p:txBody>
+          <a:bodyPr wrap="none" rtlCol="0">
+            <a:spAutoFit/>
+          </a:bodyPr>
+          <a:lstStyle/>
+          <a:p>
+            <a:r>
+              <a:rPr lang="en-US" dirty="0" err="1" smtClean="0"/>
+              <a:t>Gulpfile.js</a:t>
+            </a:r>
+            <a:endParaRPr lang="en-US" dirty="0" smtClean="0"/>
+          </a:p>
+          <a:p>
+            <a:endParaRPr lang="en-US" dirty="0"/>
+          </a:p>
+        </p:txBody>
+      </p:sp>
+    </p:spTree>
+    <p:extLst>
+      <p:ext uri="{BB962C8B-B14F-4D97-AF65-F5344CB8AC3E}">
+        <p14:creationId xmlns:p14="http://schemas.microsoft.com/office/powerpoint/2010/main" val="1323762901"/>
+      </p:ext>
+    </p:extLst>
+  </p:cSld>
+  <p:clrMapOvr>
+    <a:masterClrMapping/>
+  </p:clrMapOvr>
+  <p:timing>
+    <p:tnLst>
+      <p:par>
+        <p:cTn id="1" dur="indefinite" restart="never" nodeType="tmRoot"/>
+      </p:par>
+    </p:tnLst>
+  </p:timing>
+</p:sld>
+</file>
+
+<file path=ppt/slides/slide21.xml><?xml version="1.0" encoding="utf-8"?>
+<p:sld xmlns:a="http://schemas.openxmlformats.org/drawingml/2006/main" xmlns:r="http://schemas.openxmlformats.org/officeDocument/2006/relationships" xmlns:p="http://schemas.openxmlformats.org/presentationml/2006/main">
+  <p:cSld>
+    <p:spTree>
+      <p:nvGrpSpPr>
+        <p:cNvPr id="1" name=""/>
+        <p:cNvGrpSpPr/>
+        <p:nvPr/>
+      </p:nvGrpSpPr>
+      <p:grpSpPr>
+        <a:xfrm>
+          <a:off x="0" y="0"/>
+          <a:ext cx="0" cy="0"/>
+          <a:chOff x="0" y="0"/>
+          <a:chExt cx="0" cy="0"/>
+        </a:xfrm>
+      </p:grpSpPr>
+      <p:sp>
+        <p:nvSpPr>
+          <p:cNvPr id="2" name="Title 1"/>
+          <p:cNvSpPr>
+            <a:spLocks noGrp="1"/>
+          </p:cNvSpPr>
+          <p:nvPr>
+            <p:ph type="ctrTitle"/>
+          </p:nvPr>
+        </p:nvSpPr>
+        <p:spPr/>
+        <p:txBody>
+          <a:bodyPr/>
+          <a:lstStyle/>
+          <a:p>
+            <a:r>
+              <a:rPr lang="en-US" sz="5400" dirty="0" smtClean="0">
+                <a:solidFill>
+                  <a:schemeClr val="bg1"/>
+                </a:solidFill>
+              </a:rPr>
+              <a:t>Presentation Resources</a:t>
+            </a:r>
+            <a:endParaRPr lang="en-US" sz="5400" dirty="0">
+              <a:solidFill>
+                <a:schemeClr val="bg1"/>
+              </a:solidFill>
+            </a:endParaRPr>
+          </a:p>
+        </p:txBody>
+      </p:sp>
+      <p:sp>
+        <p:nvSpPr>
+          <p:cNvPr id="3" name="Subtitle 2"/>
+          <p:cNvSpPr>
+            <a:spLocks noGrp="1"/>
+          </p:cNvSpPr>
+          <p:nvPr>
+            <p:ph type="subTitle" idx="1"/>
+          </p:nvPr>
+        </p:nvSpPr>
+        <p:spPr/>
+        <p:txBody>
+          <a:bodyPr/>
+          <a:lstStyle/>
+          <a:p>
+            <a:endParaRPr lang="en-US"/>
+          </a:p>
+        </p:txBody>
+      </p:sp>
+    </p:spTree>
+    <p:extLst>
+      <p:ext uri="{BB962C8B-B14F-4D97-AF65-F5344CB8AC3E}">
+        <p14:creationId xmlns:p14="http://schemas.microsoft.com/office/powerpoint/2010/main" val="240054513"/>
+      </p:ext>
+    </p:extLst>
+  </p:cSld>
+  <p:clrMapOvr>
+    <a:masterClrMapping/>
+  </p:clrMapOvr>
+  <p:timing>
+    <p:tnLst>
+      <p:par>
+        <p:cTn id="1" dur="indefinite" restart="never" nodeType="tmRoot"/>
+      </p:par>
+    </p:tnLst>
+  </p:timing>
+</p:sld>
+</file>
+
+<file path=ppt/slides/slide22.xml><?xml version="1.0" encoding="utf-8"?>
+<p:sld xmlns:a="http://schemas.openxmlformats.org/drawingml/2006/main" xmlns:r="http://schemas.openxmlformats.org/officeDocument/2006/relationships" xmlns:p="http://schemas.openxmlformats.org/presentationml/2006/main">
+  <p:cSld>
+    <p:spTree>
+      <p:nvGrpSpPr>
+        <p:cNvPr id="1" name=""/>
+        <p:cNvGrpSpPr/>
+        <p:nvPr/>
+      </p:nvGrpSpPr>
+      <p:grpSpPr>
+        <a:xfrm>
+          <a:off x="0" y="0"/>
+          <a:ext cx="0" cy="0"/>
+          <a:chOff x="0" y="0"/>
+          <a:chExt cx="0" cy="0"/>
+        </a:xfrm>
+      </p:grpSpPr>
+      <p:sp>
+        <p:nvSpPr>
+          <p:cNvPr id="2" name="Text Placeholder 1"/>
+          <p:cNvSpPr>
+            <a:spLocks noGrp="1"/>
+          </p:cNvSpPr>
+          <p:nvPr>
+            <p:ph type="body" idx="1"/>
+          </p:nvPr>
+        </p:nvSpPr>
+        <p:spPr/>
+        <p:txBody>
+          <a:bodyPr/>
+          <a:lstStyle/>
+          <a:p>
+            <a:r>
+              <a:rPr lang="en-US" dirty="0" smtClean="0"/>
+              <a:t>Show diagram of VSCode-DF15 at top, </a:t>
+            </a:r>
+          </a:p>
+          <a:p>
+            <a:r>
+              <a:rPr lang="en-US" dirty="0" smtClean="0"/>
+              <a:t>then </a:t>
+            </a:r>
+            <a:r>
+              <a:rPr lang="en-US" dirty="0" err="1" smtClean="0"/>
+              <a:t>Saleforce-VSCode</a:t>
+            </a:r>
+            <a:r>
+              <a:rPr lang="en-US" dirty="0" smtClean="0"/>
+              <a:t> under that and to the side.</a:t>
+            </a:r>
+          </a:p>
+          <a:p>
+            <a:r>
+              <a:rPr lang="en-US" dirty="0" smtClean="0"/>
+              <a:t>Then Gulp-Force under that, which wraps Force to provide, create Apex</a:t>
+            </a:r>
+          </a:p>
+          <a:p>
+            <a:endParaRPr lang="en-US" dirty="0" smtClean="0"/>
+          </a:p>
+          <a:p>
+            <a:r>
+              <a:rPr lang="en-US" dirty="0" smtClean="0"/>
+              <a:t>The other side has Slush-Angular-</a:t>
+            </a:r>
+            <a:r>
+              <a:rPr lang="en-US" dirty="0" err="1" smtClean="0"/>
+              <a:t>Webpack</a:t>
+            </a:r>
+            <a:r>
+              <a:rPr lang="en-US" dirty="0" smtClean="0"/>
+              <a:t> for creating SPAs</a:t>
+            </a:r>
+          </a:p>
+          <a:p>
+            <a:endParaRPr lang="en-US" dirty="0"/>
+          </a:p>
+          <a:p>
+            <a:r>
+              <a:rPr lang="en-US" dirty="0" smtClean="0"/>
+              <a:t>Salesforce-</a:t>
+            </a:r>
+            <a:r>
+              <a:rPr lang="en-US" dirty="0" err="1" smtClean="0"/>
+              <a:t>VSCode</a:t>
+            </a:r>
+            <a:r>
+              <a:rPr lang="en-US" dirty="0" smtClean="0"/>
+              <a:t> has a </a:t>
+            </a:r>
+            <a:r>
+              <a:rPr lang="en-US" dirty="0" err="1" smtClean="0"/>
+              <a:t>tasks.json</a:t>
+            </a:r>
+            <a:r>
+              <a:rPr lang="en-US" dirty="0" smtClean="0"/>
+              <a:t> file which refers to Gulp-Force, the </a:t>
+            </a:r>
+            <a:r>
+              <a:rPr lang="en-US" dirty="0" err="1" smtClean="0"/>
+              <a:t>tasks.json</a:t>
+            </a:r>
+            <a:r>
+              <a:rPr lang="en-US" dirty="0" smtClean="0"/>
+              <a:t> file uses a problem-matcher on the task to get back any errors from the Force Push</a:t>
+            </a:r>
+          </a:p>
+          <a:p>
+            <a:r>
+              <a:rPr lang="en-US" dirty="0" smtClean="0"/>
+              <a:t>Gulp-Force needs to be modified to accept a </a:t>
+            </a:r>
+            <a:r>
+              <a:rPr lang="en-US" dirty="0" err="1" smtClean="0"/>
+              <a:t>src</a:t>
+            </a:r>
+            <a:r>
+              <a:rPr lang="en-US" dirty="0" smtClean="0"/>
+              <a:t> file, then copy it to metadata, then run force push</a:t>
+            </a:r>
+          </a:p>
+          <a:p>
+            <a:endParaRPr lang="en-US" dirty="0"/>
+          </a:p>
+          <a:p>
+            <a:endParaRPr lang="en-US" dirty="0"/>
+          </a:p>
+        </p:txBody>
+      </p:sp>
+      <p:sp>
+        <p:nvSpPr>
+          <p:cNvPr id="3" name="Text Placeholder 2"/>
+          <p:cNvSpPr>
+            <a:spLocks noGrp="1"/>
+          </p:cNvSpPr>
+          <p:nvPr>
+            <p:ph type="body" idx="2"/>
+          </p:nvPr>
+        </p:nvSpPr>
+        <p:spPr/>
+        <p:txBody>
+          <a:bodyPr/>
+          <a:lstStyle/>
+          <a:p>
+            <a:endParaRPr lang="en-US"/>
+          </a:p>
+        </p:txBody>
+      </p:sp>
+      <p:sp>
+        <p:nvSpPr>
+          <p:cNvPr id="4" name="Title 3"/>
+          <p:cNvSpPr>
+            <a:spLocks noGrp="1"/>
+          </p:cNvSpPr>
+          <p:nvPr>
+            <p:ph type="title"/>
+          </p:nvPr>
+        </p:nvSpPr>
+        <p:spPr/>
+        <p:txBody>
+          <a:bodyPr/>
+          <a:lstStyle/>
+          <a:p>
+            <a:r>
+              <a:rPr lang="en-US" dirty="0" smtClean="0"/>
+              <a:t>Projects used to make a complete application</a:t>
+            </a:r>
+            <a:endParaRPr lang="en-US" dirty="0"/>
+          </a:p>
+        </p:txBody>
+      </p:sp>
+    </p:spTree>
+    <p:extLst>
+      <p:ext uri="{BB962C8B-B14F-4D97-AF65-F5344CB8AC3E}">
+        <p14:creationId xmlns:p14="http://schemas.microsoft.com/office/powerpoint/2010/main" val="454219993"/>
+      </p:ext>
+    </p:extLst>
+  </p:cSld>
+  <p:clrMapOvr>
+    <a:masterClrMapping/>
+  </p:clrMapOvr>
+  <p:timing>
+    <p:tnLst>
+      <p:par>
+        <p:cTn id="1" dur="indefinite" restart="never" nodeType="tmRoot"/>
+      </p:par>
+    </p:tnLst>
+  </p:timing>
+</p:sld>
+</file>
+
+<file path=ppt/slides/slide23.xml><?xml version="1.0" encoding="utf-8"?>
+<p:sld xmlns:a="http://schemas.openxmlformats.org/drawingml/2006/main" xmlns:r="http://schemas.openxmlformats.org/officeDocument/2006/relationships" xmlns:p="http://schemas.openxmlformats.org/presentationml/2006/main">
+  <p:cSld>
+    <p:spTree>
+      <p:nvGrpSpPr>
+        <p:cNvPr id="1" name=""/>
+        <p:cNvGrpSpPr/>
+        <p:nvPr/>
+      </p:nvGrpSpPr>
+      <p:grpSpPr>
+        <a:xfrm>
+          <a:off x="0" y="0"/>
+          <a:ext cx="0" cy="0"/>
+          <a:chOff x="0" y="0"/>
+          <a:chExt cx="0" cy="0"/>
+        </a:xfrm>
+      </p:grpSpPr>
+      <p:sp>
+        <p:nvSpPr>
+          <p:cNvPr id="2" name="Text Placeholder 1"/>
+          <p:cNvSpPr>
+            <a:spLocks noGrp="1"/>
+          </p:cNvSpPr>
+          <p:nvPr>
+            <p:ph type="body" idx="1"/>
+          </p:nvPr>
+        </p:nvSpPr>
+        <p:spPr/>
+        <p:txBody>
+          <a:bodyPr/>
+          <a:lstStyle/>
+          <a:p>
             <a:pPr marL="574675" lvl="1" indent="-342900">
               <a:buFont typeface="+mj-lt"/>
               <a:buAutoNum type="arabicPeriod"/>
@@ -17129,11 +17453,7 @@
             </a:pPr>
             <a:r>
               <a:rPr lang="en-US" dirty="0" smtClean="0"/>
-              <a:t>The </a:t>
-            </a:r>
-            <a:r>
-              <a:rPr lang="en-US" dirty="0" smtClean="0"/>
-              <a:t>Visual Studio Code </a:t>
+              <a:t>The Visual Studio Code </a:t>
             </a:r>
             <a:r>
               <a:rPr lang="en-US" dirty="0" err="1" smtClean="0"/>
@@ -17143,7 +17463,6 @@
               <a:rPr lang="en-US" dirty="0" smtClean="0"/>
               <a:t> site provides the path forward for Visual Studio Code.  </a:t>
             </a:r>
-            <a:endParaRPr lang="en-US" dirty="0" smtClean="0"/>
           </a:p>
           <a:p>
             <a:pPr marL="863600" lvl="2" indent="-342900">
@@ -17156,13 +17475,8 @@
             </a:r>
             <a:r>
               <a:rPr lang="en-US" dirty="0" smtClean="0"/>
-              <a:t> </a:t>
-            </a:r>
-            <a:r>
-              <a:rPr lang="en-US" dirty="0" smtClean="0"/>
-              <a:t>is a crowd-sourced, free and open application, wholly funded and supported by Microsoft.  </a:t>
-            </a:r>
-            <a:endParaRPr lang="en-US" dirty="0" smtClean="0"/>
+              <a:t> is a crowd-sourced, free and open application, wholly funded and supported by Microsoft.  </a:t>
+            </a:r>
           </a:p>
           <a:p>
             <a:pPr marL="863600" lvl="2" indent="-342900">
@@ -17175,11 +17489,7 @@
             </a:r>
             <a:r>
               <a:rPr lang="en-US" dirty="0" smtClean="0"/>
-              <a:t> </a:t>
-            </a:r>
-            <a:r>
-              <a:rPr lang="en-US" dirty="0" smtClean="0"/>
-              <a:t>demonstrates the new Microsoft and their commitment to empowering developers on every platform.</a:t>
+              <a:t> demonstrates the new Microsoft and their commitment to empowering developers on every platform.</a:t>
             </a:r>
           </a:p>
         </p:txBody>
@@ -17244,7 +17554,7 @@
 </p:sld>
 </file>
 
-<file path=ppt/slides/slide21.xml><?xml version="1.0" encoding="utf-8"?>
+<file path=ppt/slides/slide24.xml><?xml version="1.0" encoding="utf-8"?>
 <p:sld xmlns:a="http://schemas.openxmlformats.org/drawingml/2006/main" xmlns:r="http://schemas.openxmlformats.org/officeDocument/2006/relationships" xmlns:p="http://schemas.openxmlformats.org/presentationml/2006/main">
   <p:cSld>
     <p:spTree>
@@ -17330,6 +17640,13 @@
   <p:transition spd="slow">
     <p:cut/>
   </p:transition>
+  <p:timing>
+    <p:tnLst>
+      <p:par>
+        <p:cTn id="1" dur="indefinite" restart="never" nodeType="tmRoot"/>
+      </p:par>
+    </p:tnLst>
+  </p:timing>
 </p:sld>
 </file>
 
@@ -18900,36 +19217,6 @@
           </a:p>
         </p:txBody>
       </p:sp>
-      <p:pic>
-        <p:nvPicPr>
-          <p:cNvPr id="9" name="Picture 8"/>
-          <p:cNvPicPr>
-            <a:picLocks noChangeAspect="1"/>
-          </p:cNvPicPr>
-          <p:nvPr/>
-        </p:nvPicPr>
-        <p:blipFill>
-          <a:blip r:embed="rId10">
-            <a:extLst>
-              <a:ext uri="{28A0092B-C50C-407E-A947-70E740481C1C}">
-                <a14:useLocalDpi xmlns:a14="http://schemas.microsoft.com/office/drawing/2010/main" val="0"/>
-              </a:ext>
-            </a:extLst>
-          </a:blip>
-          <a:stretch>
-            <a:fillRect/>
-          </a:stretch>
-        </p:blipFill>
-        <p:spPr>
-          <a:xfrm>
-            <a:off x="6686486" y="3758355"/>
-            <a:ext cx="1260288" cy="1260288"/>
-          </a:xfrm>
-          <a:prstGeom prst="rect">
-            <a:avLst/>
-          </a:prstGeom>
-        </p:spPr>
-      </p:pic>
     </p:spTree>
     <p:extLst>
       <p:ext uri="{BB962C8B-B14F-4D97-AF65-F5344CB8AC3E}">
@@ -19380,51 +19667,6 @@
                                         </p:cTn>
                                         <p:tgtEl>
                                           <p:spTgt spid="10"/>
-                                        </p:tgtEl>
-                                        <p:attrNameLst>
-                                          <p:attrName>style.visibility</p:attrName>
-                                        </p:attrNameLst>
-                                      </p:cBhvr>
-                                      <p:to>
-                                        <p:strVal val="visible"/>
-                                      </p:to>
-                                    </p:set>
-                                  </p:childTnLst>
-                                </p:cTn>
-                              </p:par>
-                            </p:childTnLst>
-                          </p:cTn>
-                        </p:par>
-                      </p:childTnLst>
-                    </p:cTn>
-                  </p:par>
-                  <p:par>
-                    <p:cTn id="41" fill="hold">
-                      <p:stCondLst>
-                        <p:cond delay="indefinite"/>
-                      </p:stCondLst>
-                      <p:childTnLst>
-                        <p:par>
-                          <p:cTn id="42" fill="hold">
-                            <p:stCondLst>
-                              <p:cond delay="0"/>
-                            </p:stCondLst>
-                            <p:childTnLst>
-                              <p:par>
-                                <p:cTn id="43" presetID="1" presetClass="entr" presetSubtype="0" fill="hold" nodeType="clickEffect">
-                                  <p:stCondLst>
-                                    <p:cond delay="0"/>
-                                  </p:stCondLst>
-                                  <p:childTnLst>
-                                    <p:set>
-                                      <p:cBhvr>
-                                        <p:cTn id="44" dur="1" fill="hold">
-                                          <p:stCondLst>
-                                            <p:cond delay="0"/>
-                                          </p:stCondLst>
-                                        </p:cTn>
-                                        <p:tgtEl>
-                                          <p:spTgt spid="9"/>
                                         </p:tgtEl>
                                         <p:attrNameLst>
                                           <p:attrName>style.visibility</p:attrName>

--- a/John Nelson - DF15 - PowerPoint Presentation - Draft.pptx
+++ b/John Nelson - DF15 - PowerPoint Presentation - Draft.pptx
@@ -5,33 +5,34 @@
     <p:sldMasterId id="2147483681" r:id="rId1"/>
   </p:sldMasterIdLst>
   <p:notesMasterIdLst>
-    <p:notesMasterId r:id="rId26"/>
+    <p:notesMasterId r:id="rId27"/>
   </p:notesMasterIdLst>
   <p:sldIdLst>
-    <p:sldId id="351" r:id="rId2"/>
-    <p:sldId id="256" r:id="rId3"/>
-    <p:sldId id="353" r:id="rId4"/>
-    <p:sldId id="373" r:id="rId5"/>
-    <p:sldId id="370" r:id="rId6"/>
-    <p:sldId id="372" r:id="rId7"/>
-    <p:sldId id="352" r:id="rId8"/>
-    <p:sldId id="375" r:id="rId9"/>
-    <p:sldId id="358" r:id="rId10"/>
-    <p:sldId id="376" r:id="rId11"/>
-    <p:sldId id="360" r:id="rId12"/>
-    <p:sldId id="357" r:id="rId13"/>
-    <p:sldId id="378" r:id="rId14"/>
-    <p:sldId id="361" r:id="rId15"/>
-    <p:sldId id="383" r:id="rId16"/>
-    <p:sldId id="380" r:id="rId17"/>
-    <p:sldId id="384" r:id="rId18"/>
-    <p:sldId id="362" r:id="rId19"/>
-    <p:sldId id="388" r:id="rId20"/>
-    <p:sldId id="387" r:id="rId21"/>
-    <p:sldId id="390" r:id="rId22"/>
-    <p:sldId id="385" r:id="rId23"/>
-    <p:sldId id="369" r:id="rId24"/>
+    <p:sldId id="256" r:id="rId2"/>
+    <p:sldId id="353" r:id="rId3"/>
+    <p:sldId id="373" r:id="rId4"/>
+    <p:sldId id="370" r:id="rId5"/>
+    <p:sldId id="372" r:id="rId6"/>
+    <p:sldId id="352" r:id="rId7"/>
+    <p:sldId id="375" r:id="rId8"/>
+    <p:sldId id="358" r:id="rId9"/>
+    <p:sldId id="376" r:id="rId10"/>
+    <p:sldId id="360" r:id="rId11"/>
+    <p:sldId id="357" r:id="rId12"/>
+    <p:sldId id="378" r:id="rId13"/>
+    <p:sldId id="361" r:id="rId14"/>
+    <p:sldId id="383" r:id="rId15"/>
+    <p:sldId id="380" r:id="rId16"/>
+    <p:sldId id="384" r:id="rId17"/>
+    <p:sldId id="362" r:id="rId18"/>
+    <p:sldId id="388" r:id="rId19"/>
+    <p:sldId id="392" r:id="rId20"/>
+    <p:sldId id="393" r:id="rId21"/>
+    <p:sldId id="369" r:id="rId22"/>
+    <p:sldId id="390" r:id="rId23"/>
+    <p:sldId id="385" r:id="rId24"/>
     <p:sldId id="386" r:id="rId25"/>
+    <p:sldId id="351" r:id="rId26"/>
   </p:sldIdLst>
   <p:sldSz cx="12188825" cy="6858000"/>
   <p:notesSz cx="7010400" cy="9296400"/>
@@ -4463,7 +4464,7 @@
     </p:spTree>
     <p:extLst>
       <p:ext uri="{BB962C8B-B14F-4D97-AF65-F5344CB8AC3E}">
-        <p14:creationId xmlns:p14="http://schemas.microsoft.com/office/powerpoint/2010/main" val="1758479999"/>
+        <p14:creationId xmlns:p14="http://schemas.microsoft.com/office/powerpoint/2010/main" val="1668778238"/>
       </p:ext>
     </p:extLst>
   </p:cSld>
@@ -4474,67 +4475,6 @@
 </file>
 
 <file path=ppt/notesSlides/notesSlide17.xml><?xml version="1.0" encoding="utf-8"?>
-<p:notes xmlns:a="http://schemas.openxmlformats.org/drawingml/2006/main" xmlns:r="http://schemas.openxmlformats.org/officeDocument/2006/relationships" xmlns:p="http://schemas.openxmlformats.org/presentationml/2006/main">
-  <p:cSld>
-    <p:spTree>
-      <p:nvGrpSpPr>
-        <p:cNvPr id="1" name=""/>
-        <p:cNvGrpSpPr/>
-        <p:nvPr/>
-      </p:nvGrpSpPr>
-      <p:grpSpPr>
-        <a:xfrm>
-          <a:off x="0" y="0"/>
-          <a:ext cx="0" cy="0"/>
-          <a:chOff x="0" y="0"/>
-          <a:chExt cx="0" cy="0"/>
-        </a:xfrm>
-      </p:grpSpPr>
-      <p:sp>
-        <p:nvSpPr>
-          <p:cNvPr id="2" name="Slide Image Placeholder 1"/>
-          <p:cNvSpPr>
-            <a:spLocks noGrp="1" noRot="1" noChangeAspect="1"/>
-          </p:cNvSpPr>
-          <p:nvPr>
-            <p:ph type="sldImg"/>
-          </p:nvPr>
-        </p:nvSpPr>
-        <p:spPr/>
-      </p:sp>
-      <p:sp>
-        <p:nvSpPr>
-          <p:cNvPr id="3" name="Notes Placeholder 2"/>
-          <p:cNvSpPr>
-            <a:spLocks noGrp="1"/>
-          </p:cNvSpPr>
-          <p:nvPr>
-            <p:ph type="body" idx="1"/>
-          </p:nvPr>
-        </p:nvSpPr>
-        <p:spPr/>
-        <p:txBody>
-          <a:bodyPr/>
-          <a:lstStyle/>
-          <a:p>
-            <a:endParaRPr lang="en-US" dirty="0"/>
-          </a:p>
-        </p:txBody>
-      </p:sp>
-    </p:spTree>
-    <p:extLst>
-      <p:ext uri="{BB962C8B-B14F-4D97-AF65-F5344CB8AC3E}">
-        <p14:creationId xmlns:p14="http://schemas.microsoft.com/office/powerpoint/2010/main" val="1668778238"/>
-      </p:ext>
-    </p:extLst>
-  </p:cSld>
-  <p:clrMapOvr>
-    <a:masterClrMapping/>
-  </p:clrMapOvr>
-</p:notes>
-</file>
-
-<file path=ppt/notesSlides/notesSlide18.xml><?xml version="1.0" encoding="utf-8"?>
 <p:notes xmlns:a="http://schemas.openxmlformats.org/drawingml/2006/main" xmlns:r="http://schemas.openxmlformats.org/officeDocument/2006/relationships" xmlns:p="http://schemas.openxmlformats.org/presentationml/2006/main" showMasterSp="0" showMasterPhAnim="0">
   <p:cSld>
     <p:spTree>
@@ -5062,7 +5002,6 @@
               <a:rPr lang="en-US" baseline="0" dirty="0" smtClean="0"/>
               <a:t> the deal?  Why are we here?  </a:t>
             </a:r>
-            <a:endParaRPr lang="en-US" baseline="0" dirty="0" smtClean="0"/>
           </a:p>
           <a:p>
             <a:pPr>
@@ -9930,7 +9869,7 @@
   <p:cSld>
     <p:spTree>
       <p:nvGrpSpPr>
-        <p:cNvPr id="1" name=""/>
+        <p:cNvPr id="1" name="Shape 391"/>
         <p:cNvGrpSpPr/>
         <p:nvPr/>
       </p:nvGrpSpPr>
@@ -9944,338 +9883,7 @@
       </p:grpSpPr>
       <p:sp>
         <p:nvSpPr>
-          <p:cNvPr id="2" name="Title 1"/>
-          <p:cNvSpPr>
-            <a:spLocks noGrp="1"/>
-          </p:cNvSpPr>
-          <p:nvPr>
-            <p:ph type="title"/>
-          </p:nvPr>
-        </p:nvSpPr>
-        <p:spPr/>
-        <p:txBody>
-          <a:bodyPr/>
-          <a:lstStyle/>
-          <a:p>
-            <a:r>
-              <a:rPr lang="en-US" sz="4000" dirty="0" smtClean="0"/>
-              <a:t>Modern Workflow Talk Outline</a:t>
-            </a:r>
-            <a:endParaRPr lang="en-US" dirty="0"/>
-          </a:p>
-        </p:txBody>
-      </p:sp>
-      <p:sp>
-        <p:nvSpPr>
-          <p:cNvPr id="3" name="Text Placeholder 2"/>
-          <p:cNvSpPr>
-            <a:spLocks noGrp="1"/>
-          </p:cNvSpPr>
-          <p:nvPr>
-            <p:ph type="body" idx="1"/>
-          </p:nvPr>
-        </p:nvSpPr>
-        <p:spPr>
-          <a:xfrm>
-            <a:off x="338328" y="1021078"/>
-            <a:ext cx="11484864" cy="4866013"/>
-          </a:xfrm>
-        </p:spPr>
-        <p:txBody>
-          <a:bodyPr/>
-          <a:lstStyle/>
-          <a:p>
-            <a:pPr marL="342900" indent="-342900">
-              <a:buFont typeface="+mj-lt"/>
-              <a:buAutoNum type="arabicPeriod"/>
-            </a:pPr>
-            <a:r>
-              <a:rPr lang="en-US" dirty="0" smtClean="0"/>
-              <a:t>Welcome to The Modern Salesforce Development Workflow with Visual Studio Code</a:t>
-            </a:r>
-          </a:p>
-          <a:p>
-            <a:pPr marL="342900" indent="-342900">
-              <a:buFont typeface="+mj-lt"/>
-              <a:buAutoNum type="arabicPeriod"/>
-            </a:pPr>
-            <a:r>
-              <a:rPr lang="en-US" dirty="0" smtClean="0"/>
-              <a:t>The Problem: cross platform development is hard</a:t>
-            </a:r>
-          </a:p>
-          <a:p>
-            <a:pPr marL="342900" indent="-342900">
-              <a:buFont typeface="+mj-lt"/>
-              <a:buAutoNum type="arabicPeriod"/>
-            </a:pPr>
-            <a:r>
-              <a:rPr lang="en-US" dirty="0" smtClean="0"/>
-              <a:t>What is Visual Studio Code</a:t>
-            </a:r>
-          </a:p>
-          <a:p>
-            <a:pPr marL="574675" lvl="1" indent="-342900">
-              <a:buFont typeface="+mj-lt"/>
-              <a:buAutoNum type="arabicPeriod"/>
-            </a:pPr>
-            <a:r>
-              <a:rPr lang="en-US" dirty="0" smtClean="0"/>
-              <a:t>Open Source: Electron (Atom Shell) serves as the foundation with the Roslyn Code Editor (Open Source) resting on top</a:t>
-            </a:r>
-          </a:p>
-          <a:p>
-            <a:pPr marL="574675" lvl="1" indent="-342900">
-              <a:buFont typeface="+mj-lt"/>
-              <a:buAutoNum type="arabicPeriod"/>
-            </a:pPr>
-            <a:r>
-              <a:rPr lang="en-US" dirty="0" smtClean="0"/>
-              <a:t>Modern App: Fast, Lightweight, Cross-Platform, Built with JavaScript, and </a:t>
-            </a:r>
-            <a:r>
-              <a:rPr lang="en-US" dirty="0" err="1" smtClean="0"/>
-              <a:t>Hackable</a:t>
-            </a:r>
-            <a:r>
-              <a:rPr lang="en-US" dirty="0" smtClean="0"/>
-              <a:t> to the core (edit the editor with the editor)</a:t>
-            </a:r>
-          </a:p>
-          <a:p>
-            <a:pPr marL="574675" lvl="1" indent="-342900">
-              <a:buFont typeface="+mj-lt"/>
-              <a:buAutoNum type="arabicPeriod"/>
-            </a:pPr>
-            <a:r>
-              <a:rPr lang="en-US" dirty="0" smtClean="0"/>
-              <a:t>Nice Features: Fantastic </a:t>
-            </a:r>
-            <a:r>
-              <a:rPr lang="en-US" dirty="0" err="1" smtClean="0"/>
-              <a:t>Git</a:t>
-            </a:r>
-            <a:r>
-              <a:rPr lang="en-US" dirty="0" smtClean="0"/>
-              <a:t> integration, </a:t>
-            </a:r>
-            <a:r>
-              <a:rPr lang="en-US" dirty="0" err="1" smtClean="0"/>
-              <a:t>Node.js</a:t>
-            </a:r>
-            <a:r>
-              <a:rPr lang="en-US" dirty="0" smtClean="0"/>
-              <a:t> debugging, Keyboard centric workflow, and Tasks</a:t>
-            </a:r>
-          </a:p>
-          <a:p>
-            <a:pPr marL="342900" indent="-342900">
-              <a:buFont typeface="+mj-lt"/>
-              <a:buAutoNum type="arabicPeriod"/>
-            </a:pPr>
-            <a:r>
-              <a:rPr lang="en-US" dirty="0" smtClean="0"/>
-              <a:t>What is the Modern Workflow we are discussing</a:t>
-            </a:r>
-          </a:p>
-          <a:p>
-            <a:pPr marL="574675" lvl="1" indent="-342900">
-              <a:buFont typeface="+mj-lt"/>
-              <a:buAutoNum type="arabicPeriod"/>
-            </a:pPr>
-            <a:r>
-              <a:rPr lang="en-US" dirty="0" smtClean="0"/>
-              <a:t>JavaScript SPAs built with Angular and Typescript, and NPM</a:t>
-            </a:r>
-          </a:p>
-          <a:p>
-            <a:pPr marL="574675" lvl="1" indent="-342900">
-              <a:buFont typeface="+mj-lt"/>
-              <a:buAutoNum type="arabicPeriod"/>
-            </a:pPr>
-            <a:r>
-              <a:rPr lang="en-US" dirty="0" smtClean="0"/>
-              <a:t>Salesforce files built using VRO, Remote Actions w/ Apex Patterns, REST API, and connected </a:t>
-            </a:r>
-            <a:r>
-              <a:rPr lang="en-US" dirty="0" err="1" smtClean="0"/>
-              <a:t>Node.js</a:t>
-            </a:r>
-            <a:r>
-              <a:rPr lang="en-US" dirty="0" smtClean="0"/>
-              <a:t> Apps (</a:t>
-            </a:r>
-            <a:r>
-              <a:rPr lang="en-US" dirty="0" err="1" smtClean="0"/>
-              <a:t>Heroku</a:t>
-            </a:r>
-            <a:r>
-              <a:rPr lang="en-US" dirty="0" smtClean="0"/>
-              <a:t>)</a:t>
-            </a:r>
-          </a:p>
-          <a:p>
-            <a:pPr marL="342900" indent="-342900">
-              <a:buFont typeface="+mj-lt"/>
-              <a:buAutoNum type="arabicPeriod"/>
-            </a:pPr>
-            <a:r>
-              <a:rPr lang="en-US" dirty="0" smtClean="0"/>
-              <a:t>How can we use </a:t>
-            </a:r>
-            <a:r>
-              <a:rPr lang="en-US" dirty="0" err="1" smtClean="0"/>
-              <a:t>VSCode</a:t>
-            </a:r>
-            <a:r>
-              <a:rPr lang="en-US" dirty="0" smtClean="0"/>
-              <a:t> in the Modern Salesforce workflow</a:t>
-            </a:r>
-          </a:p>
-          <a:p>
-            <a:pPr marL="574675" lvl="1" indent="-342900">
-              <a:buFont typeface="+mj-lt"/>
-              <a:buAutoNum type="arabicPeriod"/>
-            </a:pPr>
-            <a:r>
-              <a:rPr lang="en-US" dirty="0" smtClean="0"/>
-              <a:t>Grammars and Snippets (</a:t>
-            </a:r>
-            <a:r>
-              <a:rPr lang="en-US" dirty="0" err="1" smtClean="0"/>
-              <a:t>Firstmate</a:t>
-            </a:r>
-            <a:r>
-              <a:rPr lang="en-US" dirty="0" smtClean="0"/>
-              <a:t>/</a:t>
-            </a:r>
-            <a:r>
-              <a:rPr lang="en-US" dirty="0" err="1" smtClean="0"/>
-              <a:t>Textmate</a:t>
-            </a:r>
-            <a:r>
-              <a:rPr lang="en-US" dirty="0" smtClean="0"/>
-              <a:t> grammars thanks to Joe Ferraro)</a:t>
-            </a:r>
-          </a:p>
-          <a:p>
-            <a:pPr marL="574675" lvl="1" indent="-342900">
-              <a:buFont typeface="+mj-lt"/>
-              <a:buAutoNum type="arabicPeriod"/>
-            </a:pPr>
-            <a:r>
-              <a:rPr lang="en-US" dirty="0" smtClean="0"/>
-              <a:t>Tasks with </a:t>
-            </a:r>
-            <a:r>
-              <a:rPr lang="en-US" dirty="0" err="1" smtClean="0"/>
-              <a:t>Tasks.json</a:t>
-            </a:r>
-            <a:r>
-              <a:rPr lang="en-US" dirty="0" smtClean="0"/>
-              <a:t> controlling and passing variables to Gulp &amp; Force CLI, Ant, or anything</a:t>
-            </a:r>
-          </a:p>
-          <a:p>
-            <a:pPr marL="574675" lvl="1" indent="-342900">
-              <a:buFont typeface="+mj-lt"/>
-              <a:buAutoNum type="arabicPeriod"/>
-            </a:pPr>
-            <a:r>
-              <a:rPr lang="en-US" dirty="0" smtClean="0"/>
-              <a:t>Auto-Deploy SF files with Gulp watch task</a:t>
-            </a:r>
-          </a:p>
-          <a:p>
-            <a:pPr marL="574675" lvl="1" indent="-342900">
-              <a:buFont typeface="+mj-lt"/>
-              <a:buAutoNum type="arabicPeriod"/>
-            </a:pPr>
-            <a:r>
-              <a:rPr lang="en-US" dirty="0" smtClean="0"/>
-              <a:t>Auto-Deploy SPA files with </a:t>
-            </a:r>
-            <a:r>
-              <a:rPr lang="en-US" dirty="0" err="1" smtClean="0"/>
-              <a:t>Webpack</a:t>
-            </a:r>
-            <a:r>
-              <a:rPr lang="en-US" dirty="0" smtClean="0"/>
-              <a:t> watch task</a:t>
-            </a:r>
-          </a:p>
-          <a:p>
-            <a:pPr marL="574675" lvl="1" indent="-342900">
-              <a:buFont typeface="+mj-lt"/>
-              <a:buAutoNum type="arabicPeriod"/>
-            </a:pPr>
-            <a:r>
-              <a:rPr lang="en-US" dirty="0" smtClean="0"/>
-              <a:t>Future extensibility with </a:t>
-            </a:r>
-            <a:r>
-              <a:rPr lang="en-US" dirty="0" err="1" smtClean="0"/>
-              <a:t>Omnisharp</a:t>
-            </a:r>
-            <a:r>
-              <a:rPr lang="en-US" dirty="0" smtClean="0"/>
-              <a:t> with the goal of implementing </a:t>
-            </a:r>
-            <a:r>
-              <a:rPr lang="en-US" dirty="0" err="1"/>
-              <a:t>I</a:t>
-            </a:r>
-            <a:r>
-              <a:rPr lang="en-US" dirty="0" err="1" smtClean="0"/>
-              <a:t>ntellisense</a:t>
-            </a:r>
-            <a:r>
-              <a:rPr lang="en-US" dirty="0" smtClean="0"/>
-              <a:t> for Apex and VF</a:t>
-            </a:r>
-          </a:p>
-        </p:txBody>
-      </p:sp>
-    </p:spTree>
-    <p:extLst>
-      <p:ext uri="{BB962C8B-B14F-4D97-AF65-F5344CB8AC3E}">
-        <p14:creationId xmlns:p14="http://schemas.microsoft.com/office/powerpoint/2010/main" val="1971733161"/>
-      </p:ext>
-    </p:extLst>
-  </p:cSld>
-  <p:clrMapOvr>
-    <a:masterClrMapping/>
-  </p:clrMapOvr>
-  <p:timing>
-    <p:tnLst>
-      <p:par>
-        <p:cTn id="1" dur="indefinite" restart="never" nodeType="tmRoot"/>
-      </p:par>
-    </p:tnLst>
-  </p:timing>
-</p:sld>
-</file>
-
-<file path=ppt/slides/slide10.xml><?xml version="1.0" encoding="utf-8"?>
-<p:sld xmlns:a="http://schemas.openxmlformats.org/drawingml/2006/main" xmlns:r="http://schemas.openxmlformats.org/officeDocument/2006/relationships" xmlns:p="http://schemas.openxmlformats.org/presentationml/2006/main">
-  <p:cSld>
-    <p:spTree>
-      <p:nvGrpSpPr>
-        <p:cNvPr id="1" name="Shape 838"/>
-        <p:cNvGrpSpPr/>
-        <p:nvPr/>
-      </p:nvGrpSpPr>
-      <p:grpSpPr>
-        <a:xfrm>
-          <a:off x="0" y="0"/>
-          <a:ext cx="0" cy="0"/>
-          <a:chOff x="0" y="0"/>
-          <a:chExt cx="0" cy="0"/>
-        </a:xfrm>
-      </p:grpSpPr>
-      <p:sp>
-        <p:nvSpPr>
-          <p:cNvPr id="839" name="Shape 839"/>
+          <p:cNvPr id="392" name="Shape 392"/>
           <p:cNvSpPr txBox="1">
             <a:spLocks noGrp="1"/>
           </p:cNvSpPr>
@@ -10285,8 +9893,8 @@
         </p:nvSpPr>
         <p:spPr>
           <a:xfrm>
-            <a:off x="360362" y="2049319"/>
-            <a:ext cx="11482388" cy="2628899"/>
+            <a:off x="338327" y="2177516"/>
+            <a:ext cx="10908172" cy="2157269"/>
           </a:xfrm>
           <a:prstGeom prst="rect">
             <a:avLst/>
@@ -10302,29 +9910,97 @@
           </a:bodyPr>
           <a:lstStyle/>
           <a:p>
-            <a:pPr lvl="0">
+            <a:pPr marL="0" marR="0" lvl="0" indent="0" algn="l" rtl="0">
+              <a:lnSpc>
+                <a:spcPct val="100000"/>
+              </a:lnSpc>
+              <a:spcBef>
+                <a:spcPts val="0"/>
+              </a:spcBef>
+              <a:buClr>
+                <a:schemeClr val="accent1"/>
+              </a:buClr>
               <a:buSzPct val="25000"/>
+              <a:buFont typeface="Arial"/>
+              <a:buNone/>
             </a:pPr>
             <a:r>
-              <a:rPr lang="en-US" sz="5400" dirty="0" smtClean="0">
+              <a:rPr lang="en-US" sz="5400" b="0" i="0" u="none" strike="noStrike" cap="none" baseline="0" dirty="0" smtClean="0">
                 <a:solidFill>
-                  <a:schemeClr val="bg1"/>
+                  <a:schemeClr val="accent1"/>
                 </a:solidFill>
+                <a:latin typeface="Arial"/>
+                <a:ea typeface="Arial"/>
+                <a:cs typeface="Arial"/>
+                <a:sym typeface="Arial"/>
               </a:rPr>
-              <a:t>Visual </a:t>
-            </a:r>
-            <a:r>
-              <a:rPr lang="en-US" sz="5400" dirty="0">
+              <a:t>The Modern</a:t>
+            </a:r>
+            <a:r>
+              <a:rPr lang="en-US" sz="5400" b="0" i="0" u="none" strike="noStrike" cap="none" dirty="0" smtClean="0">
                 <a:solidFill>
-                  <a:schemeClr val="bg1"/>
+                  <a:schemeClr val="accent1"/>
                 </a:solidFill>
+                <a:latin typeface="Arial"/>
+                <a:ea typeface="Arial"/>
+                <a:cs typeface="Arial"/>
+                <a:sym typeface="Arial"/>
               </a:rPr>
-              <a:t>Studio Code</a:t>
+              <a:t> Salesforce </a:t>
+            </a:r>
+            <a:br>
+              <a:rPr lang="en-US" sz="5400" b="0" i="0" u="none" strike="noStrike" cap="none" dirty="0" smtClean="0">
+                <a:solidFill>
+                  <a:schemeClr val="accent1"/>
+                </a:solidFill>
+                <a:latin typeface="Arial"/>
+                <a:ea typeface="Arial"/>
+                <a:cs typeface="Arial"/>
+                <a:sym typeface="Arial"/>
+              </a:rPr>
+            </a:br>
+            <a:r>
+              <a:rPr lang="en-US" sz="5400" b="0" i="0" u="none" strike="noStrike" cap="none" dirty="0" smtClean="0">
+                <a:solidFill>
+                  <a:schemeClr val="accent1"/>
+                </a:solidFill>
+                <a:latin typeface="Arial"/>
+                <a:ea typeface="Arial"/>
+                <a:cs typeface="Arial"/>
+                <a:sym typeface="Arial"/>
+              </a:rPr>
+              <a:t>Development Workflow </a:t>
+            </a:r>
+            <a:br>
+              <a:rPr lang="en-US" sz="5400" b="0" i="0" u="none" strike="noStrike" cap="none" dirty="0" smtClean="0">
+                <a:solidFill>
+                  <a:schemeClr val="accent1"/>
+                </a:solidFill>
+                <a:latin typeface="Arial"/>
+                <a:ea typeface="Arial"/>
+                <a:cs typeface="Arial"/>
+                <a:sym typeface="Arial"/>
+              </a:rPr>
+            </a:br>
+            <a:r>
+              <a:rPr lang="en-US" sz="5400" b="0" i="0" u="none" strike="noStrike" cap="none" dirty="0" smtClean="0">
+                <a:solidFill>
+                  <a:schemeClr val="accent1"/>
+                </a:solidFill>
+                <a:latin typeface="Arial"/>
+                <a:ea typeface="Arial"/>
+                <a:cs typeface="Arial"/>
+                <a:sym typeface="Arial"/>
+              </a:rPr>
+              <a:t>with Visual Studio Code</a:t>
             </a:r>
             <a:endParaRPr lang="en-US" sz="5400" b="0" i="0" u="none" strike="noStrike" cap="none" baseline="0" dirty="0">
               <a:solidFill>
-                <a:schemeClr val="bg1"/>
+                <a:schemeClr val="accent1"/>
               </a:solidFill>
+              <a:latin typeface="Arial"/>
+              <a:ea typeface="Arial"/>
+              <a:cs typeface="Arial"/>
               <a:sym typeface="Arial"/>
             </a:endParaRPr>
           </a:p>
@@ -10332,18 +10008,18 @@
       </p:sp>
       <p:sp>
         <p:nvSpPr>
-          <p:cNvPr id="840" name="Shape 840"/>
+          <p:cNvPr id="393" name="Shape 393"/>
           <p:cNvSpPr txBox="1">
             <a:spLocks noGrp="1"/>
           </p:cNvSpPr>
           <p:nvPr>
-            <p:ph type="subTitle" idx="1"/>
+            <p:ph type="body" idx="1"/>
           </p:nvPr>
         </p:nvSpPr>
         <p:spPr>
           <a:xfrm>
-            <a:off x="360362" y="4876800"/>
-            <a:ext cx="11482388" cy="1066799"/>
+            <a:off x="338327" y="5528767"/>
+            <a:ext cx="11515535" cy="500388"/>
           </a:xfrm>
           <a:prstGeom prst="rect">
             <a:avLst/>
@@ -10354,112 +10030,335 @@
           </a:ln>
         </p:spPr>
         <p:txBody>
-          <a:bodyPr lIns="0" tIns="0" rIns="0" bIns="0" anchor="t" anchorCtr="0">
+          <a:bodyPr lIns="9125" tIns="0" rIns="0" bIns="0" anchor="t" anchorCtr="0">
             <a:noAutofit/>
           </a:bodyPr>
           <a:lstStyle/>
           <a:p>
-            <a:r>
-              <a:rPr lang="en-US" sz="2400" dirty="0">
+            <a:pPr marL="0" marR="0" lvl="0" indent="0" algn="l" rtl="0">
+              <a:lnSpc>
+                <a:spcPct val="100000"/>
+              </a:lnSpc>
+              <a:spcBef>
+                <a:spcPts val="0"/>
+              </a:spcBef>
+              <a:spcAft>
+                <a:spcPts val="0"/>
+              </a:spcAft>
+              <a:buClr>
+                <a:srgbClr val="7F7F7F"/>
+              </a:buClr>
+              <a:buSzPct val="100000"/>
+              <a:buFont typeface="Arial"/>
+              <a:buChar char="​"/>
+            </a:pPr>
+            <a:r>
+              <a:rPr lang="en-US" sz="1600" b="0" i="0" u="none" strike="noStrike" cap="none" baseline="0" dirty="0" smtClean="0">
                 <a:solidFill>
-                  <a:schemeClr val="bg1"/>
+                  <a:schemeClr val="accent1"/>
+                </a:solidFill>
+                <a:latin typeface="Arial"/>
+                <a:ea typeface="Arial"/>
+                <a:cs typeface="Arial"/>
+                <a:sym typeface="Arial"/>
+              </a:rPr>
+              <a:t>John Aaron Nelson</a:t>
+            </a:r>
+            <a:endParaRPr lang="en-US" sz="1600" b="0" i="0" u="none" strike="noStrike" cap="none" baseline="0" dirty="0">
+              <a:solidFill>
+                <a:schemeClr val="accent1"/>
+              </a:solidFill>
+              <a:latin typeface="Arial"/>
+              <a:ea typeface="Arial"/>
+              <a:cs typeface="Arial"/>
+              <a:sym typeface="Arial"/>
+            </a:endParaRPr>
+          </a:p>
+          <a:p>
+            <a:pPr marL="0" marR="0" lvl="0" indent="0" algn="l" rtl="0">
+              <a:lnSpc>
+                <a:spcPct val="100000"/>
+              </a:lnSpc>
+              <a:spcBef>
+                <a:spcPts val="0"/>
+              </a:spcBef>
+              <a:spcAft>
+                <a:spcPts val="0"/>
+              </a:spcAft>
+              <a:buClr>
+                <a:srgbClr val="7F7F7F"/>
+              </a:buClr>
+              <a:buSzPct val="100000"/>
+              <a:buFont typeface="Arial"/>
+              <a:buChar char="​"/>
+            </a:pPr>
+            <a:r>
+              <a:rPr lang="en-US" sz="1600" b="0" i="0" u="none" strike="noStrike" cap="none" baseline="0" dirty="0" smtClean="0">
+                <a:solidFill>
+                  <a:schemeClr val="accent1"/>
+                </a:solidFill>
+                <a:latin typeface="Arial"/>
+                <a:ea typeface="Arial"/>
+                <a:cs typeface="Arial"/>
+                <a:sym typeface="Arial"/>
+              </a:rPr>
+              <a:t>Senior</a:t>
+            </a:r>
+            <a:r>
+              <a:rPr lang="en-US" sz="1600" b="0" i="0" u="none" strike="noStrike" cap="none" dirty="0" smtClean="0">
+                <a:solidFill>
+                  <a:schemeClr val="accent1"/>
+                </a:solidFill>
+                <a:latin typeface="Arial"/>
+                <a:ea typeface="Arial"/>
+                <a:cs typeface="Arial"/>
+                <a:sym typeface="Arial"/>
+              </a:rPr>
+              <a:t> Front End Developer</a:t>
+            </a:r>
+            <a:endParaRPr lang="en-US" sz="1600" b="0" i="0" u="none" strike="noStrike" cap="none" baseline="0" dirty="0">
+              <a:solidFill>
+                <a:schemeClr val="accent1"/>
+              </a:solidFill>
+              <a:latin typeface="Arial"/>
+              <a:ea typeface="Arial"/>
+              <a:cs typeface="Arial"/>
+              <a:sym typeface="Arial"/>
+            </a:endParaRPr>
+          </a:p>
+          <a:p>
+            <a:pPr marL="0" marR="0" lvl="0" indent="0" algn="l" rtl="0">
+              <a:lnSpc>
+                <a:spcPct val="100000"/>
+              </a:lnSpc>
+              <a:spcBef>
+                <a:spcPts val="0"/>
+              </a:spcBef>
+              <a:spcAft>
+                <a:spcPts val="0"/>
+              </a:spcAft>
+              <a:buClr>
+                <a:srgbClr val="7F7F7F"/>
+              </a:buClr>
+              <a:buSzPct val="100000"/>
+              <a:buFont typeface="Arial"/>
+              <a:buChar char="​"/>
+            </a:pPr>
+            <a:r>
+              <a:rPr lang="en-US" sz="1600" dirty="0" err="1">
+                <a:solidFill>
+                  <a:schemeClr val="accent1"/>
                 </a:solidFill>
               </a:rPr>
-              <a:t>Introduced </a:t>
-            </a:r>
-            <a:r>
-              <a:rPr lang="en-US" sz="2400" dirty="0" smtClean="0">
+              <a:t>j</a:t>
+            </a:r>
+            <a:r>
+              <a:rPr lang="en-US" sz="1600" dirty="0" err="1" smtClean="0">
                 <a:solidFill>
-                  <a:schemeClr val="bg1"/>
+                  <a:schemeClr val="accent1"/>
                 </a:solidFill>
               </a:rPr>
-              <a:t>by Microsoft on April 30</a:t>
-            </a:r>
-            <a:r>
-              <a:rPr lang="en-US" sz="2400" baseline="30000" dirty="0" smtClean="0">
+              <a:t>ohn.nelson</a:t>
+            </a:r>
+            <a:r>
+              <a:rPr lang="en-US" sz="1600" b="0" i="0" u="none" strike="noStrike" cap="none" baseline="0" dirty="0" err="1" smtClean="0">
                 <a:solidFill>
-                  <a:schemeClr val="bg1"/>
+                  <a:schemeClr val="accent1"/>
+                </a:solidFill>
+                <a:latin typeface="Arial"/>
+                <a:ea typeface="Arial"/>
+                <a:cs typeface="Arial"/>
+                <a:sym typeface="Arial"/>
+              </a:rPr>
+              <a:t>@codescience.com</a:t>
+            </a:r>
+            <a:endParaRPr lang="en-US" sz="1600" b="0" i="0" u="none" strike="noStrike" cap="none" baseline="0" dirty="0">
+              <a:solidFill>
+                <a:schemeClr val="accent1"/>
+              </a:solidFill>
+              <a:latin typeface="Arial"/>
+              <a:ea typeface="Arial"/>
+              <a:cs typeface="Arial"/>
+              <a:sym typeface="Arial"/>
+            </a:endParaRPr>
+          </a:p>
+          <a:p>
+            <a:pPr marL="0" marR="0" lvl="0" indent="0" algn="l" rtl="0">
+              <a:lnSpc>
+                <a:spcPct val="100000"/>
+              </a:lnSpc>
+              <a:spcBef>
+                <a:spcPts val="0"/>
+              </a:spcBef>
+              <a:spcAft>
+                <a:spcPts val="0"/>
+              </a:spcAft>
+              <a:buClr>
+                <a:srgbClr val="7F7F7F"/>
+              </a:buClr>
+              <a:buSzPct val="100000"/>
+              <a:buFont typeface="Arial"/>
+              <a:buChar char="​"/>
+            </a:pPr>
+            <a:r>
+              <a:rPr lang="en-US" sz="1600" b="0" i="0" u="none" strike="noStrike" cap="none" baseline="0" dirty="0" smtClean="0">
+                <a:solidFill>
+                  <a:schemeClr val="accent1"/>
+                </a:solidFill>
+                <a:latin typeface="Arial"/>
+                <a:ea typeface="Arial"/>
+                <a:cs typeface="Arial"/>
+                <a:sym typeface="Arial"/>
+              </a:rPr>
+              <a:t>@</a:t>
+            </a:r>
+            <a:r>
+              <a:rPr lang="en-US" sz="1600" b="0" i="0" u="none" strike="noStrike" cap="none" baseline="0" dirty="0" err="1" smtClean="0">
+                <a:solidFill>
+                  <a:schemeClr val="accent1"/>
+                </a:solidFill>
+                <a:latin typeface="Arial"/>
+                <a:ea typeface="Arial"/>
+                <a:cs typeface="Arial"/>
+                <a:sym typeface="Arial"/>
+              </a:rPr>
+              <a:t>JohnAaronNelson</a:t>
+            </a:r>
+            <a:endParaRPr lang="en-US" sz="1600" b="0" i="0" u="none" strike="noStrike" cap="none" baseline="0" dirty="0">
+              <a:solidFill>
+                <a:schemeClr val="accent1"/>
+              </a:solidFill>
+              <a:latin typeface="Arial"/>
+              <a:ea typeface="Arial"/>
+              <a:cs typeface="Arial"/>
+              <a:sym typeface="Arial"/>
+            </a:endParaRPr>
+          </a:p>
+          <a:p>
+            <a:pPr marL="0" marR="0" lvl="0" indent="0" algn="l" rtl="0">
+              <a:lnSpc>
+                <a:spcPct val="100000"/>
+              </a:lnSpc>
+              <a:spcBef>
+                <a:spcPts val="0"/>
+              </a:spcBef>
+              <a:spcAft>
+                <a:spcPts val="0"/>
+              </a:spcAft>
+              <a:buClr>
+                <a:srgbClr val="7F7F7F"/>
+              </a:buClr>
+              <a:buSzPct val="100000"/>
+              <a:buFont typeface="Arial"/>
+              <a:buChar char="​"/>
+            </a:pPr>
+            <a:r>
+              <a:rPr lang="en-US" sz="1600" b="0" i="0" u="none" strike="noStrike" cap="none" baseline="0" dirty="0">
+                <a:solidFill>
+                  <a:schemeClr val="accent1"/>
+                </a:solidFill>
+                <a:latin typeface="Arial"/>
+                <a:ea typeface="Arial"/>
+                <a:cs typeface="Arial"/>
+                <a:sym typeface="Arial"/>
+              </a:rPr>
+              <a:t>	</a:t>
+            </a:r>
+          </a:p>
+        </p:txBody>
+      </p:sp>
+      <p:sp>
+        <p:nvSpPr>
+          <p:cNvPr id="394" name="Shape 394"/>
+          <p:cNvSpPr txBox="1">
+            <a:spLocks noGrp="1"/>
+          </p:cNvSpPr>
+          <p:nvPr>
+            <p:ph type="body" idx="2"/>
+          </p:nvPr>
+        </p:nvSpPr>
+        <p:spPr>
+          <a:xfrm>
+            <a:off x="338327" y="4547601"/>
+            <a:ext cx="9708350" cy="750470"/>
+          </a:xfrm>
+          <a:prstGeom prst="rect">
+            <a:avLst/>
+          </a:prstGeom>
+          <a:noFill/>
+          <a:ln>
+            <a:noFill/>
+          </a:ln>
+        </p:spPr>
+        <p:txBody>
+          <a:bodyPr lIns="9125" tIns="0" rIns="0" bIns="0" anchor="t" anchorCtr="0">
+            <a:noAutofit/>
+          </a:bodyPr>
+          <a:lstStyle/>
+          <a:p>
+            <a:pPr lvl="0" indent="0">
+              <a:buClr>
+                <a:srgbClr val="7F7F7F"/>
+              </a:buClr>
+              <a:buSzPct val="25000"/>
+            </a:pPr>
+            <a:r>
+              <a:rPr lang="en-US" sz="2000" b="0" i="0" u="none" strike="noStrike" cap="none" baseline="0" dirty="0" smtClean="0">
+                <a:solidFill>
+                  <a:schemeClr val="accent2"/>
+                </a:solidFill>
+                <a:latin typeface="Arial"/>
+                <a:ea typeface="Arial"/>
+                <a:cs typeface="Arial"/>
+                <a:sym typeface="Arial"/>
+              </a:rPr>
+              <a:t>Why you should use</a:t>
+            </a:r>
+            <a:r>
+              <a:rPr lang="en-US" sz="2000" b="0" i="0" u="none" strike="noStrike" cap="none" dirty="0" smtClean="0">
+                <a:solidFill>
+                  <a:schemeClr val="accent2"/>
+                </a:solidFill>
+                <a:latin typeface="Arial"/>
+                <a:ea typeface="Arial"/>
+                <a:cs typeface="Arial"/>
+                <a:sym typeface="Arial"/>
+              </a:rPr>
+              <a:t> Visual Studio Code for your current </a:t>
+            </a:r>
+            <a:r>
+              <a:rPr lang="en-US" sz="2000" dirty="0">
+                <a:solidFill>
+                  <a:schemeClr val="accent2"/>
                 </a:solidFill>
               </a:rPr>
-              <a:t>th</a:t>
-            </a:r>
-            <a:r>
-              <a:rPr lang="en-US" sz="2400" dirty="0" smtClean="0">
+              <a:t>and next Salesforce </a:t>
+            </a:r>
+            <a:r>
+              <a:rPr lang="en-US" sz="2000" b="0" i="0" u="none" strike="noStrike" cap="none" dirty="0" smtClean="0">
                 <a:solidFill>
-                  <a:schemeClr val="bg1"/>
+                  <a:schemeClr val="accent2"/>
                 </a:solidFill>
+                <a:latin typeface="Arial"/>
+                <a:ea typeface="Arial"/>
+                <a:cs typeface="Arial"/>
+                <a:sym typeface="Arial"/>
               </a:rPr>
-              <a:t> </a:t>
-            </a:r>
-            <a:r>
-              <a:rPr lang="en-US" sz="2400" dirty="0">
-                <a:solidFill>
-                  <a:schemeClr val="bg1"/>
-                </a:solidFill>
-              </a:rPr>
-              <a:t>at </a:t>
-            </a:r>
-            <a:r>
-              <a:rPr lang="en-US" sz="2400" dirty="0" smtClean="0">
-                <a:solidFill>
-                  <a:schemeClr val="bg1"/>
-                </a:solidFill>
-              </a:rPr>
-              <a:t>their //</a:t>
-            </a:r>
-            <a:r>
-              <a:rPr lang="en-US" sz="2400" dirty="0">
-                <a:solidFill>
-                  <a:schemeClr val="bg1"/>
-                </a:solidFill>
-              </a:rPr>
-              <a:t>Build conference </a:t>
-            </a:r>
-            <a:endParaRPr lang="en-US" sz="2400" dirty="0" smtClean="0">
+              <a:t>project</a:t>
+            </a:r>
+            <a:endParaRPr lang="en-US" sz="2000" b="0" i="0" u="none" strike="noStrike" cap="none" baseline="0" dirty="0">
               <a:solidFill>
-                <a:schemeClr val="bg1"/>
+                <a:schemeClr val="accent2"/>
               </a:solidFill>
-            </a:endParaRPr>
-          </a:p>
-          <a:p>
-            <a:r>
-              <a:rPr lang="en-US" sz="2400" dirty="0" smtClean="0">
-                <a:solidFill>
-                  <a:schemeClr val="bg1"/>
-                </a:solidFill>
-              </a:rPr>
-              <a:t>Current Version: 0.7.0</a:t>
-            </a:r>
-            <a:r>
-              <a:rPr lang="en-US" sz="2400" dirty="0">
-                <a:solidFill>
-                  <a:schemeClr val="bg1"/>
-                </a:solidFill>
-              </a:rPr>
-              <a:t> </a:t>
-            </a:r>
-            <a:r>
-              <a:rPr lang="en-US" sz="2400" dirty="0" smtClean="0">
-                <a:solidFill>
-                  <a:schemeClr val="bg1"/>
-                </a:solidFill>
-              </a:rPr>
-              <a:t>(beta)</a:t>
-            </a:r>
-            <a:endParaRPr lang="en-US" sz="2400" dirty="0">
-              <a:solidFill>
-                <a:schemeClr val="bg1"/>
-              </a:solidFill>
+              <a:latin typeface="Arial"/>
+              <a:ea typeface="Arial"/>
+              <a:cs typeface="Arial"/>
+              <a:sym typeface="Arial"/>
             </a:endParaRPr>
           </a:p>
         </p:txBody>
       </p:sp>
     </p:spTree>
-    <p:extLst>
-      <p:ext uri="{BB962C8B-B14F-4D97-AF65-F5344CB8AC3E}">
-        <p14:creationId xmlns:p14="http://schemas.microsoft.com/office/powerpoint/2010/main" val="570402249"/>
-      </p:ext>
-    </p:extLst>
   </p:cSld>
   <p:clrMapOvr>
     <a:masterClrMapping/>
@@ -10477,7 +10376,7 @@
 </p:sld>
 </file>
 
-<file path=ppt/slides/slide11.xml><?xml version="1.0" encoding="utf-8"?>
+<file path=ppt/slides/slide10.xml><?xml version="1.0" encoding="utf-8"?>
 <p:sld xmlns:a="http://schemas.openxmlformats.org/drawingml/2006/main" xmlns:r="http://schemas.openxmlformats.org/officeDocument/2006/relationships" xmlns:p="http://schemas.openxmlformats.org/presentationml/2006/main">
   <p:cSld>
     <p:spTree>
@@ -10659,7 +10558,7 @@
 </p:sld>
 </file>
 
-<file path=ppt/slides/slide12.xml><?xml version="1.0" encoding="utf-8"?>
+<file path=ppt/slides/slide11.xml><?xml version="1.0" encoding="utf-8"?>
 <p:sld xmlns:a="http://schemas.openxmlformats.org/drawingml/2006/main" xmlns:r="http://schemas.openxmlformats.org/officeDocument/2006/relationships" xmlns:p="http://schemas.openxmlformats.org/presentationml/2006/main">
   <p:cSld>
     <p:spTree>
@@ -11298,7 +11197,7 @@
 </p:sld>
 </file>
 
-<file path=ppt/slides/slide13.xml><?xml version="1.0" encoding="utf-8"?>
+<file path=ppt/slides/slide12.xml><?xml version="1.0" encoding="utf-8"?>
 <p:sld xmlns:a="http://schemas.openxmlformats.org/drawingml/2006/main" xmlns:r="http://schemas.openxmlformats.org/officeDocument/2006/relationships" xmlns:p="http://schemas.openxmlformats.org/presentationml/2006/main">
   <p:cSld>
     <p:spTree>
@@ -11387,7 +11286,7 @@
 </p:sld>
 </file>
 
-<file path=ppt/slides/slide14.xml><?xml version="1.0" encoding="utf-8"?>
+<file path=ppt/slides/slide13.xml><?xml version="1.0" encoding="utf-8"?>
 <p:sld xmlns:a="http://schemas.openxmlformats.org/drawingml/2006/main" xmlns:r="http://schemas.openxmlformats.org/officeDocument/2006/relationships" xmlns:p="http://schemas.openxmlformats.org/presentationml/2006/main">
   <p:cSld>
     <p:spTree>
@@ -13040,7 +12939,7 @@
 </p:sld>
 </file>
 
-<file path=ppt/slides/slide15.xml><?xml version="1.0" encoding="utf-8"?>
+<file path=ppt/slides/slide14.xml><?xml version="1.0" encoding="utf-8"?>
 <p:sld xmlns:a="http://schemas.openxmlformats.org/drawingml/2006/main" xmlns:r="http://schemas.openxmlformats.org/officeDocument/2006/relationships" xmlns:p="http://schemas.openxmlformats.org/presentationml/2006/main">
   <p:cSld>
     <p:spTree>
@@ -13184,7 +13083,7 @@
 </p:sld>
 </file>
 
-<file path=ppt/slides/slide16.xml><?xml version="1.0" encoding="utf-8"?>
+<file path=ppt/slides/slide15.xml><?xml version="1.0" encoding="utf-8"?>
 <p:sld xmlns:a="http://schemas.openxmlformats.org/drawingml/2006/main" xmlns:r="http://schemas.openxmlformats.org/officeDocument/2006/relationships" xmlns:p="http://schemas.openxmlformats.org/presentationml/2006/main">
   <p:cSld>
     <p:spTree>
@@ -13430,23 +13329,7 @@
                   <a:schemeClr val="accent2"/>
                 </a:solidFill>
               </a:rPr>
-              <a:t> </a:t>
-            </a:r>
-            <a:r>
-              <a:rPr lang="en-US" sz="2400" dirty="0" smtClean="0">
-                <a:solidFill>
-                  <a:schemeClr val="accent2"/>
-                </a:solidFill>
-              </a:rPr>
-              <a:t>Syntaxes and </a:t>
-            </a:r>
-            <a:r>
-              <a:rPr lang="en-US" sz="2400" dirty="0" smtClean="0">
-                <a:solidFill>
-                  <a:schemeClr val="accent2"/>
-                </a:solidFill>
-              </a:rPr>
-              <a:t>Snippets</a:t>
+              <a:t> Syntaxes and Snippets</a:t>
             </a:r>
             <a:endParaRPr lang="en-US" sz="2400" b="0" i="0" u="none" strike="noStrike" cap="none" baseline="0" dirty="0">
               <a:solidFill>
@@ -13543,7 +13426,7 @@
 </p:sld>
 </file>
 
-<file path=ppt/slides/slide17.xml><?xml version="1.0" encoding="utf-8"?>
+<file path=ppt/slides/slide16.xml><?xml version="1.0" encoding="utf-8"?>
 <p:sld xmlns:a="http://schemas.openxmlformats.org/drawingml/2006/main" xmlns:r="http://schemas.openxmlformats.org/officeDocument/2006/relationships" xmlns:p="http://schemas.openxmlformats.org/presentationml/2006/main">
   <p:cSld>
     <p:spTree>
@@ -13663,7 +13546,7 @@
 </p:sld>
 </file>
 
-<file path=ppt/slides/slide18.xml><?xml version="1.0" encoding="utf-8"?>
+<file path=ppt/slides/slide17.xml><?xml version="1.0" encoding="utf-8"?>
 <p:sld xmlns:a="http://schemas.openxmlformats.org/drawingml/2006/main" xmlns:r="http://schemas.openxmlformats.org/officeDocument/2006/relationships" xmlns:p="http://schemas.openxmlformats.org/presentationml/2006/main">
   <p:cSld>
     <p:spTree>
@@ -16270,7 +16153,7 @@
 </p:sld>
 </file>
 
-<file path=ppt/slides/slide19.xml><?xml version="1.0" encoding="utf-8"?>
+<file path=ppt/slides/slide18.xml><?xml version="1.0" encoding="utf-8"?>
 <p:sld xmlns:a="http://schemas.openxmlformats.org/drawingml/2006/main" xmlns:r="http://schemas.openxmlformats.org/officeDocument/2006/relationships" xmlns:p="http://schemas.openxmlformats.org/presentationml/2006/main">
   <p:cSld>
     <p:spTree>
@@ -16365,12 +16248,12 @@
 </p:sld>
 </file>
 
-<file path=ppt/slides/slide2.xml><?xml version="1.0" encoding="utf-8"?>
+<file path=ppt/slides/slide19.xml><?xml version="1.0" encoding="utf-8"?>
 <p:sld xmlns:a="http://schemas.openxmlformats.org/drawingml/2006/main" xmlns:r="http://schemas.openxmlformats.org/officeDocument/2006/relationships" xmlns:p="http://schemas.openxmlformats.org/presentationml/2006/main">
   <p:cSld>
     <p:spTree>
       <p:nvGrpSpPr>
-        <p:cNvPr id="1" name="Shape 391"/>
+        <p:cNvPr id="1" name=""/>
         <p:cNvGrpSpPr/>
         <p:nvPr/>
       </p:nvGrpSpPr>
@@ -16384,18 +16267,506 @@
       </p:grpSpPr>
       <p:sp>
         <p:nvSpPr>
-          <p:cNvPr id="392" name="Shape 392"/>
+          <p:cNvPr id="3" name="Text Placeholder 2"/>
+          <p:cNvSpPr>
+            <a:spLocks noGrp="1"/>
+          </p:cNvSpPr>
+          <p:nvPr>
+            <p:ph type="body" idx="2"/>
+          </p:nvPr>
+        </p:nvSpPr>
+        <p:spPr/>
+        <p:txBody>
+          <a:bodyPr/>
+          <a:lstStyle/>
+          <a:p>
+            <a:endParaRPr lang="en-US"/>
+          </a:p>
+        </p:txBody>
+      </p:sp>
+      <p:sp>
+        <p:nvSpPr>
+          <p:cNvPr id="4" name="Title 3"/>
+          <p:cNvSpPr>
+            <a:spLocks noGrp="1"/>
+          </p:cNvSpPr>
+          <p:nvPr>
+            <p:ph type="title"/>
+          </p:nvPr>
+        </p:nvSpPr>
+        <p:spPr/>
+        <p:txBody>
+          <a:bodyPr/>
+          <a:lstStyle/>
+          <a:p>
+            <a:pPr algn="ctr"/>
+            <a:r>
+              <a:rPr lang="en-US" sz="5400" dirty="0" smtClean="0">
+                <a:solidFill>
+                  <a:schemeClr val="accent1"/>
+                </a:solidFill>
+              </a:rPr>
+              <a:t>Tasks</a:t>
+            </a:r>
+            <a:endParaRPr lang="en-US" sz="5400" dirty="0">
+              <a:solidFill>
+                <a:schemeClr val="accent1"/>
+              </a:solidFill>
+            </a:endParaRPr>
+          </a:p>
+        </p:txBody>
+      </p:sp>
+      <p:pic>
+        <p:nvPicPr>
+          <p:cNvPr id="6" name="Picture 5"/>
+          <p:cNvPicPr>
+            <a:picLocks noChangeAspect="1"/>
+          </p:cNvPicPr>
+          <p:nvPr/>
+        </p:nvPicPr>
+        <p:blipFill rotWithShape="1">
+          <a:blip r:embed="rId2">
+            <a:extLst>
+              <a:ext uri="{28A0092B-C50C-407E-A947-70E740481C1C}">
+                <a14:useLocalDpi xmlns:a14="http://schemas.microsoft.com/office/drawing/2010/main" val="0"/>
+              </a:ext>
+            </a:extLst>
+          </a:blip>
+          <a:srcRect r="3122" b="5732"/>
+          <a:stretch/>
+        </p:blipFill>
+        <p:spPr>
+          <a:xfrm>
+            <a:off x="177893" y="1599479"/>
+            <a:ext cx="5782639" cy="4513454"/>
+          </a:xfrm>
+          <a:prstGeom prst="rect">
+            <a:avLst/>
+          </a:prstGeom>
+        </p:spPr>
+      </p:pic>
+      <p:pic>
+        <p:nvPicPr>
+          <p:cNvPr id="7" name="Picture 6"/>
+          <p:cNvPicPr>
+            <a:picLocks noChangeAspect="1"/>
+          </p:cNvPicPr>
+          <p:nvPr/>
+        </p:nvPicPr>
+        <p:blipFill rotWithShape="1">
+          <a:blip r:embed="rId3">
+            <a:extLst>
+              <a:ext uri="{28A0092B-C50C-407E-A947-70E740481C1C}">
+                <a14:useLocalDpi xmlns:a14="http://schemas.microsoft.com/office/drawing/2010/main" val="0"/>
+              </a:ext>
+            </a:extLst>
+          </a:blip>
+          <a:srcRect l="1" r="27178" b="17158"/>
+          <a:stretch/>
+        </p:blipFill>
+        <p:spPr>
+          <a:xfrm>
+            <a:off x="6188539" y="1599479"/>
+            <a:ext cx="5817194" cy="4513454"/>
+          </a:xfrm>
+          <a:prstGeom prst="rect">
+            <a:avLst/>
+          </a:prstGeom>
+        </p:spPr>
+      </p:pic>
+    </p:spTree>
+    <p:extLst>
+      <p:ext uri="{BB962C8B-B14F-4D97-AF65-F5344CB8AC3E}">
+        <p14:creationId xmlns:p14="http://schemas.microsoft.com/office/powerpoint/2010/main" val="1269937267"/>
+      </p:ext>
+    </p:extLst>
+  </p:cSld>
+  <p:clrMapOvr>
+    <a:masterClrMapping/>
+  </p:clrMapOvr>
+</p:sld>
+</file>
+
+<file path=ppt/slides/slide2.xml><?xml version="1.0" encoding="utf-8"?>
+<p:sld xmlns:a="http://schemas.openxmlformats.org/drawingml/2006/main" xmlns:r="http://schemas.openxmlformats.org/officeDocument/2006/relationships" xmlns:p="http://schemas.openxmlformats.org/presentationml/2006/main">
+  <p:cSld>
+    <p:spTree>
+      <p:nvGrpSpPr>
+        <p:cNvPr id="1" name="Shape 845"/>
+        <p:cNvGrpSpPr/>
+        <p:nvPr/>
+      </p:nvGrpSpPr>
+      <p:grpSpPr>
+        <a:xfrm>
+          <a:off x="0" y="0"/>
+          <a:ext cx="0" cy="0"/>
+          <a:chOff x="0" y="0"/>
+          <a:chExt cx="0" cy="0"/>
+        </a:xfrm>
+      </p:grpSpPr>
+      <p:sp>
+        <p:nvSpPr>
+          <p:cNvPr id="846" name="Shape 846"/>
           <p:cNvSpPr txBox="1">
             <a:spLocks noGrp="1"/>
           </p:cNvSpPr>
           <p:nvPr>
-            <p:ph type="ctrTitle"/>
+            <p:ph type="body" idx="1"/>
           </p:nvPr>
         </p:nvSpPr>
         <p:spPr>
           <a:xfrm>
-            <a:off x="338327" y="2177516"/>
-            <a:ext cx="10908172" cy="2157269"/>
+            <a:off x="338327" y="1283367"/>
+            <a:ext cx="11515535" cy="4938976"/>
+          </a:xfrm>
+          <a:prstGeom prst="rect">
+            <a:avLst/>
+          </a:prstGeom>
+          <a:noFill/>
+          <a:ln>
+            <a:noFill/>
+          </a:ln>
+        </p:spPr>
+        <p:txBody>
+          <a:bodyPr lIns="9125" tIns="0" rIns="0" bIns="0" anchor="t" anchorCtr="0">
+            <a:noAutofit/>
+          </a:bodyPr>
+          <a:lstStyle/>
+          <a:p>
+            <a:pPr marL="0" marR="0" lvl="0" indent="0" algn="l" rtl="0">
+              <a:lnSpc>
+                <a:spcPct val="100000"/>
+              </a:lnSpc>
+              <a:spcBef>
+                <a:spcPts val="0"/>
+              </a:spcBef>
+              <a:spcAft>
+                <a:spcPts val="0"/>
+              </a:spcAft>
+              <a:buClr>
+                <a:srgbClr val="7F7F7F"/>
+              </a:buClr>
+              <a:buSzPct val="100000"/>
+              <a:buFont typeface="Arial"/>
+              <a:buChar char="​"/>
+            </a:pPr>
+            <a:r>
+              <a:rPr lang="en-US" sz="1400" b="0" i="0" u="none" strike="noStrike" cap="none" baseline="0" dirty="0">
+                <a:solidFill>
+                  <a:srgbClr val="7C868D"/>
+                </a:solidFill>
+                <a:latin typeface="Arial"/>
+                <a:ea typeface="Arial"/>
+                <a:cs typeface="Arial"/>
+                <a:sym typeface="Arial"/>
+              </a:rPr>
+              <a:t>Safe harbor statement under the Private Securities Litigation Reform Act of 1995:</a:t>
+            </a:r>
+          </a:p>
+          <a:p>
+            <a:pPr marL="0" marR="0" lvl="0" indent="0" algn="l" rtl="0">
+              <a:lnSpc>
+                <a:spcPct val="100000"/>
+              </a:lnSpc>
+              <a:spcBef>
+                <a:spcPts val="1200"/>
+              </a:spcBef>
+              <a:spcAft>
+                <a:spcPts val="0"/>
+              </a:spcAft>
+              <a:buClr>
+                <a:srgbClr val="7F7F7F"/>
+              </a:buClr>
+              <a:buSzPct val="100000"/>
+              <a:buFont typeface="Arial"/>
+              <a:buChar char="​"/>
+            </a:pPr>
+            <a:r>
+              <a:rPr lang="en-US" sz="1400" b="0" i="0" u="none" strike="noStrike" cap="none" baseline="0" dirty="0">
+                <a:solidFill>
+                  <a:srgbClr val="7C868D"/>
+                </a:solidFill>
+                <a:latin typeface="Arial"/>
+                <a:ea typeface="Arial"/>
+                <a:cs typeface="Arial"/>
+                <a:sym typeface="Arial"/>
+              </a:rPr>
+              <a:t>This presentation may contain forward-looking statements that involve risks, uncertainties, and assumptions. If any such uncertainties materialize or if any of the assumptions proves incorrect, the results of </a:t>
+            </a:r>
+            <a:r>
+              <a:rPr lang="en-US" sz="1400" b="0" i="0" u="none" strike="noStrike" cap="none" baseline="0" dirty="0" err="1">
+                <a:solidFill>
+                  <a:srgbClr val="7C868D"/>
+                </a:solidFill>
+                <a:latin typeface="Arial"/>
+                <a:ea typeface="Arial"/>
+                <a:cs typeface="Arial"/>
+                <a:sym typeface="Arial"/>
+              </a:rPr>
+              <a:t>salesforce.com</a:t>
+            </a:r>
+            <a:r>
+              <a:rPr lang="en-US" sz="1400" b="0" i="0" u="none" strike="noStrike" cap="none" baseline="0" dirty="0">
+                <a:solidFill>
+                  <a:srgbClr val="7C868D"/>
+                </a:solidFill>
+                <a:latin typeface="Arial"/>
+                <a:ea typeface="Arial"/>
+                <a:cs typeface="Arial"/>
+                <a:sym typeface="Arial"/>
+              </a:rPr>
+              <a:t>, </a:t>
+            </a:r>
+            <a:r>
+              <a:rPr lang="en-US" sz="1400" b="0" i="0" u="none" strike="noStrike" cap="none" baseline="0" dirty="0" err="1">
+                <a:solidFill>
+                  <a:srgbClr val="7C868D"/>
+                </a:solidFill>
+                <a:latin typeface="Arial"/>
+                <a:ea typeface="Arial"/>
+                <a:cs typeface="Arial"/>
+                <a:sym typeface="Arial"/>
+              </a:rPr>
+              <a:t>inc.</a:t>
+            </a:r>
+            <a:r>
+              <a:rPr lang="en-US" sz="1400" b="0" i="0" u="none" strike="noStrike" cap="none" baseline="0" dirty="0">
+                <a:solidFill>
+                  <a:srgbClr val="7C868D"/>
+                </a:solidFill>
+                <a:latin typeface="Arial"/>
+                <a:ea typeface="Arial"/>
+                <a:cs typeface="Arial"/>
+                <a:sym typeface="Arial"/>
+              </a:rPr>
+              <a:t> could differ materially from the results expressed or implied by the forward-looking statements we make. All statements other than statements of historical fact could be deemed forward-looking, including any projections of product or service availability, subscriber growth, earnings, revenues, or other financial items and any statements regarding strategies or plans of management for future operations, statements of belief, any statements concerning new, planned, or upgraded services or technology developments and customer contracts or use of our services.</a:t>
+            </a:r>
+          </a:p>
+          <a:p>
+            <a:pPr marL="0" marR="0" lvl="0" indent="0" algn="l" rtl="0">
+              <a:lnSpc>
+                <a:spcPct val="100000"/>
+              </a:lnSpc>
+              <a:spcBef>
+                <a:spcPts val="1200"/>
+              </a:spcBef>
+              <a:spcAft>
+                <a:spcPts val="0"/>
+              </a:spcAft>
+              <a:buClr>
+                <a:srgbClr val="7F7F7F"/>
+              </a:buClr>
+              <a:buSzPct val="100000"/>
+              <a:buFont typeface="Arial"/>
+              <a:buChar char="​"/>
+            </a:pPr>
+            <a:r>
+              <a:rPr lang="en-US" sz="1400" b="0" i="0" u="none" strike="noStrike" cap="none" baseline="0" dirty="0">
+                <a:solidFill>
+                  <a:srgbClr val="7C868D"/>
+                </a:solidFill>
+                <a:latin typeface="Arial"/>
+                <a:ea typeface="Arial"/>
+                <a:cs typeface="Arial"/>
+                <a:sym typeface="Arial"/>
+              </a:rPr>
+              <a:t>The risks and uncertainties referred to above include – but are not limited to – risks associated with developing and delivering new functionality for our service, new products and services, our new business model, our past operating losses, possible fluctuations in our operating results and rate of growth, interruptions or delays in our Web hosting, breach of our security measures, the outcome of any litigation, risks associated with completed and any possible mergers and acquisitions, the immature market in which we operate, our relatively limited operating history, our ability to expand, retain, and motivate our employees and manage our growth, new releases of our service and successful customer deployment, our limited history reselling non-</a:t>
+            </a:r>
+            <a:r>
+              <a:rPr lang="en-US" sz="1400" b="0" i="0" u="none" strike="noStrike" cap="none" baseline="0" dirty="0" err="1">
+                <a:solidFill>
+                  <a:srgbClr val="7C868D"/>
+                </a:solidFill>
+                <a:latin typeface="Arial"/>
+                <a:ea typeface="Arial"/>
+                <a:cs typeface="Arial"/>
+                <a:sym typeface="Arial"/>
+              </a:rPr>
+              <a:t>salesforce.com</a:t>
+            </a:r>
+            <a:r>
+              <a:rPr lang="en-US" sz="1400" b="0" i="0" u="none" strike="noStrike" cap="none" baseline="0" dirty="0">
+                <a:solidFill>
+                  <a:srgbClr val="7C868D"/>
+                </a:solidFill>
+                <a:latin typeface="Arial"/>
+                <a:ea typeface="Arial"/>
+                <a:cs typeface="Arial"/>
+                <a:sym typeface="Arial"/>
+              </a:rPr>
+              <a:t> products, and utilization and selling to larger enterprise customers. Further information on potential factors that could affect the financial results of </a:t>
+            </a:r>
+            <a:r>
+              <a:rPr lang="en-US" sz="1400" b="0" i="0" u="none" strike="noStrike" cap="none" baseline="0" dirty="0" err="1">
+                <a:solidFill>
+                  <a:srgbClr val="7C868D"/>
+                </a:solidFill>
+                <a:latin typeface="Arial"/>
+                <a:ea typeface="Arial"/>
+                <a:cs typeface="Arial"/>
+                <a:sym typeface="Arial"/>
+              </a:rPr>
+              <a:t>salesforce.com</a:t>
+            </a:r>
+            <a:r>
+              <a:rPr lang="en-US" sz="1400" b="0" i="0" u="none" strike="noStrike" cap="none" baseline="0" dirty="0">
+                <a:solidFill>
+                  <a:srgbClr val="7C868D"/>
+                </a:solidFill>
+                <a:latin typeface="Arial"/>
+                <a:ea typeface="Arial"/>
+                <a:cs typeface="Arial"/>
+                <a:sym typeface="Arial"/>
+              </a:rPr>
+              <a:t>, </a:t>
+            </a:r>
+            <a:r>
+              <a:rPr lang="en-US" sz="1400" b="0" i="0" u="none" strike="noStrike" cap="none" baseline="0" dirty="0" err="1">
+                <a:solidFill>
+                  <a:srgbClr val="7C868D"/>
+                </a:solidFill>
+                <a:latin typeface="Arial"/>
+                <a:ea typeface="Arial"/>
+                <a:cs typeface="Arial"/>
+                <a:sym typeface="Arial"/>
+              </a:rPr>
+              <a:t>inc.</a:t>
+            </a:r>
+            <a:r>
+              <a:rPr lang="en-US" sz="1400" b="0" i="0" u="none" strike="noStrike" cap="none" baseline="0" dirty="0">
+                <a:solidFill>
+                  <a:srgbClr val="7C868D"/>
+                </a:solidFill>
+                <a:latin typeface="Arial"/>
+                <a:ea typeface="Arial"/>
+                <a:cs typeface="Arial"/>
+                <a:sym typeface="Arial"/>
+              </a:rPr>
+              <a:t> is included in our annual report on Form 10-K for the most recent fiscal year and in our quarterly report on Form 10-Q for the most recent fiscal quarter. These documents and others containing important disclosures are available on the SEC Filings section of the Investor Information section of our Web site.</a:t>
+            </a:r>
+          </a:p>
+          <a:p>
+            <a:pPr marL="0" marR="0" lvl="0" indent="0" algn="l" rtl="0">
+              <a:lnSpc>
+                <a:spcPct val="100000"/>
+              </a:lnSpc>
+              <a:spcBef>
+                <a:spcPts val="1200"/>
+              </a:spcBef>
+              <a:spcAft>
+                <a:spcPts val="0"/>
+              </a:spcAft>
+              <a:buClr>
+                <a:srgbClr val="7F7F7F"/>
+              </a:buClr>
+              <a:buSzPct val="100000"/>
+              <a:buFont typeface="Arial"/>
+              <a:buChar char="​"/>
+            </a:pPr>
+            <a:r>
+              <a:rPr lang="en-US" sz="1400" b="0" i="0" u="none" strike="noStrike" cap="none" baseline="0" dirty="0">
+                <a:solidFill>
+                  <a:srgbClr val="7C868D"/>
+                </a:solidFill>
+                <a:latin typeface="Arial"/>
+                <a:ea typeface="Arial"/>
+                <a:cs typeface="Arial"/>
+                <a:sym typeface="Arial"/>
+              </a:rPr>
+              <a:t>Any unreleased services or features referenced in this or other presentations, press releases or public statements are not currently available and may not be delivered on time or at all. Customers who purchase our services should make the purchase decisions based upon features that are currently available. </a:t>
+            </a:r>
+            <a:r>
+              <a:rPr lang="en-US" sz="1400" b="0" i="0" u="none" strike="noStrike" cap="none" baseline="0" dirty="0" err="1">
+                <a:solidFill>
+                  <a:srgbClr val="7C868D"/>
+                </a:solidFill>
+                <a:latin typeface="Arial"/>
+                <a:ea typeface="Arial"/>
+                <a:cs typeface="Arial"/>
+                <a:sym typeface="Arial"/>
+              </a:rPr>
+              <a:t>Salesforce.com</a:t>
+            </a:r>
+            <a:r>
+              <a:rPr lang="en-US" sz="1400" b="0" i="0" u="none" strike="noStrike" cap="none" baseline="0" dirty="0">
+                <a:solidFill>
+                  <a:srgbClr val="7C868D"/>
+                </a:solidFill>
+                <a:latin typeface="Arial"/>
+                <a:ea typeface="Arial"/>
+                <a:cs typeface="Arial"/>
+                <a:sym typeface="Arial"/>
+              </a:rPr>
+              <a:t>, </a:t>
+            </a:r>
+            <a:r>
+              <a:rPr lang="en-US" sz="1400" b="0" i="0" u="none" strike="noStrike" cap="none" baseline="0" dirty="0" err="1">
+                <a:solidFill>
+                  <a:srgbClr val="7C868D"/>
+                </a:solidFill>
+                <a:latin typeface="Arial"/>
+                <a:ea typeface="Arial"/>
+                <a:cs typeface="Arial"/>
+                <a:sym typeface="Arial"/>
+              </a:rPr>
+              <a:t>inc.</a:t>
+            </a:r>
+            <a:r>
+              <a:rPr lang="en-US" sz="1400" b="0" i="0" u="none" strike="noStrike" cap="none" baseline="0" dirty="0">
+                <a:solidFill>
+                  <a:srgbClr val="7C868D"/>
+                </a:solidFill>
+                <a:latin typeface="Arial"/>
+                <a:ea typeface="Arial"/>
+                <a:cs typeface="Arial"/>
+                <a:sym typeface="Arial"/>
+              </a:rPr>
+              <a:t> assumes no obligation and does not intend to update these forward-looking statements.</a:t>
+            </a:r>
+          </a:p>
+          <a:p>
+            <a:pPr marL="0" marR="0" lvl="0" indent="88900" algn="l" rtl="0">
+              <a:lnSpc>
+                <a:spcPct val="100000"/>
+              </a:lnSpc>
+              <a:spcBef>
+                <a:spcPts val="1200"/>
+              </a:spcBef>
+              <a:spcAft>
+                <a:spcPts val="600"/>
+              </a:spcAft>
+              <a:buClr>
+                <a:srgbClr val="7F7F7F"/>
+              </a:buClr>
+              <a:buFont typeface="Arial"/>
+              <a:buNone/>
+            </a:pPr>
+            <a:endParaRPr sz="1400" b="0" i="0" u="none" strike="noStrike" cap="none" baseline="0" dirty="0">
+              <a:solidFill>
+                <a:srgbClr val="7C868D"/>
+              </a:solidFill>
+              <a:latin typeface="Arial"/>
+              <a:ea typeface="Arial"/>
+              <a:cs typeface="Arial"/>
+              <a:sym typeface="Arial"/>
+            </a:endParaRPr>
+          </a:p>
+        </p:txBody>
+      </p:sp>
+      <p:sp>
+        <p:nvSpPr>
+          <p:cNvPr id="847" name="Shape 847"/>
+          <p:cNvSpPr txBox="1">
+            <a:spLocks noGrp="1"/>
+          </p:cNvSpPr>
+          <p:nvPr>
+            <p:ph type="title"/>
+          </p:nvPr>
+        </p:nvSpPr>
+        <p:spPr>
+          <a:xfrm>
+            <a:off x="338327" y="90720"/>
+            <a:ext cx="11515535" cy="908042"/>
           </a:xfrm>
           <a:prstGeom prst="rect">
             <a:avLst/>
@@ -16426,7 +16797,7 @@
               <a:buNone/>
             </a:pPr>
             <a:r>
-              <a:rPr lang="en-US" sz="5400" b="0" i="0" u="none" strike="noStrike" cap="none" baseline="0" dirty="0" smtClean="0">
+              <a:rPr lang="en-US" sz="3200" b="0" i="0" u="none" strike="noStrike" cap="none" baseline="0">
                 <a:solidFill>
                   <a:schemeClr val="accent1"/>
                 </a:solidFill>
@@ -16435,431 +16806,17 @@
                 <a:cs typeface="Arial"/>
                 <a:sym typeface="Arial"/>
               </a:rPr>
-              <a:t>The Modern</a:t>
-            </a:r>
-            <a:r>
-              <a:rPr lang="en-US" sz="5400" b="0" i="0" u="none" strike="noStrike" cap="none" dirty="0" smtClean="0">
-                <a:solidFill>
-                  <a:schemeClr val="accent1"/>
-                </a:solidFill>
-                <a:latin typeface="Arial"/>
-                <a:ea typeface="Arial"/>
-                <a:cs typeface="Arial"/>
-                <a:sym typeface="Arial"/>
-              </a:rPr>
-              <a:t> Salesforce </a:t>
-            </a:r>
-            <a:br>
-              <a:rPr lang="en-US" sz="5400" b="0" i="0" u="none" strike="noStrike" cap="none" dirty="0" smtClean="0">
-                <a:solidFill>
-                  <a:schemeClr val="accent1"/>
-                </a:solidFill>
-                <a:latin typeface="Arial"/>
-                <a:ea typeface="Arial"/>
-                <a:cs typeface="Arial"/>
-                <a:sym typeface="Arial"/>
-              </a:rPr>
-            </a:br>
-            <a:r>
-              <a:rPr lang="en-US" sz="5400" b="0" i="0" u="none" strike="noStrike" cap="none" dirty="0" smtClean="0">
-                <a:solidFill>
-                  <a:schemeClr val="accent1"/>
-                </a:solidFill>
-                <a:latin typeface="Arial"/>
-                <a:ea typeface="Arial"/>
-                <a:cs typeface="Arial"/>
-                <a:sym typeface="Arial"/>
-              </a:rPr>
-              <a:t>Development Workflow </a:t>
-            </a:r>
-            <a:br>
-              <a:rPr lang="en-US" sz="5400" b="0" i="0" u="none" strike="noStrike" cap="none" dirty="0" smtClean="0">
-                <a:solidFill>
-                  <a:schemeClr val="accent1"/>
-                </a:solidFill>
-                <a:latin typeface="Arial"/>
-                <a:ea typeface="Arial"/>
-                <a:cs typeface="Arial"/>
-                <a:sym typeface="Arial"/>
-              </a:rPr>
-            </a:br>
-            <a:r>
-              <a:rPr lang="en-US" sz="5400" b="0" i="0" u="none" strike="noStrike" cap="none" dirty="0" smtClean="0">
-                <a:solidFill>
-                  <a:schemeClr val="accent1"/>
-                </a:solidFill>
-                <a:latin typeface="Arial"/>
-                <a:ea typeface="Arial"/>
-                <a:cs typeface="Arial"/>
-                <a:sym typeface="Arial"/>
-              </a:rPr>
-              <a:t>with Visual Studio Code</a:t>
-            </a:r>
-            <a:endParaRPr lang="en-US" sz="5400" b="0" i="0" u="none" strike="noStrike" cap="none" baseline="0" dirty="0">
-              <a:solidFill>
-                <a:schemeClr val="accent1"/>
-              </a:solidFill>
-              <a:latin typeface="Arial"/>
-              <a:ea typeface="Arial"/>
-              <a:cs typeface="Arial"/>
-              <a:sym typeface="Arial"/>
-            </a:endParaRPr>
-          </a:p>
-        </p:txBody>
-      </p:sp>
-      <p:sp>
-        <p:nvSpPr>
-          <p:cNvPr id="393" name="Shape 393"/>
-          <p:cNvSpPr txBox="1">
-            <a:spLocks noGrp="1"/>
-          </p:cNvSpPr>
-          <p:nvPr>
-            <p:ph type="body" idx="1"/>
-          </p:nvPr>
-        </p:nvSpPr>
-        <p:spPr>
-          <a:xfrm>
-            <a:off x="338327" y="5528767"/>
-            <a:ext cx="11515535" cy="500388"/>
-          </a:xfrm>
-          <a:prstGeom prst="rect">
-            <a:avLst/>
-          </a:prstGeom>
-          <a:noFill/>
-          <a:ln>
-            <a:noFill/>
-          </a:ln>
-        </p:spPr>
-        <p:txBody>
-          <a:bodyPr lIns="9125" tIns="0" rIns="0" bIns="0" anchor="t" anchorCtr="0">
-            <a:noAutofit/>
-          </a:bodyPr>
-          <a:lstStyle/>
-          <a:p>
-            <a:pPr marL="0" marR="0" lvl="0" indent="0" algn="l" rtl="0">
-              <a:lnSpc>
-                <a:spcPct val="100000"/>
-              </a:lnSpc>
-              <a:spcBef>
-                <a:spcPts val="0"/>
-              </a:spcBef>
-              <a:spcAft>
-                <a:spcPts val="0"/>
-              </a:spcAft>
-              <a:buClr>
-                <a:srgbClr val="7F7F7F"/>
-              </a:buClr>
-              <a:buSzPct val="100000"/>
-              <a:buFont typeface="Arial"/>
-              <a:buChar char="​"/>
-            </a:pPr>
-            <a:r>
-              <a:rPr lang="en-US" sz="1600" b="0" i="0" u="none" strike="noStrike" cap="none" baseline="0" dirty="0" smtClean="0">
-                <a:solidFill>
-                  <a:schemeClr val="accent1"/>
-                </a:solidFill>
-                <a:latin typeface="Arial"/>
-                <a:ea typeface="Arial"/>
-                <a:cs typeface="Arial"/>
-                <a:sym typeface="Arial"/>
-              </a:rPr>
-              <a:t>John Aaron Nelson</a:t>
-            </a:r>
-            <a:endParaRPr lang="en-US" sz="1600" b="0" i="0" u="none" strike="noStrike" cap="none" baseline="0" dirty="0">
-              <a:solidFill>
-                <a:schemeClr val="accent1"/>
-              </a:solidFill>
-              <a:latin typeface="Arial"/>
-              <a:ea typeface="Arial"/>
-              <a:cs typeface="Arial"/>
-              <a:sym typeface="Arial"/>
-            </a:endParaRPr>
-          </a:p>
-          <a:p>
-            <a:pPr marL="0" marR="0" lvl="0" indent="0" algn="l" rtl="0">
-              <a:lnSpc>
-                <a:spcPct val="100000"/>
-              </a:lnSpc>
-              <a:spcBef>
-                <a:spcPts val="0"/>
-              </a:spcBef>
-              <a:spcAft>
-                <a:spcPts val="0"/>
-              </a:spcAft>
-              <a:buClr>
-                <a:srgbClr val="7F7F7F"/>
-              </a:buClr>
-              <a:buSzPct val="100000"/>
-              <a:buFont typeface="Arial"/>
-              <a:buChar char="​"/>
-            </a:pPr>
-            <a:r>
-              <a:rPr lang="en-US" sz="1600" b="0" i="0" u="none" strike="noStrike" cap="none" baseline="0" dirty="0" smtClean="0">
-                <a:solidFill>
-                  <a:schemeClr val="accent1"/>
-                </a:solidFill>
-                <a:latin typeface="Arial"/>
-                <a:ea typeface="Arial"/>
-                <a:cs typeface="Arial"/>
-                <a:sym typeface="Arial"/>
-              </a:rPr>
-              <a:t>Senior</a:t>
-            </a:r>
-            <a:r>
-              <a:rPr lang="en-US" sz="1600" b="0" i="0" u="none" strike="noStrike" cap="none" dirty="0" smtClean="0">
-                <a:solidFill>
-                  <a:schemeClr val="accent1"/>
-                </a:solidFill>
-                <a:latin typeface="Arial"/>
-                <a:ea typeface="Arial"/>
-                <a:cs typeface="Arial"/>
-                <a:sym typeface="Arial"/>
-              </a:rPr>
-              <a:t> Front End Developer</a:t>
-            </a:r>
-            <a:endParaRPr lang="en-US" sz="1600" b="0" i="0" u="none" strike="noStrike" cap="none" baseline="0" dirty="0">
-              <a:solidFill>
-                <a:schemeClr val="accent1"/>
-              </a:solidFill>
-              <a:latin typeface="Arial"/>
-              <a:ea typeface="Arial"/>
-              <a:cs typeface="Arial"/>
-              <a:sym typeface="Arial"/>
-            </a:endParaRPr>
-          </a:p>
-          <a:p>
-            <a:pPr marL="0" marR="0" lvl="0" indent="0" algn="l" rtl="0">
-              <a:lnSpc>
-                <a:spcPct val="100000"/>
-              </a:lnSpc>
-              <a:spcBef>
-                <a:spcPts val="0"/>
-              </a:spcBef>
-              <a:spcAft>
-                <a:spcPts val="0"/>
-              </a:spcAft>
-              <a:buClr>
-                <a:srgbClr val="7F7F7F"/>
-              </a:buClr>
-              <a:buSzPct val="100000"/>
-              <a:buFont typeface="Arial"/>
-              <a:buChar char="​"/>
-            </a:pPr>
-            <a:r>
-              <a:rPr lang="en-US" sz="1600" dirty="0" err="1">
-                <a:solidFill>
-                  <a:schemeClr val="accent1"/>
-                </a:solidFill>
-              </a:rPr>
-              <a:t>j</a:t>
-            </a:r>
-            <a:r>
-              <a:rPr lang="en-US" sz="1600" dirty="0" err="1" smtClean="0">
-                <a:solidFill>
-                  <a:schemeClr val="accent1"/>
-                </a:solidFill>
-              </a:rPr>
-              <a:t>ohn.nelson</a:t>
-            </a:r>
-            <a:r>
-              <a:rPr lang="en-US" sz="1600" b="0" i="0" u="none" strike="noStrike" cap="none" baseline="0" dirty="0" err="1" smtClean="0">
-                <a:solidFill>
-                  <a:schemeClr val="accent1"/>
-                </a:solidFill>
-                <a:latin typeface="Arial"/>
-                <a:ea typeface="Arial"/>
-                <a:cs typeface="Arial"/>
-                <a:sym typeface="Arial"/>
-              </a:rPr>
-              <a:t>@codescience.com</a:t>
-            </a:r>
-            <a:endParaRPr lang="en-US" sz="1600" b="0" i="0" u="none" strike="noStrike" cap="none" baseline="0" dirty="0">
-              <a:solidFill>
-                <a:schemeClr val="accent1"/>
-              </a:solidFill>
-              <a:latin typeface="Arial"/>
-              <a:ea typeface="Arial"/>
-              <a:cs typeface="Arial"/>
-              <a:sym typeface="Arial"/>
-            </a:endParaRPr>
-          </a:p>
-          <a:p>
-            <a:pPr marL="0" marR="0" lvl="0" indent="0" algn="l" rtl="0">
-              <a:lnSpc>
-                <a:spcPct val="100000"/>
-              </a:lnSpc>
-              <a:spcBef>
-                <a:spcPts val="0"/>
-              </a:spcBef>
-              <a:spcAft>
-                <a:spcPts val="0"/>
-              </a:spcAft>
-              <a:buClr>
-                <a:srgbClr val="7F7F7F"/>
-              </a:buClr>
-              <a:buSzPct val="100000"/>
-              <a:buFont typeface="Arial"/>
-              <a:buChar char="​"/>
-            </a:pPr>
-            <a:r>
-              <a:rPr lang="en-US" sz="1600" b="0" i="0" u="none" strike="noStrike" cap="none" baseline="0" dirty="0" smtClean="0">
-                <a:solidFill>
-                  <a:schemeClr val="accent1"/>
-                </a:solidFill>
-                <a:latin typeface="Arial"/>
-                <a:ea typeface="Arial"/>
-                <a:cs typeface="Arial"/>
-                <a:sym typeface="Arial"/>
-              </a:rPr>
-              <a:t>@</a:t>
-            </a:r>
-            <a:r>
-              <a:rPr lang="en-US" sz="1600" b="0" i="0" u="none" strike="noStrike" cap="none" baseline="0" dirty="0" err="1" smtClean="0">
-                <a:solidFill>
-                  <a:schemeClr val="accent1"/>
-                </a:solidFill>
-                <a:latin typeface="Arial"/>
-                <a:ea typeface="Arial"/>
-                <a:cs typeface="Arial"/>
-                <a:sym typeface="Arial"/>
-              </a:rPr>
-              <a:t>JohnAaronNelson</a:t>
-            </a:r>
-            <a:endParaRPr lang="en-US" sz="1600" b="0" i="0" u="none" strike="noStrike" cap="none" baseline="0" dirty="0">
-              <a:solidFill>
-                <a:schemeClr val="accent1"/>
-              </a:solidFill>
-              <a:latin typeface="Arial"/>
-              <a:ea typeface="Arial"/>
-              <a:cs typeface="Arial"/>
-              <a:sym typeface="Arial"/>
-            </a:endParaRPr>
-          </a:p>
-          <a:p>
-            <a:pPr marL="0" marR="0" lvl="0" indent="0" algn="l" rtl="0">
-              <a:lnSpc>
-                <a:spcPct val="100000"/>
-              </a:lnSpc>
-              <a:spcBef>
-                <a:spcPts val="0"/>
-              </a:spcBef>
-              <a:spcAft>
-                <a:spcPts val="0"/>
-              </a:spcAft>
-              <a:buClr>
-                <a:srgbClr val="7F7F7F"/>
-              </a:buClr>
-              <a:buSzPct val="100000"/>
-              <a:buFont typeface="Arial"/>
-              <a:buChar char="​"/>
-            </a:pPr>
-            <a:r>
-              <a:rPr lang="en-US" sz="1600" b="0" i="0" u="none" strike="noStrike" cap="none" baseline="0" dirty="0">
-                <a:solidFill>
-                  <a:schemeClr val="accent1"/>
-                </a:solidFill>
-                <a:latin typeface="Arial"/>
-                <a:ea typeface="Arial"/>
-                <a:cs typeface="Arial"/>
-                <a:sym typeface="Arial"/>
-              </a:rPr>
-              <a:t>	</a:t>
-            </a:r>
-          </a:p>
-        </p:txBody>
-      </p:sp>
-      <p:sp>
-        <p:nvSpPr>
-          <p:cNvPr id="394" name="Shape 394"/>
-          <p:cNvSpPr txBox="1">
-            <a:spLocks noGrp="1"/>
-          </p:cNvSpPr>
-          <p:nvPr>
-            <p:ph type="body" idx="2"/>
-          </p:nvPr>
-        </p:nvSpPr>
-        <p:spPr>
-          <a:xfrm>
-            <a:off x="338327" y="4547601"/>
-            <a:ext cx="9708350" cy="750470"/>
-          </a:xfrm>
-          <a:prstGeom prst="rect">
-            <a:avLst/>
-          </a:prstGeom>
-          <a:noFill/>
-          <a:ln>
-            <a:noFill/>
-          </a:ln>
-        </p:spPr>
-        <p:txBody>
-          <a:bodyPr lIns="9125" tIns="0" rIns="0" bIns="0" anchor="t" anchorCtr="0">
-            <a:noAutofit/>
-          </a:bodyPr>
-          <a:lstStyle/>
-          <a:p>
-            <a:pPr lvl="0" indent="0">
-              <a:buClr>
-                <a:srgbClr val="7F7F7F"/>
-              </a:buClr>
-              <a:buSzPct val="25000"/>
-            </a:pPr>
-            <a:r>
-              <a:rPr lang="en-US" sz="2000" b="0" i="0" u="none" strike="noStrike" cap="none" baseline="0" dirty="0" smtClean="0">
-                <a:solidFill>
-                  <a:schemeClr val="accent2"/>
-                </a:solidFill>
-                <a:latin typeface="Arial"/>
-                <a:ea typeface="Arial"/>
-                <a:cs typeface="Arial"/>
-                <a:sym typeface="Arial"/>
-              </a:rPr>
-              <a:t>Why you should use</a:t>
-            </a:r>
-            <a:r>
-              <a:rPr lang="en-US" sz="2000" b="0" i="0" u="none" strike="noStrike" cap="none" dirty="0" smtClean="0">
-                <a:solidFill>
-                  <a:schemeClr val="accent2"/>
-                </a:solidFill>
-                <a:latin typeface="Arial"/>
-                <a:ea typeface="Arial"/>
-                <a:cs typeface="Arial"/>
-                <a:sym typeface="Arial"/>
-              </a:rPr>
-              <a:t> Visual Studio Code for your current </a:t>
-            </a:r>
-            <a:r>
-              <a:rPr lang="en-US" sz="2000" dirty="0">
-                <a:solidFill>
-                  <a:schemeClr val="accent2"/>
-                </a:solidFill>
-              </a:rPr>
-              <a:t>and next Salesforce </a:t>
-            </a:r>
-            <a:r>
-              <a:rPr lang="en-US" sz="2000" b="0" i="0" u="none" strike="noStrike" cap="none" dirty="0" smtClean="0">
-                <a:solidFill>
-                  <a:schemeClr val="accent2"/>
-                </a:solidFill>
-                <a:latin typeface="Arial"/>
-                <a:ea typeface="Arial"/>
-                <a:cs typeface="Arial"/>
-                <a:sym typeface="Arial"/>
-              </a:rPr>
-              <a:t>project</a:t>
-            </a:r>
-            <a:endParaRPr lang="en-US" sz="2000" b="0" i="0" u="none" strike="noStrike" cap="none" baseline="0" dirty="0">
-              <a:solidFill>
-                <a:schemeClr val="accent2"/>
-              </a:solidFill>
-              <a:latin typeface="Arial"/>
-              <a:ea typeface="Arial"/>
-              <a:cs typeface="Arial"/>
-              <a:sym typeface="Arial"/>
-            </a:endParaRPr>
+              <a:t>Safe Harbor</a:t>
+            </a:r>
           </a:p>
         </p:txBody>
       </p:sp>
     </p:spTree>
+    <p:extLst>
+      <p:ext uri="{BB962C8B-B14F-4D97-AF65-F5344CB8AC3E}">
+        <p14:creationId xmlns:p14="http://schemas.microsoft.com/office/powerpoint/2010/main" val="282384466"/>
+      </p:ext>
+    </p:extLst>
   </p:cSld>
   <p:clrMapOvr>
     <a:masterClrMapping/>
@@ -16896,12 +16853,12 @@
       </p:grpSpPr>
       <p:sp>
         <p:nvSpPr>
-          <p:cNvPr id="2" name="Text Placeholder 1"/>
+          <p:cNvPr id="2" name="Title 1"/>
           <p:cNvSpPr>
             <a:spLocks noGrp="1"/>
           </p:cNvSpPr>
           <p:nvPr>
-            <p:ph type="body" idx="1"/>
+            <p:ph type="ctrTitle"/>
           </p:nvPr>
         </p:nvSpPr>
         <p:spPr/>
@@ -16910,165 +16867,44 @@
           <a:lstStyle/>
           <a:p>
             <a:r>
-              <a:rPr lang="en-US" dirty="0" smtClean="0"/>
-              <a:t>Show </a:t>
-            </a:r>
-            <a:r>
-              <a:rPr lang="en-US" dirty="0" err="1" smtClean="0"/>
-              <a:t>Tasks,json</a:t>
-            </a:r>
-            <a:r>
-              <a:rPr lang="en-US" dirty="0" smtClean="0"/>
-              <a:t> file on left</a:t>
-            </a:r>
-          </a:p>
-          <a:p>
-            <a:endParaRPr lang="en-US" dirty="0"/>
-          </a:p>
-          <a:p>
-            <a:r>
-              <a:rPr lang="en-US" dirty="0" smtClean="0"/>
-              <a:t>Show </a:t>
-            </a:r>
-            <a:r>
-              <a:rPr lang="en-US" dirty="0" err="1" smtClean="0"/>
-              <a:t>Gulpfile.js</a:t>
-            </a:r>
-            <a:r>
-              <a:rPr lang="en-US" dirty="0" smtClean="0"/>
-              <a:t> on right</a:t>
-            </a:r>
-            <a:endParaRPr lang="en-US" dirty="0"/>
-          </a:p>
-        </p:txBody>
-      </p:sp>
-      <p:pic>
-        <p:nvPicPr>
-          <p:cNvPr id="5" name="Picture 4"/>
-          <p:cNvPicPr>
-            <a:picLocks noChangeAspect="1"/>
-          </p:cNvPicPr>
-          <p:nvPr/>
-        </p:nvPicPr>
-        <p:blipFill>
-          <a:blip r:embed="rId3">
-            <a:extLst>
-              <a:ext uri="{28A0092B-C50C-407E-A947-70E740481C1C}">
-                <a14:useLocalDpi xmlns:a14="http://schemas.microsoft.com/office/drawing/2010/main" val="0"/>
-              </a:ext>
-            </a:extLst>
-          </a:blip>
-          <a:stretch>
-            <a:fillRect/>
-          </a:stretch>
-        </p:blipFill>
-        <p:spPr>
-          <a:xfrm>
-            <a:off x="324341" y="1599479"/>
-            <a:ext cx="5706162" cy="4480560"/>
-          </a:xfrm>
-          <a:prstGeom prst="rect">
-            <a:avLst/>
-          </a:prstGeom>
-        </p:spPr>
-      </p:pic>
-      <p:pic>
-        <p:nvPicPr>
-          <p:cNvPr id="6" name="Picture 5"/>
-          <p:cNvPicPr>
-            <a:picLocks noChangeAspect="1"/>
-          </p:cNvPicPr>
-          <p:nvPr/>
-        </p:nvPicPr>
-        <p:blipFill>
-          <a:blip r:embed="rId4">
-            <a:extLst>
-              <a:ext uri="{28A0092B-C50C-407E-A947-70E740481C1C}">
-                <a14:useLocalDpi xmlns:a14="http://schemas.microsoft.com/office/drawing/2010/main" val="0"/>
-              </a:ext>
-            </a:extLst>
-          </a:blip>
-          <a:stretch>
-            <a:fillRect/>
-          </a:stretch>
-        </p:blipFill>
-        <p:spPr>
-          <a:xfrm>
-            <a:off x="6245911" y="1599479"/>
-            <a:ext cx="5581472" cy="4480560"/>
-          </a:xfrm>
-          <a:prstGeom prst="rect">
-            <a:avLst/>
-          </a:prstGeom>
-        </p:spPr>
-      </p:pic>
-      <p:sp>
-        <p:nvSpPr>
-          <p:cNvPr id="7" name="TextBox 6"/>
-          <p:cNvSpPr txBox="1"/>
-          <p:nvPr/>
-        </p:nvSpPr>
-        <p:spPr>
-          <a:xfrm>
-            <a:off x="2353733" y="1151467"/>
-            <a:ext cx="1040670" cy="307777"/>
-          </a:xfrm>
-          <a:prstGeom prst="rect">
-            <a:avLst/>
-          </a:prstGeom>
-          <a:noFill/>
-        </p:spPr>
-        <p:txBody>
-          <a:bodyPr wrap="none" rtlCol="0">
-            <a:spAutoFit/>
-          </a:bodyPr>
-          <a:lstStyle/>
-          <a:p>
-            <a:r>
-              <a:rPr lang="en-US" dirty="0" err="1" smtClean="0"/>
-              <a:t>Tasks.json</a:t>
-            </a:r>
-            <a:endParaRPr lang="en-US" dirty="0"/>
+              <a:rPr lang="en-US" sz="5400" dirty="0" smtClean="0">
+                <a:solidFill>
+                  <a:schemeClr val="bg1"/>
+                </a:solidFill>
+              </a:rPr>
+              <a:t>The future for Visual Studio Code</a:t>
+            </a:r>
+            <a:endParaRPr lang="en-US" sz="5400" dirty="0">
+              <a:solidFill>
+                <a:schemeClr val="bg1"/>
+              </a:solidFill>
+            </a:endParaRPr>
           </a:p>
         </p:txBody>
       </p:sp>
       <p:sp>
         <p:nvSpPr>
-          <p:cNvPr id="8" name="TextBox 7"/>
-          <p:cNvSpPr txBox="1"/>
-          <p:nvPr/>
+          <p:cNvPr id="3" name="Subtitle 2"/>
+          <p:cNvSpPr>
+            <a:spLocks noGrp="1"/>
+          </p:cNvSpPr>
+          <p:nvPr>
+            <p:ph type="subTitle" idx="1"/>
+          </p:nvPr>
         </p:nvSpPr>
-        <p:spPr>
-          <a:xfrm>
-            <a:off x="8550776" y="1195565"/>
-            <a:ext cx="971741" cy="523220"/>
-          </a:xfrm>
-          <a:prstGeom prst="rect">
-            <a:avLst/>
-          </a:prstGeom>
-          <a:noFill/>
-        </p:spPr>
+        <p:spPr/>
         <p:txBody>
-          <a:bodyPr wrap="none" rtlCol="0">
-            <a:spAutoFit/>
-          </a:bodyPr>
+          <a:bodyPr/>
           <a:lstStyle/>
           <a:p>
-            <a:r>
-              <a:rPr lang="en-US" dirty="0" err="1" smtClean="0"/>
-              <a:t>Gulpfile.js</a:t>
-            </a:r>
-            <a:endParaRPr lang="en-US" dirty="0" smtClean="0"/>
-          </a:p>
-          <a:p>
-            <a:endParaRPr lang="en-US" dirty="0"/>
+            <a:endParaRPr lang="en-US"/>
           </a:p>
         </p:txBody>
       </p:sp>
     </p:spTree>
     <p:extLst>
       <p:ext uri="{BB962C8B-B14F-4D97-AF65-F5344CB8AC3E}">
-        <p14:creationId xmlns:p14="http://schemas.microsoft.com/office/powerpoint/2010/main" val="1323762901"/>
+        <p14:creationId xmlns:p14="http://schemas.microsoft.com/office/powerpoint/2010/main" val="1048181324"/>
       </p:ext>
     </p:extLst>
   </p:cSld>
@@ -17104,12 +16940,12 @@
       </p:grpSpPr>
       <p:sp>
         <p:nvSpPr>
-          <p:cNvPr id="2" name="Title 1"/>
+          <p:cNvPr id="2" name="Text Placeholder 1"/>
           <p:cNvSpPr>
             <a:spLocks noGrp="1"/>
           </p:cNvSpPr>
           <p:nvPr>
-            <p:ph type="ctrTitle"/>
+            <p:ph type="body" idx="1"/>
           </p:nvPr>
         </p:nvSpPr>
         <p:spPr/>
@@ -17117,30 +16953,113 @@
           <a:bodyPr/>
           <a:lstStyle/>
           <a:p>
-            <a:r>
-              <a:rPr lang="en-US" sz="5400" dirty="0" smtClean="0">
-                <a:solidFill>
-                  <a:schemeClr val="bg1"/>
-                </a:solidFill>
-              </a:rPr>
-              <a:t>Presentation Resources</a:t>
-            </a:r>
-            <a:endParaRPr lang="en-US" sz="5400" dirty="0">
-              <a:solidFill>
-                <a:schemeClr val="bg1"/>
-              </a:solidFill>
-            </a:endParaRPr>
+            <a:pPr marL="574675" lvl="1" indent="-342900">
+              <a:buFont typeface="+mj-lt"/>
+              <a:buAutoNum type="arabicPeriod"/>
+            </a:pPr>
+            <a:r>
+              <a:rPr lang="en-US" sz="2000" dirty="0" smtClean="0"/>
+              <a:t>Plugin support </a:t>
+            </a:r>
+            <a:r>
+              <a:rPr lang="en-US" sz="2000" dirty="0"/>
+              <a:t>in Visual Studio Code is coming </a:t>
+            </a:r>
+            <a:r>
+              <a:rPr lang="en-US" sz="2000" dirty="0" smtClean="0"/>
+              <a:t>soon and will allow us to </a:t>
+            </a:r>
+            <a:r>
+              <a:rPr lang="en-US" sz="2000" dirty="0"/>
+              <a:t>implement </a:t>
+            </a:r>
+            <a:r>
+              <a:rPr lang="en-US" sz="2000" dirty="0" err="1"/>
+              <a:t>Intellisense</a:t>
+            </a:r>
+            <a:r>
+              <a:rPr lang="en-US" sz="2000" dirty="0"/>
+              <a:t> for Apex and </a:t>
+            </a:r>
+            <a:r>
+              <a:rPr lang="en-US" sz="2000" dirty="0" smtClean="0"/>
+              <a:t>VF</a:t>
+            </a:r>
+          </a:p>
+          <a:p>
+            <a:pPr marL="574675" lvl="1" indent="-342900">
+              <a:buFont typeface="+mj-lt"/>
+              <a:buAutoNum type="arabicPeriod"/>
+            </a:pPr>
+            <a:r>
+              <a:rPr lang="en-US" sz="2000" dirty="0" smtClean="0"/>
+              <a:t>The team continues to deliver regular iterations every month with a clear path forward shown by </a:t>
+            </a:r>
+            <a:r>
+              <a:rPr lang="en-US" sz="2000" dirty="0" err="1" smtClean="0"/>
+              <a:t>UserVoice</a:t>
+            </a:r>
+            <a:r>
+              <a:rPr lang="en-US" sz="2000" dirty="0" smtClean="0"/>
+              <a:t>.</a:t>
+            </a:r>
+          </a:p>
+          <a:p>
+            <a:pPr marL="863600" lvl="2" indent="-342900">
+              <a:buFont typeface="+mj-lt"/>
+              <a:buAutoNum type="arabicPeriod"/>
+            </a:pPr>
+            <a:r>
+              <a:rPr lang="en-US" sz="2000" dirty="0" smtClean="0"/>
+              <a:t>The Visual Studio Code </a:t>
+            </a:r>
+            <a:r>
+              <a:rPr lang="en-US" sz="2000" dirty="0" err="1" smtClean="0"/>
+              <a:t>UserVoice</a:t>
+            </a:r>
+            <a:r>
+              <a:rPr lang="en-US" sz="2000" dirty="0" smtClean="0"/>
+              <a:t> site provides the path forward for Visual Studio Code.  </a:t>
+            </a:r>
+          </a:p>
+          <a:p>
+            <a:pPr marL="863600" lvl="2" indent="-342900">
+              <a:buFont typeface="+mj-lt"/>
+              <a:buAutoNum type="arabicPeriod"/>
+            </a:pPr>
+            <a:r>
+              <a:rPr lang="en-US" sz="2000" dirty="0" err="1" smtClean="0"/>
+              <a:t>VSCode</a:t>
+            </a:r>
+            <a:r>
+              <a:rPr lang="en-US" sz="2000" dirty="0" smtClean="0"/>
+              <a:t> is a crowd-sourced, free and open application, wholly funded and supported by Microsoft.  </a:t>
+            </a:r>
+          </a:p>
+          <a:p>
+            <a:pPr marL="863600" lvl="2" indent="-342900">
+              <a:buFont typeface="+mj-lt"/>
+              <a:buAutoNum type="arabicPeriod"/>
+            </a:pPr>
+            <a:r>
+              <a:rPr lang="en-US" sz="2000" dirty="0" err="1" smtClean="0"/>
+              <a:t>VSCode</a:t>
+            </a:r>
+            <a:r>
+              <a:rPr lang="en-US" sz="2000" dirty="0" smtClean="0"/>
+              <a:t> demonstrates the new Microsoft and their commitment to empowering developers on every platform.</a:t>
+            </a:r>
           </a:p>
         </p:txBody>
       </p:sp>
       <p:sp>
         <p:nvSpPr>
-          <p:cNvPr id="3" name="Subtitle 2"/>
+          <p:cNvPr id="4" name="Title 3"/>
           <p:cNvSpPr>
             <a:spLocks noGrp="1"/>
           </p:cNvSpPr>
           <p:nvPr>
-            <p:ph type="subTitle" idx="1"/>
+            <p:ph type="title"/>
           </p:nvPr>
         </p:nvSpPr>
         <p:spPr/>
@@ -17148,14 +17067,35 @@
           <a:bodyPr/>
           <a:lstStyle/>
           <a:p>
-            <a:endParaRPr lang="en-US"/>
+            <a:pPr algn="ctr"/>
+            <a:r>
+              <a:rPr lang="en-US" sz="4400" dirty="0" smtClean="0">
+                <a:solidFill>
+                  <a:schemeClr val="accent1"/>
+                </a:solidFill>
+              </a:rPr>
+              <a:t>The future is </a:t>
+            </a:r>
+            <a:r>
+              <a:rPr lang="en-US" sz="4400" dirty="0" smtClean="0">
+                <a:solidFill>
+                  <a:schemeClr val="accent1"/>
+                </a:solidFill>
+              </a:rPr>
+              <a:t>bright</a:t>
+            </a:r>
+            <a:endParaRPr lang="en-US" sz="4400" dirty="0">
+              <a:solidFill>
+                <a:schemeClr val="accent1"/>
+              </a:solidFill>
+            </a:endParaRPr>
           </a:p>
         </p:txBody>
       </p:sp>
     </p:spTree>
     <p:extLst>
       <p:ext uri="{BB962C8B-B14F-4D97-AF65-F5344CB8AC3E}">
-        <p14:creationId xmlns:p14="http://schemas.microsoft.com/office/powerpoint/2010/main" val="240054513"/>
+        <p14:creationId xmlns:p14="http://schemas.microsoft.com/office/powerpoint/2010/main" val="1469976512"/>
       </p:ext>
     </p:extLst>
   </p:cSld>
@@ -17191,12 +17131,12 @@
       </p:grpSpPr>
       <p:sp>
         <p:nvSpPr>
-          <p:cNvPr id="2" name="Text Placeholder 1"/>
+          <p:cNvPr id="2" name="Title 1"/>
           <p:cNvSpPr>
             <a:spLocks noGrp="1"/>
           </p:cNvSpPr>
           <p:nvPr>
-            <p:ph type="body" idx="1"/>
+            <p:ph type="ctrTitle"/>
           </p:nvPr>
         </p:nvSpPr>
         <p:spPr/>
@@ -17205,110 +17145,29 @@
           <a:lstStyle/>
           <a:p>
             <a:r>
-              <a:rPr lang="en-US" dirty="0" smtClean="0"/>
-              <a:t>Show diagram of VSCode-DF15 at top, </a:t>
-            </a:r>
-          </a:p>
-          <a:p>
-            <a:r>
-              <a:rPr lang="en-US" dirty="0" smtClean="0"/>
-              <a:t>then </a:t>
-            </a:r>
-            <a:r>
-              <a:rPr lang="en-US" dirty="0" err="1" smtClean="0"/>
-              <a:t>Saleforce-VSCode</a:t>
-            </a:r>
-            <a:r>
-              <a:rPr lang="en-US" dirty="0" smtClean="0"/>
-              <a:t> under that and to the side.</a:t>
-            </a:r>
-          </a:p>
-          <a:p>
-            <a:r>
-              <a:rPr lang="en-US" dirty="0" smtClean="0"/>
-              <a:t>Then Gulp-Force under that, which wraps Force to provide, create Apex</a:t>
-            </a:r>
-          </a:p>
-          <a:p>
-            <a:endParaRPr lang="en-US" dirty="0" smtClean="0"/>
-          </a:p>
-          <a:p>
-            <a:r>
-              <a:rPr lang="en-US" dirty="0" smtClean="0"/>
-              <a:t>The other side has Slush-Angular-</a:t>
-            </a:r>
-            <a:r>
-              <a:rPr lang="en-US" dirty="0" err="1" smtClean="0"/>
-              <a:t>Webpack</a:t>
-            </a:r>
-            <a:r>
-              <a:rPr lang="en-US" dirty="0" smtClean="0"/>
-              <a:t> for creating SPAs</a:t>
-            </a:r>
-          </a:p>
-          <a:p>
-            <a:endParaRPr lang="en-US" dirty="0"/>
-          </a:p>
-          <a:p>
-            <a:r>
-              <a:rPr lang="en-US" dirty="0" smtClean="0"/>
-              <a:t>Salesforce-</a:t>
-            </a:r>
-            <a:r>
-              <a:rPr lang="en-US" dirty="0" err="1" smtClean="0"/>
-              <a:t>VSCode</a:t>
-            </a:r>
-            <a:r>
-              <a:rPr lang="en-US" dirty="0" smtClean="0"/>
-              <a:t> has a </a:t>
-            </a:r>
-            <a:r>
-              <a:rPr lang="en-US" dirty="0" err="1" smtClean="0"/>
-              <a:t>tasks.json</a:t>
-            </a:r>
-            <a:r>
-              <a:rPr lang="en-US" dirty="0" smtClean="0"/>
-              <a:t> file which refers to Gulp-Force, the </a:t>
-            </a:r>
-            <a:r>
-              <a:rPr lang="en-US" dirty="0" err="1" smtClean="0"/>
-              <a:t>tasks.json</a:t>
-            </a:r>
-            <a:r>
-              <a:rPr lang="en-US" dirty="0" smtClean="0"/>
-              <a:t> file uses a problem-matcher on the task to get back any errors from the Force Push</a:t>
-            </a:r>
-          </a:p>
-          <a:p>
-            <a:r>
-              <a:rPr lang="en-US" dirty="0" smtClean="0"/>
-              <a:t>Gulp-Force needs to be modified to accept a </a:t>
-            </a:r>
-            <a:r>
-              <a:rPr lang="en-US" dirty="0" err="1" smtClean="0"/>
-              <a:t>src</a:t>
-            </a:r>
-            <a:r>
-              <a:rPr lang="en-US" dirty="0" smtClean="0"/>
-              <a:t> file, then copy it to metadata, then run force push</a:t>
-            </a:r>
-          </a:p>
-          <a:p>
-            <a:endParaRPr lang="en-US" dirty="0"/>
-          </a:p>
-          <a:p>
-            <a:endParaRPr lang="en-US" dirty="0"/>
+              <a:rPr lang="en-US" sz="5400" dirty="0" smtClean="0">
+                <a:solidFill>
+                  <a:schemeClr val="bg1"/>
+                </a:solidFill>
+              </a:rPr>
+              <a:t>Presentation Resources</a:t>
+            </a:r>
+            <a:endParaRPr lang="en-US" sz="5400" dirty="0">
+              <a:solidFill>
+                <a:schemeClr val="bg1"/>
+              </a:solidFill>
+            </a:endParaRPr>
           </a:p>
         </p:txBody>
       </p:sp>
       <p:sp>
         <p:nvSpPr>
-          <p:cNvPr id="3" name="Text Placeholder 2"/>
+          <p:cNvPr id="3" name="Subtitle 2"/>
           <p:cNvSpPr>
             <a:spLocks noGrp="1"/>
           </p:cNvSpPr>
           <p:nvPr>
-            <p:ph type="body" idx="2"/>
+            <p:ph type="subTitle" idx="1"/>
           </p:nvPr>
         </p:nvSpPr>
         <p:spPr/>
@@ -17320,33 +17179,10 @@
           </a:p>
         </p:txBody>
       </p:sp>
-      <p:sp>
-        <p:nvSpPr>
-          <p:cNvPr id="4" name="Title 3"/>
-          <p:cNvSpPr>
-            <a:spLocks noGrp="1"/>
-          </p:cNvSpPr>
-          <p:nvPr>
-            <p:ph type="title"/>
-          </p:nvPr>
-        </p:nvSpPr>
-        <p:spPr/>
-        <p:txBody>
-          <a:bodyPr/>
-          <a:lstStyle/>
-          <a:p>
-            <a:r>
-              <a:rPr lang="en-US" dirty="0" smtClean="0"/>
-              <a:t>Projects used to make a complete application</a:t>
-            </a:r>
-            <a:endParaRPr lang="en-US" dirty="0"/>
-          </a:p>
-        </p:txBody>
-      </p:sp>
     </p:spTree>
     <p:extLst>
       <p:ext uri="{BB962C8B-B14F-4D97-AF65-F5344CB8AC3E}">
-        <p14:creationId xmlns:p14="http://schemas.microsoft.com/office/powerpoint/2010/main" val="454219993"/>
+        <p14:creationId xmlns:p14="http://schemas.microsoft.com/office/powerpoint/2010/main" val="240054513"/>
       </p:ext>
     </p:extLst>
   </p:cSld>
@@ -17395,102 +17231,119 @@
           <a:bodyPr/>
           <a:lstStyle/>
           <a:p>
-            <a:pPr marL="574675" lvl="1" indent="-342900">
-              <a:buFont typeface="+mj-lt"/>
-              <a:buAutoNum type="arabicPeriod"/>
-            </a:pPr>
             <a:r>
               <a:rPr lang="en-US" dirty="0" smtClean="0"/>
-              <a:t>Plugin support </a:t>
-            </a:r>
-            <a:r>
-              <a:rPr lang="en-US" dirty="0"/>
-              <a:t>in Visual Studio Code is coming </a:t>
-            </a:r>
+              <a:t>Show diagram of VSCode-DF15 at top, </a:t>
+            </a:r>
+          </a:p>
+          <a:p>
             <a:r>
               <a:rPr lang="en-US" dirty="0" smtClean="0"/>
-              <a:t>soon and will allow us to </a:t>
-            </a:r>
-            <a:r>
-              <a:rPr lang="en-US" dirty="0"/>
-              <a:t>implement </a:t>
-            </a:r>
-            <a:r>
-              <a:rPr lang="en-US" dirty="0" err="1"/>
-              <a:t>Intellisense</a:t>
-            </a:r>
-            <a:r>
-              <a:rPr lang="en-US" dirty="0"/>
-              <a:t> for Apex and </a:t>
+              <a:t>then </a:t>
+            </a:r>
+            <a:r>
+              <a:rPr lang="en-US" dirty="0" err="1" smtClean="0"/>
+              <a:t>Saleforce-VSCode</a:t>
             </a:r>
             <a:r>
               <a:rPr lang="en-US" dirty="0" smtClean="0"/>
-              <a:t>VF</a:t>
-            </a:r>
-          </a:p>
-          <a:p>
-            <a:pPr marL="574675" lvl="1" indent="-342900">
-              <a:buFont typeface="+mj-lt"/>
-              <a:buAutoNum type="arabicPeriod"/>
-            </a:pPr>
+              <a:t> under that and to the side.</a:t>
+            </a:r>
+          </a:p>
+          <a:p>
             <a:r>
               <a:rPr lang="en-US" dirty="0" smtClean="0"/>
-              <a:t>The team continues to deliver regular iterations every month with a clear path forward shown by </a:t>
+              <a:t>Then Gulp-Force under that, which wraps Force to provide, create Apex</a:t>
+            </a:r>
+          </a:p>
+          <a:p>
+            <a:endParaRPr lang="en-US" dirty="0" smtClean="0"/>
+          </a:p>
+          <a:p>
+            <a:r>
+              <a:rPr lang="en-US" dirty="0" smtClean="0"/>
+              <a:t>The other side has Slush-Angular-</a:t>
             </a:r>
             <a:r>
               <a:rPr lang="en-US" dirty="0" err="1" smtClean="0"/>
-              <a:t>UserVoice</a:t>
+              <a:t>Webpack</a:t>
             </a:r>
             <a:r>
               <a:rPr lang="en-US" dirty="0" smtClean="0"/>
-              <a:t>.</a:t>
-            </a:r>
-          </a:p>
-          <a:p>
-            <a:pPr marL="863600" lvl="2" indent="-342900">
-              <a:buFont typeface="+mj-lt"/>
-              <a:buAutoNum type="arabicPeriod"/>
-            </a:pPr>
+              <a:t> for creating SPAs</a:t>
+            </a:r>
+          </a:p>
+          <a:p>
+            <a:endParaRPr lang="en-US" dirty="0"/>
+          </a:p>
+          <a:p>
             <a:r>
               <a:rPr lang="en-US" dirty="0" smtClean="0"/>
-              <a:t>The Visual Studio Code </a:t>
-            </a:r>
-            <a:r>
-              <a:rPr lang="en-US" dirty="0" err="1" smtClean="0"/>
-              <a:t>UserVoice</a:t>
-            </a:r>
-            <a:r>
-              <a:rPr lang="en-US" dirty="0" smtClean="0"/>
-              <a:t> site provides the path forward for Visual Studio Code.  </a:t>
-            </a:r>
-          </a:p>
-          <a:p>
-            <a:pPr marL="863600" lvl="2" indent="-342900">
-              <a:buFont typeface="+mj-lt"/>
-              <a:buAutoNum type="arabicPeriod"/>
-            </a:pPr>
+              <a:t>Salesforce-</a:t>
+            </a:r>
             <a:r>
               <a:rPr lang="en-US" dirty="0" err="1" smtClean="0"/>
               <a:t>VSCode</a:t>
             </a:r>
             <a:r>
               <a:rPr lang="en-US" dirty="0" smtClean="0"/>
-              <a:t> is a crowd-sourced, free and open application, wholly funded and supported by Microsoft.  </a:t>
-            </a:r>
-          </a:p>
-          <a:p>
-            <a:pPr marL="863600" lvl="2" indent="-342900">
-              <a:buFont typeface="+mj-lt"/>
-              <a:buAutoNum type="arabicPeriod"/>
-            </a:pPr>
+              <a:t> has a </a:t>
+            </a:r>
             <a:r>
               <a:rPr lang="en-US" dirty="0" err="1" smtClean="0"/>
-              <a:t>VSCode</a:t>
+              <a:t>tasks.json</a:t>
             </a:r>
             <a:r>
               <a:rPr lang="en-US" dirty="0" smtClean="0"/>
-              <a:t> demonstrates the new Microsoft and their commitment to empowering developers on every platform.</a:t>
-            </a:r>
+              <a:t> file which refers to Gulp-Force, the </a:t>
+            </a:r>
+            <a:r>
+              <a:rPr lang="en-US" dirty="0" err="1" smtClean="0"/>
+              <a:t>tasks.json</a:t>
+            </a:r>
+            <a:r>
+              <a:rPr lang="en-US" dirty="0" smtClean="0"/>
+              <a:t> file uses a problem-matcher on the task to get back any errors from the Force Push</a:t>
+            </a:r>
+          </a:p>
+          <a:p>
+            <a:r>
+              <a:rPr lang="en-US" dirty="0" smtClean="0"/>
+              <a:t>Gulp-Force needs to be modified to accept a </a:t>
+            </a:r>
+            <a:r>
+              <a:rPr lang="en-US" dirty="0" err="1" smtClean="0"/>
+              <a:t>src</a:t>
+            </a:r>
+            <a:r>
+              <a:rPr lang="en-US" dirty="0" smtClean="0"/>
+              <a:t> file, then copy it to metadata, then run force push</a:t>
+            </a:r>
+          </a:p>
+          <a:p>
+            <a:endParaRPr lang="en-US" dirty="0"/>
+          </a:p>
+          <a:p>
+            <a:endParaRPr lang="en-US" dirty="0"/>
+          </a:p>
+        </p:txBody>
+      </p:sp>
+      <p:sp>
+        <p:nvSpPr>
+          <p:cNvPr id="3" name="Text Placeholder 2"/>
+          <p:cNvSpPr>
+            <a:spLocks noGrp="1"/>
+          </p:cNvSpPr>
+          <p:nvPr>
+            <p:ph type="body" idx="2"/>
+          </p:nvPr>
+        </p:nvSpPr>
+        <p:spPr/>
+        <p:txBody>
+          <a:bodyPr/>
+          <a:lstStyle/>
+          <a:p>
+            <a:endParaRPr lang="en-US"/>
           </a:p>
         </p:txBody>
       </p:sp>
@@ -17509,35 +17362,18 @@
           <a:bodyPr/>
           <a:lstStyle/>
           <a:p>
-            <a:pPr algn="ctr"/>
-            <a:r>
-              <a:rPr lang="en-US" sz="4400" dirty="0" smtClean="0">
-                <a:solidFill>
-                  <a:schemeClr val="accent1"/>
-                </a:solidFill>
-              </a:rPr>
-              <a:t>The future is bright for </a:t>
-            </a:r>
-            <a:r>
-              <a:rPr lang="en-US" sz="4400" dirty="0" err="1" smtClean="0">
-                <a:solidFill>
-                  <a:schemeClr val="accent1"/>
-                </a:solidFill>
-              </a:rPr>
-              <a:t>VSCode</a:t>
-            </a:r>
-            <a:endParaRPr lang="en-US" sz="4400" dirty="0">
-              <a:solidFill>
-                <a:schemeClr val="accent1"/>
-              </a:solidFill>
-            </a:endParaRPr>
+            <a:r>
+              <a:rPr lang="en-US" dirty="0" smtClean="0"/>
+              <a:t>Projects used to make a complete application</a:t>
+            </a:r>
+            <a:endParaRPr lang="en-US" dirty="0"/>
           </a:p>
         </p:txBody>
       </p:sp>
     </p:spTree>
     <p:extLst>
       <p:ext uri="{BB962C8B-B14F-4D97-AF65-F5344CB8AC3E}">
-        <p14:creationId xmlns:p14="http://schemas.microsoft.com/office/powerpoint/2010/main" val="1469976512"/>
+        <p14:creationId xmlns:p14="http://schemas.microsoft.com/office/powerpoint/2010/main" val="454219993"/>
       </p:ext>
     </p:extLst>
   </p:cSld>
@@ -17650,12 +17486,12 @@
 </p:sld>
 </file>
 
-<file path=ppt/slides/slide3.xml><?xml version="1.0" encoding="utf-8"?>
+<file path=ppt/slides/slide25.xml><?xml version="1.0" encoding="utf-8"?>
 <p:sld xmlns:a="http://schemas.openxmlformats.org/drawingml/2006/main" xmlns:r="http://schemas.openxmlformats.org/officeDocument/2006/relationships" xmlns:p="http://schemas.openxmlformats.org/presentationml/2006/main">
   <p:cSld>
     <p:spTree>
       <p:nvGrpSpPr>
-        <p:cNvPr id="1" name="Shape 845"/>
+        <p:cNvPr id="1" name=""/>
         <p:cNvGrpSpPr/>
         <p:nvPr/>
       </p:nvGrpSpPr>
@@ -17669,8 +17505,31 @@
       </p:grpSpPr>
       <p:sp>
         <p:nvSpPr>
-          <p:cNvPr id="846" name="Shape 846"/>
-          <p:cNvSpPr txBox="1">
+          <p:cNvPr id="2" name="Title 1"/>
+          <p:cNvSpPr>
+            <a:spLocks noGrp="1"/>
+          </p:cNvSpPr>
+          <p:nvPr>
+            <p:ph type="title"/>
+          </p:nvPr>
+        </p:nvSpPr>
+        <p:spPr/>
+        <p:txBody>
+          <a:bodyPr/>
+          <a:lstStyle/>
+          <a:p>
+            <a:r>
+              <a:rPr lang="en-US" sz="4000" dirty="0" smtClean="0"/>
+              <a:t>Modern Workflow Talk Outline</a:t>
+            </a:r>
+            <a:endParaRPr lang="en-US" dirty="0"/>
+          </a:p>
+        </p:txBody>
+      </p:sp>
+      <p:sp>
+        <p:nvSpPr>
+          <p:cNvPr id="3" name="Text Placeholder 2"/>
+          <p:cNvSpPr>
             <a:spLocks noGrp="1"/>
           </p:cNvSpPr>
           <p:nvPr>
@@ -17679,397 +17538,261 @@
         </p:nvSpPr>
         <p:spPr>
           <a:xfrm>
-            <a:off x="338327" y="1283367"/>
-            <a:ext cx="11515535" cy="4938976"/>
+            <a:off x="338328" y="1021078"/>
+            <a:ext cx="11484864" cy="4866013"/>
           </a:xfrm>
-          <a:prstGeom prst="rect">
-            <a:avLst/>
-          </a:prstGeom>
-          <a:noFill/>
-          <a:ln>
-            <a:noFill/>
-          </a:ln>
         </p:spPr>
         <p:txBody>
-          <a:bodyPr lIns="9125" tIns="0" rIns="0" bIns="0" anchor="t" anchorCtr="0">
-            <a:noAutofit/>
-          </a:bodyPr>
+          <a:bodyPr/>
           <a:lstStyle/>
           <a:p>
-            <a:pPr marL="0" marR="0" lvl="0" indent="0" algn="l" rtl="0">
-              <a:lnSpc>
-                <a:spcPct val="100000"/>
-              </a:lnSpc>
-              <a:spcBef>
-                <a:spcPts val="0"/>
-              </a:spcBef>
-              <a:spcAft>
-                <a:spcPts val="0"/>
-              </a:spcAft>
-              <a:buClr>
-                <a:srgbClr val="7F7F7F"/>
-              </a:buClr>
-              <a:buSzPct val="100000"/>
-              <a:buFont typeface="Arial"/>
-              <a:buChar char="​"/>
+            <a:pPr marL="342900" indent="-342900">
+              <a:buFont typeface="+mj-lt"/>
+              <a:buAutoNum type="arabicPeriod"/>
             </a:pPr>
             <a:r>
-              <a:rPr lang="en-US" sz="1400" b="0" i="0" u="none" strike="noStrike" cap="none" baseline="0" dirty="0">
-                <a:solidFill>
-                  <a:srgbClr val="7C868D"/>
-                </a:solidFill>
-                <a:latin typeface="Arial"/>
-                <a:ea typeface="Arial"/>
-                <a:cs typeface="Arial"/>
-                <a:sym typeface="Arial"/>
-              </a:rPr>
-              <a:t>Safe harbor statement under the Private Securities Litigation Reform Act of 1995:</a:t>
-            </a:r>
-          </a:p>
-          <a:p>
-            <a:pPr marL="0" marR="0" lvl="0" indent="0" algn="l" rtl="0">
-              <a:lnSpc>
-                <a:spcPct val="100000"/>
-              </a:lnSpc>
-              <a:spcBef>
-                <a:spcPts val="1200"/>
-              </a:spcBef>
-              <a:spcAft>
-                <a:spcPts val="0"/>
-              </a:spcAft>
-              <a:buClr>
-                <a:srgbClr val="7F7F7F"/>
-              </a:buClr>
-              <a:buSzPct val="100000"/>
-              <a:buFont typeface="Arial"/>
-              <a:buChar char="​"/>
+              <a:rPr lang="en-US" dirty="0" smtClean="0"/>
+              <a:t>Welcome to The Modern Salesforce Development Workflow with Visual Studio Code</a:t>
+            </a:r>
+          </a:p>
+          <a:p>
+            <a:pPr marL="342900" indent="-342900">
+              <a:buFont typeface="+mj-lt"/>
+              <a:buAutoNum type="arabicPeriod"/>
             </a:pPr>
             <a:r>
-              <a:rPr lang="en-US" sz="1400" b="0" i="0" u="none" strike="noStrike" cap="none" baseline="0" dirty="0">
-                <a:solidFill>
-                  <a:srgbClr val="7C868D"/>
-                </a:solidFill>
-                <a:latin typeface="Arial"/>
-                <a:ea typeface="Arial"/>
-                <a:cs typeface="Arial"/>
-                <a:sym typeface="Arial"/>
-              </a:rPr>
-              <a:t>This presentation may contain forward-looking statements that involve risks, uncertainties, and assumptions. If any such uncertainties materialize or if any of the assumptions proves incorrect, the results of </a:t>
-            </a:r>
-            <a:r>
-              <a:rPr lang="en-US" sz="1400" b="0" i="0" u="none" strike="noStrike" cap="none" baseline="0" dirty="0" err="1">
-                <a:solidFill>
-                  <a:srgbClr val="7C868D"/>
-                </a:solidFill>
-                <a:latin typeface="Arial"/>
-                <a:ea typeface="Arial"/>
-                <a:cs typeface="Arial"/>
-                <a:sym typeface="Arial"/>
-              </a:rPr>
-              <a:t>salesforce.com</a:t>
-            </a:r>
-            <a:r>
-              <a:rPr lang="en-US" sz="1400" b="0" i="0" u="none" strike="noStrike" cap="none" baseline="0" dirty="0">
-                <a:solidFill>
-                  <a:srgbClr val="7C868D"/>
-                </a:solidFill>
-                <a:latin typeface="Arial"/>
-                <a:ea typeface="Arial"/>
-                <a:cs typeface="Arial"/>
-                <a:sym typeface="Arial"/>
-              </a:rPr>
-              <a:t>, </a:t>
-            </a:r>
-            <a:r>
-              <a:rPr lang="en-US" sz="1400" b="0" i="0" u="none" strike="noStrike" cap="none" baseline="0" dirty="0" err="1">
-                <a:solidFill>
-                  <a:srgbClr val="7C868D"/>
-                </a:solidFill>
-                <a:latin typeface="Arial"/>
-                <a:ea typeface="Arial"/>
-                <a:cs typeface="Arial"/>
-                <a:sym typeface="Arial"/>
-              </a:rPr>
-              <a:t>inc.</a:t>
-            </a:r>
-            <a:r>
-              <a:rPr lang="en-US" sz="1400" b="0" i="0" u="none" strike="noStrike" cap="none" baseline="0" dirty="0">
-                <a:solidFill>
-                  <a:srgbClr val="7C868D"/>
-                </a:solidFill>
-                <a:latin typeface="Arial"/>
-                <a:ea typeface="Arial"/>
-                <a:cs typeface="Arial"/>
-                <a:sym typeface="Arial"/>
-              </a:rPr>
-              <a:t> could differ materially from the results expressed or implied by the forward-looking statements we make. All statements other than statements of historical fact could be deemed forward-looking, including any projections of product or service availability, subscriber growth, earnings, revenues, or other financial items and any statements regarding strategies or plans of management for future operations, statements of belief, any statements concerning new, planned, or upgraded services or technology developments and customer contracts or use of our services.</a:t>
-            </a:r>
-          </a:p>
-          <a:p>
-            <a:pPr marL="0" marR="0" lvl="0" indent="0" algn="l" rtl="0">
-              <a:lnSpc>
-                <a:spcPct val="100000"/>
-              </a:lnSpc>
-              <a:spcBef>
-                <a:spcPts val="1200"/>
-              </a:spcBef>
-              <a:spcAft>
-                <a:spcPts val="0"/>
-              </a:spcAft>
-              <a:buClr>
-                <a:srgbClr val="7F7F7F"/>
-              </a:buClr>
-              <a:buSzPct val="100000"/>
-              <a:buFont typeface="Arial"/>
-              <a:buChar char="​"/>
+              <a:rPr lang="en-US" dirty="0" smtClean="0"/>
+              <a:t>The Problem: cross platform development is hard</a:t>
+            </a:r>
+          </a:p>
+          <a:p>
+            <a:pPr marL="342900" indent="-342900">
+              <a:buFont typeface="+mj-lt"/>
+              <a:buAutoNum type="arabicPeriod"/>
             </a:pPr>
             <a:r>
-              <a:rPr lang="en-US" sz="1400" b="0" i="0" u="none" strike="noStrike" cap="none" baseline="0" dirty="0">
-                <a:solidFill>
-                  <a:srgbClr val="7C868D"/>
-                </a:solidFill>
-                <a:latin typeface="Arial"/>
-                <a:ea typeface="Arial"/>
-                <a:cs typeface="Arial"/>
-                <a:sym typeface="Arial"/>
-              </a:rPr>
-              <a:t>The risks and uncertainties referred to above include – but are not limited to – risks associated with developing and delivering new functionality for our service, new products and services, our new business model, our past operating losses, possible fluctuations in our operating results and rate of growth, interruptions or delays in our Web hosting, breach of our security measures, the outcome of any litigation, risks associated with completed and any possible mergers and acquisitions, the immature market in which we operate, our relatively limited operating history, our ability to expand, retain, and motivate our employees and manage our growth, new releases of our service and successful customer deployment, our limited history reselling non-</a:t>
-            </a:r>
-            <a:r>
-              <a:rPr lang="en-US" sz="1400" b="0" i="0" u="none" strike="noStrike" cap="none" baseline="0" dirty="0" err="1">
-                <a:solidFill>
-                  <a:srgbClr val="7C868D"/>
-                </a:solidFill>
-                <a:latin typeface="Arial"/>
-                <a:ea typeface="Arial"/>
-                <a:cs typeface="Arial"/>
-                <a:sym typeface="Arial"/>
-              </a:rPr>
-              <a:t>salesforce.com</a:t>
-            </a:r>
-            <a:r>
-              <a:rPr lang="en-US" sz="1400" b="0" i="0" u="none" strike="noStrike" cap="none" baseline="0" dirty="0">
-                <a:solidFill>
-                  <a:srgbClr val="7C868D"/>
-                </a:solidFill>
-                <a:latin typeface="Arial"/>
-                <a:ea typeface="Arial"/>
-                <a:cs typeface="Arial"/>
-                <a:sym typeface="Arial"/>
-              </a:rPr>
-              <a:t> products, and utilization and selling to larger enterprise customers. Further information on potential factors that could affect the financial results of </a:t>
-            </a:r>
-            <a:r>
-              <a:rPr lang="en-US" sz="1400" b="0" i="0" u="none" strike="noStrike" cap="none" baseline="0" dirty="0" err="1">
-                <a:solidFill>
-                  <a:srgbClr val="7C868D"/>
-                </a:solidFill>
-                <a:latin typeface="Arial"/>
-                <a:ea typeface="Arial"/>
-                <a:cs typeface="Arial"/>
-                <a:sym typeface="Arial"/>
-              </a:rPr>
-              <a:t>salesforce.com</a:t>
-            </a:r>
-            <a:r>
-              <a:rPr lang="en-US" sz="1400" b="0" i="0" u="none" strike="noStrike" cap="none" baseline="0" dirty="0">
-                <a:solidFill>
-                  <a:srgbClr val="7C868D"/>
-                </a:solidFill>
-                <a:latin typeface="Arial"/>
-                <a:ea typeface="Arial"/>
-                <a:cs typeface="Arial"/>
-                <a:sym typeface="Arial"/>
-              </a:rPr>
-              <a:t>, </a:t>
-            </a:r>
-            <a:r>
-              <a:rPr lang="en-US" sz="1400" b="0" i="0" u="none" strike="noStrike" cap="none" baseline="0" dirty="0" err="1">
-                <a:solidFill>
-                  <a:srgbClr val="7C868D"/>
-                </a:solidFill>
-                <a:latin typeface="Arial"/>
-                <a:ea typeface="Arial"/>
-                <a:cs typeface="Arial"/>
-                <a:sym typeface="Arial"/>
-              </a:rPr>
-              <a:t>inc.</a:t>
-            </a:r>
-            <a:r>
-              <a:rPr lang="en-US" sz="1400" b="0" i="0" u="none" strike="noStrike" cap="none" baseline="0" dirty="0">
-                <a:solidFill>
-                  <a:srgbClr val="7C868D"/>
-                </a:solidFill>
-                <a:latin typeface="Arial"/>
-                <a:ea typeface="Arial"/>
-                <a:cs typeface="Arial"/>
-                <a:sym typeface="Arial"/>
-              </a:rPr>
-              <a:t> is included in our annual report on Form 10-K for the most recent fiscal year and in our quarterly report on Form 10-Q for the most recent fiscal quarter. These documents and others containing important disclosures are available on the SEC Filings section of the Investor Information section of our Web site.</a:t>
-            </a:r>
-          </a:p>
-          <a:p>
-            <a:pPr marL="0" marR="0" lvl="0" indent="0" algn="l" rtl="0">
-              <a:lnSpc>
-                <a:spcPct val="100000"/>
-              </a:lnSpc>
-              <a:spcBef>
-                <a:spcPts val="1200"/>
-              </a:spcBef>
-              <a:spcAft>
-                <a:spcPts val="0"/>
-              </a:spcAft>
-              <a:buClr>
-                <a:srgbClr val="7F7F7F"/>
-              </a:buClr>
-              <a:buSzPct val="100000"/>
-              <a:buFont typeface="Arial"/>
-              <a:buChar char="​"/>
+              <a:rPr lang="en-US" dirty="0" smtClean="0"/>
+              <a:t>What is Visual Studio Code</a:t>
+            </a:r>
+          </a:p>
+          <a:p>
+            <a:pPr marL="574675" lvl="1" indent="-342900">
+              <a:buFont typeface="+mj-lt"/>
+              <a:buAutoNum type="arabicPeriod"/>
             </a:pPr>
             <a:r>
-              <a:rPr lang="en-US" sz="1400" b="0" i="0" u="none" strike="noStrike" cap="none" baseline="0" dirty="0">
-                <a:solidFill>
-                  <a:srgbClr val="7C868D"/>
-                </a:solidFill>
-                <a:latin typeface="Arial"/>
-                <a:ea typeface="Arial"/>
-                <a:cs typeface="Arial"/>
-                <a:sym typeface="Arial"/>
-              </a:rPr>
-              <a:t>Any unreleased services or features referenced in this or other presentations, press releases or public statements are not currently available and may not be delivered on time or at all. Customers who purchase our services should make the purchase decisions based upon features that are currently available. </a:t>
-            </a:r>
-            <a:r>
-              <a:rPr lang="en-US" sz="1400" b="0" i="0" u="none" strike="noStrike" cap="none" baseline="0" dirty="0" err="1">
-                <a:solidFill>
-                  <a:srgbClr val="7C868D"/>
-                </a:solidFill>
-                <a:latin typeface="Arial"/>
-                <a:ea typeface="Arial"/>
-                <a:cs typeface="Arial"/>
-                <a:sym typeface="Arial"/>
-              </a:rPr>
-              <a:t>Salesforce.com</a:t>
-            </a:r>
-            <a:r>
-              <a:rPr lang="en-US" sz="1400" b="0" i="0" u="none" strike="noStrike" cap="none" baseline="0" dirty="0">
-                <a:solidFill>
-                  <a:srgbClr val="7C868D"/>
-                </a:solidFill>
-                <a:latin typeface="Arial"/>
-                <a:ea typeface="Arial"/>
-                <a:cs typeface="Arial"/>
-                <a:sym typeface="Arial"/>
-              </a:rPr>
-              <a:t>, </a:t>
-            </a:r>
-            <a:r>
-              <a:rPr lang="en-US" sz="1400" b="0" i="0" u="none" strike="noStrike" cap="none" baseline="0" dirty="0" err="1">
-                <a:solidFill>
-                  <a:srgbClr val="7C868D"/>
-                </a:solidFill>
-                <a:latin typeface="Arial"/>
-                <a:ea typeface="Arial"/>
-                <a:cs typeface="Arial"/>
-                <a:sym typeface="Arial"/>
-              </a:rPr>
-              <a:t>inc.</a:t>
-            </a:r>
-            <a:r>
-              <a:rPr lang="en-US" sz="1400" b="0" i="0" u="none" strike="noStrike" cap="none" baseline="0" dirty="0">
-                <a:solidFill>
-                  <a:srgbClr val="7C868D"/>
-                </a:solidFill>
-                <a:latin typeface="Arial"/>
-                <a:ea typeface="Arial"/>
-                <a:cs typeface="Arial"/>
-                <a:sym typeface="Arial"/>
-              </a:rPr>
-              <a:t> assumes no obligation and does not intend to update these forward-looking statements.</a:t>
-            </a:r>
-          </a:p>
-          <a:p>
-            <a:pPr marL="0" marR="0" lvl="0" indent="88900" algn="l" rtl="0">
-              <a:lnSpc>
-                <a:spcPct val="100000"/>
-              </a:lnSpc>
-              <a:spcBef>
-                <a:spcPts val="1200"/>
-              </a:spcBef>
-              <a:spcAft>
-                <a:spcPts val="600"/>
-              </a:spcAft>
-              <a:buClr>
-                <a:srgbClr val="7F7F7F"/>
-              </a:buClr>
-              <a:buFont typeface="Arial"/>
-              <a:buNone/>
+              <a:rPr lang="en-US" dirty="0" smtClean="0"/>
+              <a:t>Open Source: Electron (Atom Shell) serves as the foundation with the Roslyn Code Editor (Open Source) resting on top</a:t>
+            </a:r>
+          </a:p>
+          <a:p>
+            <a:pPr marL="574675" lvl="1" indent="-342900">
+              <a:buFont typeface="+mj-lt"/>
+              <a:buAutoNum type="arabicPeriod"/>
             </a:pPr>
-            <a:endParaRPr sz="1400" b="0" i="0" u="none" strike="noStrike" cap="none" baseline="0" dirty="0">
-              <a:solidFill>
-                <a:srgbClr val="7C868D"/>
-              </a:solidFill>
-              <a:latin typeface="Arial"/>
-              <a:ea typeface="Arial"/>
-              <a:cs typeface="Arial"/>
-              <a:sym typeface="Arial"/>
-            </a:endParaRPr>
-          </a:p>
-        </p:txBody>
-      </p:sp>
-      <p:sp>
-        <p:nvSpPr>
-          <p:cNvPr id="847" name="Shape 847"/>
-          <p:cNvSpPr txBox="1">
-            <a:spLocks noGrp="1"/>
-          </p:cNvSpPr>
-          <p:nvPr>
-            <p:ph type="title"/>
-          </p:nvPr>
-        </p:nvSpPr>
-        <p:spPr>
-          <a:xfrm>
-            <a:off x="338327" y="90720"/>
-            <a:ext cx="11515535" cy="908042"/>
-          </a:xfrm>
-          <a:prstGeom prst="rect">
-            <a:avLst/>
-          </a:prstGeom>
-          <a:noFill/>
-          <a:ln>
-            <a:noFill/>
-          </a:ln>
-        </p:spPr>
-        <p:txBody>
-          <a:bodyPr lIns="0" tIns="0" rIns="0" bIns="0" anchor="b" anchorCtr="0">
-            <a:noAutofit/>
-          </a:bodyPr>
-          <a:lstStyle/>
-          <a:p>
-            <a:pPr marL="0" marR="0" lvl="0" indent="0" algn="l" rtl="0">
-              <a:lnSpc>
-                <a:spcPct val="100000"/>
-              </a:lnSpc>
-              <a:spcBef>
-                <a:spcPts val="0"/>
-              </a:spcBef>
-              <a:buClr>
-                <a:schemeClr val="accent1"/>
-              </a:buClr>
-              <a:buSzPct val="25000"/>
-              <a:buFont typeface="Arial"/>
-              <a:buNone/>
+            <a:r>
+              <a:rPr lang="en-US" dirty="0" smtClean="0"/>
+              <a:t>Modern App: Fast, Lightweight, Cross-Platform, Built with JavaScript, and </a:t>
+            </a:r>
+            <a:r>
+              <a:rPr lang="en-US" dirty="0" err="1" smtClean="0"/>
+              <a:t>Hackable</a:t>
+            </a:r>
+            <a:r>
+              <a:rPr lang="en-US" dirty="0" smtClean="0"/>
+              <a:t> to the core (edit the editor with the editor)</a:t>
+            </a:r>
+          </a:p>
+          <a:p>
+            <a:pPr marL="574675" lvl="1" indent="-342900">
+              <a:buFont typeface="+mj-lt"/>
+              <a:buAutoNum type="arabicPeriod"/>
             </a:pPr>
             <a:r>
-              <a:rPr lang="en-US" sz="3200" b="0" i="0" u="none" strike="noStrike" cap="none" baseline="0">
-                <a:solidFill>
-                  <a:schemeClr val="accent1"/>
-                </a:solidFill>
-                <a:latin typeface="Arial"/>
-                <a:ea typeface="Arial"/>
-                <a:cs typeface="Arial"/>
-                <a:sym typeface="Arial"/>
-              </a:rPr>
-              <a:t>Safe Harbor</a:t>
+              <a:rPr lang="en-US" dirty="0" smtClean="0"/>
+              <a:t>Nice Features: Fantastic </a:t>
+            </a:r>
+            <a:r>
+              <a:rPr lang="en-US" dirty="0" err="1" smtClean="0"/>
+              <a:t>Git</a:t>
+            </a:r>
+            <a:r>
+              <a:rPr lang="en-US" dirty="0" smtClean="0"/>
+              <a:t> integration, </a:t>
+            </a:r>
+            <a:r>
+              <a:rPr lang="en-US" dirty="0" err="1" smtClean="0"/>
+              <a:t>Node.js</a:t>
+            </a:r>
+            <a:r>
+              <a:rPr lang="en-US" dirty="0" smtClean="0"/>
+              <a:t> debugging, Keyboard centric workflow, and Tasks</a:t>
+            </a:r>
+          </a:p>
+          <a:p>
+            <a:pPr marL="342900" indent="-342900">
+              <a:buFont typeface="+mj-lt"/>
+              <a:buAutoNum type="arabicPeriod"/>
+            </a:pPr>
+            <a:r>
+              <a:rPr lang="en-US" dirty="0" smtClean="0"/>
+              <a:t>What is the Modern Workflow we are discussing</a:t>
+            </a:r>
+          </a:p>
+          <a:p>
+            <a:pPr marL="574675" lvl="1" indent="-342900">
+              <a:buFont typeface="+mj-lt"/>
+              <a:buAutoNum type="arabicPeriod"/>
+            </a:pPr>
+            <a:r>
+              <a:rPr lang="en-US" dirty="0" smtClean="0"/>
+              <a:t>JavaScript SPAs built with Angular and Typescript, and NPM</a:t>
+            </a:r>
+          </a:p>
+          <a:p>
+            <a:pPr marL="574675" lvl="1" indent="-342900">
+              <a:buFont typeface="+mj-lt"/>
+              <a:buAutoNum type="arabicPeriod"/>
+            </a:pPr>
+            <a:r>
+              <a:rPr lang="en-US" dirty="0" smtClean="0"/>
+              <a:t>Salesforce files built using VRO, Remote Actions w/ Apex Patterns, REST API, and connected </a:t>
+            </a:r>
+            <a:r>
+              <a:rPr lang="en-US" dirty="0" err="1" smtClean="0"/>
+              <a:t>Node.js</a:t>
+            </a:r>
+            <a:r>
+              <a:rPr lang="en-US" dirty="0" smtClean="0"/>
+              <a:t> Apps (</a:t>
+            </a:r>
+            <a:r>
+              <a:rPr lang="en-US" dirty="0" err="1" smtClean="0"/>
+              <a:t>Heroku</a:t>
+            </a:r>
+            <a:r>
+              <a:rPr lang="en-US" dirty="0" smtClean="0"/>
+              <a:t>)</a:t>
+            </a:r>
+          </a:p>
+          <a:p>
+            <a:pPr marL="342900" indent="-342900">
+              <a:buFont typeface="+mj-lt"/>
+              <a:buAutoNum type="arabicPeriod"/>
+            </a:pPr>
+            <a:r>
+              <a:rPr lang="en-US" dirty="0" smtClean="0"/>
+              <a:t>How can we use </a:t>
+            </a:r>
+            <a:r>
+              <a:rPr lang="en-US" dirty="0" err="1" smtClean="0"/>
+              <a:t>VSCode</a:t>
+            </a:r>
+            <a:r>
+              <a:rPr lang="en-US" dirty="0" smtClean="0"/>
+              <a:t> in the Modern Salesforce workflow</a:t>
+            </a:r>
+          </a:p>
+          <a:p>
+            <a:pPr marL="574675" lvl="1" indent="-342900">
+              <a:buFont typeface="+mj-lt"/>
+              <a:buAutoNum type="arabicPeriod"/>
+            </a:pPr>
+            <a:r>
+              <a:rPr lang="en-US" dirty="0" smtClean="0"/>
+              <a:t>Grammars and Snippets (</a:t>
+            </a:r>
+            <a:r>
+              <a:rPr lang="en-US" dirty="0" err="1" smtClean="0"/>
+              <a:t>Firstmate</a:t>
+            </a:r>
+            <a:r>
+              <a:rPr lang="en-US" dirty="0" smtClean="0"/>
+              <a:t>/</a:t>
+            </a:r>
+            <a:r>
+              <a:rPr lang="en-US" dirty="0" err="1" smtClean="0"/>
+              <a:t>Textmate</a:t>
+            </a:r>
+            <a:r>
+              <a:rPr lang="en-US" dirty="0" smtClean="0"/>
+              <a:t> grammars thanks to Joe Ferraro)</a:t>
+            </a:r>
+          </a:p>
+          <a:p>
+            <a:pPr marL="574675" lvl="1" indent="-342900">
+              <a:buFont typeface="+mj-lt"/>
+              <a:buAutoNum type="arabicPeriod"/>
+            </a:pPr>
+            <a:r>
+              <a:rPr lang="en-US" dirty="0" smtClean="0"/>
+              <a:t>Tasks with </a:t>
+            </a:r>
+            <a:r>
+              <a:rPr lang="en-US" dirty="0" err="1" smtClean="0"/>
+              <a:t>Tasks.json</a:t>
+            </a:r>
+            <a:r>
+              <a:rPr lang="en-US" dirty="0" smtClean="0"/>
+              <a:t> controlling and passing variables to Gulp &amp; Force CLI, Ant, or anything</a:t>
+            </a:r>
+          </a:p>
+          <a:p>
+            <a:pPr marL="574675" lvl="1" indent="-342900">
+              <a:buFont typeface="+mj-lt"/>
+              <a:buAutoNum type="arabicPeriod"/>
+            </a:pPr>
+            <a:r>
+              <a:rPr lang="en-US" dirty="0" smtClean="0"/>
+              <a:t>Auto-Deploy SF files with Gulp watch task</a:t>
+            </a:r>
+          </a:p>
+          <a:p>
+            <a:pPr marL="574675" lvl="1" indent="-342900">
+              <a:buFont typeface="+mj-lt"/>
+              <a:buAutoNum type="arabicPeriod"/>
+            </a:pPr>
+            <a:r>
+              <a:rPr lang="en-US" dirty="0" smtClean="0"/>
+              <a:t>Auto-Deploy SPA files with </a:t>
+            </a:r>
+            <a:r>
+              <a:rPr lang="en-US" dirty="0" err="1" smtClean="0"/>
+              <a:t>Webpack</a:t>
+            </a:r>
+            <a:r>
+              <a:rPr lang="en-US" dirty="0" smtClean="0"/>
+              <a:t> watch task</a:t>
+            </a:r>
+          </a:p>
+          <a:p>
+            <a:pPr marL="574675" lvl="1" indent="-342900">
+              <a:buFont typeface="+mj-lt"/>
+              <a:buAutoNum type="arabicPeriod"/>
+            </a:pPr>
+            <a:r>
+              <a:rPr lang="en-US" dirty="0" smtClean="0"/>
+              <a:t>Future extensibility with </a:t>
+            </a:r>
+            <a:r>
+              <a:rPr lang="en-US" dirty="0" err="1" smtClean="0"/>
+              <a:t>Omnisharp</a:t>
+            </a:r>
+            <a:r>
+              <a:rPr lang="en-US" dirty="0" smtClean="0"/>
+              <a:t> with the goal of implementing </a:t>
+            </a:r>
+            <a:r>
+              <a:rPr lang="en-US" dirty="0" err="1"/>
+              <a:t>I</a:t>
+            </a:r>
+            <a:r>
+              <a:rPr lang="en-US" dirty="0" err="1" smtClean="0"/>
+              <a:t>ntellisense</a:t>
+            </a:r>
+            <a:r>
+              <a:rPr lang="en-US" dirty="0" smtClean="0"/>
+              <a:t> for Apex and VF</a:t>
             </a:r>
           </a:p>
         </p:txBody>
@@ -18077,16 +17800,13 @@
     </p:spTree>
     <p:extLst>
       <p:ext uri="{BB962C8B-B14F-4D97-AF65-F5344CB8AC3E}">
-        <p14:creationId xmlns:p14="http://schemas.microsoft.com/office/powerpoint/2010/main" val="282384466"/>
+        <p14:creationId xmlns:p14="http://schemas.microsoft.com/office/powerpoint/2010/main" val="1971733161"/>
       </p:ext>
     </p:extLst>
   </p:cSld>
   <p:clrMapOvr>
     <a:masterClrMapping/>
   </p:clrMapOvr>
-  <p:transition spd="med">
-    <p:fade/>
-  </p:transition>
   <p:timing>
     <p:tnLst>
       <p:par>
@@ -18097,7 +17817,7 @@
 </p:sld>
 </file>
 
-<file path=ppt/slides/slide4.xml><?xml version="1.0" encoding="utf-8"?>
+<file path=ppt/slides/slide3.xml><?xml version="1.0" encoding="utf-8"?>
 <p:sld xmlns:a="http://schemas.openxmlformats.org/drawingml/2006/main" xmlns:r="http://schemas.openxmlformats.org/officeDocument/2006/relationships" xmlns:p="http://schemas.openxmlformats.org/presentationml/2006/main">
   <p:cSld>
     <p:spTree>
@@ -18321,6 +18041,136 @@
 </p:sld>
 </file>
 
+<file path=ppt/slides/slide4.xml><?xml version="1.0" encoding="utf-8"?>
+<p:sld xmlns:a="http://schemas.openxmlformats.org/drawingml/2006/main" xmlns:r="http://schemas.openxmlformats.org/officeDocument/2006/relationships" xmlns:p="http://schemas.openxmlformats.org/presentationml/2006/main">
+  <p:cSld>
+    <p:spTree>
+      <p:nvGrpSpPr>
+        <p:cNvPr id="1" name=""/>
+        <p:cNvGrpSpPr/>
+        <p:nvPr/>
+      </p:nvGrpSpPr>
+      <p:grpSpPr>
+        <a:xfrm>
+          <a:off x="0" y="0"/>
+          <a:ext cx="0" cy="0"/>
+          <a:chOff x="0" y="0"/>
+          <a:chExt cx="0" cy="0"/>
+        </a:xfrm>
+      </p:grpSpPr>
+      <p:sp>
+        <p:nvSpPr>
+          <p:cNvPr id="2" name="Title 1"/>
+          <p:cNvSpPr>
+            <a:spLocks noGrp="1"/>
+          </p:cNvSpPr>
+          <p:nvPr>
+            <p:ph type="ctrTitle"/>
+          </p:nvPr>
+        </p:nvSpPr>
+        <p:spPr/>
+        <p:txBody>
+          <a:bodyPr/>
+          <a:lstStyle/>
+          <a:p>
+            <a:r>
+              <a:rPr lang="en-US" sz="4400" dirty="0" smtClean="0">
+                <a:solidFill>
+                  <a:schemeClr val="bg1"/>
+                </a:solidFill>
+              </a:rPr>
+              <a:t>John Nelson</a:t>
+            </a:r>
+            <a:r>
+              <a:rPr lang="en-US" sz="1800" dirty="0" smtClean="0">
+                <a:solidFill>
+                  <a:schemeClr val="bg1"/>
+                </a:solidFill>
+              </a:rPr>
+              <a:t/>
+            </a:r>
+            <a:br>
+              <a:rPr lang="en-US" sz="1800" dirty="0" smtClean="0">
+                <a:solidFill>
+                  <a:schemeClr val="bg1"/>
+                </a:solidFill>
+              </a:rPr>
+            </a:br>
+            <a:r>
+              <a:rPr lang="en-US" sz="1800" dirty="0" smtClean="0">
+                <a:solidFill>
+                  <a:schemeClr val="bg1"/>
+                </a:solidFill>
+              </a:rPr>
+              <a:t>@</a:t>
+            </a:r>
+            <a:r>
+              <a:rPr lang="en-US" sz="1800" dirty="0" err="1" smtClean="0">
+                <a:solidFill>
+                  <a:schemeClr val="bg1"/>
+                </a:solidFill>
+              </a:rPr>
+              <a:t>JohnAaronNelson</a:t>
+            </a:r>
+            <a:endParaRPr lang="en-US" sz="1800" dirty="0">
+              <a:solidFill>
+                <a:schemeClr val="bg1"/>
+              </a:solidFill>
+            </a:endParaRPr>
+          </a:p>
+        </p:txBody>
+      </p:sp>
+      <p:sp>
+        <p:nvSpPr>
+          <p:cNvPr id="3" name="Subtitle 2"/>
+          <p:cNvSpPr>
+            <a:spLocks noGrp="1"/>
+          </p:cNvSpPr>
+          <p:nvPr>
+            <p:ph type="subTitle" idx="1"/>
+          </p:nvPr>
+        </p:nvSpPr>
+        <p:spPr/>
+        <p:txBody>
+          <a:bodyPr/>
+          <a:lstStyle/>
+          <a:p>
+            <a:r>
+              <a:rPr lang="en-US" dirty="0" smtClean="0">
+                <a:solidFill>
+                  <a:schemeClr val="bg1"/>
+                </a:solidFill>
+              </a:rPr>
+              <a:t>Code Scientist</a:t>
+            </a:r>
+            <a:endParaRPr lang="en-US" dirty="0">
+              <a:solidFill>
+                <a:schemeClr val="bg1"/>
+              </a:solidFill>
+            </a:endParaRPr>
+          </a:p>
+        </p:txBody>
+      </p:sp>
+    </p:spTree>
+    <p:extLst>
+      <p:ext uri="{BB962C8B-B14F-4D97-AF65-F5344CB8AC3E}">
+        <p14:creationId xmlns:p14="http://schemas.microsoft.com/office/powerpoint/2010/main" val="956085560"/>
+      </p:ext>
+    </p:extLst>
+  </p:cSld>
+  <p:clrMapOvr>
+    <a:masterClrMapping/>
+  </p:clrMapOvr>
+  <p:timing>
+    <p:tnLst>
+      <p:par>
+        <p:cTn id="1" dur="indefinite" restart="never" nodeType="tmRoot"/>
+      </p:par>
+    </p:tnLst>
+  </p:timing>
+</p:sld>
+</file>
+
 <file path=ppt/slides/slide5.xml><?xml version="1.0" encoding="utf-8"?>
 <p:sld xmlns:a="http://schemas.openxmlformats.org/drawingml/2006/main" xmlns:r="http://schemas.openxmlformats.org/officeDocument/2006/relationships" xmlns:p="http://schemas.openxmlformats.org/presentationml/2006/main">
   <p:cSld>
@@ -18359,136 +18209,6 @@
                   <a:schemeClr val="bg1"/>
                 </a:solidFill>
               </a:rPr>
-              <a:t>John Nelson</a:t>
-            </a:r>
-            <a:r>
-              <a:rPr lang="en-US" sz="1800" dirty="0" smtClean="0">
-                <a:solidFill>
-                  <a:schemeClr val="bg1"/>
-                </a:solidFill>
-              </a:rPr>
-              <a:t/>
-            </a:r>
-            <a:br>
-              <a:rPr lang="en-US" sz="1800" dirty="0" smtClean="0">
-                <a:solidFill>
-                  <a:schemeClr val="bg1"/>
-                </a:solidFill>
-              </a:rPr>
-            </a:br>
-            <a:r>
-              <a:rPr lang="en-US" sz="1800" dirty="0" smtClean="0">
-                <a:solidFill>
-                  <a:schemeClr val="bg1"/>
-                </a:solidFill>
-              </a:rPr>
-              <a:t>@</a:t>
-            </a:r>
-            <a:r>
-              <a:rPr lang="en-US" sz="1800" dirty="0" err="1" smtClean="0">
-                <a:solidFill>
-                  <a:schemeClr val="bg1"/>
-                </a:solidFill>
-              </a:rPr>
-              <a:t>JohnAaronNelson</a:t>
-            </a:r>
-            <a:endParaRPr lang="en-US" sz="1800" dirty="0">
-              <a:solidFill>
-                <a:schemeClr val="bg1"/>
-              </a:solidFill>
-            </a:endParaRPr>
-          </a:p>
-        </p:txBody>
-      </p:sp>
-      <p:sp>
-        <p:nvSpPr>
-          <p:cNvPr id="3" name="Subtitle 2"/>
-          <p:cNvSpPr>
-            <a:spLocks noGrp="1"/>
-          </p:cNvSpPr>
-          <p:nvPr>
-            <p:ph type="subTitle" idx="1"/>
-          </p:nvPr>
-        </p:nvSpPr>
-        <p:spPr/>
-        <p:txBody>
-          <a:bodyPr/>
-          <a:lstStyle/>
-          <a:p>
-            <a:r>
-              <a:rPr lang="en-US" dirty="0" smtClean="0">
-                <a:solidFill>
-                  <a:schemeClr val="bg1"/>
-                </a:solidFill>
-              </a:rPr>
-              <a:t>Code Scientist</a:t>
-            </a:r>
-            <a:endParaRPr lang="en-US" dirty="0">
-              <a:solidFill>
-                <a:schemeClr val="bg1"/>
-              </a:solidFill>
-            </a:endParaRPr>
-          </a:p>
-        </p:txBody>
-      </p:sp>
-    </p:spTree>
-    <p:extLst>
-      <p:ext uri="{BB962C8B-B14F-4D97-AF65-F5344CB8AC3E}">
-        <p14:creationId xmlns:p14="http://schemas.microsoft.com/office/powerpoint/2010/main" val="956085560"/>
-      </p:ext>
-    </p:extLst>
-  </p:cSld>
-  <p:clrMapOvr>
-    <a:masterClrMapping/>
-  </p:clrMapOvr>
-  <p:timing>
-    <p:tnLst>
-      <p:par>
-        <p:cTn id="1" dur="indefinite" restart="never" nodeType="tmRoot"/>
-      </p:par>
-    </p:tnLst>
-  </p:timing>
-</p:sld>
-</file>
-
-<file path=ppt/slides/slide6.xml><?xml version="1.0" encoding="utf-8"?>
-<p:sld xmlns:a="http://schemas.openxmlformats.org/drawingml/2006/main" xmlns:r="http://schemas.openxmlformats.org/officeDocument/2006/relationships" xmlns:p="http://schemas.openxmlformats.org/presentationml/2006/main">
-  <p:cSld>
-    <p:spTree>
-      <p:nvGrpSpPr>
-        <p:cNvPr id="1" name=""/>
-        <p:cNvGrpSpPr/>
-        <p:nvPr/>
-      </p:nvGrpSpPr>
-      <p:grpSpPr>
-        <a:xfrm>
-          <a:off x="0" y="0"/>
-          <a:ext cx="0" cy="0"/>
-          <a:chOff x="0" y="0"/>
-          <a:chExt cx="0" cy="0"/>
-        </a:xfrm>
-      </p:grpSpPr>
-      <p:sp>
-        <p:nvSpPr>
-          <p:cNvPr id="2" name="Title 1"/>
-          <p:cNvSpPr>
-            <a:spLocks noGrp="1"/>
-          </p:cNvSpPr>
-          <p:nvPr>
-            <p:ph type="ctrTitle"/>
-          </p:nvPr>
-        </p:nvSpPr>
-        <p:spPr/>
-        <p:txBody>
-          <a:bodyPr/>
-          <a:lstStyle/>
-          <a:p>
-            <a:r>
-              <a:rPr lang="en-US" sz="4400" dirty="0" smtClean="0">
-                <a:solidFill>
-                  <a:schemeClr val="bg1"/>
-                </a:solidFill>
-              </a:rPr>
               <a:t>Dan </a:t>
             </a:r>
             <a:r>
@@ -18589,7 +18309,7 @@
 </p:sld>
 </file>
 
-<file path=ppt/slides/slide7.xml><?xml version="1.0" encoding="utf-8"?>
+<file path=ppt/slides/slide6.xml><?xml version="1.0" encoding="utf-8"?>
 <p:sld xmlns:a="http://schemas.openxmlformats.org/drawingml/2006/main" xmlns:r="http://schemas.openxmlformats.org/officeDocument/2006/relationships" xmlns:p="http://schemas.openxmlformats.org/presentationml/2006/main">
   <p:cSld>
     <p:spTree>
@@ -18685,7 +18405,7 @@
 </p:sld>
 </file>
 
-<file path=ppt/slides/slide8.xml><?xml version="1.0" encoding="utf-8"?>
+<file path=ppt/slides/slide7.xml><?xml version="1.0" encoding="utf-8"?>
 <p:sld xmlns:a="http://schemas.openxmlformats.org/drawingml/2006/main" xmlns:r="http://schemas.openxmlformats.org/officeDocument/2006/relationships" xmlns:p="http://schemas.openxmlformats.org/presentationml/2006/main">
   <p:cSld>
     <p:spTree>
@@ -18840,7 +18560,7 @@
 </p:sld>
 </file>
 
-<file path=ppt/slides/slide9.xml><?xml version="1.0" encoding="utf-8"?>
+<file path=ppt/slides/slide8.xml><?xml version="1.0" encoding="utf-8"?>
 <p:sld xmlns:a="http://schemas.openxmlformats.org/drawingml/2006/main" xmlns:r="http://schemas.openxmlformats.org/officeDocument/2006/relationships" xmlns:p="http://schemas.openxmlformats.org/presentationml/2006/main">
   <p:cSld>
     <p:spTree>
@@ -19713,6 +19433,227 @@
       <p:bldP spid="13" grpId="0"/>
       <p:bldP spid="14" grpId="0"/>
     </p:bldLst>
+  </p:timing>
+</p:sld>
+</file>
+
+<file path=ppt/slides/slide9.xml><?xml version="1.0" encoding="utf-8"?>
+<p:sld xmlns:a="http://schemas.openxmlformats.org/drawingml/2006/main" xmlns:r="http://schemas.openxmlformats.org/officeDocument/2006/relationships" xmlns:p="http://schemas.openxmlformats.org/presentationml/2006/main">
+  <p:cSld>
+    <p:spTree>
+      <p:nvGrpSpPr>
+        <p:cNvPr id="1" name="Shape 838"/>
+        <p:cNvGrpSpPr/>
+        <p:nvPr/>
+      </p:nvGrpSpPr>
+      <p:grpSpPr>
+        <a:xfrm>
+          <a:off x="0" y="0"/>
+          <a:ext cx="0" cy="0"/>
+          <a:chOff x="0" y="0"/>
+          <a:chExt cx="0" cy="0"/>
+        </a:xfrm>
+      </p:grpSpPr>
+      <p:sp>
+        <p:nvSpPr>
+          <p:cNvPr id="839" name="Shape 839"/>
+          <p:cNvSpPr txBox="1">
+            <a:spLocks noGrp="1"/>
+          </p:cNvSpPr>
+          <p:nvPr>
+            <p:ph type="ctrTitle"/>
+          </p:nvPr>
+        </p:nvSpPr>
+        <p:spPr>
+          <a:xfrm>
+            <a:off x="360362" y="2049319"/>
+            <a:ext cx="11482388" cy="2628899"/>
+          </a:xfrm>
+          <a:prstGeom prst="rect">
+            <a:avLst/>
+          </a:prstGeom>
+          <a:noFill/>
+          <a:ln>
+            <a:noFill/>
+          </a:ln>
+        </p:spPr>
+        <p:txBody>
+          <a:bodyPr lIns="0" tIns="0" rIns="0" bIns="0" anchor="b" anchorCtr="0">
+            <a:noAutofit/>
+          </a:bodyPr>
+          <a:lstStyle/>
+          <a:p>
+            <a:pPr lvl="0">
+              <a:buSzPct val="25000"/>
+            </a:pPr>
+            <a:r>
+              <a:rPr lang="en-US" sz="5400" dirty="0" smtClean="0">
+                <a:solidFill>
+                  <a:schemeClr val="bg1"/>
+                </a:solidFill>
+              </a:rPr>
+              <a:t>Visual </a:t>
+            </a:r>
+            <a:r>
+              <a:rPr lang="en-US" sz="5400" dirty="0">
+                <a:solidFill>
+                  <a:schemeClr val="bg1"/>
+                </a:solidFill>
+              </a:rPr>
+              <a:t>Studio Code</a:t>
+            </a:r>
+            <a:endParaRPr lang="en-US" sz="5400" b="0" i="0" u="none" strike="noStrike" cap="none" baseline="0" dirty="0">
+              <a:solidFill>
+                <a:schemeClr val="bg1"/>
+              </a:solidFill>
+              <a:sym typeface="Arial"/>
+            </a:endParaRPr>
+          </a:p>
+        </p:txBody>
+      </p:sp>
+      <p:sp>
+        <p:nvSpPr>
+          <p:cNvPr id="840" name="Shape 840"/>
+          <p:cNvSpPr txBox="1">
+            <a:spLocks noGrp="1"/>
+          </p:cNvSpPr>
+          <p:nvPr>
+            <p:ph type="subTitle" idx="1"/>
+          </p:nvPr>
+        </p:nvSpPr>
+        <p:spPr>
+          <a:xfrm>
+            <a:off x="360362" y="4876800"/>
+            <a:ext cx="11482388" cy="1066799"/>
+          </a:xfrm>
+          <a:prstGeom prst="rect">
+            <a:avLst/>
+          </a:prstGeom>
+          <a:noFill/>
+          <a:ln>
+            <a:noFill/>
+          </a:ln>
+        </p:spPr>
+        <p:txBody>
+          <a:bodyPr lIns="0" tIns="0" rIns="0" bIns="0" anchor="t" anchorCtr="0">
+            <a:noAutofit/>
+          </a:bodyPr>
+          <a:lstStyle/>
+          <a:p>
+            <a:r>
+              <a:rPr lang="en-US" sz="2400" dirty="0">
+                <a:solidFill>
+                  <a:schemeClr val="bg1"/>
+                </a:solidFill>
+              </a:rPr>
+              <a:t>Introduced </a:t>
+            </a:r>
+            <a:r>
+              <a:rPr lang="en-US" sz="2400" dirty="0" smtClean="0">
+                <a:solidFill>
+                  <a:schemeClr val="bg1"/>
+                </a:solidFill>
+              </a:rPr>
+              <a:t>by Microsoft on April 30</a:t>
+            </a:r>
+            <a:r>
+              <a:rPr lang="en-US" sz="2400" baseline="30000" dirty="0" smtClean="0">
+                <a:solidFill>
+                  <a:schemeClr val="bg1"/>
+                </a:solidFill>
+              </a:rPr>
+              <a:t>th</a:t>
+            </a:r>
+            <a:r>
+              <a:rPr lang="en-US" sz="2400" dirty="0" smtClean="0">
+                <a:solidFill>
+                  <a:schemeClr val="bg1"/>
+                </a:solidFill>
+              </a:rPr>
+              <a:t> </a:t>
+            </a:r>
+            <a:r>
+              <a:rPr lang="en-US" sz="2400" dirty="0">
+                <a:solidFill>
+                  <a:schemeClr val="bg1"/>
+                </a:solidFill>
+              </a:rPr>
+              <a:t>at </a:t>
+            </a:r>
+            <a:r>
+              <a:rPr lang="en-US" sz="2400" dirty="0" smtClean="0">
+                <a:solidFill>
+                  <a:schemeClr val="bg1"/>
+                </a:solidFill>
+              </a:rPr>
+              <a:t>their //</a:t>
+            </a:r>
+            <a:r>
+              <a:rPr lang="en-US" sz="2400" dirty="0">
+                <a:solidFill>
+                  <a:schemeClr val="bg1"/>
+                </a:solidFill>
+              </a:rPr>
+              <a:t>Build conference </a:t>
+            </a:r>
+            <a:endParaRPr lang="en-US" sz="2400" dirty="0" smtClean="0">
+              <a:solidFill>
+                <a:schemeClr val="bg1"/>
+              </a:solidFill>
+            </a:endParaRPr>
+          </a:p>
+          <a:p>
+            <a:r>
+              <a:rPr lang="en-US" sz="2400" dirty="0" smtClean="0">
+                <a:solidFill>
+                  <a:schemeClr val="bg1"/>
+                </a:solidFill>
+              </a:rPr>
+              <a:t>Current Version: 0.7.0</a:t>
+            </a:r>
+            <a:r>
+              <a:rPr lang="en-US" sz="2400" dirty="0">
+                <a:solidFill>
+                  <a:schemeClr val="bg1"/>
+                </a:solidFill>
+              </a:rPr>
+              <a:t> </a:t>
+            </a:r>
+            <a:r>
+              <a:rPr lang="en-US" sz="2400" dirty="0" smtClean="0">
+                <a:solidFill>
+                  <a:schemeClr val="bg1"/>
+                </a:solidFill>
+              </a:rPr>
+              <a:t>(beta)</a:t>
+            </a:r>
+            <a:endParaRPr lang="en-US" sz="2400" dirty="0">
+              <a:solidFill>
+                <a:schemeClr val="bg1"/>
+              </a:solidFill>
+            </a:endParaRPr>
+          </a:p>
+        </p:txBody>
+      </p:sp>
+    </p:spTree>
+    <p:extLst>
+      <p:ext uri="{BB962C8B-B14F-4D97-AF65-F5344CB8AC3E}">
+        <p14:creationId xmlns:p14="http://schemas.microsoft.com/office/powerpoint/2010/main" val="570402249"/>
+      </p:ext>
+    </p:extLst>
+  </p:cSld>
+  <p:clrMapOvr>
+    <a:masterClrMapping/>
+  </p:clrMapOvr>
+  <p:transition spd="med">
+    <p:fade/>
+  </p:transition>
+  <p:timing>
+    <p:tnLst>
+      <p:par>
+        <p:cTn id="1" dur="indefinite" restart="never" nodeType="tmRoot"/>
+      </p:par>
+    </p:tnLst>
   </p:timing>
 </p:sld>
 </file>

--- a/John Nelson - DF15 - PowerPoint Presentation - Draft.pptx
+++ b/John Nelson - DF15 - PowerPoint Presentation - Draft.pptx
@@ -10898,7 +10898,7 @@
                   <a:schemeClr val="accent1"/>
                 </a:solidFill>
               </a:rPr>
-              <a:t>Built on Open Source</a:t>
+              <a:t>Open Source Stack</a:t>
             </a:r>
             <a:endParaRPr lang="en-US" sz="4400" dirty="0">
               <a:solidFill>
@@ -16384,6 +16384,13 @@
   <p:clrMapOvr>
     <a:masterClrMapping/>
   </p:clrMapOvr>
+  <p:timing>
+    <p:tnLst>
+      <p:par>
+        <p:cTn id="1" dur="indefinite" restart="never" nodeType="tmRoot"/>
+      </p:par>
+    </p:tnLst>
+  </p:timing>
 </p:sld>
 </file>
 
@@ -17074,15 +17081,7 @@
                   <a:schemeClr val="accent1"/>
                 </a:solidFill>
               </a:rPr>
-              <a:t>The future is </a:t>
-            </a:r>
-            <a:r>
-              <a:rPr lang="en-US" sz="4400" dirty="0" smtClean="0">
-                <a:solidFill>
-                  <a:schemeClr val="accent1"/>
-                </a:solidFill>
-              </a:rPr>
-              <a:t>bright</a:t>
+              <a:t>The future is bright</a:t>
             </a:r>
             <a:endParaRPr lang="en-US" sz="4400" dirty="0">
               <a:solidFill>

--- a/John Nelson - DF15 - PowerPoint Presentation - Draft.pptx
+++ b/John Nelson - DF15 - PowerPoint Presentation - Draft.pptx
@@ -5,7 +5,7 @@
     <p:sldMasterId id="2147483681" r:id="rId1"/>
   </p:sldMasterIdLst>
   <p:notesMasterIdLst>
-    <p:notesMasterId r:id="rId27"/>
+    <p:notesMasterId r:id="rId28"/>
   </p:notesMasterIdLst>
   <p:sldIdLst>
     <p:sldId id="256" r:id="rId2"/>
@@ -33,6 +33,7 @@
     <p:sldId id="385" r:id="rId24"/>
     <p:sldId id="386" r:id="rId25"/>
     <p:sldId id="351" r:id="rId26"/>
+    <p:sldId id="394" r:id="rId27"/>
   </p:sldIdLst>
   <p:sldSz cx="12188825" cy="6858000"/>
   <p:notesSz cx="7010400" cy="9296400"/>
@@ -17816,6 +17817,163 @@
 </p:sld>
 </file>
 
+<file path=ppt/slides/slide26.xml><?xml version="1.0" encoding="utf-8"?>
+<p:sld xmlns:a="http://schemas.openxmlformats.org/drawingml/2006/main" xmlns:r="http://schemas.openxmlformats.org/officeDocument/2006/relationships" xmlns:p="http://schemas.openxmlformats.org/presentationml/2006/main">
+  <p:cSld>
+    <p:spTree>
+      <p:nvGrpSpPr>
+        <p:cNvPr id="1" name=""/>
+        <p:cNvGrpSpPr/>
+        <p:nvPr/>
+      </p:nvGrpSpPr>
+      <p:grpSpPr>
+        <a:xfrm>
+          <a:off x="0" y="0"/>
+          <a:ext cx="0" cy="0"/>
+          <a:chOff x="0" y="0"/>
+          <a:chExt cx="0" cy="0"/>
+        </a:xfrm>
+      </p:grpSpPr>
+      <p:sp>
+        <p:nvSpPr>
+          <p:cNvPr id="2" name="Title 1"/>
+          <p:cNvSpPr>
+            <a:spLocks noGrp="1"/>
+          </p:cNvSpPr>
+          <p:nvPr>
+            <p:ph type="title"/>
+          </p:nvPr>
+        </p:nvSpPr>
+        <p:spPr/>
+        <p:txBody>
+          <a:bodyPr/>
+          <a:lstStyle/>
+          <a:p>
+            <a:r>
+              <a:rPr lang="en-US" dirty="0" smtClean="0"/>
+              <a:t>Brief</a:t>
+            </a:r>
+            <a:endParaRPr lang="en-US" dirty="0"/>
+          </a:p>
+        </p:txBody>
+      </p:sp>
+      <p:sp>
+        <p:nvSpPr>
+          <p:cNvPr id="4" name="TextBox 3"/>
+          <p:cNvSpPr txBox="1"/>
+          <p:nvPr/>
+        </p:nvSpPr>
+        <p:spPr>
+          <a:xfrm>
+            <a:off x="1473200" y="1913467"/>
+            <a:ext cx="880369" cy="307777"/>
+          </a:xfrm>
+          <a:prstGeom prst="rect">
+            <a:avLst/>
+          </a:prstGeom>
+          <a:noFill/>
+        </p:spPr>
+        <p:txBody>
+          <a:bodyPr wrap="none" rtlCol="0">
+            <a:spAutoFit/>
+          </a:bodyPr>
+          <a:lstStyle/>
+          <a:p>
+            <a:r>
+              <a:rPr lang="en-US" dirty="0" smtClean="0"/>
+              <a:t>The Talk</a:t>
+            </a:r>
+            <a:endParaRPr lang="en-US" dirty="0"/>
+          </a:p>
+        </p:txBody>
+      </p:sp>
+      <p:sp>
+        <p:nvSpPr>
+          <p:cNvPr id="5" name="TextBox 4"/>
+          <p:cNvSpPr txBox="1"/>
+          <p:nvPr/>
+        </p:nvSpPr>
+        <p:spPr>
+          <a:xfrm>
+            <a:off x="8602133" y="2150533"/>
+            <a:ext cx="433132" cy="307777"/>
+          </a:xfrm>
+          <a:prstGeom prst="rect">
+            <a:avLst/>
+          </a:prstGeom>
+          <a:noFill/>
+        </p:spPr>
+        <p:txBody>
+          <a:bodyPr wrap="none" rtlCol="0">
+            <a:spAutoFit/>
+          </a:bodyPr>
+          <a:lstStyle/>
+          <a:p>
+            <a:r>
+              <a:rPr lang="en-US" dirty="0" smtClean="0"/>
+              <a:t>Me</a:t>
+            </a:r>
+            <a:endParaRPr lang="en-US" dirty="0"/>
+          </a:p>
+        </p:txBody>
+      </p:sp>
+      <p:sp>
+        <p:nvSpPr>
+          <p:cNvPr id="6" name="TextBox 5"/>
+          <p:cNvSpPr txBox="1"/>
+          <p:nvPr/>
+        </p:nvSpPr>
+        <p:spPr>
+          <a:xfrm>
+            <a:off x="8280400" y="2895600"/>
+            <a:ext cx="3708066" cy="523220"/>
+          </a:xfrm>
+          <a:prstGeom prst="rect">
+            <a:avLst/>
+          </a:prstGeom>
+          <a:noFill/>
+        </p:spPr>
+        <p:txBody>
+          <a:bodyPr wrap="none" rtlCol="0">
+            <a:spAutoFit/>
+          </a:bodyPr>
+          <a:lstStyle/>
+          <a:p>
+            <a:r>
+              <a:rPr lang="en-US" dirty="0" smtClean="0"/>
+              <a:t>John Nelson is a developer at </a:t>
+            </a:r>
+            <a:r>
+              <a:rPr lang="en-US" dirty="0" err="1" smtClean="0"/>
+              <a:t>CodeScience</a:t>
+            </a:r>
+            <a:r>
+              <a:rPr lang="en-US" dirty="0" smtClean="0"/>
+              <a:t>.</a:t>
+            </a:r>
+          </a:p>
+          <a:p>
+            <a:r>
+              <a:rPr lang="en-US" smtClean="0"/>
+              <a:t> </a:t>
+            </a:r>
+            <a:endParaRPr lang="en-US" dirty="0"/>
+          </a:p>
+        </p:txBody>
+      </p:sp>
+    </p:spTree>
+    <p:extLst>
+      <p:ext uri="{BB962C8B-B14F-4D97-AF65-F5344CB8AC3E}">
+        <p14:creationId xmlns:p14="http://schemas.microsoft.com/office/powerpoint/2010/main" val="1266069472"/>
+      </p:ext>
+    </p:extLst>
+  </p:cSld>
+  <p:clrMapOvr>
+    <a:masterClrMapping/>
+  </p:clrMapOvr>
+</p:sld>
+</file>
+
 <file path=ppt/slides/slide3.xml><?xml version="1.0" encoding="utf-8"?>
 <p:sld xmlns:a="http://schemas.openxmlformats.org/drawingml/2006/main" xmlns:r="http://schemas.openxmlformats.org/officeDocument/2006/relationships" xmlns:p="http://schemas.openxmlformats.org/presentationml/2006/main">
   <p:cSld>
